--- a/Гамов Павел Чтения.pptx
+++ b/Гамов Павел Чтения.pptx
@@ -8,10 +8,10 @@
     <p:sldId id="265" r:id="rId2"/>
     <p:sldId id="270" r:id="rId3"/>
     <p:sldId id="272" r:id="rId4"/>
-    <p:sldId id="266" r:id="rId5"/>
-    <p:sldId id="267" r:id="rId6"/>
-    <p:sldId id="268" r:id="rId7"/>
-    <p:sldId id="269" r:id="rId8"/>
+    <p:sldId id="273" r:id="rId5"/>
+    <p:sldId id="274" r:id="rId6"/>
+    <p:sldId id="275" r:id="rId7"/>
+    <p:sldId id="276" r:id="rId8"/>
   </p:sldIdLst>
   <p:sldSz cx="12192000" cy="6858000"/>
   <p:notesSz cx="6858000" cy="9144000"/>
@@ -129,6 +129,4678 @@
 </p:presentation>
 </file>
 
+<file path=ppt/charts/chart1.xml><?xml version="1.0" encoding="utf-8"?>
+<c:chartSpace xmlns:c="http://schemas.openxmlformats.org/drawingml/2006/chart" xmlns:a="http://schemas.openxmlformats.org/drawingml/2006/main" xmlns:r="http://schemas.openxmlformats.org/officeDocument/2006/relationships" xmlns:c16r2="http://schemas.microsoft.com/office/drawing/2015/06/chart">
+  <c:date1904 val="0"/>
+  <c:lang val="ru-RU"/>
+  <c:roundedCorners val="0"/>
+  <mc:AlternateContent xmlns:mc="http://schemas.openxmlformats.org/markup-compatibility/2006">
+    <mc:Choice xmlns:c14="http://schemas.microsoft.com/office/drawing/2007/8/2/chart" Requires="c14">
+      <c14:style val="102"/>
+    </mc:Choice>
+    <mc:Fallback>
+      <c:style val="2"/>
+    </mc:Fallback>
+  </mc:AlternateContent>
+  <c:chart>
+    <c:title>
+      <c:tx>
+        <c:rich>
+          <a:bodyPr rot="0" spcFirstLastPara="1" vertOverflow="ellipsis" vert="horz" wrap="square" anchor="ctr" anchorCtr="1"/>
+          <a:lstStyle/>
+          <a:p>
+            <a:pPr>
+              <a:defRPr sz="1862" b="0" i="0" u="none" strike="noStrike" kern="1200" spc="0" baseline="0">
+                <a:solidFill>
+                  <a:schemeClr val="tx1">
+                    <a:lumMod val="65000"/>
+                    <a:lumOff val="35000"/>
+                  </a:schemeClr>
+                </a:solidFill>
+                <a:latin typeface="+mn-lt"/>
+                <a:ea typeface="+mn-ea"/>
+                <a:cs typeface="+mn-cs"/>
+              </a:defRPr>
+            </a:pPr>
+            <a:r>
+              <a:rPr lang="ru-RU"/>
+              <a:t>Поиск простых чисел</a:t>
+            </a:r>
+          </a:p>
+        </c:rich>
+      </c:tx>
+      <c:overlay val="0"/>
+      <c:spPr>
+        <a:noFill/>
+        <a:ln>
+          <a:noFill/>
+        </a:ln>
+        <a:effectLst/>
+      </c:spPr>
+      <c:txPr>
+        <a:bodyPr rot="0" spcFirstLastPara="1" vertOverflow="ellipsis" vert="horz" wrap="square" anchor="ctr" anchorCtr="1"/>
+        <a:lstStyle/>
+        <a:p>
+          <a:pPr>
+            <a:defRPr sz="1862" b="0" i="0" u="none" strike="noStrike" kern="1200" spc="0" baseline="0">
+              <a:solidFill>
+                <a:schemeClr val="tx1">
+                  <a:lumMod val="65000"/>
+                  <a:lumOff val="35000"/>
+                </a:schemeClr>
+              </a:solidFill>
+              <a:latin typeface="+mn-lt"/>
+              <a:ea typeface="+mn-ea"/>
+              <a:cs typeface="+mn-cs"/>
+            </a:defRPr>
+          </a:pPr>
+          <a:endParaRPr lang="ru-RU"/>
+        </a:p>
+      </c:txPr>
+    </c:title>
+    <c:autoTitleDeleted val="0"/>
+    <c:plotArea>
+      <c:layout/>
+      <c:lineChart>
+        <c:grouping val="standard"/>
+        <c:varyColors val="0"/>
+        <c:ser>
+          <c:idx val="0"/>
+          <c:order val="0"/>
+          <c:tx>
+            <c:strRef>
+              <c:f>Лист1!$B$1</c:f>
+              <c:strCache>
+                <c:ptCount val="1"/>
+                <c:pt idx="0">
+                  <c:v>Решето Эратостфена</c:v>
+                </c:pt>
+              </c:strCache>
+            </c:strRef>
+          </c:tx>
+          <c:spPr>
+            <a:ln w="28575" cap="rnd">
+              <a:solidFill>
+                <a:schemeClr val="accent1"/>
+              </a:solidFill>
+              <a:round/>
+            </a:ln>
+            <a:effectLst/>
+          </c:spPr>
+          <c:marker>
+            <c:symbol val="circle"/>
+            <c:size val="5"/>
+            <c:spPr>
+              <a:solidFill>
+                <a:schemeClr val="accent1"/>
+              </a:solidFill>
+              <a:ln w="9525">
+                <a:solidFill>
+                  <a:schemeClr val="accent1"/>
+                </a:solidFill>
+              </a:ln>
+              <a:effectLst/>
+            </c:spPr>
+          </c:marker>
+          <c:cat>
+            <c:strRef>
+              <c:f>Лист1!$A$2:$A$7</c:f>
+              <c:strCache>
+                <c:ptCount val="5"/>
+                <c:pt idx="0">
+                  <c:v>10^5</c:v>
+                </c:pt>
+                <c:pt idx="1">
+                  <c:v>10^8</c:v>
+                </c:pt>
+                <c:pt idx="2">
+                  <c:v>10^10</c:v>
+                </c:pt>
+                <c:pt idx="3">
+                  <c:v>10^12</c:v>
+                </c:pt>
+                <c:pt idx="4">
+                  <c:v>10^15</c:v>
+                </c:pt>
+              </c:strCache>
+            </c:strRef>
+          </c:cat>
+          <c:val>
+            <c:numRef>
+              <c:f>Лист1!$B$2:$B$7</c:f>
+              <c:numCache>
+                <c:formatCode>General</c:formatCode>
+                <c:ptCount val="6"/>
+                <c:pt idx="0">
+                  <c:v>0.2</c:v>
+                </c:pt>
+                <c:pt idx="1">
+                  <c:v>0.9</c:v>
+                </c:pt>
+                <c:pt idx="2">
+                  <c:v>4.5</c:v>
+                </c:pt>
+                <c:pt idx="3">
+                  <c:v>10.5</c:v>
+                </c:pt>
+                <c:pt idx="4">
+                  <c:v>20.100000000000001</c:v>
+                </c:pt>
+              </c:numCache>
+            </c:numRef>
+          </c:val>
+          <c:smooth val="0"/>
+          <c:extLst>
+            <c:ext xmlns:c16="http://schemas.microsoft.com/office/drawing/2014/chart" uri="{C3380CC4-5D6E-409C-BE32-E72D297353CC}">
+              <c16:uniqueId val="{00000000-C44E-4F24-B52B-1DA011878209}"/>
+            </c:ext>
+          </c:extLst>
+        </c:ser>
+        <c:ser>
+          <c:idx val="1"/>
+          <c:order val="1"/>
+          <c:tx>
+            <c:strRef>
+              <c:f>Лист1!$C$1</c:f>
+              <c:strCache>
+                <c:ptCount val="1"/>
+                <c:pt idx="0">
+                  <c:v>Решето Аткина</c:v>
+                </c:pt>
+              </c:strCache>
+            </c:strRef>
+          </c:tx>
+          <c:spPr>
+            <a:ln w="28575" cap="rnd">
+              <a:solidFill>
+                <a:schemeClr val="accent2"/>
+              </a:solidFill>
+              <a:round/>
+            </a:ln>
+            <a:effectLst/>
+          </c:spPr>
+          <c:marker>
+            <c:symbol val="circle"/>
+            <c:size val="5"/>
+            <c:spPr>
+              <a:solidFill>
+                <a:schemeClr val="accent2"/>
+              </a:solidFill>
+              <a:ln w="9525">
+                <a:solidFill>
+                  <a:schemeClr val="accent2"/>
+                </a:solidFill>
+              </a:ln>
+              <a:effectLst/>
+            </c:spPr>
+          </c:marker>
+          <c:cat>
+            <c:strRef>
+              <c:f>Лист1!$A$2:$A$7</c:f>
+              <c:strCache>
+                <c:ptCount val="5"/>
+                <c:pt idx="0">
+                  <c:v>10^5</c:v>
+                </c:pt>
+                <c:pt idx="1">
+                  <c:v>10^8</c:v>
+                </c:pt>
+                <c:pt idx="2">
+                  <c:v>10^10</c:v>
+                </c:pt>
+                <c:pt idx="3">
+                  <c:v>10^12</c:v>
+                </c:pt>
+                <c:pt idx="4">
+                  <c:v>10^15</c:v>
+                </c:pt>
+              </c:strCache>
+            </c:strRef>
+          </c:cat>
+          <c:val>
+            <c:numRef>
+              <c:f>Лист1!$C$2:$C$7</c:f>
+              <c:numCache>
+                <c:formatCode>General</c:formatCode>
+                <c:ptCount val="6"/>
+                <c:pt idx="0">
+                  <c:v>0.1</c:v>
+                </c:pt>
+                <c:pt idx="1">
+                  <c:v>0.8</c:v>
+                </c:pt>
+                <c:pt idx="2">
+                  <c:v>4.0999999999999996</c:v>
+                </c:pt>
+                <c:pt idx="3">
+                  <c:v>9.4</c:v>
+                </c:pt>
+                <c:pt idx="4">
+                  <c:v>18.2</c:v>
+                </c:pt>
+              </c:numCache>
+            </c:numRef>
+          </c:val>
+          <c:smooth val="0"/>
+          <c:extLst>
+            <c:ext xmlns:c16="http://schemas.microsoft.com/office/drawing/2014/chart" uri="{C3380CC4-5D6E-409C-BE32-E72D297353CC}">
+              <c16:uniqueId val="{00000001-C44E-4F24-B52B-1DA011878209}"/>
+            </c:ext>
+          </c:extLst>
+        </c:ser>
+        <c:dLbls>
+          <c:showLegendKey val="0"/>
+          <c:showVal val="0"/>
+          <c:showCatName val="0"/>
+          <c:showSerName val="0"/>
+          <c:showPercent val="0"/>
+          <c:showBubbleSize val="0"/>
+        </c:dLbls>
+        <c:marker val="1"/>
+        <c:smooth val="0"/>
+        <c:axId val="374837744"/>
+        <c:axId val="374836104"/>
+      </c:lineChart>
+      <c:catAx>
+        <c:axId val="374837744"/>
+        <c:scaling>
+          <c:orientation val="minMax"/>
+        </c:scaling>
+        <c:delete val="0"/>
+        <c:axPos val="b"/>
+        <c:title>
+          <c:tx>
+            <c:rich>
+              <a:bodyPr rot="0" spcFirstLastPara="1" vertOverflow="ellipsis" vert="horz" wrap="square" anchor="ctr" anchorCtr="1"/>
+              <a:lstStyle/>
+              <a:p>
+                <a:pPr>
+                  <a:defRPr sz="1330" b="0" i="0" u="none" strike="noStrike" kern="1200" baseline="0">
+                    <a:solidFill>
+                      <a:schemeClr val="tx1">
+                        <a:lumMod val="65000"/>
+                        <a:lumOff val="35000"/>
+                      </a:schemeClr>
+                    </a:solidFill>
+                    <a:latin typeface="+mn-lt"/>
+                    <a:ea typeface="+mn-ea"/>
+                    <a:cs typeface="+mn-cs"/>
+                  </a:defRPr>
+                </a:pPr>
+                <a:r>
+                  <a:rPr lang="ru-RU" dirty="0"/>
+                  <a:t>Размер факторной</a:t>
+                </a:r>
+                <a:r>
+                  <a:rPr lang="ru-RU" baseline="0" dirty="0"/>
+                  <a:t> базы</a:t>
+                </a:r>
+                <a:endParaRPr lang="ru-RU" dirty="0"/>
+              </a:p>
+            </c:rich>
+          </c:tx>
+          <c:overlay val="0"/>
+          <c:spPr>
+            <a:noFill/>
+            <a:ln>
+              <a:noFill/>
+            </a:ln>
+            <a:effectLst/>
+          </c:spPr>
+          <c:txPr>
+            <a:bodyPr rot="0" spcFirstLastPara="1" vertOverflow="ellipsis" vert="horz" wrap="square" anchor="ctr" anchorCtr="1"/>
+            <a:lstStyle/>
+            <a:p>
+              <a:pPr>
+                <a:defRPr sz="1330" b="0" i="0" u="none" strike="noStrike" kern="1200" baseline="0">
+                  <a:solidFill>
+                    <a:schemeClr val="tx1">
+                      <a:lumMod val="65000"/>
+                      <a:lumOff val="35000"/>
+                    </a:schemeClr>
+                  </a:solidFill>
+                  <a:latin typeface="+mn-lt"/>
+                  <a:ea typeface="+mn-ea"/>
+                  <a:cs typeface="+mn-cs"/>
+                </a:defRPr>
+              </a:pPr>
+              <a:endParaRPr lang="ru-RU"/>
+            </a:p>
+          </c:txPr>
+        </c:title>
+        <c:numFmt formatCode="General" sourceLinked="1"/>
+        <c:majorTickMark val="none"/>
+        <c:minorTickMark val="none"/>
+        <c:tickLblPos val="nextTo"/>
+        <c:spPr>
+          <a:noFill/>
+          <a:ln w="9525" cap="flat" cmpd="sng" algn="ctr">
+            <a:solidFill>
+              <a:schemeClr val="tx1">
+                <a:lumMod val="15000"/>
+                <a:lumOff val="85000"/>
+              </a:schemeClr>
+            </a:solidFill>
+            <a:round/>
+          </a:ln>
+          <a:effectLst/>
+        </c:spPr>
+        <c:txPr>
+          <a:bodyPr rot="-60000000" spcFirstLastPara="1" vertOverflow="ellipsis" vert="horz" wrap="square" anchor="ctr" anchorCtr="1"/>
+          <a:lstStyle/>
+          <a:p>
+            <a:pPr>
+              <a:defRPr sz="1197" b="0" i="0" u="none" strike="noStrike" kern="1200" baseline="0">
+                <a:solidFill>
+                  <a:schemeClr val="tx1">
+                    <a:lumMod val="65000"/>
+                    <a:lumOff val="35000"/>
+                  </a:schemeClr>
+                </a:solidFill>
+                <a:latin typeface="+mn-lt"/>
+                <a:ea typeface="+mn-ea"/>
+                <a:cs typeface="+mn-cs"/>
+              </a:defRPr>
+            </a:pPr>
+            <a:endParaRPr lang="ru-RU"/>
+          </a:p>
+        </c:txPr>
+        <c:crossAx val="374836104"/>
+        <c:crosses val="autoZero"/>
+        <c:auto val="1"/>
+        <c:lblAlgn val="ctr"/>
+        <c:lblOffset val="100"/>
+        <c:noMultiLvlLbl val="0"/>
+      </c:catAx>
+      <c:valAx>
+        <c:axId val="374836104"/>
+        <c:scaling>
+          <c:orientation val="minMax"/>
+        </c:scaling>
+        <c:delete val="0"/>
+        <c:axPos val="l"/>
+        <c:majorGridlines>
+          <c:spPr>
+            <a:ln w="9525" cap="flat" cmpd="sng" algn="ctr">
+              <a:solidFill>
+                <a:schemeClr val="tx1">
+                  <a:lumMod val="15000"/>
+                  <a:lumOff val="85000"/>
+                </a:schemeClr>
+              </a:solidFill>
+              <a:round/>
+            </a:ln>
+            <a:effectLst/>
+          </c:spPr>
+        </c:majorGridlines>
+        <c:title>
+          <c:tx>
+            <c:rich>
+              <a:bodyPr rot="-5400000" spcFirstLastPara="1" vertOverflow="ellipsis" vert="horz" wrap="square" anchor="ctr" anchorCtr="1"/>
+              <a:lstStyle/>
+              <a:p>
+                <a:pPr>
+                  <a:defRPr sz="1330" b="0" i="0" u="none" strike="noStrike" kern="1200" baseline="0">
+                    <a:solidFill>
+                      <a:schemeClr val="tx1">
+                        <a:lumMod val="65000"/>
+                        <a:lumOff val="35000"/>
+                      </a:schemeClr>
+                    </a:solidFill>
+                    <a:latin typeface="+mn-lt"/>
+                    <a:ea typeface="+mn-ea"/>
+                    <a:cs typeface="+mn-cs"/>
+                  </a:defRPr>
+                </a:pPr>
+                <a:r>
+                  <a:rPr lang="ru-RU" dirty="0"/>
+                  <a:t>Время</a:t>
+                </a:r>
+                <a:r>
+                  <a:rPr lang="ru-RU" baseline="0" dirty="0"/>
+                  <a:t> в секундах</a:t>
+                </a:r>
+                <a:endParaRPr lang="ru-RU" dirty="0"/>
+              </a:p>
+            </c:rich>
+          </c:tx>
+          <c:overlay val="0"/>
+          <c:spPr>
+            <a:noFill/>
+            <a:ln>
+              <a:noFill/>
+            </a:ln>
+            <a:effectLst/>
+          </c:spPr>
+          <c:txPr>
+            <a:bodyPr rot="-5400000" spcFirstLastPara="1" vertOverflow="ellipsis" vert="horz" wrap="square" anchor="ctr" anchorCtr="1"/>
+            <a:lstStyle/>
+            <a:p>
+              <a:pPr>
+                <a:defRPr sz="1330" b="0" i="0" u="none" strike="noStrike" kern="1200" baseline="0">
+                  <a:solidFill>
+                    <a:schemeClr val="tx1">
+                      <a:lumMod val="65000"/>
+                      <a:lumOff val="35000"/>
+                    </a:schemeClr>
+                  </a:solidFill>
+                  <a:latin typeface="+mn-lt"/>
+                  <a:ea typeface="+mn-ea"/>
+                  <a:cs typeface="+mn-cs"/>
+                </a:defRPr>
+              </a:pPr>
+              <a:endParaRPr lang="ru-RU"/>
+            </a:p>
+          </c:txPr>
+        </c:title>
+        <c:numFmt formatCode="General" sourceLinked="1"/>
+        <c:majorTickMark val="none"/>
+        <c:minorTickMark val="none"/>
+        <c:tickLblPos val="nextTo"/>
+        <c:spPr>
+          <a:noFill/>
+          <a:ln>
+            <a:noFill/>
+          </a:ln>
+          <a:effectLst/>
+        </c:spPr>
+        <c:txPr>
+          <a:bodyPr rot="-60000000" spcFirstLastPara="1" vertOverflow="ellipsis" vert="horz" wrap="square" anchor="ctr" anchorCtr="1"/>
+          <a:lstStyle/>
+          <a:p>
+            <a:pPr>
+              <a:defRPr sz="1197" b="0" i="0" u="none" strike="noStrike" kern="1200" baseline="0">
+                <a:solidFill>
+                  <a:schemeClr val="tx1">
+                    <a:lumMod val="65000"/>
+                    <a:lumOff val="35000"/>
+                  </a:schemeClr>
+                </a:solidFill>
+                <a:latin typeface="+mn-lt"/>
+                <a:ea typeface="+mn-ea"/>
+                <a:cs typeface="+mn-cs"/>
+              </a:defRPr>
+            </a:pPr>
+            <a:endParaRPr lang="ru-RU"/>
+          </a:p>
+        </c:txPr>
+        <c:crossAx val="374837744"/>
+        <c:crosses val="autoZero"/>
+        <c:crossBetween val="between"/>
+      </c:valAx>
+      <c:spPr>
+        <a:noFill/>
+        <a:ln>
+          <a:noFill/>
+        </a:ln>
+        <a:effectLst/>
+      </c:spPr>
+    </c:plotArea>
+    <c:legend>
+      <c:legendPos val="b"/>
+      <c:overlay val="0"/>
+      <c:spPr>
+        <a:noFill/>
+        <a:ln>
+          <a:noFill/>
+        </a:ln>
+        <a:effectLst/>
+      </c:spPr>
+      <c:txPr>
+        <a:bodyPr rot="0" spcFirstLastPara="1" vertOverflow="ellipsis" vert="horz" wrap="square" anchor="ctr" anchorCtr="1"/>
+        <a:lstStyle/>
+        <a:p>
+          <a:pPr>
+            <a:defRPr sz="1197" b="0" i="0" u="none" strike="noStrike" kern="1200" baseline="0">
+              <a:solidFill>
+                <a:schemeClr val="tx1">
+                  <a:lumMod val="65000"/>
+                  <a:lumOff val="35000"/>
+                </a:schemeClr>
+              </a:solidFill>
+              <a:latin typeface="+mn-lt"/>
+              <a:ea typeface="+mn-ea"/>
+              <a:cs typeface="+mn-cs"/>
+            </a:defRPr>
+          </a:pPr>
+          <a:endParaRPr lang="ru-RU"/>
+        </a:p>
+      </c:txPr>
+    </c:legend>
+    <c:plotVisOnly val="1"/>
+    <c:dispBlanksAs val="gap"/>
+    <c:extLst>
+      <c:ext xmlns:c16r3="http://schemas.microsoft.com/office/drawing/2017/03/chart" uri="{56B9EC1D-385E-4148-901F-78D8002777C0}">
+        <c16r3:dataDisplayOptions16>
+          <c16r3:dispNaAsBlank val="1"/>
+        </c16r3:dataDisplayOptions16>
+      </c:ext>
+    </c:extLst>
+    <c:showDLblsOverMax val="0"/>
+  </c:chart>
+  <c:spPr>
+    <a:noFill/>
+    <a:ln>
+      <a:noFill/>
+    </a:ln>
+    <a:effectLst/>
+  </c:spPr>
+  <c:txPr>
+    <a:bodyPr/>
+    <a:lstStyle/>
+    <a:p>
+      <a:pPr>
+        <a:defRPr/>
+      </a:pPr>
+      <a:endParaRPr lang="ru-RU"/>
+    </a:p>
+  </c:txPr>
+  <c:externalData r:id="rId3">
+    <c:autoUpdate val="0"/>
+  </c:externalData>
+</c:chartSpace>
+</file>
+
+<file path=ppt/charts/chart2.xml><?xml version="1.0" encoding="utf-8"?>
+<c:chartSpace xmlns:c="http://schemas.openxmlformats.org/drawingml/2006/chart" xmlns:a="http://schemas.openxmlformats.org/drawingml/2006/main" xmlns:r="http://schemas.openxmlformats.org/officeDocument/2006/relationships" xmlns:c16r2="http://schemas.microsoft.com/office/drawing/2015/06/chart">
+  <c:date1904 val="0"/>
+  <c:lang val="ru-RU"/>
+  <c:roundedCorners val="0"/>
+  <mc:AlternateContent xmlns:mc="http://schemas.openxmlformats.org/markup-compatibility/2006">
+    <mc:Choice xmlns:c14="http://schemas.microsoft.com/office/drawing/2007/8/2/chart" Requires="c14">
+      <c14:style val="102"/>
+    </mc:Choice>
+    <mc:Fallback>
+      <c:style val="2"/>
+    </mc:Fallback>
+  </mc:AlternateContent>
+  <c:chart>
+    <c:title>
+      <c:tx>
+        <c:rich>
+          <a:bodyPr rot="0" spcFirstLastPara="1" vertOverflow="ellipsis" vert="horz" wrap="square" anchor="ctr" anchorCtr="1"/>
+          <a:lstStyle/>
+          <a:p>
+            <a:pPr>
+              <a:defRPr sz="1862" b="0" i="0" u="none" strike="noStrike" kern="1200" spc="0" baseline="0">
+                <a:solidFill>
+                  <a:schemeClr val="tx1">
+                    <a:lumMod val="65000"/>
+                    <a:lumOff val="35000"/>
+                  </a:schemeClr>
+                </a:solidFill>
+                <a:latin typeface="+mn-lt"/>
+                <a:ea typeface="+mn-ea"/>
+                <a:cs typeface="+mn-cs"/>
+              </a:defRPr>
+            </a:pPr>
+            <a:r>
+              <a:rPr lang="ru-RU"/>
+              <a:t>Просеивание</a:t>
+            </a:r>
+          </a:p>
+        </c:rich>
+      </c:tx>
+      <c:overlay val="0"/>
+      <c:spPr>
+        <a:noFill/>
+        <a:ln>
+          <a:noFill/>
+        </a:ln>
+        <a:effectLst/>
+      </c:spPr>
+      <c:txPr>
+        <a:bodyPr rot="0" spcFirstLastPara="1" vertOverflow="ellipsis" vert="horz" wrap="square" anchor="ctr" anchorCtr="1"/>
+        <a:lstStyle/>
+        <a:p>
+          <a:pPr>
+            <a:defRPr sz="1862" b="0" i="0" u="none" strike="noStrike" kern="1200" spc="0" baseline="0">
+              <a:solidFill>
+                <a:schemeClr val="tx1">
+                  <a:lumMod val="65000"/>
+                  <a:lumOff val="35000"/>
+                </a:schemeClr>
+              </a:solidFill>
+              <a:latin typeface="+mn-lt"/>
+              <a:ea typeface="+mn-ea"/>
+              <a:cs typeface="+mn-cs"/>
+            </a:defRPr>
+          </a:pPr>
+          <a:endParaRPr lang="ru-RU"/>
+        </a:p>
+      </c:txPr>
+    </c:title>
+    <c:autoTitleDeleted val="0"/>
+    <c:plotArea>
+      <c:layout/>
+      <c:lineChart>
+        <c:grouping val="standard"/>
+        <c:varyColors val="0"/>
+        <c:ser>
+          <c:idx val="0"/>
+          <c:order val="0"/>
+          <c:tx>
+            <c:strRef>
+              <c:f>Лист1!$B$1</c:f>
+              <c:strCache>
+                <c:ptCount val="1"/>
+                <c:pt idx="0">
+                  <c:v>Обычное просеивание</c:v>
+                </c:pt>
+              </c:strCache>
+            </c:strRef>
+          </c:tx>
+          <c:spPr>
+            <a:ln w="28575" cap="rnd">
+              <a:solidFill>
+                <a:schemeClr val="accent1"/>
+              </a:solidFill>
+              <a:round/>
+            </a:ln>
+            <a:effectLst/>
+          </c:spPr>
+          <c:marker>
+            <c:symbol val="circle"/>
+            <c:size val="5"/>
+            <c:spPr>
+              <a:solidFill>
+                <a:schemeClr val="accent1"/>
+              </a:solidFill>
+              <a:ln w="9525">
+                <a:solidFill>
+                  <a:schemeClr val="accent1"/>
+                </a:solidFill>
+              </a:ln>
+              <a:effectLst/>
+            </c:spPr>
+          </c:marker>
+          <c:cat>
+            <c:strRef>
+              <c:f>Лист1!$A$2:$A$8</c:f>
+              <c:strCache>
+                <c:ptCount val="6"/>
+                <c:pt idx="0">
+                  <c:v>500</c:v>
+                </c:pt>
+                <c:pt idx="1">
+                  <c:v>1000</c:v>
+                </c:pt>
+                <c:pt idx="2">
+                  <c:v>2000</c:v>
+                </c:pt>
+                <c:pt idx="3">
+                  <c:v>5000</c:v>
+                </c:pt>
+                <c:pt idx="4">
+                  <c:v>10^5</c:v>
+                </c:pt>
+                <c:pt idx="5">
+                  <c:v>10^7</c:v>
+                </c:pt>
+              </c:strCache>
+            </c:strRef>
+          </c:cat>
+          <c:val>
+            <c:numRef>
+              <c:f>Лист1!$B$2:$B$8</c:f>
+              <c:numCache>
+                <c:formatCode>General</c:formatCode>
+                <c:ptCount val="7"/>
+                <c:pt idx="0">
+                  <c:v>1</c:v>
+                </c:pt>
+                <c:pt idx="1">
+                  <c:v>4.5</c:v>
+                </c:pt>
+                <c:pt idx="2">
+                  <c:v>10</c:v>
+                </c:pt>
+                <c:pt idx="3">
+                  <c:v>20</c:v>
+                </c:pt>
+                <c:pt idx="4">
+                  <c:v>60</c:v>
+                </c:pt>
+                <c:pt idx="5">
+                  <c:v>100</c:v>
+                </c:pt>
+              </c:numCache>
+            </c:numRef>
+          </c:val>
+          <c:smooth val="0"/>
+          <c:extLst>
+            <c:ext xmlns:c16="http://schemas.microsoft.com/office/drawing/2014/chart" uri="{C3380CC4-5D6E-409C-BE32-E72D297353CC}">
+              <c16:uniqueId val="{00000000-C44E-4F24-B52B-1DA011878209}"/>
+            </c:ext>
+          </c:extLst>
+        </c:ser>
+        <c:ser>
+          <c:idx val="1"/>
+          <c:order val="1"/>
+          <c:tx>
+            <c:strRef>
+              <c:f>Лист1!$C$1</c:f>
+              <c:strCache>
+                <c:ptCount val="1"/>
+                <c:pt idx="0">
+                  <c:v>Мультипроцессорная реализация</c:v>
+                </c:pt>
+              </c:strCache>
+            </c:strRef>
+          </c:tx>
+          <c:spPr>
+            <a:ln w="28575" cap="rnd">
+              <a:solidFill>
+                <a:schemeClr val="accent2"/>
+              </a:solidFill>
+              <a:round/>
+            </a:ln>
+            <a:effectLst/>
+          </c:spPr>
+          <c:marker>
+            <c:symbol val="circle"/>
+            <c:size val="5"/>
+            <c:spPr>
+              <a:solidFill>
+                <a:schemeClr val="accent2"/>
+              </a:solidFill>
+              <a:ln w="9525">
+                <a:solidFill>
+                  <a:schemeClr val="accent2"/>
+                </a:solidFill>
+              </a:ln>
+              <a:effectLst/>
+            </c:spPr>
+          </c:marker>
+          <c:cat>
+            <c:strRef>
+              <c:f>Лист1!$A$2:$A$8</c:f>
+              <c:strCache>
+                <c:ptCount val="6"/>
+                <c:pt idx="0">
+                  <c:v>500</c:v>
+                </c:pt>
+                <c:pt idx="1">
+                  <c:v>1000</c:v>
+                </c:pt>
+                <c:pt idx="2">
+                  <c:v>2000</c:v>
+                </c:pt>
+                <c:pt idx="3">
+                  <c:v>5000</c:v>
+                </c:pt>
+                <c:pt idx="4">
+                  <c:v>10^5</c:v>
+                </c:pt>
+                <c:pt idx="5">
+                  <c:v>10^7</c:v>
+                </c:pt>
+              </c:strCache>
+            </c:strRef>
+          </c:cat>
+          <c:val>
+            <c:numRef>
+              <c:f>Лист1!$C$2:$C$8</c:f>
+              <c:numCache>
+                <c:formatCode>General</c:formatCode>
+                <c:ptCount val="7"/>
+                <c:pt idx="0">
+                  <c:v>0.4</c:v>
+                </c:pt>
+                <c:pt idx="1">
+                  <c:v>3.2</c:v>
+                </c:pt>
+                <c:pt idx="2">
+                  <c:v>8</c:v>
+                </c:pt>
+                <c:pt idx="3">
+                  <c:v>15</c:v>
+                </c:pt>
+                <c:pt idx="4">
+                  <c:v>40</c:v>
+                </c:pt>
+                <c:pt idx="5">
+                  <c:v>80</c:v>
+                </c:pt>
+              </c:numCache>
+            </c:numRef>
+          </c:val>
+          <c:smooth val="0"/>
+          <c:extLst>
+            <c:ext xmlns:c16="http://schemas.microsoft.com/office/drawing/2014/chart" uri="{C3380CC4-5D6E-409C-BE32-E72D297353CC}">
+              <c16:uniqueId val="{00000001-C44E-4F24-B52B-1DA011878209}"/>
+            </c:ext>
+          </c:extLst>
+        </c:ser>
+        <c:dLbls>
+          <c:showLegendKey val="0"/>
+          <c:showVal val="0"/>
+          <c:showCatName val="0"/>
+          <c:showSerName val="0"/>
+          <c:showPercent val="0"/>
+          <c:showBubbleSize val="0"/>
+        </c:dLbls>
+        <c:marker val="1"/>
+        <c:smooth val="0"/>
+        <c:axId val="374837744"/>
+        <c:axId val="374836104"/>
+      </c:lineChart>
+      <c:catAx>
+        <c:axId val="374837744"/>
+        <c:scaling>
+          <c:orientation val="minMax"/>
+        </c:scaling>
+        <c:delete val="0"/>
+        <c:axPos val="b"/>
+        <c:title>
+          <c:tx>
+            <c:rich>
+              <a:bodyPr rot="0" spcFirstLastPara="1" vertOverflow="ellipsis" vert="horz" wrap="square" anchor="ctr" anchorCtr="1"/>
+              <a:lstStyle/>
+              <a:p>
+                <a:pPr>
+                  <a:defRPr sz="1330" b="0" i="0" u="none" strike="noStrike" kern="1200" baseline="0">
+                    <a:solidFill>
+                      <a:schemeClr val="tx1">
+                        <a:lumMod val="65000"/>
+                        <a:lumOff val="35000"/>
+                      </a:schemeClr>
+                    </a:solidFill>
+                    <a:latin typeface="+mn-lt"/>
+                    <a:ea typeface="+mn-ea"/>
+                    <a:cs typeface="+mn-cs"/>
+                  </a:defRPr>
+                </a:pPr>
+                <a:r>
+                  <a:rPr lang="ru-RU"/>
+                  <a:t>Кол-во простых чисел</a:t>
+                </a:r>
+              </a:p>
+            </c:rich>
+          </c:tx>
+          <c:overlay val="0"/>
+          <c:spPr>
+            <a:noFill/>
+            <a:ln>
+              <a:noFill/>
+            </a:ln>
+            <a:effectLst/>
+          </c:spPr>
+          <c:txPr>
+            <a:bodyPr rot="0" spcFirstLastPara="1" vertOverflow="ellipsis" vert="horz" wrap="square" anchor="ctr" anchorCtr="1"/>
+            <a:lstStyle/>
+            <a:p>
+              <a:pPr>
+                <a:defRPr sz="1330" b="0" i="0" u="none" strike="noStrike" kern="1200" baseline="0">
+                  <a:solidFill>
+                    <a:schemeClr val="tx1">
+                      <a:lumMod val="65000"/>
+                      <a:lumOff val="35000"/>
+                    </a:schemeClr>
+                  </a:solidFill>
+                  <a:latin typeface="+mn-lt"/>
+                  <a:ea typeface="+mn-ea"/>
+                  <a:cs typeface="+mn-cs"/>
+                </a:defRPr>
+              </a:pPr>
+              <a:endParaRPr lang="ru-RU"/>
+            </a:p>
+          </c:txPr>
+        </c:title>
+        <c:numFmt formatCode="General" sourceLinked="1"/>
+        <c:majorTickMark val="none"/>
+        <c:minorTickMark val="none"/>
+        <c:tickLblPos val="nextTo"/>
+        <c:spPr>
+          <a:noFill/>
+          <a:ln w="9525" cap="flat" cmpd="sng" algn="ctr">
+            <a:solidFill>
+              <a:schemeClr val="tx1">
+                <a:lumMod val="15000"/>
+                <a:lumOff val="85000"/>
+              </a:schemeClr>
+            </a:solidFill>
+            <a:round/>
+          </a:ln>
+          <a:effectLst/>
+        </c:spPr>
+        <c:txPr>
+          <a:bodyPr rot="-60000000" spcFirstLastPara="1" vertOverflow="ellipsis" vert="horz" wrap="square" anchor="ctr" anchorCtr="1"/>
+          <a:lstStyle/>
+          <a:p>
+            <a:pPr>
+              <a:defRPr sz="1197" b="0" i="0" u="none" strike="noStrike" kern="1200" baseline="0">
+                <a:solidFill>
+                  <a:schemeClr val="tx1">
+                    <a:lumMod val="65000"/>
+                    <a:lumOff val="35000"/>
+                  </a:schemeClr>
+                </a:solidFill>
+                <a:latin typeface="+mn-lt"/>
+                <a:ea typeface="+mn-ea"/>
+                <a:cs typeface="+mn-cs"/>
+              </a:defRPr>
+            </a:pPr>
+            <a:endParaRPr lang="ru-RU"/>
+          </a:p>
+        </c:txPr>
+        <c:crossAx val="374836104"/>
+        <c:crosses val="autoZero"/>
+        <c:auto val="1"/>
+        <c:lblAlgn val="ctr"/>
+        <c:lblOffset val="100"/>
+        <c:noMultiLvlLbl val="0"/>
+      </c:catAx>
+      <c:valAx>
+        <c:axId val="374836104"/>
+        <c:scaling>
+          <c:orientation val="minMax"/>
+        </c:scaling>
+        <c:delete val="0"/>
+        <c:axPos val="l"/>
+        <c:majorGridlines>
+          <c:spPr>
+            <a:ln w="9525" cap="flat" cmpd="sng" algn="ctr">
+              <a:solidFill>
+                <a:schemeClr val="tx1">
+                  <a:lumMod val="15000"/>
+                  <a:lumOff val="85000"/>
+                </a:schemeClr>
+              </a:solidFill>
+              <a:round/>
+            </a:ln>
+            <a:effectLst/>
+          </c:spPr>
+        </c:majorGridlines>
+        <c:title>
+          <c:tx>
+            <c:rich>
+              <a:bodyPr rot="-5400000" spcFirstLastPara="1" vertOverflow="ellipsis" vert="horz" wrap="square" anchor="ctr" anchorCtr="1"/>
+              <a:lstStyle/>
+              <a:p>
+                <a:pPr>
+                  <a:defRPr sz="1330" b="0" i="0" u="none" strike="noStrike" kern="1200" baseline="0">
+                    <a:solidFill>
+                      <a:schemeClr val="tx1">
+                        <a:lumMod val="65000"/>
+                        <a:lumOff val="35000"/>
+                      </a:schemeClr>
+                    </a:solidFill>
+                    <a:latin typeface="+mn-lt"/>
+                    <a:ea typeface="+mn-ea"/>
+                    <a:cs typeface="+mn-cs"/>
+                  </a:defRPr>
+                </a:pPr>
+                <a:r>
+                  <a:rPr lang="ru-RU"/>
+                  <a:t>Время в секундах</a:t>
+                </a:r>
+              </a:p>
+            </c:rich>
+          </c:tx>
+          <c:overlay val="0"/>
+          <c:spPr>
+            <a:noFill/>
+            <a:ln>
+              <a:noFill/>
+            </a:ln>
+            <a:effectLst/>
+          </c:spPr>
+          <c:txPr>
+            <a:bodyPr rot="-5400000" spcFirstLastPara="1" vertOverflow="ellipsis" vert="horz" wrap="square" anchor="ctr" anchorCtr="1"/>
+            <a:lstStyle/>
+            <a:p>
+              <a:pPr>
+                <a:defRPr sz="1330" b="0" i="0" u="none" strike="noStrike" kern="1200" baseline="0">
+                  <a:solidFill>
+                    <a:schemeClr val="tx1">
+                      <a:lumMod val="65000"/>
+                      <a:lumOff val="35000"/>
+                    </a:schemeClr>
+                  </a:solidFill>
+                  <a:latin typeface="+mn-lt"/>
+                  <a:ea typeface="+mn-ea"/>
+                  <a:cs typeface="+mn-cs"/>
+                </a:defRPr>
+              </a:pPr>
+              <a:endParaRPr lang="ru-RU"/>
+            </a:p>
+          </c:txPr>
+        </c:title>
+        <c:numFmt formatCode="General" sourceLinked="1"/>
+        <c:majorTickMark val="none"/>
+        <c:minorTickMark val="none"/>
+        <c:tickLblPos val="nextTo"/>
+        <c:spPr>
+          <a:noFill/>
+          <a:ln>
+            <a:noFill/>
+          </a:ln>
+          <a:effectLst/>
+        </c:spPr>
+        <c:txPr>
+          <a:bodyPr rot="-60000000" spcFirstLastPara="1" vertOverflow="ellipsis" vert="horz" wrap="square" anchor="ctr" anchorCtr="1"/>
+          <a:lstStyle/>
+          <a:p>
+            <a:pPr>
+              <a:defRPr sz="1197" b="0" i="0" u="none" strike="noStrike" kern="1200" baseline="0">
+                <a:solidFill>
+                  <a:schemeClr val="tx1">
+                    <a:lumMod val="65000"/>
+                    <a:lumOff val="35000"/>
+                  </a:schemeClr>
+                </a:solidFill>
+                <a:latin typeface="+mn-lt"/>
+                <a:ea typeface="+mn-ea"/>
+                <a:cs typeface="+mn-cs"/>
+              </a:defRPr>
+            </a:pPr>
+            <a:endParaRPr lang="ru-RU"/>
+          </a:p>
+        </c:txPr>
+        <c:crossAx val="374837744"/>
+        <c:crosses val="autoZero"/>
+        <c:crossBetween val="between"/>
+      </c:valAx>
+      <c:spPr>
+        <a:noFill/>
+        <a:ln>
+          <a:noFill/>
+        </a:ln>
+        <a:effectLst/>
+      </c:spPr>
+    </c:plotArea>
+    <c:legend>
+      <c:legendPos val="b"/>
+      <c:overlay val="0"/>
+      <c:spPr>
+        <a:noFill/>
+        <a:ln>
+          <a:noFill/>
+        </a:ln>
+        <a:effectLst/>
+      </c:spPr>
+      <c:txPr>
+        <a:bodyPr rot="0" spcFirstLastPara="1" vertOverflow="ellipsis" vert="horz" wrap="square" anchor="ctr" anchorCtr="1"/>
+        <a:lstStyle/>
+        <a:p>
+          <a:pPr>
+            <a:defRPr sz="1197" b="0" i="0" u="none" strike="noStrike" kern="1200" baseline="0">
+              <a:solidFill>
+                <a:schemeClr val="tx1">
+                  <a:lumMod val="65000"/>
+                  <a:lumOff val="35000"/>
+                </a:schemeClr>
+              </a:solidFill>
+              <a:latin typeface="+mn-lt"/>
+              <a:ea typeface="+mn-ea"/>
+              <a:cs typeface="+mn-cs"/>
+            </a:defRPr>
+          </a:pPr>
+          <a:endParaRPr lang="ru-RU"/>
+        </a:p>
+      </c:txPr>
+    </c:legend>
+    <c:plotVisOnly val="1"/>
+    <c:dispBlanksAs val="gap"/>
+    <c:extLst>
+      <c:ext xmlns:c16r3="http://schemas.microsoft.com/office/drawing/2017/03/chart" uri="{56B9EC1D-385E-4148-901F-78D8002777C0}">
+        <c16r3:dataDisplayOptions16>
+          <c16r3:dispNaAsBlank val="1"/>
+        </c16r3:dataDisplayOptions16>
+      </c:ext>
+    </c:extLst>
+    <c:showDLblsOverMax val="0"/>
+  </c:chart>
+  <c:spPr>
+    <a:noFill/>
+    <a:ln>
+      <a:noFill/>
+    </a:ln>
+    <a:effectLst/>
+  </c:spPr>
+  <c:txPr>
+    <a:bodyPr/>
+    <a:lstStyle/>
+    <a:p>
+      <a:pPr>
+        <a:defRPr/>
+      </a:pPr>
+      <a:endParaRPr lang="ru-RU"/>
+    </a:p>
+  </c:txPr>
+  <c:externalData r:id="rId3">
+    <c:autoUpdate val="0"/>
+  </c:externalData>
+</c:chartSpace>
+</file>
+
+<file path=ppt/charts/chart3.xml><?xml version="1.0" encoding="utf-8"?>
+<c:chartSpace xmlns:c="http://schemas.openxmlformats.org/drawingml/2006/chart" xmlns:a="http://schemas.openxmlformats.org/drawingml/2006/main" xmlns:r="http://schemas.openxmlformats.org/officeDocument/2006/relationships" xmlns:c16r2="http://schemas.microsoft.com/office/drawing/2015/06/chart">
+  <c:date1904 val="0"/>
+  <c:lang val="ru-RU"/>
+  <c:roundedCorners val="0"/>
+  <mc:AlternateContent xmlns:mc="http://schemas.openxmlformats.org/markup-compatibility/2006">
+    <mc:Choice xmlns:c14="http://schemas.microsoft.com/office/drawing/2007/8/2/chart" Requires="c14">
+      <c14:style val="102"/>
+    </mc:Choice>
+    <mc:Fallback>
+      <c:style val="2"/>
+    </mc:Fallback>
+  </mc:AlternateContent>
+  <c:chart>
+    <c:title>
+      <c:tx>
+        <c:rich>
+          <a:bodyPr rot="0" spcFirstLastPara="1" vertOverflow="ellipsis" vert="horz" wrap="square" anchor="ctr" anchorCtr="1"/>
+          <a:lstStyle/>
+          <a:p>
+            <a:pPr>
+              <a:defRPr sz="1862" b="0" i="0" u="none" strike="noStrike" kern="1200" spc="0" baseline="0">
+                <a:solidFill>
+                  <a:schemeClr val="tx1">
+                    <a:lumMod val="65000"/>
+                    <a:lumOff val="35000"/>
+                  </a:schemeClr>
+                </a:solidFill>
+                <a:latin typeface="+mn-lt"/>
+                <a:ea typeface="+mn-ea"/>
+                <a:cs typeface="+mn-cs"/>
+              </a:defRPr>
+            </a:pPr>
+            <a:r>
+              <a:rPr lang="ru-RU" dirty="0"/>
+              <a:t>Решение матрицы</a:t>
+            </a:r>
+          </a:p>
+        </c:rich>
+      </c:tx>
+      <c:overlay val="0"/>
+      <c:spPr>
+        <a:noFill/>
+        <a:ln>
+          <a:noFill/>
+        </a:ln>
+        <a:effectLst/>
+      </c:spPr>
+      <c:txPr>
+        <a:bodyPr rot="0" spcFirstLastPara="1" vertOverflow="ellipsis" vert="horz" wrap="square" anchor="ctr" anchorCtr="1"/>
+        <a:lstStyle/>
+        <a:p>
+          <a:pPr>
+            <a:defRPr sz="1862" b="0" i="0" u="none" strike="noStrike" kern="1200" spc="0" baseline="0">
+              <a:solidFill>
+                <a:schemeClr val="tx1">
+                  <a:lumMod val="65000"/>
+                  <a:lumOff val="35000"/>
+                </a:schemeClr>
+              </a:solidFill>
+              <a:latin typeface="+mn-lt"/>
+              <a:ea typeface="+mn-ea"/>
+              <a:cs typeface="+mn-cs"/>
+            </a:defRPr>
+          </a:pPr>
+          <a:endParaRPr lang="ru-RU"/>
+        </a:p>
+      </c:txPr>
+    </c:title>
+    <c:autoTitleDeleted val="0"/>
+    <c:plotArea>
+      <c:layout/>
+      <c:lineChart>
+        <c:grouping val="standard"/>
+        <c:varyColors val="0"/>
+        <c:ser>
+          <c:idx val="0"/>
+          <c:order val="0"/>
+          <c:tx>
+            <c:strRef>
+              <c:f>Лист1!$B$1</c:f>
+              <c:strCache>
+                <c:ptCount val="1"/>
+                <c:pt idx="0">
+                  <c:v>Метод Гаусса</c:v>
+                </c:pt>
+              </c:strCache>
+            </c:strRef>
+          </c:tx>
+          <c:spPr>
+            <a:ln w="28575" cap="rnd">
+              <a:solidFill>
+                <a:schemeClr val="accent1"/>
+              </a:solidFill>
+              <a:round/>
+            </a:ln>
+            <a:effectLst/>
+          </c:spPr>
+          <c:marker>
+            <c:symbol val="circle"/>
+            <c:size val="5"/>
+            <c:spPr>
+              <a:solidFill>
+                <a:schemeClr val="accent1"/>
+              </a:solidFill>
+              <a:ln w="9525">
+                <a:solidFill>
+                  <a:schemeClr val="accent1"/>
+                </a:solidFill>
+              </a:ln>
+              <a:effectLst/>
+            </c:spPr>
+          </c:marker>
+          <c:cat>
+            <c:strRef>
+              <c:f>Лист1!$A$2:$A$8</c:f>
+              <c:strCache>
+                <c:ptCount val="6"/>
+                <c:pt idx="0">
+                  <c:v>500</c:v>
+                </c:pt>
+                <c:pt idx="1">
+                  <c:v>1000</c:v>
+                </c:pt>
+                <c:pt idx="2">
+                  <c:v>2000</c:v>
+                </c:pt>
+                <c:pt idx="3">
+                  <c:v>5000</c:v>
+                </c:pt>
+                <c:pt idx="4">
+                  <c:v>10^5</c:v>
+                </c:pt>
+                <c:pt idx="5">
+                  <c:v>10^7</c:v>
+                </c:pt>
+              </c:strCache>
+            </c:strRef>
+          </c:cat>
+          <c:val>
+            <c:numRef>
+              <c:f>Лист1!$B$2:$B$8</c:f>
+              <c:numCache>
+                <c:formatCode>General</c:formatCode>
+                <c:ptCount val="7"/>
+                <c:pt idx="0">
+                  <c:v>8</c:v>
+                </c:pt>
+                <c:pt idx="1">
+                  <c:v>15</c:v>
+                </c:pt>
+                <c:pt idx="2">
+                  <c:v>25</c:v>
+                </c:pt>
+                <c:pt idx="3">
+                  <c:v>60</c:v>
+                </c:pt>
+                <c:pt idx="4">
+                  <c:v>120</c:v>
+                </c:pt>
+                <c:pt idx="5">
+                  <c:v>200</c:v>
+                </c:pt>
+              </c:numCache>
+            </c:numRef>
+          </c:val>
+          <c:smooth val="0"/>
+          <c:extLst>
+            <c:ext xmlns:c16="http://schemas.microsoft.com/office/drawing/2014/chart" uri="{C3380CC4-5D6E-409C-BE32-E72D297353CC}">
+              <c16:uniqueId val="{00000000-C44E-4F24-B52B-1DA011878209}"/>
+            </c:ext>
+          </c:extLst>
+        </c:ser>
+        <c:ser>
+          <c:idx val="1"/>
+          <c:order val="1"/>
+          <c:tx>
+            <c:strRef>
+              <c:f>Лист1!$C$1</c:f>
+              <c:strCache>
+                <c:ptCount val="1"/>
+                <c:pt idx="0">
+                  <c:v>Битовые срезы</c:v>
+                </c:pt>
+              </c:strCache>
+            </c:strRef>
+          </c:tx>
+          <c:spPr>
+            <a:ln w="28575" cap="rnd">
+              <a:solidFill>
+                <a:schemeClr val="accent2"/>
+              </a:solidFill>
+              <a:round/>
+            </a:ln>
+            <a:effectLst/>
+          </c:spPr>
+          <c:marker>
+            <c:symbol val="circle"/>
+            <c:size val="5"/>
+            <c:spPr>
+              <a:solidFill>
+                <a:schemeClr val="accent2"/>
+              </a:solidFill>
+              <a:ln w="9525">
+                <a:solidFill>
+                  <a:schemeClr val="accent2"/>
+                </a:solidFill>
+              </a:ln>
+              <a:effectLst/>
+            </c:spPr>
+          </c:marker>
+          <c:cat>
+            <c:strRef>
+              <c:f>Лист1!$A$2:$A$8</c:f>
+              <c:strCache>
+                <c:ptCount val="6"/>
+                <c:pt idx="0">
+                  <c:v>500</c:v>
+                </c:pt>
+                <c:pt idx="1">
+                  <c:v>1000</c:v>
+                </c:pt>
+                <c:pt idx="2">
+                  <c:v>2000</c:v>
+                </c:pt>
+                <c:pt idx="3">
+                  <c:v>5000</c:v>
+                </c:pt>
+                <c:pt idx="4">
+                  <c:v>10^5</c:v>
+                </c:pt>
+                <c:pt idx="5">
+                  <c:v>10^7</c:v>
+                </c:pt>
+              </c:strCache>
+            </c:strRef>
+          </c:cat>
+          <c:val>
+            <c:numRef>
+              <c:f>Лист1!$C$2:$C$8</c:f>
+              <c:numCache>
+                <c:formatCode>General</c:formatCode>
+                <c:ptCount val="7"/>
+                <c:pt idx="0">
+                  <c:v>7</c:v>
+                </c:pt>
+                <c:pt idx="1">
+                  <c:v>14</c:v>
+                </c:pt>
+                <c:pt idx="2">
+                  <c:v>22</c:v>
+                </c:pt>
+                <c:pt idx="3">
+                  <c:v>55</c:v>
+                </c:pt>
+                <c:pt idx="4">
+                  <c:v>100</c:v>
+                </c:pt>
+                <c:pt idx="5">
+                  <c:v>160</c:v>
+                </c:pt>
+              </c:numCache>
+            </c:numRef>
+          </c:val>
+          <c:smooth val="0"/>
+          <c:extLst>
+            <c:ext xmlns:c16="http://schemas.microsoft.com/office/drawing/2014/chart" uri="{C3380CC4-5D6E-409C-BE32-E72D297353CC}">
+              <c16:uniqueId val="{00000001-C44E-4F24-B52B-1DA011878209}"/>
+            </c:ext>
+          </c:extLst>
+        </c:ser>
+        <c:dLbls>
+          <c:showLegendKey val="0"/>
+          <c:showVal val="0"/>
+          <c:showCatName val="0"/>
+          <c:showSerName val="0"/>
+          <c:showPercent val="0"/>
+          <c:showBubbleSize val="0"/>
+        </c:dLbls>
+        <c:marker val="1"/>
+        <c:smooth val="0"/>
+        <c:axId val="374837744"/>
+        <c:axId val="374836104"/>
+      </c:lineChart>
+      <c:catAx>
+        <c:axId val="374837744"/>
+        <c:scaling>
+          <c:orientation val="minMax"/>
+        </c:scaling>
+        <c:delete val="0"/>
+        <c:axPos val="b"/>
+        <c:title>
+          <c:tx>
+            <c:rich>
+              <a:bodyPr rot="0" spcFirstLastPara="1" vertOverflow="ellipsis" vert="horz" wrap="square" anchor="ctr" anchorCtr="1"/>
+              <a:lstStyle/>
+              <a:p>
+                <a:pPr>
+                  <a:defRPr sz="1330" b="0" i="0" u="none" strike="noStrike" kern="1200" baseline="0">
+                    <a:solidFill>
+                      <a:schemeClr val="tx1">
+                        <a:lumMod val="65000"/>
+                        <a:lumOff val="35000"/>
+                      </a:schemeClr>
+                    </a:solidFill>
+                    <a:latin typeface="+mn-lt"/>
+                    <a:ea typeface="+mn-ea"/>
+                    <a:cs typeface="+mn-cs"/>
+                  </a:defRPr>
+                </a:pPr>
+                <a:r>
+                  <a:rPr lang="ru-RU" dirty="0"/>
+                  <a:t>Кол-во гладких чисел</a:t>
+                </a:r>
+              </a:p>
+            </c:rich>
+          </c:tx>
+          <c:overlay val="0"/>
+          <c:spPr>
+            <a:noFill/>
+            <a:ln>
+              <a:noFill/>
+            </a:ln>
+            <a:effectLst/>
+          </c:spPr>
+          <c:txPr>
+            <a:bodyPr rot="0" spcFirstLastPara="1" vertOverflow="ellipsis" vert="horz" wrap="square" anchor="ctr" anchorCtr="1"/>
+            <a:lstStyle/>
+            <a:p>
+              <a:pPr>
+                <a:defRPr sz="1330" b="0" i="0" u="none" strike="noStrike" kern="1200" baseline="0">
+                  <a:solidFill>
+                    <a:schemeClr val="tx1">
+                      <a:lumMod val="65000"/>
+                      <a:lumOff val="35000"/>
+                    </a:schemeClr>
+                  </a:solidFill>
+                  <a:latin typeface="+mn-lt"/>
+                  <a:ea typeface="+mn-ea"/>
+                  <a:cs typeface="+mn-cs"/>
+                </a:defRPr>
+              </a:pPr>
+              <a:endParaRPr lang="ru-RU"/>
+            </a:p>
+          </c:txPr>
+        </c:title>
+        <c:numFmt formatCode="General" sourceLinked="1"/>
+        <c:majorTickMark val="none"/>
+        <c:minorTickMark val="none"/>
+        <c:tickLblPos val="nextTo"/>
+        <c:spPr>
+          <a:noFill/>
+          <a:ln w="9525" cap="flat" cmpd="sng" algn="ctr">
+            <a:solidFill>
+              <a:schemeClr val="tx1">
+                <a:lumMod val="15000"/>
+                <a:lumOff val="85000"/>
+              </a:schemeClr>
+            </a:solidFill>
+            <a:round/>
+          </a:ln>
+          <a:effectLst/>
+        </c:spPr>
+        <c:txPr>
+          <a:bodyPr rot="-60000000" spcFirstLastPara="1" vertOverflow="ellipsis" vert="horz" wrap="square" anchor="ctr" anchorCtr="1"/>
+          <a:lstStyle/>
+          <a:p>
+            <a:pPr>
+              <a:defRPr sz="1197" b="0" i="0" u="none" strike="noStrike" kern="1200" baseline="0">
+                <a:solidFill>
+                  <a:schemeClr val="tx1">
+                    <a:lumMod val="65000"/>
+                    <a:lumOff val="35000"/>
+                  </a:schemeClr>
+                </a:solidFill>
+                <a:latin typeface="+mn-lt"/>
+                <a:ea typeface="+mn-ea"/>
+                <a:cs typeface="+mn-cs"/>
+              </a:defRPr>
+            </a:pPr>
+            <a:endParaRPr lang="ru-RU"/>
+          </a:p>
+        </c:txPr>
+        <c:crossAx val="374836104"/>
+        <c:crosses val="autoZero"/>
+        <c:auto val="1"/>
+        <c:lblAlgn val="ctr"/>
+        <c:lblOffset val="100"/>
+        <c:noMultiLvlLbl val="0"/>
+      </c:catAx>
+      <c:valAx>
+        <c:axId val="374836104"/>
+        <c:scaling>
+          <c:orientation val="minMax"/>
+        </c:scaling>
+        <c:delete val="0"/>
+        <c:axPos val="l"/>
+        <c:majorGridlines>
+          <c:spPr>
+            <a:ln w="9525" cap="flat" cmpd="sng" algn="ctr">
+              <a:solidFill>
+                <a:schemeClr val="tx1">
+                  <a:lumMod val="15000"/>
+                  <a:lumOff val="85000"/>
+                </a:schemeClr>
+              </a:solidFill>
+              <a:round/>
+            </a:ln>
+            <a:effectLst/>
+          </c:spPr>
+        </c:majorGridlines>
+        <c:title>
+          <c:tx>
+            <c:rich>
+              <a:bodyPr rot="-5400000" spcFirstLastPara="1" vertOverflow="ellipsis" vert="horz" wrap="square" anchor="ctr" anchorCtr="1"/>
+              <a:lstStyle/>
+              <a:p>
+                <a:pPr>
+                  <a:defRPr sz="1330" b="0" i="0" u="none" strike="noStrike" kern="1200" baseline="0">
+                    <a:solidFill>
+                      <a:schemeClr val="tx1">
+                        <a:lumMod val="65000"/>
+                        <a:lumOff val="35000"/>
+                      </a:schemeClr>
+                    </a:solidFill>
+                    <a:latin typeface="+mn-lt"/>
+                    <a:ea typeface="+mn-ea"/>
+                    <a:cs typeface="+mn-cs"/>
+                  </a:defRPr>
+                </a:pPr>
+                <a:r>
+                  <a:rPr lang="ru-RU"/>
+                  <a:t>Время в секундах</a:t>
+                </a:r>
+              </a:p>
+            </c:rich>
+          </c:tx>
+          <c:overlay val="0"/>
+          <c:spPr>
+            <a:noFill/>
+            <a:ln>
+              <a:noFill/>
+            </a:ln>
+            <a:effectLst/>
+          </c:spPr>
+          <c:txPr>
+            <a:bodyPr rot="-5400000" spcFirstLastPara="1" vertOverflow="ellipsis" vert="horz" wrap="square" anchor="ctr" anchorCtr="1"/>
+            <a:lstStyle/>
+            <a:p>
+              <a:pPr>
+                <a:defRPr sz="1330" b="0" i="0" u="none" strike="noStrike" kern="1200" baseline="0">
+                  <a:solidFill>
+                    <a:schemeClr val="tx1">
+                      <a:lumMod val="65000"/>
+                      <a:lumOff val="35000"/>
+                    </a:schemeClr>
+                  </a:solidFill>
+                  <a:latin typeface="+mn-lt"/>
+                  <a:ea typeface="+mn-ea"/>
+                  <a:cs typeface="+mn-cs"/>
+                </a:defRPr>
+              </a:pPr>
+              <a:endParaRPr lang="ru-RU"/>
+            </a:p>
+          </c:txPr>
+        </c:title>
+        <c:numFmt formatCode="General" sourceLinked="1"/>
+        <c:majorTickMark val="none"/>
+        <c:minorTickMark val="none"/>
+        <c:tickLblPos val="nextTo"/>
+        <c:spPr>
+          <a:noFill/>
+          <a:ln>
+            <a:noFill/>
+          </a:ln>
+          <a:effectLst/>
+        </c:spPr>
+        <c:txPr>
+          <a:bodyPr rot="-60000000" spcFirstLastPara="1" vertOverflow="ellipsis" vert="horz" wrap="square" anchor="ctr" anchorCtr="1"/>
+          <a:lstStyle/>
+          <a:p>
+            <a:pPr>
+              <a:defRPr sz="1197" b="0" i="0" u="none" strike="noStrike" kern="1200" baseline="0">
+                <a:solidFill>
+                  <a:schemeClr val="tx1">
+                    <a:lumMod val="65000"/>
+                    <a:lumOff val="35000"/>
+                  </a:schemeClr>
+                </a:solidFill>
+                <a:latin typeface="+mn-lt"/>
+                <a:ea typeface="+mn-ea"/>
+                <a:cs typeface="+mn-cs"/>
+              </a:defRPr>
+            </a:pPr>
+            <a:endParaRPr lang="ru-RU"/>
+          </a:p>
+        </c:txPr>
+        <c:crossAx val="374837744"/>
+        <c:crosses val="autoZero"/>
+        <c:crossBetween val="between"/>
+      </c:valAx>
+      <c:spPr>
+        <a:noFill/>
+        <a:ln>
+          <a:noFill/>
+        </a:ln>
+        <a:effectLst/>
+      </c:spPr>
+    </c:plotArea>
+    <c:legend>
+      <c:legendPos val="b"/>
+      <c:overlay val="0"/>
+      <c:spPr>
+        <a:noFill/>
+        <a:ln>
+          <a:noFill/>
+        </a:ln>
+        <a:effectLst/>
+      </c:spPr>
+      <c:txPr>
+        <a:bodyPr rot="0" spcFirstLastPara="1" vertOverflow="ellipsis" vert="horz" wrap="square" anchor="ctr" anchorCtr="1"/>
+        <a:lstStyle/>
+        <a:p>
+          <a:pPr>
+            <a:defRPr sz="1197" b="0" i="0" u="none" strike="noStrike" kern="1200" baseline="0">
+              <a:solidFill>
+                <a:schemeClr val="tx1">
+                  <a:lumMod val="65000"/>
+                  <a:lumOff val="35000"/>
+                </a:schemeClr>
+              </a:solidFill>
+              <a:latin typeface="+mn-lt"/>
+              <a:ea typeface="+mn-ea"/>
+              <a:cs typeface="+mn-cs"/>
+            </a:defRPr>
+          </a:pPr>
+          <a:endParaRPr lang="ru-RU"/>
+        </a:p>
+      </c:txPr>
+    </c:legend>
+    <c:plotVisOnly val="1"/>
+    <c:dispBlanksAs val="gap"/>
+    <c:extLst>
+      <c:ext xmlns:c16r3="http://schemas.microsoft.com/office/drawing/2017/03/chart" uri="{56B9EC1D-385E-4148-901F-78D8002777C0}">
+        <c16r3:dataDisplayOptions16>
+          <c16r3:dispNaAsBlank val="1"/>
+        </c16r3:dataDisplayOptions16>
+      </c:ext>
+    </c:extLst>
+    <c:showDLblsOverMax val="0"/>
+  </c:chart>
+  <c:spPr>
+    <a:noFill/>
+    <a:ln>
+      <a:noFill/>
+    </a:ln>
+    <a:effectLst/>
+  </c:spPr>
+  <c:txPr>
+    <a:bodyPr/>
+    <a:lstStyle/>
+    <a:p>
+      <a:pPr>
+        <a:defRPr/>
+      </a:pPr>
+      <a:endParaRPr lang="ru-RU"/>
+    </a:p>
+  </c:txPr>
+  <c:externalData r:id="rId3">
+    <c:autoUpdate val="0"/>
+  </c:externalData>
+</c:chartSpace>
+</file>
+
+<file path=ppt/charts/chart4.xml><?xml version="1.0" encoding="utf-8"?>
+<c:chartSpace xmlns:c="http://schemas.openxmlformats.org/drawingml/2006/chart" xmlns:a="http://schemas.openxmlformats.org/drawingml/2006/main" xmlns:r="http://schemas.openxmlformats.org/officeDocument/2006/relationships" xmlns:c16r2="http://schemas.microsoft.com/office/drawing/2015/06/chart">
+  <c:date1904 val="0"/>
+  <c:lang val="ru-RU"/>
+  <c:roundedCorners val="0"/>
+  <mc:AlternateContent xmlns:mc="http://schemas.openxmlformats.org/markup-compatibility/2006">
+    <mc:Choice xmlns:c14="http://schemas.microsoft.com/office/drawing/2007/8/2/chart" Requires="c14">
+      <c14:style val="102"/>
+    </mc:Choice>
+    <mc:Fallback>
+      <c:style val="2"/>
+    </mc:Fallback>
+  </mc:AlternateContent>
+  <c:chart>
+    <c:title>
+      <c:tx>
+        <c:rich>
+          <a:bodyPr rot="0" spcFirstLastPara="1" vertOverflow="ellipsis" vert="horz" wrap="square" anchor="ctr" anchorCtr="1"/>
+          <a:lstStyle/>
+          <a:p>
+            <a:pPr>
+              <a:defRPr sz="1862" b="0" i="0" u="none" strike="noStrike" kern="1200" spc="0" baseline="0">
+                <a:solidFill>
+                  <a:schemeClr val="tx1">
+                    <a:lumMod val="65000"/>
+                    <a:lumOff val="35000"/>
+                  </a:schemeClr>
+                </a:solidFill>
+                <a:latin typeface="+mn-lt"/>
+                <a:ea typeface="+mn-ea"/>
+                <a:cs typeface="+mn-cs"/>
+              </a:defRPr>
+            </a:pPr>
+            <a:r>
+              <a:rPr lang="ru-RU" dirty="0"/>
+              <a:t>Итоговое</a:t>
+            </a:r>
+            <a:r>
+              <a:rPr lang="ru-RU" baseline="0" dirty="0"/>
+              <a:t> время</a:t>
+            </a:r>
+            <a:endParaRPr lang="ru-RU" dirty="0"/>
+          </a:p>
+        </c:rich>
+      </c:tx>
+      <c:overlay val="0"/>
+      <c:spPr>
+        <a:noFill/>
+        <a:ln>
+          <a:noFill/>
+        </a:ln>
+        <a:effectLst/>
+      </c:spPr>
+      <c:txPr>
+        <a:bodyPr rot="0" spcFirstLastPara="1" vertOverflow="ellipsis" vert="horz" wrap="square" anchor="ctr" anchorCtr="1"/>
+        <a:lstStyle/>
+        <a:p>
+          <a:pPr>
+            <a:defRPr sz="1862" b="0" i="0" u="none" strike="noStrike" kern="1200" spc="0" baseline="0">
+              <a:solidFill>
+                <a:schemeClr val="tx1">
+                  <a:lumMod val="65000"/>
+                  <a:lumOff val="35000"/>
+                </a:schemeClr>
+              </a:solidFill>
+              <a:latin typeface="+mn-lt"/>
+              <a:ea typeface="+mn-ea"/>
+              <a:cs typeface="+mn-cs"/>
+            </a:defRPr>
+          </a:pPr>
+          <a:endParaRPr lang="ru-RU"/>
+        </a:p>
+      </c:txPr>
+    </c:title>
+    <c:autoTitleDeleted val="0"/>
+    <c:plotArea>
+      <c:layout/>
+      <c:lineChart>
+        <c:grouping val="standard"/>
+        <c:varyColors val="0"/>
+        <c:ser>
+          <c:idx val="0"/>
+          <c:order val="0"/>
+          <c:tx>
+            <c:strRef>
+              <c:f>Лист1!$B$1</c:f>
+              <c:strCache>
+                <c:ptCount val="1"/>
+                <c:pt idx="0">
+                  <c:v>Поллард</c:v>
+                </c:pt>
+              </c:strCache>
+            </c:strRef>
+          </c:tx>
+          <c:spPr>
+            <a:ln w="28575" cap="rnd">
+              <a:solidFill>
+                <a:schemeClr val="accent1"/>
+              </a:solidFill>
+              <a:round/>
+            </a:ln>
+            <a:effectLst/>
+          </c:spPr>
+          <c:marker>
+            <c:symbol val="circle"/>
+            <c:size val="5"/>
+            <c:spPr>
+              <a:solidFill>
+                <a:schemeClr val="accent1"/>
+              </a:solidFill>
+              <a:ln w="9525">
+                <a:solidFill>
+                  <a:schemeClr val="accent1"/>
+                </a:solidFill>
+              </a:ln>
+              <a:effectLst/>
+            </c:spPr>
+          </c:marker>
+          <c:cat>
+            <c:numRef>
+              <c:f>Лист1!$A$2:$A$12</c:f>
+              <c:numCache>
+                <c:formatCode>General</c:formatCode>
+                <c:ptCount val="11"/>
+                <c:pt idx="0">
+                  <c:v>10</c:v>
+                </c:pt>
+                <c:pt idx="1">
+                  <c:v>11</c:v>
+                </c:pt>
+                <c:pt idx="2">
+                  <c:v>12</c:v>
+                </c:pt>
+                <c:pt idx="3">
+                  <c:v>13</c:v>
+                </c:pt>
+                <c:pt idx="4">
+                  <c:v>14</c:v>
+                </c:pt>
+                <c:pt idx="5">
+                  <c:v>15</c:v>
+                </c:pt>
+                <c:pt idx="6">
+                  <c:v>16</c:v>
+                </c:pt>
+                <c:pt idx="7">
+                  <c:v>17</c:v>
+                </c:pt>
+                <c:pt idx="8">
+                  <c:v>18</c:v>
+                </c:pt>
+                <c:pt idx="9">
+                  <c:v>19</c:v>
+                </c:pt>
+                <c:pt idx="10">
+                  <c:v>20</c:v>
+                </c:pt>
+              </c:numCache>
+            </c:numRef>
+          </c:cat>
+          <c:val>
+            <c:numRef>
+              <c:f>Лист1!$B$2:$B$12</c:f>
+              <c:numCache>
+                <c:formatCode>General</c:formatCode>
+                <c:ptCount val="11"/>
+                <c:pt idx="0">
+                  <c:v>5</c:v>
+                </c:pt>
+                <c:pt idx="1">
+                  <c:v>9</c:v>
+                </c:pt>
+                <c:pt idx="2">
+                  <c:v>14</c:v>
+                </c:pt>
+                <c:pt idx="3">
+                  <c:v>20</c:v>
+                </c:pt>
+                <c:pt idx="4">
+                  <c:v>25</c:v>
+                </c:pt>
+                <c:pt idx="5">
+                  <c:v>30</c:v>
+                </c:pt>
+                <c:pt idx="6">
+                  <c:v>50</c:v>
+                </c:pt>
+                <c:pt idx="7">
+                  <c:v>55</c:v>
+                </c:pt>
+                <c:pt idx="8">
+                  <c:v>60</c:v>
+                </c:pt>
+                <c:pt idx="9">
+                  <c:v>70</c:v>
+                </c:pt>
+                <c:pt idx="10">
+                  <c:v>75</c:v>
+                </c:pt>
+              </c:numCache>
+            </c:numRef>
+          </c:val>
+          <c:smooth val="0"/>
+          <c:extLst>
+            <c:ext xmlns:c16="http://schemas.microsoft.com/office/drawing/2014/chart" uri="{C3380CC4-5D6E-409C-BE32-E72D297353CC}">
+              <c16:uniqueId val="{00000000-3CFF-48ED-9FD4-2E9E60A3A25C}"/>
+            </c:ext>
+          </c:extLst>
+        </c:ser>
+        <c:ser>
+          <c:idx val="1"/>
+          <c:order val="1"/>
+          <c:tx>
+            <c:strRef>
+              <c:f>Лист1!$C$1</c:f>
+              <c:strCache>
+                <c:ptCount val="1"/>
+                <c:pt idx="0">
+                  <c:v>QS</c:v>
+                </c:pt>
+              </c:strCache>
+            </c:strRef>
+          </c:tx>
+          <c:spPr>
+            <a:ln w="28575" cap="rnd">
+              <a:solidFill>
+                <a:schemeClr val="accent2"/>
+              </a:solidFill>
+              <a:round/>
+            </a:ln>
+            <a:effectLst/>
+          </c:spPr>
+          <c:marker>
+            <c:symbol val="circle"/>
+            <c:size val="5"/>
+            <c:spPr>
+              <a:solidFill>
+                <a:schemeClr val="accent2"/>
+              </a:solidFill>
+              <a:ln w="9525">
+                <a:solidFill>
+                  <a:schemeClr val="accent2"/>
+                </a:solidFill>
+              </a:ln>
+              <a:effectLst/>
+            </c:spPr>
+          </c:marker>
+          <c:cat>
+            <c:numRef>
+              <c:f>Лист1!$A$2:$A$12</c:f>
+              <c:numCache>
+                <c:formatCode>General</c:formatCode>
+                <c:ptCount val="11"/>
+                <c:pt idx="0">
+                  <c:v>10</c:v>
+                </c:pt>
+                <c:pt idx="1">
+                  <c:v>11</c:v>
+                </c:pt>
+                <c:pt idx="2">
+                  <c:v>12</c:v>
+                </c:pt>
+                <c:pt idx="3">
+                  <c:v>13</c:v>
+                </c:pt>
+                <c:pt idx="4">
+                  <c:v>14</c:v>
+                </c:pt>
+                <c:pt idx="5">
+                  <c:v>15</c:v>
+                </c:pt>
+                <c:pt idx="6">
+                  <c:v>16</c:v>
+                </c:pt>
+                <c:pt idx="7">
+                  <c:v>17</c:v>
+                </c:pt>
+                <c:pt idx="8">
+                  <c:v>18</c:v>
+                </c:pt>
+                <c:pt idx="9">
+                  <c:v>19</c:v>
+                </c:pt>
+                <c:pt idx="10">
+                  <c:v>20</c:v>
+                </c:pt>
+              </c:numCache>
+            </c:numRef>
+          </c:cat>
+          <c:val>
+            <c:numRef>
+              <c:f>Лист1!$C$2:$C$12</c:f>
+              <c:numCache>
+                <c:formatCode>General</c:formatCode>
+                <c:ptCount val="11"/>
+                <c:pt idx="0">
+                  <c:v>2</c:v>
+                </c:pt>
+                <c:pt idx="1">
+                  <c:v>5</c:v>
+                </c:pt>
+                <c:pt idx="2">
+                  <c:v>7</c:v>
+                </c:pt>
+                <c:pt idx="3">
+                  <c:v>9</c:v>
+                </c:pt>
+                <c:pt idx="4">
+                  <c:v>14</c:v>
+                </c:pt>
+                <c:pt idx="5">
+                  <c:v>20</c:v>
+                </c:pt>
+                <c:pt idx="6">
+                  <c:v>23</c:v>
+                </c:pt>
+                <c:pt idx="7">
+                  <c:v>26</c:v>
+                </c:pt>
+                <c:pt idx="8">
+                  <c:v>32</c:v>
+                </c:pt>
+                <c:pt idx="9">
+                  <c:v>37</c:v>
+                </c:pt>
+                <c:pt idx="10">
+                  <c:v>40</c:v>
+                </c:pt>
+              </c:numCache>
+            </c:numRef>
+          </c:val>
+          <c:smooth val="0"/>
+          <c:extLst>
+            <c:ext xmlns:c16="http://schemas.microsoft.com/office/drawing/2014/chart" uri="{C3380CC4-5D6E-409C-BE32-E72D297353CC}">
+              <c16:uniqueId val="{00000001-3CFF-48ED-9FD4-2E9E60A3A25C}"/>
+            </c:ext>
+          </c:extLst>
+        </c:ser>
+        <c:ser>
+          <c:idx val="2"/>
+          <c:order val="2"/>
+          <c:tx>
+            <c:strRef>
+              <c:f>Лист1!$D$1</c:f>
+              <c:strCache>
+                <c:ptCount val="1"/>
+                <c:pt idx="0">
+                  <c:v>QS с улучшениями</c:v>
+                </c:pt>
+              </c:strCache>
+            </c:strRef>
+          </c:tx>
+          <c:spPr>
+            <a:ln w="28575" cap="rnd">
+              <a:solidFill>
+                <a:schemeClr val="accent3"/>
+              </a:solidFill>
+              <a:round/>
+            </a:ln>
+            <a:effectLst/>
+          </c:spPr>
+          <c:marker>
+            <c:symbol val="circle"/>
+            <c:size val="5"/>
+            <c:spPr>
+              <a:solidFill>
+                <a:schemeClr val="accent3"/>
+              </a:solidFill>
+              <a:ln w="9525">
+                <a:solidFill>
+                  <a:schemeClr val="accent3"/>
+                </a:solidFill>
+              </a:ln>
+              <a:effectLst/>
+            </c:spPr>
+          </c:marker>
+          <c:cat>
+            <c:numRef>
+              <c:f>Лист1!$A$2:$A$12</c:f>
+              <c:numCache>
+                <c:formatCode>General</c:formatCode>
+                <c:ptCount val="11"/>
+                <c:pt idx="0">
+                  <c:v>10</c:v>
+                </c:pt>
+                <c:pt idx="1">
+                  <c:v>11</c:v>
+                </c:pt>
+                <c:pt idx="2">
+                  <c:v>12</c:v>
+                </c:pt>
+                <c:pt idx="3">
+                  <c:v>13</c:v>
+                </c:pt>
+                <c:pt idx="4">
+                  <c:v>14</c:v>
+                </c:pt>
+                <c:pt idx="5">
+                  <c:v>15</c:v>
+                </c:pt>
+                <c:pt idx="6">
+                  <c:v>16</c:v>
+                </c:pt>
+                <c:pt idx="7">
+                  <c:v>17</c:v>
+                </c:pt>
+                <c:pt idx="8">
+                  <c:v>18</c:v>
+                </c:pt>
+                <c:pt idx="9">
+                  <c:v>19</c:v>
+                </c:pt>
+                <c:pt idx="10">
+                  <c:v>20</c:v>
+                </c:pt>
+              </c:numCache>
+            </c:numRef>
+          </c:cat>
+          <c:val>
+            <c:numRef>
+              <c:f>Лист1!$D$2:$D$12</c:f>
+              <c:numCache>
+                <c:formatCode>General</c:formatCode>
+                <c:ptCount val="11"/>
+                <c:pt idx="0">
+                  <c:v>2</c:v>
+                </c:pt>
+                <c:pt idx="1">
+                  <c:v>5</c:v>
+                </c:pt>
+                <c:pt idx="2">
+                  <c:v>6</c:v>
+                </c:pt>
+                <c:pt idx="3">
+                  <c:v>8</c:v>
+                </c:pt>
+                <c:pt idx="4">
+                  <c:v>12</c:v>
+                </c:pt>
+                <c:pt idx="5">
+                  <c:v>15</c:v>
+                </c:pt>
+                <c:pt idx="6">
+                  <c:v>19</c:v>
+                </c:pt>
+                <c:pt idx="7">
+                  <c:v>20</c:v>
+                </c:pt>
+                <c:pt idx="8">
+                  <c:v>25</c:v>
+                </c:pt>
+                <c:pt idx="9">
+                  <c:v>30</c:v>
+                </c:pt>
+                <c:pt idx="10">
+                  <c:v>35</c:v>
+                </c:pt>
+              </c:numCache>
+            </c:numRef>
+          </c:val>
+          <c:smooth val="0"/>
+          <c:extLst>
+            <c:ext xmlns:c16="http://schemas.microsoft.com/office/drawing/2014/chart" uri="{C3380CC4-5D6E-409C-BE32-E72D297353CC}">
+              <c16:uniqueId val="{00000004-3CFF-48ED-9FD4-2E9E60A3A25C}"/>
+            </c:ext>
+          </c:extLst>
+        </c:ser>
+        <c:dLbls>
+          <c:showLegendKey val="0"/>
+          <c:showVal val="0"/>
+          <c:showCatName val="0"/>
+          <c:showSerName val="0"/>
+          <c:showPercent val="0"/>
+          <c:showBubbleSize val="0"/>
+        </c:dLbls>
+        <c:marker val="1"/>
+        <c:smooth val="0"/>
+        <c:axId val="553762080"/>
+        <c:axId val="553762408"/>
+      </c:lineChart>
+      <c:catAx>
+        <c:axId val="553762080"/>
+        <c:scaling>
+          <c:orientation val="minMax"/>
+        </c:scaling>
+        <c:delete val="0"/>
+        <c:axPos val="b"/>
+        <c:title>
+          <c:tx>
+            <c:rich>
+              <a:bodyPr rot="0" spcFirstLastPara="1" vertOverflow="ellipsis" vert="horz" wrap="square" anchor="ctr" anchorCtr="1"/>
+              <a:lstStyle/>
+              <a:p>
+                <a:pPr>
+                  <a:defRPr sz="1330" b="0" i="0" u="none" strike="noStrike" kern="1200" baseline="0">
+                    <a:solidFill>
+                      <a:schemeClr val="tx1">
+                        <a:lumMod val="65000"/>
+                        <a:lumOff val="35000"/>
+                      </a:schemeClr>
+                    </a:solidFill>
+                    <a:latin typeface="+mn-lt"/>
+                    <a:ea typeface="+mn-ea"/>
+                    <a:cs typeface="+mn-cs"/>
+                  </a:defRPr>
+                </a:pPr>
+                <a:r>
+                  <a:rPr lang="ru-RU" dirty="0"/>
+                  <a:t>Размер</a:t>
+                </a:r>
+                <a:r>
+                  <a:rPr lang="ru-RU" baseline="0" dirty="0"/>
+                  <a:t> числа</a:t>
+                </a:r>
+                <a:endParaRPr lang="ru-RU" dirty="0"/>
+              </a:p>
+            </c:rich>
+          </c:tx>
+          <c:overlay val="0"/>
+          <c:spPr>
+            <a:noFill/>
+            <a:ln>
+              <a:noFill/>
+            </a:ln>
+            <a:effectLst/>
+          </c:spPr>
+          <c:txPr>
+            <a:bodyPr rot="0" spcFirstLastPara="1" vertOverflow="ellipsis" vert="horz" wrap="square" anchor="ctr" anchorCtr="1"/>
+            <a:lstStyle/>
+            <a:p>
+              <a:pPr>
+                <a:defRPr sz="1330" b="0" i="0" u="none" strike="noStrike" kern="1200" baseline="0">
+                  <a:solidFill>
+                    <a:schemeClr val="tx1">
+                      <a:lumMod val="65000"/>
+                      <a:lumOff val="35000"/>
+                    </a:schemeClr>
+                  </a:solidFill>
+                  <a:latin typeface="+mn-lt"/>
+                  <a:ea typeface="+mn-ea"/>
+                  <a:cs typeface="+mn-cs"/>
+                </a:defRPr>
+              </a:pPr>
+              <a:endParaRPr lang="ru-RU"/>
+            </a:p>
+          </c:txPr>
+        </c:title>
+        <c:numFmt formatCode="General" sourceLinked="1"/>
+        <c:majorTickMark val="none"/>
+        <c:minorTickMark val="none"/>
+        <c:tickLblPos val="nextTo"/>
+        <c:spPr>
+          <a:noFill/>
+          <a:ln w="9525" cap="flat" cmpd="sng" algn="ctr">
+            <a:solidFill>
+              <a:schemeClr val="tx1">
+                <a:lumMod val="15000"/>
+                <a:lumOff val="85000"/>
+              </a:schemeClr>
+            </a:solidFill>
+            <a:round/>
+          </a:ln>
+          <a:effectLst/>
+        </c:spPr>
+        <c:txPr>
+          <a:bodyPr rot="-60000000" spcFirstLastPara="1" vertOverflow="ellipsis" vert="horz" wrap="square" anchor="ctr" anchorCtr="1"/>
+          <a:lstStyle/>
+          <a:p>
+            <a:pPr>
+              <a:defRPr sz="1197" b="0" i="0" u="none" strike="noStrike" kern="1200" baseline="0">
+                <a:solidFill>
+                  <a:schemeClr val="tx1">
+                    <a:lumMod val="65000"/>
+                    <a:lumOff val="35000"/>
+                  </a:schemeClr>
+                </a:solidFill>
+                <a:latin typeface="+mn-lt"/>
+                <a:ea typeface="+mn-ea"/>
+                <a:cs typeface="+mn-cs"/>
+              </a:defRPr>
+            </a:pPr>
+            <a:endParaRPr lang="ru-RU"/>
+          </a:p>
+        </c:txPr>
+        <c:crossAx val="553762408"/>
+        <c:crosses val="autoZero"/>
+        <c:auto val="1"/>
+        <c:lblAlgn val="ctr"/>
+        <c:lblOffset val="100"/>
+        <c:noMultiLvlLbl val="0"/>
+      </c:catAx>
+      <c:valAx>
+        <c:axId val="553762408"/>
+        <c:scaling>
+          <c:orientation val="minMax"/>
+        </c:scaling>
+        <c:delete val="0"/>
+        <c:axPos val="l"/>
+        <c:majorGridlines>
+          <c:spPr>
+            <a:ln w="9525" cap="flat" cmpd="sng" algn="ctr">
+              <a:solidFill>
+                <a:schemeClr val="tx1">
+                  <a:lumMod val="15000"/>
+                  <a:lumOff val="85000"/>
+                </a:schemeClr>
+              </a:solidFill>
+              <a:round/>
+            </a:ln>
+            <a:effectLst/>
+          </c:spPr>
+        </c:majorGridlines>
+        <c:title>
+          <c:tx>
+            <c:rich>
+              <a:bodyPr rot="-5400000" spcFirstLastPara="1" vertOverflow="ellipsis" vert="horz" wrap="square" anchor="ctr" anchorCtr="1"/>
+              <a:lstStyle/>
+              <a:p>
+                <a:pPr>
+                  <a:defRPr sz="1330" b="0" i="0" u="none" strike="noStrike" kern="1200" baseline="0">
+                    <a:solidFill>
+                      <a:schemeClr val="tx1">
+                        <a:lumMod val="65000"/>
+                        <a:lumOff val="35000"/>
+                      </a:schemeClr>
+                    </a:solidFill>
+                    <a:latin typeface="+mn-lt"/>
+                    <a:ea typeface="+mn-ea"/>
+                    <a:cs typeface="+mn-cs"/>
+                  </a:defRPr>
+                </a:pPr>
+                <a:r>
+                  <a:rPr lang="ru-RU" dirty="0"/>
+                  <a:t>Время</a:t>
+                </a:r>
+                <a:r>
+                  <a:rPr lang="ru-RU" baseline="0" dirty="0"/>
+                  <a:t> в секундах</a:t>
+                </a:r>
+                <a:endParaRPr lang="ru-RU" dirty="0"/>
+              </a:p>
+            </c:rich>
+          </c:tx>
+          <c:overlay val="0"/>
+          <c:spPr>
+            <a:noFill/>
+            <a:ln>
+              <a:noFill/>
+            </a:ln>
+            <a:effectLst/>
+          </c:spPr>
+          <c:txPr>
+            <a:bodyPr rot="-5400000" spcFirstLastPara="1" vertOverflow="ellipsis" vert="horz" wrap="square" anchor="ctr" anchorCtr="1"/>
+            <a:lstStyle/>
+            <a:p>
+              <a:pPr>
+                <a:defRPr sz="1330" b="0" i="0" u="none" strike="noStrike" kern="1200" baseline="0">
+                  <a:solidFill>
+                    <a:schemeClr val="tx1">
+                      <a:lumMod val="65000"/>
+                      <a:lumOff val="35000"/>
+                    </a:schemeClr>
+                  </a:solidFill>
+                  <a:latin typeface="+mn-lt"/>
+                  <a:ea typeface="+mn-ea"/>
+                  <a:cs typeface="+mn-cs"/>
+                </a:defRPr>
+              </a:pPr>
+              <a:endParaRPr lang="ru-RU"/>
+            </a:p>
+          </c:txPr>
+        </c:title>
+        <c:numFmt formatCode="General" sourceLinked="1"/>
+        <c:majorTickMark val="none"/>
+        <c:minorTickMark val="none"/>
+        <c:tickLblPos val="nextTo"/>
+        <c:spPr>
+          <a:noFill/>
+          <a:ln>
+            <a:noFill/>
+          </a:ln>
+          <a:effectLst/>
+        </c:spPr>
+        <c:txPr>
+          <a:bodyPr rot="-60000000" spcFirstLastPara="1" vertOverflow="ellipsis" vert="horz" wrap="square" anchor="ctr" anchorCtr="1"/>
+          <a:lstStyle/>
+          <a:p>
+            <a:pPr>
+              <a:defRPr sz="1197" b="0" i="0" u="none" strike="noStrike" kern="1200" baseline="0">
+                <a:solidFill>
+                  <a:schemeClr val="tx1">
+                    <a:lumMod val="65000"/>
+                    <a:lumOff val="35000"/>
+                  </a:schemeClr>
+                </a:solidFill>
+                <a:latin typeface="+mn-lt"/>
+                <a:ea typeface="+mn-ea"/>
+                <a:cs typeface="+mn-cs"/>
+              </a:defRPr>
+            </a:pPr>
+            <a:endParaRPr lang="ru-RU"/>
+          </a:p>
+        </c:txPr>
+        <c:crossAx val="553762080"/>
+        <c:crosses val="autoZero"/>
+        <c:crossBetween val="between"/>
+      </c:valAx>
+      <c:spPr>
+        <a:noFill/>
+        <a:ln>
+          <a:noFill/>
+        </a:ln>
+        <a:effectLst/>
+      </c:spPr>
+    </c:plotArea>
+    <c:legend>
+      <c:legendPos val="b"/>
+      <c:overlay val="0"/>
+      <c:spPr>
+        <a:noFill/>
+        <a:ln>
+          <a:noFill/>
+        </a:ln>
+        <a:effectLst/>
+      </c:spPr>
+      <c:txPr>
+        <a:bodyPr rot="0" spcFirstLastPara="1" vertOverflow="ellipsis" vert="horz" wrap="square" anchor="ctr" anchorCtr="1"/>
+        <a:lstStyle/>
+        <a:p>
+          <a:pPr>
+            <a:defRPr sz="1197" b="0" i="0" u="none" strike="noStrike" kern="1200" baseline="0">
+              <a:solidFill>
+                <a:schemeClr val="tx1">
+                  <a:lumMod val="65000"/>
+                  <a:lumOff val="35000"/>
+                </a:schemeClr>
+              </a:solidFill>
+              <a:latin typeface="+mn-lt"/>
+              <a:ea typeface="+mn-ea"/>
+              <a:cs typeface="+mn-cs"/>
+            </a:defRPr>
+          </a:pPr>
+          <a:endParaRPr lang="ru-RU"/>
+        </a:p>
+      </c:txPr>
+    </c:legend>
+    <c:plotVisOnly val="1"/>
+    <c:dispBlanksAs val="gap"/>
+    <c:extLst>
+      <c:ext xmlns:c16r3="http://schemas.microsoft.com/office/drawing/2017/03/chart" uri="{56B9EC1D-385E-4148-901F-78D8002777C0}">
+        <c16r3:dataDisplayOptions16>
+          <c16r3:dispNaAsBlank val="1"/>
+        </c16r3:dataDisplayOptions16>
+      </c:ext>
+    </c:extLst>
+    <c:showDLblsOverMax val="0"/>
+  </c:chart>
+  <c:spPr>
+    <a:noFill/>
+    <a:ln>
+      <a:noFill/>
+    </a:ln>
+    <a:effectLst/>
+  </c:spPr>
+  <c:txPr>
+    <a:bodyPr/>
+    <a:lstStyle/>
+    <a:p>
+      <a:pPr>
+        <a:defRPr/>
+      </a:pPr>
+      <a:endParaRPr lang="ru-RU"/>
+    </a:p>
+  </c:txPr>
+  <c:externalData r:id="rId3">
+    <c:autoUpdate val="0"/>
+  </c:externalData>
+</c:chartSpace>
+</file>
+
+<file path=ppt/charts/colors1.xml><?xml version="1.0" encoding="utf-8"?>
+<cs:colorStyle xmlns:cs="http://schemas.microsoft.com/office/drawing/2012/chartStyle" xmlns:a="http://schemas.openxmlformats.org/drawingml/2006/main" meth="cycle" id="10">
+  <a:schemeClr val="accent1"/>
+  <a:schemeClr val="accent2"/>
+  <a:schemeClr val="accent3"/>
+  <a:schemeClr val="accent4"/>
+  <a:schemeClr val="accent5"/>
+  <a:schemeClr val="accent6"/>
+  <cs:variation/>
+  <cs:variation>
+    <a:lumMod val="60000"/>
+  </cs:variation>
+  <cs:variation>
+    <a:lumMod val="80000"/>
+    <a:lumOff val="20000"/>
+  </cs:variation>
+  <cs:variation>
+    <a:lumMod val="80000"/>
+  </cs:variation>
+  <cs:variation>
+    <a:lumMod val="60000"/>
+    <a:lumOff val="40000"/>
+  </cs:variation>
+  <cs:variation>
+    <a:lumMod val="50000"/>
+  </cs:variation>
+  <cs:variation>
+    <a:lumMod val="70000"/>
+    <a:lumOff val="30000"/>
+  </cs:variation>
+  <cs:variation>
+    <a:lumMod val="70000"/>
+  </cs:variation>
+  <cs:variation>
+    <a:lumMod val="50000"/>
+    <a:lumOff val="50000"/>
+  </cs:variation>
+</cs:colorStyle>
+</file>
+
+<file path=ppt/charts/colors2.xml><?xml version="1.0" encoding="utf-8"?>
+<cs:colorStyle xmlns:cs="http://schemas.microsoft.com/office/drawing/2012/chartStyle" xmlns:a="http://schemas.openxmlformats.org/drawingml/2006/main" meth="cycle" id="10">
+  <a:schemeClr val="accent1"/>
+  <a:schemeClr val="accent2"/>
+  <a:schemeClr val="accent3"/>
+  <a:schemeClr val="accent4"/>
+  <a:schemeClr val="accent5"/>
+  <a:schemeClr val="accent6"/>
+  <cs:variation/>
+  <cs:variation>
+    <a:lumMod val="60000"/>
+  </cs:variation>
+  <cs:variation>
+    <a:lumMod val="80000"/>
+    <a:lumOff val="20000"/>
+  </cs:variation>
+  <cs:variation>
+    <a:lumMod val="80000"/>
+  </cs:variation>
+  <cs:variation>
+    <a:lumMod val="60000"/>
+    <a:lumOff val="40000"/>
+  </cs:variation>
+  <cs:variation>
+    <a:lumMod val="50000"/>
+  </cs:variation>
+  <cs:variation>
+    <a:lumMod val="70000"/>
+    <a:lumOff val="30000"/>
+  </cs:variation>
+  <cs:variation>
+    <a:lumMod val="70000"/>
+  </cs:variation>
+  <cs:variation>
+    <a:lumMod val="50000"/>
+    <a:lumOff val="50000"/>
+  </cs:variation>
+</cs:colorStyle>
+</file>
+
+<file path=ppt/charts/colors3.xml><?xml version="1.0" encoding="utf-8"?>
+<cs:colorStyle xmlns:cs="http://schemas.microsoft.com/office/drawing/2012/chartStyle" xmlns:a="http://schemas.openxmlformats.org/drawingml/2006/main" meth="cycle" id="10">
+  <a:schemeClr val="accent1"/>
+  <a:schemeClr val="accent2"/>
+  <a:schemeClr val="accent3"/>
+  <a:schemeClr val="accent4"/>
+  <a:schemeClr val="accent5"/>
+  <a:schemeClr val="accent6"/>
+  <cs:variation/>
+  <cs:variation>
+    <a:lumMod val="60000"/>
+  </cs:variation>
+  <cs:variation>
+    <a:lumMod val="80000"/>
+    <a:lumOff val="20000"/>
+  </cs:variation>
+  <cs:variation>
+    <a:lumMod val="80000"/>
+  </cs:variation>
+  <cs:variation>
+    <a:lumMod val="60000"/>
+    <a:lumOff val="40000"/>
+  </cs:variation>
+  <cs:variation>
+    <a:lumMod val="50000"/>
+  </cs:variation>
+  <cs:variation>
+    <a:lumMod val="70000"/>
+    <a:lumOff val="30000"/>
+  </cs:variation>
+  <cs:variation>
+    <a:lumMod val="70000"/>
+  </cs:variation>
+  <cs:variation>
+    <a:lumMod val="50000"/>
+    <a:lumOff val="50000"/>
+  </cs:variation>
+</cs:colorStyle>
+</file>
+
+<file path=ppt/charts/colors4.xml><?xml version="1.0" encoding="utf-8"?>
+<cs:colorStyle xmlns:cs="http://schemas.microsoft.com/office/drawing/2012/chartStyle" xmlns:a="http://schemas.openxmlformats.org/drawingml/2006/main" meth="cycle" id="10">
+  <a:schemeClr val="accent1"/>
+  <a:schemeClr val="accent2"/>
+  <a:schemeClr val="accent3"/>
+  <a:schemeClr val="accent4"/>
+  <a:schemeClr val="accent5"/>
+  <a:schemeClr val="accent6"/>
+  <cs:variation/>
+  <cs:variation>
+    <a:lumMod val="60000"/>
+  </cs:variation>
+  <cs:variation>
+    <a:lumMod val="80000"/>
+    <a:lumOff val="20000"/>
+  </cs:variation>
+  <cs:variation>
+    <a:lumMod val="80000"/>
+  </cs:variation>
+  <cs:variation>
+    <a:lumMod val="60000"/>
+    <a:lumOff val="40000"/>
+  </cs:variation>
+  <cs:variation>
+    <a:lumMod val="50000"/>
+  </cs:variation>
+  <cs:variation>
+    <a:lumMod val="70000"/>
+    <a:lumOff val="30000"/>
+  </cs:variation>
+  <cs:variation>
+    <a:lumMod val="70000"/>
+  </cs:variation>
+  <cs:variation>
+    <a:lumMod val="50000"/>
+    <a:lumOff val="50000"/>
+  </cs:variation>
+</cs:colorStyle>
+</file>
+
+<file path=ppt/charts/style1.xml><?xml version="1.0" encoding="utf-8"?>
+<cs:chartStyle xmlns:cs="http://schemas.microsoft.com/office/drawing/2012/chartStyle" xmlns:a="http://schemas.openxmlformats.org/drawingml/2006/main" id="332">
+  <cs:axisTitle>
+    <cs:lnRef idx="0"/>
+    <cs:fillRef idx="0"/>
+    <cs:effectRef idx="0"/>
+    <cs:fontRef idx="minor">
+      <a:schemeClr val="tx1">
+        <a:lumMod val="65000"/>
+        <a:lumOff val="35000"/>
+      </a:schemeClr>
+    </cs:fontRef>
+    <cs:defRPr sz="1330" kern="1200"/>
+  </cs:axisTitle>
+  <cs:categoryAxis>
+    <cs:lnRef idx="0"/>
+    <cs:fillRef idx="0"/>
+    <cs:effectRef idx="0"/>
+    <cs:fontRef idx="minor">
+      <a:schemeClr val="tx1">
+        <a:lumMod val="65000"/>
+        <a:lumOff val="35000"/>
+      </a:schemeClr>
+    </cs:fontRef>
+    <cs:spPr>
+      <a:ln w="9525" cap="flat" cmpd="sng" algn="ctr">
+        <a:solidFill>
+          <a:schemeClr val="tx1">
+            <a:lumMod val="15000"/>
+            <a:lumOff val="85000"/>
+          </a:schemeClr>
+        </a:solidFill>
+        <a:round/>
+      </a:ln>
+    </cs:spPr>
+    <cs:defRPr sz="1197" kern="1200"/>
+  </cs:categoryAxis>
+  <cs:chartArea mods="allowNoFillOverride allowNoLineOverride">
+    <cs:lnRef idx="0"/>
+    <cs:fillRef idx="0"/>
+    <cs:effectRef idx="0"/>
+    <cs:fontRef idx="minor">
+      <a:schemeClr val="tx1"/>
+    </cs:fontRef>
+    <cs:spPr>
+      <a:solidFill>
+        <a:schemeClr val="bg1"/>
+      </a:solidFill>
+      <a:ln w="9525" cap="flat" cmpd="sng" algn="ctr">
+        <a:solidFill>
+          <a:schemeClr val="tx1">
+            <a:lumMod val="15000"/>
+            <a:lumOff val="85000"/>
+          </a:schemeClr>
+        </a:solidFill>
+        <a:round/>
+      </a:ln>
+    </cs:spPr>
+    <cs:defRPr sz="1330" kern="1200"/>
+  </cs:chartArea>
+  <cs:dataLabel>
+    <cs:lnRef idx="0"/>
+    <cs:fillRef idx="0"/>
+    <cs:effectRef idx="0"/>
+    <cs:fontRef idx="minor">
+      <a:schemeClr val="tx1">
+        <a:lumMod val="75000"/>
+        <a:lumOff val="25000"/>
+      </a:schemeClr>
+    </cs:fontRef>
+    <cs:defRPr sz="1197" kern="1200"/>
+  </cs:dataLabel>
+  <cs:dataLabelCallout>
+    <cs:lnRef idx="0"/>
+    <cs:fillRef idx="0"/>
+    <cs:effectRef idx="0"/>
+    <cs:fontRef idx="minor">
+      <a:schemeClr val="dk1">
+        <a:lumMod val="65000"/>
+        <a:lumOff val="35000"/>
+      </a:schemeClr>
+    </cs:fontRef>
+    <cs:spPr>
+      <a:solidFill>
+        <a:schemeClr val="lt1"/>
+      </a:solidFill>
+      <a:ln>
+        <a:solidFill>
+          <a:schemeClr val="dk1">
+            <a:lumMod val="25000"/>
+            <a:lumOff val="75000"/>
+          </a:schemeClr>
+        </a:solidFill>
+      </a:ln>
+    </cs:spPr>
+    <cs:defRPr sz="1197" kern="1200"/>
+    <cs:bodyPr rot="0" spcFirstLastPara="1" vertOverflow="clip" horzOverflow="clip" vert="horz" wrap="square" lIns="36576" tIns="18288" rIns="36576" bIns="18288" anchor="ctr" anchorCtr="1">
+      <a:spAutoFit/>
+    </cs:bodyPr>
+  </cs:dataLabelCallout>
+  <cs:dataPoint>
+    <cs:lnRef idx="0"/>
+    <cs:fillRef idx="1">
+      <cs:styleClr val="auto"/>
+    </cs:fillRef>
+    <cs:effectRef idx="0"/>
+    <cs:fontRef idx="minor">
+      <a:schemeClr val="tx1"/>
+    </cs:fontRef>
+  </cs:dataPoint>
+  <cs:dataPoint3D>
+    <cs:lnRef idx="0"/>
+    <cs:fillRef idx="1">
+      <cs:styleClr val="auto"/>
+    </cs:fillRef>
+    <cs:effectRef idx="0"/>
+    <cs:fontRef idx="minor">
+      <a:schemeClr val="tx1"/>
+    </cs:fontRef>
+  </cs:dataPoint3D>
+  <cs:dataPointLine>
+    <cs:lnRef idx="0">
+      <cs:styleClr val="auto"/>
+    </cs:lnRef>
+    <cs:fillRef idx="1"/>
+    <cs:effectRef idx="0"/>
+    <cs:fontRef idx="minor">
+      <a:schemeClr val="tx1"/>
+    </cs:fontRef>
+    <cs:spPr>
+      <a:ln w="28575" cap="rnd">
+        <a:solidFill>
+          <a:schemeClr val="phClr"/>
+        </a:solidFill>
+        <a:round/>
+      </a:ln>
+    </cs:spPr>
+  </cs:dataPointLine>
+  <cs:dataPointMarker>
+    <cs:lnRef idx="0">
+      <cs:styleClr val="auto"/>
+    </cs:lnRef>
+    <cs:fillRef idx="1">
+      <cs:styleClr val="auto"/>
+    </cs:fillRef>
+    <cs:effectRef idx="0"/>
+    <cs:fontRef idx="minor">
+      <a:schemeClr val="tx1"/>
+    </cs:fontRef>
+    <cs:spPr>
+      <a:ln w="9525">
+        <a:solidFill>
+          <a:schemeClr val="phClr"/>
+        </a:solidFill>
+      </a:ln>
+    </cs:spPr>
+  </cs:dataPointMarker>
+  <cs:dataPointMarkerLayout symbol="circle" size="5"/>
+  <cs:dataPointWireframe>
+    <cs:lnRef idx="0">
+      <cs:styleClr val="auto"/>
+    </cs:lnRef>
+    <cs:fillRef idx="1"/>
+    <cs:effectRef idx="0"/>
+    <cs:fontRef idx="minor">
+      <a:schemeClr val="tx1"/>
+    </cs:fontRef>
+    <cs:spPr>
+      <a:ln w="9525" cap="rnd">
+        <a:solidFill>
+          <a:schemeClr val="phClr"/>
+        </a:solidFill>
+        <a:round/>
+      </a:ln>
+    </cs:spPr>
+  </cs:dataPointWireframe>
+  <cs:dataTable>
+    <cs:lnRef idx="0"/>
+    <cs:fillRef idx="0"/>
+    <cs:effectRef idx="0"/>
+    <cs:fontRef idx="minor">
+      <a:schemeClr val="tx1">
+        <a:lumMod val="65000"/>
+        <a:lumOff val="35000"/>
+      </a:schemeClr>
+    </cs:fontRef>
+    <cs:spPr>
+      <a:noFill/>
+      <a:ln w="9525" cap="flat" cmpd="sng" algn="ctr">
+        <a:solidFill>
+          <a:schemeClr val="tx1">
+            <a:lumMod val="15000"/>
+            <a:lumOff val="85000"/>
+          </a:schemeClr>
+        </a:solidFill>
+        <a:round/>
+      </a:ln>
+    </cs:spPr>
+    <cs:defRPr sz="1197" kern="1200"/>
+  </cs:dataTable>
+  <cs:downBar>
+    <cs:lnRef idx="0"/>
+    <cs:fillRef idx="0"/>
+    <cs:effectRef idx="0"/>
+    <cs:fontRef idx="minor">
+      <a:schemeClr val="dk1"/>
+    </cs:fontRef>
+    <cs:spPr>
+      <a:solidFill>
+        <a:schemeClr val="dk1">
+          <a:lumMod val="65000"/>
+          <a:lumOff val="35000"/>
+        </a:schemeClr>
+      </a:solidFill>
+      <a:ln w="9525">
+        <a:solidFill>
+          <a:schemeClr val="tx1">
+            <a:lumMod val="65000"/>
+            <a:lumOff val="35000"/>
+          </a:schemeClr>
+        </a:solidFill>
+      </a:ln>
+    </cs:spPr>
+  </cs:downBar>
+  <cs:dropLine>
+    <cs:lnRef idx="0"/>
+    <cs:fillRef idx="0"/>
+    <cs:effectRef idx="0"/>
+    <cs:fontRef idx="minor">
+      <a:schemeClr val="tx1"/>
+    </cs:fontRef>
+    <cs:spPr>
+      <a:ln w="9525" cap="flat" cmpd="sng" algn="ctr">
+        <a:solidFill>
+          <a:schemeClr val="tx1">
+            <a:lumMod val="35000"/>
+            <a:lumOff val="65000"/>
+          </a:schemeClr>
+        </a:solidFill>
+        <a:round/>
+      </a:ln>
+    </cs:spPr>
+  </cs:dropLine>
+  <cs:errorBar>
+    <cs:lnRef idx="0"/>
+    <cs:fillRef idx="0"/>
+    <cs:effectRef idx="0"/>
+    <cs:fontRef idx="minor">
+      <a:schemeClr val="tx1"/>
+    </cs:fontRef>
+    <cs:spPr>
+      <a:ln w="9525" cap="flat" cmpd="sng" algn="ctr">
+        <a:solidFill>
+          <a:schemeClr val="tx1">
+            <a:lumMod val="65000"/>
+            <a:lumOff val="35000"/>
+          </a:schemeClr>
+        </a:solidFill>
+        <a:round/>
+      </a:ln>
+    </cs:spPr>
+  </cs:errorBar>
+  <cs:floor>
+    <cs:lnRef idx="0"/>
+    <cs:fillRef idx="0"/>
+    <cs:effectRef idx="0"/>
+    <cs:fontRef idx="minor">
+      <a:schemeClr val="tx1"/>
+    </cs:fontRef>
+    <cs:spPr>
+      <a:noFill/>
+      <a:ln>
+        <a:noFill/>
+      </a:ln>
+    </cs:spPr>
+  </cs:floor>
+  <cs:gridlineMajor>
+    <cs:lnRef idx="0"/>
+    <cs:fillRef idx="0"/>
+    <cs:effectRef idx="0"/>
+    <cs:fontRef idx="minor">
+      <a:schemeClr val="tx1"/>
+    </cs:fontRef>
+    <cs:spPr>
+      <a:ln w="9525" cap="flat" cmpd="sng" algn="ctr">
+        <a:solidFill>
+          <a:schemeClr val="tx1">
+            <a:lumMod val="15000"/>
+            <a:lumOff val="85000"/>
+          </a:schemeClr>
+        </a:solidFill>
+        <a:round/>
+      </a:ln>
+    </cs:spPr>
+  </cs:gridlineMajor>
+  <cs:gridlineMinor>
+    <cs:lnRef idx="0"/>
+    <cs:fillRef idx="0"/>
+    <cs:effectRef idx="0"/>
+    <cs:fontRef idx="minor">
+      <a:schemeClr val="tx1"/>
+    </cs:fontRef>
+    <cs:spPr>
+      <a:ln w="9525" cap="flat" cmpd="sng" algn="ctr">
+        <a:solidFill>
+          <a:schemeClr val="tx1">
+            <a:lumMod val="5000"/>
+            <a:lumOff val="95000"/>
+          </a:schemeClr>
+        </a:solidFill>
+        <a:round/>
+      </a:ln>
+    </cs:spPr>
+  </cs:gridlineMinor>
+  <cs:hiLoLine>
+    <cs:lnRef idx="0"/>
+    <cs:fillRef idx="0"/>
+    <cs:effectRef idx="0"/>
+    <cs:fontRef idx="minor">
+      <a:schemeClr val="tx1"/>
+    </cs:fontRef>
+    <cs:spPr>
+      <a:ln w="9525" cap="flat" cmpd="sng" algn="ctr">
+        <a:solidFill>
+          <a:schemeClr val="tx1">
+            <a:lumMod val="75000"/>
+            <a:lumOff val="25000"/>
+          </a:schemeClr>
+        </a:solidFill>
+        <a:round/>
+      </a:ln>
+    </cs:spPr>
+  </cs:hiLoLine>
+  <cs:leaderLine>
+    <cs:lnRef idx="0"/>
+    <cs:fillRef idx="0"/>
+    <cs:effectRef idx="0"/>
+    <cs:fontRef idx="minor">
+      <a:schemeClr val="tx1"/>
+    </cs:fontRef>
+    <cs:spPr>
+      <a:ln w="9525" cap="flat" cmpd="sng" algn="ctr">
+        <a:solidFill>
+          <a:schemeClr val="tx1">
+            <a:lumMod val="35000"/>
+            <a:lumOff val="65000"/>
+          </a:schemeClr>
+        </a:solidFill>
+        <a:round/>
+      </a:ln>
+    </cs:spPr>
+  </cs:leaderLine>
+  <cs:legend>
+    <cs:lnRef idx="0"/>
+    <cs:fillRef idx="0"/>
+    <cs:effectRef idx="0"/>
+    <cs:fontRef idx="minor">
+      <a:schemeClr val="tx1">
+        <a:lumMod val="65000"/>
+        <a:lumOff val="35000"/>
+      </a:schemeClr>
+    </cs:fontRef>
+    <cs:defRPr sz="1197" kern="1200"/>
+  </cs:legend>
+  <cs:plotArea mods="allowNoFillOverride allowNoLineOverride">
+    <cs:lnRef idx="0"/>
+    <cs:fillRef idx="0"/>
+    <cs:effectRef idx="0"/>
+    <cs:fontRef idx="minor">
+      <a:schemeClr val="tx1"/>
+    </cs:fontRef>
+  </cs:plotArea>
+  <cs:plotArea3D mods="allowNoFillOverride allowNoLineOverride">
+    <cs:lnRef idx="0"/>
+    <cs:fillRef idx="0"/>
+    <cs:effectRef idx="0"/>
+    <cs:fontRef idx="minor">
+      <a:schemeClr val="tx1"/>
+    </cs:fontRef>
+  </cs:plotArea3D>
+  <cs:seriesAxis>
+    <cs:lnRef idx="0"/>
+    <cs:fillRef idx="0"/>
+    <cs:effectRef idx="0"/>
+    <cs:fontRef idx="minor">
+      <a:schemeClr val="tx1">
+        <a:lumMod val="65000"/>
+        <a:lumOff val="35000"/>
+      </a:schemeClr>
+    </cs:fontRef>
+    <cs:defRPr sz="1197" kern="1200"/>
+  </cs:seriesAxis>
+  <cs:seriesLine>
+    <cs:lnRef idx="0"/>
+    <cs:fillRef idx="0"/>
+    <cs:effectRef idx="0"/>
+    <cs:fontRef idx="minor">
+      <a:schemeClr val="tx1"/>
+    </cs:fontRef>
+    <cs:spPr>
+      <a:ln w="9525" cap="flat" cmpd="sng" algn="ctr">
+        <a:solidFill>
+          <a:schemeClr val="tx1">
+            <a:lumMod val="35000"/>
+            <a:lumOff val="65000"/>
+          </a:schemeClr>
+        </a:solidFill>
+        <a:round/>
+      </a:ln>
+    </cs:spPr>
+  </cs:seriesLine>
+  <cs:title>
+    <cs:lnRef idx="0"/>
+    <cs:fillRef idx="0"/>
+    <cs:effectRef idx="0"/>
+    <cs:fontRef idx="minor">
+      <a:schemeClr val="tx1">
+        <a:lumMod val="65000"/>
+        <a:lumOff val="35000"/>
+      </a:schemeClr>
+    </cs:fontRef>
+    <cs:defRPr sz="1862" b="0" kern="1200" spc="0" baseline="0"/>
+  </cs:title>
+  <cs:trendline>
+    <cs:lnRef idx="0">
+      <cs:styleClr val="auto"/>
+    </cs:lnRef>
+    <cs:fillRef idx="0"/>
+    <cs:effectRef idx="0"/>
+    <cs:fontRef idx="minor">
+      <a:schemeClr val="tx1"/>
+    </cs:fontRef>
+    <cs:spPr>
+      <a:ln w="19050" cap="rnd">
+        <a:solidFill>
+          <a:schemeClr val="phClr"/>
+        </a:solidFill>
+        <a:prstDash val="sysDot"/>
+      </a:ln>
+    </cs:spPr>
+  </cs:trendline>
+  <cs:trendlineLabel>
+    <cs:lnRef idx="0"/>
+    <cs:fillRef idx="0"/>
+    <cs:effectRef idx="0"/>
+    <cs:fontRef idx="minor">
+      <a:schemeClr val="tx1">
+        <a:lumMod val="65000"/>
+        <a:lumOff val="35000"/>
+      </a:schemeClr>
+    </cs:fontRef>
+    <cs:defRPr sz="1197" kern="1200"/>
+  </cs:trendlineLabel>
+  <cs:upBar>
+    <cs:lnRef idx="0"/>
+    <cs:fillRef idx="0"/>
+    <cs:effectRef idx="0"/>
+    <cs:fontRef idx="minor">
+      <a:schemeClr val="dk1"/>
+    </cs:fontRef>
+    <cs:spPr>
+      <a:solidFill>
+        <a:schemeClr val="lt1"/>
+      </a:solidFill>
+      <a:ln w="9525">
+        <a:solidFill>
+          <a:schemeClr val="tx1">
+            <a:lumMod val="15000"/>
+            <a:lumOff val="85000"/>
+          </a:schemeClr>
+        </a:solidFill>
+      </a:ln>
+    </cs:spPr>
+  </cs:upBar>
+  <cs:valueAxis>
+    <cs:lnRef idx="0"/>
+    <cs:fillRef idx="0"/>
+    <cs:effectRef idx="0"/>
+    <cs:fontRef idx="minor">
+      <a:schemeClr val="tx1">
+        <a:lumMod val="65000"/>
+        <a:lumOff val="35000"/>
+      </a:schemeClr>
+    </cs:fontRef>
+    <cs:defRPr sz="1197" kern="1200"/>
+  </cs:valueAxis>
+  <cs:wall>
+    <cs:lnRef idx="0"/>
+    <cs:fillRef idx="0"/>
+    <cs:effectRef idx="0"/>
+    <cs:fontRef idx="minor">
+      <a:schemeClr val="tx1"/>
+    </cs:fontRef>
+    <cs:spPr>
+      <a:noFill/>
+      <a:ln>
+        <a:noFill/>
+      </a:ln>
+    </cs:spPr>
+  </cs:wall>
+</cs:chartStyle>
+</file>
+
+<file path=ppt/charts/style2.xml><?xml version="1.0" encoding="utf-8"?>
+<cs:chartStyle xmlns:cs="http://schemas.microsoft.com/office/drawing/2012/chartStyle" xmlns:a="http://schemas.openxmlformats.org/drawingml/2006/main" id="332">
+  <cs:axisTitle>
+    <cs:lnRef idx="0"/>
+    <cs:fillRef idx="0"/>
+    <cs:effectRef idx="0"/>
+    <cs:fontRef idx="minor">
+      <a:schemeClr val="tx1">
+        <a:lumMod val="65000"/>
+        <a:lumOff val="35000"/>
+      </a:schemeClr>
+    </cs:fontRef>
+    <cs:defRPr sz="1330" kern="1200"/>
+  </cs:axisTitle>
+  <cs:categoryAxis>
+    <cs:lnRef idx="0"/>
+    <cs:fillRef idx="0"/>
+    <cs:effectRef idx="0"/>
+    <cs:fontRef idx="minor">
+      <a:schemeClr val="tx1">
+        <a:lumMod val="65000"/>
+        <a:lumOff val="35000"/>
+      </a:schemeClr>
+    </cs:fontRef>
+    <cs:spPr>
+      <a:ln w="9525" cap="flat" cmpd="sng" algn="ctr">
+        <a:solidFill>
+          <a:schemeClr val="tx1">
+            <a:lumMod val="15000"/>
+            <a:lumOff val="85000"/>
+          </a:schemeClr>
+        </a:solidFill>
+        <a:round/>
+      </a:ln>
+    </cs:spPr>
+    <cs:defRPr sz="1197" kern="1200"/>
+  </cs:categoryAxis>
+  <cs:chartArea mods="allowNoFillOverride allowNoLineOverride">
+    <cs:lnRef idx="0"/>
+    <cs:fillRef idx="0"/>
+    <cs:effectRef idx="0"/>
+    <cs:fontRef idx="minor">
+      <a:schemeClr val="tx1"/>
+    </cs:fontRef>
+    <cs:spPr>
+      <a:solidFill>
+        <a:schemeClr val="bg1"/>
+      </a:solidFill>
+      <a:ln w="9525" cap="flat" cmpd="sng" algn="ctr">
+        <a:solidFill>
+          <a:schemeClr val="tx1">
+            <a:lumMod val="15000"/>
+            <a:lumOff val="85000"/>
+          </a:schemeClr>
+        </a:solidFill>
+        <a:round/>
+      </a:ln>
+    </cs:spPr>
+    <cs:defRPr sz="1330" kern="1200"/>
+  </cs:chartArea>
+  <cs:dataLabel>
+    <cs:lnRef idx="0"/>
+    <cs:fillRef idx="0"/>
+    <cs:effectRef idx="0"/>
+    <cs:fontRef idx="minor">
+      <a:schemeClr val="tx1">
+        <a:lumMod val="75000"/>
+        <a:lumOff val="25000"/>
+      </a:schemeClr>
+    </cs:fontRef>
+    <cs:defRPr sz="1197" kern="1200"/>
+  </cs:dataLabel>
+  <cs:dataLabelCallout>
+    <cs:lnRef idx="0"/>
+    <cs:fillRef idx="0"/>
+    <cs:effectRef idx="0"/>
+    <cs:fontRef idx="minor">
+      <a:schemeClr val="dk1">
+        <a:lumMod val="65000"/>
+        <a:lumOff val="35000"/>
+      </a:schemeClr>
+    </cs:fontRef>
+    <cs:spPr>
+      <a:solidFill>
+        <a:schemeClr val="lt1"/>
+      </a:solidFill>
+      <a:ln>
+        <a:solidFill>
+          <a:schemeClr val="dk1">
+            <a:lumMod val="25000"/>
+            <a:lumOff val="75000"/>
+          </a:schemeClr>
+        </a:solidFill>
+      </a:ln>
+    </cs:spPr>
+    <cs:defRPr sz="1197" kern="1200"/>
+    <cs:bodyPr rot="0" spcFirstLastPara="1" vertOverflow="clip" horzOverflow="clip" vert="horz" wrap="square" lIns="36576" tIns="18288" rIns="36576" bIns="18288" anchor="ctr" anchorCtr="1">
+      <a:spAutoFit/>
+    </cs:bodyPr>
+  </cs:dataLabelCallout>
+  <cs:dataPoint>
+    <cs:lnRef idx="0"/>
+    <cs:fillRef idx="1">
+      <cs:styleClr val="auto"/>
+    </cs:fillRef>
+    <cs:effectRef idx="0"/>
+    <cs:fontRef idx="minor">
+      <a:schemeClr val="tx1"/>
+    </cs:fontRef>
+  </cs:dataPoint>
+  <cs:dataPoint3D>
+    <cs:lnRef idx="0"/>
+    <cs:fillRef idx="1">
+      <cs:styleClr val="auto"/>
+    </cs:fillRef>
+    <cs:effectRef idx="0"/>
+    <cs:fontRef idx="minor">
+      <a:schemeClr val="tx1"/>
+    </cs:fontRef>
+  </cs:dataPoint3D>
+  <cs:dataPointLine>
+    <cs:lnRef idx="0">
+      <cs:styleClr val="auto"/>
+    </cs:lnRef>
+    <cs:fillRef idx="1"/>
+    <cs:effectRef idx="0"/>
+    <cs:fontRef idx="minor">
+      <a:schemeClr val="tx1"/>
+    </cs:fontRef>
+    <cs:spPr>
+      <a:ln w="28575" cap="rnd">
+        <a:solidFill>
+          <a:schemeClr val="phClr"/>
+        </a:solidFill>
+        <a:round/>
+      </a:ln>
+    </cs:spPr>
+  </cs:dataPointLine>
+  <cs:dataPointMarker>
+    <cs:lnRef idx="0">
+      <cs:styleClr val="auto"/>
+    </cs:lnRef>
+    <cs:fillRef idx="1">
+      <cs:styleClr val="auto"/>
+    </cs:fillRef>
+    <cs:effectRef idx="0"/>
+    <cs:fontRef idx="minor">
+      <a:schemeClr val="tx1"/>
+    </cs:fontRef>
+    <cs:spPr>
+      <a:ln w="9525">
+        <a:solidFill>
+          <a:schemeClr val="phClr"/>
+        </a:solidFill>
+      </a:ln>
+    </cs:spPr>
+  </cs:dataPointMarker>
+  <cs:dataPointMarkerLayout symbol="circle" size="5"/>
+  <cs:dataPointWireframe>
+    <cs:lnRef idx="0">
+      <cs:styleClr val="auto"/>
+    </cs:lnRef>
+    <cs:fillRef idx="1"/>
+    <cs:effectRef idx="0"/>
+    <cs:fontRef idx="minor">
+      <a:schemeClr val="tx1"/>
+    </cs:fontRef>
+    <cs:spPr>
+      <a:ln w="9525" cap="rnd">
+        <a:solidFill>
+          <a:schemeClr val="phClr"/>
+        </a:solidFill>
+        <a:round/>
+      </a:ln>
+    </cs:spPr>
+  </cs:dataPointWireframe>
+  <cs:dataTable>
+    <cs:lnRef idx="0"/>
+    <cs:fillRef idx="0"/>
+    <cs:effectRef idx="0"/>
+    <cs:fontRef idx="minor">
+      <a:schemeClr val="tx1">
+        <a:lumMod val="65000"/>
+        <a:lumOff val="35000"/>
+      </a:schemeClr>
+    </cs:fontRef>
+    <cs:spPr>
+      <a:noFill/>
+      <a:ln w="9525" cap="flat" cmpd="sng" algn="ctr">
+        <a:solidFill>
+          <a:schemeClr val="tx1">
+            <a:lumMod val="15000"/>
+            <a:lumOff val="85000"/>
+          </a:schemeClr>
+        </a:solidFill>
+        <a:round/>
+      </a:ln>
+    </cs:spPr>
+    <cs:defRPr sz="1197" kern="1200"/>
+  </cs:dataTable>
+  <cs:downBar>
+    <cs:lnRef idx="0"/>
+    <cs:fillRef idx="0"/>
+    <cs:effectRef idx="0"/>
+    <cs:fontRef idx="minor">
+      <a:schemeClr val="dk1"/>
+    </cs:fontRef>
+    <cs:spPr>
+      <a:solidFill>
+        <a:schemeClr val="dk1">
+          <a:lumMod val="65000"/>
+          <a:lumOff val="35000"/>
+        </a:schemeClr>
+      </a:solidFill>
+      <a:ln w="9525">
+        <a:solidFill>
+          <a:schemeClr val="tx1">
+            <a:lumMod val="65000"/>
+            <a:lumOff val="35000"/>
+          </a:schemeClr>
+        </a:solidFill>
+      </a:ln>
+    </cs:spPr>
+  </cs:downBar>
+  <cs:dropLine>
+    <cs:lnRef idx="0"/>
+    <cs:fillRef idx="0"/>
+    <cs:effectRef idx="0"/>
+    <cs:fontRef idx="minor">
+      <a:schemeClr val="tx1"/>
+    </cs:fontRef>
+    <cs:spPr>
+      <a:ln w="9525" cap="flat" cmpd="sng" algn="ctr">
+        <a:solidFill>
+          <a:schemeClr val="tx1">
+            <a:lumMod val="35000"/>
+            <a:lumOff val="65000"/>
+          </a:schemeClr>
+        </a:solidFill>
+        <a:round/>
+      </a:ln>
+    </cs:spPr>
+  </cs:dropLine>
+  <cs:errorBar>
+    <cs:lnRef idx="0"/>
+    <cs:fillRef idx="0"/>
+    <cs:effectRef idx="0"/>
+    <cs:fontRef idx="minor">
+      <a:schemeClr val="tx1"/>
+    </cs:fontRef>
+    <cs:spPr>
+      <a:ln w="9525" cap="flat" cmpd="sng" algn="ctr">
+        <a:solidFill>
+          <a:schemeClr val="tx1">
+            <a:lumMod val="65000"/>
+            <a:lumOff val="35000"/>
+          </a:schemeClr>
+        </a:solidFill>
+        <a:round/>
+      </a:ln>
+    </cs:spPr>
+  </cs:errorBar>
+  <cs:floor>
+    <cs:lnRef idx="0"/>
+    <cs:fillRef idx="0"/>
+    <cs:effectRef idx="0"/>
+    <cs:fontRef idx="minor">
+      <a:schemeClr val="tx1"/>
+    </cs:fontRef>
+    <cs:spPr>
+      <a:noFill/>
+      <a:ln>
+        <a:noFill/>
+      </a:ln>
+    </cs:spPr>
+  </cs:floor>
+  <cs:gridlineMajor>
+    <cs:lnRef idx="0"/>
+    <cs:fillRef idx="0"/>
+    <cs:effectRef idx="0"/>
+    <cs:fontRef idx="minor">
+      <a:schemeClr val="tx1"/>
+    </cs:fontRef>
+    <cs:spPr>
+      <a:ln w="9525" cap="flat" cmpd="sng" algn="ctr">
+        <a:solidFill>
+          <a:schemeClr val="tx1">
+            <a:lumMod val="15000"/>
+            <a:lumOff val="85000"/>
+          </a:schemeClr>
+        </a:solidFill>
+        <a:round/>
+      </a:ln>
+    </cs:spPr>
+  </cs:gridlineMajor>
+  <cs:gridlineMinor>
+    <cs:lnRef idx="0"/>
+    <cs:fillRef idx="0"/>
+    <cs:effectRef idx="0"/>
+    <cs:fontRef idx="minor">
+      <a:schemeClr val="tx1"/>
+    </cs:fontRef>
+    <cs:spPr>
+      <a:ln w="9525" cap="flat" cmpd="sng" algn="ctr">
+        <a:solidFill>
+          <a:schemeClr val="tx1">
+            <a:lumMod val="5000"/>
+            <a:lumOff val="95000"/>
+          </a:schemeClr>
+        </a:solidFill>
+        <a:round/>
+      </a:ln>
+    </cs:spPr>
+  </cs:gridlineMinor>
+  <cs:hiLoLine>
+    <cs:lnRef idx="0"/>
+    <cs:fillRef idx="0"/>
+    <cs:effectRef idx="0"/>
+    <cs:fontRef idx="minor">
+      <a:schemeClr val="tx1"/>
+    </cs:fontRef>
+    <cs:spPr>
+      <a:ln w="9525" cap="flat" cmpd="sng" algn="ctr">
+        <a:solidFill>
+          <a:schemeClr val="tx1">
+            <a:lumMod val="75000"/>
+            <a:lumOff val="25000"/>
+          </a:schemeClr>
+        </a:solidFill>
+        <a:round/>
+      </a:ln>
+    </cs:spPr>
+  </cs:hiLoLine>
+  <cs:leaderLine>
+    <cs:lnRef idx="0"/>
+    <cs:fillRef idx="0"/>
+    <cs:effectRef idx="0"/>
+    <cs:fontRef idx="minor">
+      <a:schemeClr val="tx1"/>
+    </cs:fontRef>
+    <cs:spPr>
+      <a:ln w="9525" cap="flat" cmpd="sng" algn="ctr">
+        <a:solidFill>
+          <a:schemeClr val="tx1">
+            <a:lumMod val="35000"/>
+            <a:lumOff val="65000"/>
+          </a:schemeClr>
+        </a:solidFill>
+        <a:round/>
+      </a:ln>
+    </cs:spPr>
+  </cs:leaderLine>
+  <cs:legend>
+    <cs:lnRef idx="0"/>
+    <cs:fillRef idx="0"/>
+    <cs:effectRef idx="0"/>
+    <cs:fontRef idx="minor">
+      <a:schemeClr val="tx1">
+        <a:lumMod val="65000"/>
+        <a:lumOff val="35000"/>
+      </a:schemeClr>
+    </cs:fontRef>
+    <cs:defRPr sz="1197" kern="1200"/>
+  </cs:legend>
+  <cs:plotArea mods="allowNoFillOverride allowNoLineOverride">
+    <cs:lnRef idx="0"/>
+    <cs:fillRef idx="0"/>
+    <cs:effectRef idx="0"/>
+    <cs:fontRef idx="minor">
+      <a:schemeClr val="tx1"/>
+    </cs:fontRef>
+  </cs:plotArea>
+  <cs:plotArea3D mods="allowNoFillOverride allowNoLineOverride">
+    <cs:lnRef idx="0"/>
+    <cs:fillRef idx="0"/>
+    <cs:effectRef idx="0"/>
+    <cs:fontRef idx="minor">
+      <a:schemeClr val="tx1"/>
+    </cs:fontRef>
+  </cs:plotArea3D>
+  <cs:seriesAxis>
+    <cs:lnRef idx="0"/>
+    <cs:fillRef idx="0"/>
+    <cs:effectRef idx="0"/>
+    <cs:fontRef idx="minor">
+      <a:schemeClr val="tx1">
+        <a:lumMod val="65000"/>
+        <a:lumOff val="35000"/>
+      </a:schemeClr>
+    </cs:fontRef>
+    <cs:defRPr sz="1197" kern="1200"/>
+  </cs:seriesAxis>
+  <cs:seriesLine>
+    <cs:lnRef idx="0"/>
+    <cs:fillRef idx="0"/>
+    <cs:effectRef idx="0"/>
+    <cs:fontRef idx="minor">
+      <a:schemeClr val="tx1"/>
+    </cs:fontRef>
+    <cs:spPr>
+      <a:ln w="9525" cap="flat" cmpd="sng" algn="ctr">
+        <a:solidFill>
+          <a:schemeClr val="tx1">
+            <a:lumMod val="35000"/>
+            <a:lumOff val="65000"/>
+          </a:schemeClr>
+        </a:solidFill>
+        <a:round/>
+      </a:ln>
+    </cs:spPr>
+  </cs:seriesLine>
+  <cs:title>
+    <cs:lnRef idx="0"/>
+    <cs:fillRef idx="0"/>
+    <cs:effectRef idx="0"/>
+    <cs:fontRef idx="minor">
+      <a:schemeClr val="tx1">
+        <a:lumMod val="65000"/>
+        <a:lumOff val="35000"/>
+      </a:schemeClr>
+    </cs:fontRef>
+    <cs:defRPr sz="1862" b="0" kern="1200" spc="0" baseline="0"/>
+  </cs:title>
+  <cs:trendline>
+    <cs:lnRef idx="0">
+      <cs:styleClr val="auto"/>
+    </cs:lnRef>
+    <cs:fillRef idx="0"/>
+    <cs:effectRef idx="0"/>
+    <cs:fontRef idx="minor">
+      <a:schemeClr val="tx1"/>
+    </cs:fontRef>
+    <cs:spPr>
+      <a:ln w="19050" cap="rnd">
+        <a:solidFill>
+          <a:schemeClr val="phClr"/>
+        </a:solidFill>
+        <a:prstDash val="sysDot"/>
+      </a:ln>
+    </cs:spPr>
+  </cs:trendline>
+  <cs:trendlineLabel>
+    <cs:lnRef idx="0"/>
+    <cs:fillRef idx="0"/>
+    <cs:effectRef idx="0"/>
+    <cs:fontRef idx="minor">
+      <a:schemeClr val="tx1">
+        <a:lumMod val="65000"/>
+        <a:lumOff val="35000"/>
+      </a:schemeClr>
+    </cs:fontRef>
+    <cs:defRPr sz="1197" kern="1200"/>
+  </cs:trendlineLabel>
+  <cs:upBar>
+    <cs:lnRef idx="0"/>
+    <cs:fillRef idx="0"/>
+    <cs:effectRef idx="0"/>
+    <cs:fontRef idx="minor">
+      <a:schemeClr val="dk1"/>
+    </cs:fontRef>
+    <cs:spPr>
+      <a:solidFill>
+        <a:schemeClr val="lt1"/>
+      </a:solidFill>
+      <a:ln w="9525">
+        <a:solidFill>
+          <a:schemeClr val="tx1">
+            <a:lumMod val="15000"/>
+            <a:lumOff val="85000"/>
+          </a:schemeClr>
+        </a:solidFill>
+      </a:ln>
+    </cs:spPr>
+  </cs:upBar>
+  <cs:valueAxis>
+    <cs:lnRef idx="0"/>
+    <cs:fillRef idx="0"/>
+    <cs:effectRef idx="0"/>
+    <cs:fontRef idx="minor">
+      <a:schemeClr val="tx1">
+        <a:lumMod val="65000"/>
+        <a:lumOff val="35000"/>
+      </a:schemeClr>
+    </cs:fontRef>
+    <cs:defRPr sz="1197" kern="1200"/>
+  </cs:valueAxis>
+  <cs:wall>
+    <cs:lnRef idx="0"/>
+    <cs:fillRef idx="0"/>
+    <cs:effectRef idx="0"/>
+    <cs:fontRef idx="minor">
+      <a:schemeClr val="tx1"/>
+    </cs:fontRef>
+    <cs:spPr>
+      <a:noFill/>
+      <a:ln>
+        <a:noFill/>
+      </a:ln>
+    </cs:spPr>
+  </cs:wall>
+</cs:chartStyle>
+</file>
+
+<file path=ppt/charts/style3.xml><?xml version="1.0" encoding="utf-8"?>
+<cs:chartStyle xmlns:cs="http://schemas.microsoft.com/office/drawing/2012/chartStyle" xmlns:a="http://schemas.openxmlformats.org/drawingml/2006/main" id="332">
+  <cs:axisTitle>
+    <cs:lnRef idx="0"/>
+    <cs:fillRef idx="0"/>
+    <cs:effectRef idx="0"/>
+    <cs:fontRef idx="minor">
+      <a:schemeClr val="tx1">
+        <a:lumMod val="65000"/>
+        <a:lumOff val="35000"/>
+      </a:schemeClr>
+    </cs:fontRef>
+    <cs:defRPr sz="1330" kern="1200"/>
+  </cs:axisTitle>
+  <cs:categoryAxis>
+    <cs:lnRef idx="0"/>
+    <cs:fillRef idx="0"/>
+    <cs:effectRef idx="0"/>
+    <cs:fontRef idx="minor">
+      <a:schemeClr val="tx1">
+        <a:lumMod val="65000"/>
+        <a:lumOff val="35000"/>
+      </a:schemeClr>
+    </cs:fontRef>
+    <cs:spPr>
+      <a:ln w="9525" cap="flat" cmpd="sng" algn="ctr">
+        <a:solidFill>
+          <a:schemeClr val="tx1">
+            <a:lumMod val="15000"/>
+            <a:lumOff val="85000"/>
+          </a:schemeClr>
+        </a:solidFill>
+        <a:round/>
+      </a:ln>
+    </cs:spPr>
+    <cs:defRPr sz="1197" kern="1200"/>
+  </cs:categoryAxis>
+  <cs:chartArea mods="allowNoFillOverride allowNoLineOverride">
+    <cs:lnRef idx="0"/>
+    <cs:fillRef idx="0"/>
+    <cs:effectRef idx="0"/>
+    <cs:fontRef idx="minor">
+      <a:schemeClr val="tx1"/>
+    </cs:fontRef>
+    <cs:spPr>
+      <a:solidFill>
+        <a:schemeClr val="bg1"/>
+      </a:solidFill>
+      <a:ln w="9525" cap="flat" cmpd="sng" algn="ctr">
+        <a:solidFill>
+          <a:schemeClr val="tx1">
+            <a:lumMod val="15000"/>
+            <a:lumOff val="85000"/>
+          </a:schemeClr>
+        </a:solidFill>
+        <a:round/>
+      </a:ln>
+    </cs:spPr>
+    <cs:defRPr sz="1330" kern="1200"/>
+  </cs:chartArea>
+  <cs:dataLabel>
+    <cs:lnRef idx="0"/>
+    <cs:fillRef idx="0"/>
+    <cs:effectRef idx="0"/>
+    <cs:fontRef idx="minor">
+      <a:schemeClr val="tx1">
+        <a:lumMod val="75000"/>
+        <a:lumOff val="25000"/>
+      </a:schemeClr>
+    </cs:fontRef>
+    <cs:defRPr sz="1197" kern="1200"/>
+  </cs:dataLabel>
+  <cs:dataLabelCallout>
+    <cs:lnRef idx="0"/>
+    <cs:fillRef idx="0"/>
+    <cs:effectRef idx="0"/>
+    <cs:fontRef idx="minor">
+      <a:schemeClr val="dk1">
+        <a:lumMod val="65000"/>
+        <a:lumOff val="35000"/>
+      </a:schemeClr>
+    </cs:fontRef>
+    <cs:spPr>
+      <a:solidFill>
+        <a:schemeClr val="lt1"/>
+      </a:solidFill>
+      <a:ln>
+        <a:solidFill>
+          <a:schemeClr val="dk1">
+            <a:lumMod val="25000"/>
+            <a:lumOff val="75000"/>
+          </a:schemeClr>
+        </a:solidFill>
+      </a:ln>
+    </cs:spPr>
+    <cs:defRPr sz="1197" kern="1200"/>
+    <cs:bodyPr rot="0" spcFirstLastPara="1" vertOverflow="clip" horzOverflow="clip" vert="horz" wrap="square" lIns="36576" tIns="18288" rIns="36576" bIns="18288" anchor="ctr" anchorCtr="1">
+      <a:spAutoFit/>
+    </cs:bodyPr>
+  </cs:dataLabelCallout>
+  <cs:dataPoint>
+    <cs:lnRef idx="0"/>
+    <cs:fillRef idx="1">
+      <cs:styleClr val="auto"/>
+    </cs:fillRef>
+    <cs:effectRef idx="0"/>
+    <cs:fontRef idx="minor">
+      <a:schemeClr val="tx1"/>
+    </cs:fontRef>
+  </cs:dataPoint>
+  <cs:dataPoint3D>
+    <cs:lnRef idx="0"/>
+    <cs:fillRef idx="1">
+      <cs:styleClr val="auto"/>
+    </cs:fillRef>
+    <cs:effectRef idx="0"/>
+    <cs:fontRef idx="minor">
+      <a:schemeClr val="tx1"/>
+    </cs:fontRef>
+  </cs:dataPoint3D>
+  <cs:dataPointLine>
+    <cs:lnRef idx="0">
+      <cs:styleClr val="auto"/>
+    </cs:lnRef>
+    <cs:fillRef idx="1"/>
+    <cs:effectRef idx="0"/>
+    <cs:fontRef idx="minor">
+      <a:schemeClr val="tx1"/>
+    </cs:fontRef>
+    <cs:spPr>
+      <a:ln w="28575" cap="rnd">
+        <a:solidFill>
+          <a:schemeClr val="phClr"/>
+        </a:solidFill>
+        <a:round/>
+      </a:ln>
+    </cs:spPr>
+  </cs:dataPointLine>
+  <cs:dataPointMarker>
+    <cs:lnRef idx="0">
+      <cs:styleClr val="auto"/>
+    </cs:lnRef>
+    <cs:fillRef idx="1">
+      <cs:styleClr val="auto"/>
+    </cs:fillRef>
+    <cs:effectRef idx="0"/>
+    <cs:fontRef idx="minor">
+      <a:schemeClr val="tx1"/>
+    </cs:fontRef>
+    <cs:spPr>
+      <a:ln w="9525">
+        <a:solidFill>
+          <a:schemeClr val="phClr"/>
+        </a:solidFill>
+      </a:ln>
+    </cs:spPr>
+  </cs:dataPointMarker>
+  <cs:dataPointMarkerLayout symbol="circle" size="5"/>
+  <cs:dataPointWireframe>
+    <cs:lnRef idx="0">
+      <cs:styleClr val="auto"/>
+    </cs:lnRef>
+    <cs:fillRef idx="1"/>
+    <cs:effectRef idx="0"/>
+    <cs:fontRef idx="minor">
+      <a:schemeClr val="tx1"/>
+    </cs:fontRef>
+    <cs:spPr>
+      <a:ln w="9525" cap="rnd">
+        <a:solidFill>
+          <a:schemeClr val="phClr"/>
+        </a:solidFill>
+        <a:round/>
+      </a:ln>
+    </cs:spPr>
+  </cs:dataPointWireframe>
+  <cs:dataTable>
+    <cs:lnRef idx="0"/>
+    <cs:fillRef idx="0"/>
+    <cs:effectRef idx="0"/>
+    <cs:fontRef idx="minor">
+      <a:schemeClr val="tx1">
+        <a:lumMod val="65000"/>
+        <a:lumOff val="35000"/>
+      </a:schemeClr>
+    </cs:fontRef>
+    <cs:spPr>
+      <a:noFill/>
+      <a:ln w="9525" cap="flat" cmpd="sng" algn="ctr">
+        <a:solidFill>
+          <a:schemeClr val="tx1">
+            <a:lumMod val="15000"/>
+            <a:lumOff val="85000"/>
+          </a:schemeClr>
+        </a:solidFill>
+        <a:round/>
+      </a:ln>
+    </cs:spPr>
+    <cs:defRPr sz="1197" kern="1200"/>
+  </cs:dataTable>
+  <cs:downBar>
+    <cs:lnRef idx="0"/>
+    <cs:fillRef idx="0"/>
+    <cs:effectRef idx="0"/>
+    <cs:fontRef idx="minor">
+      <a:schemeClr val="dk1"/>
+    </cs:fontRef>
+    <cs:spPr>
+      <a:solidFill>
+        <a:schemeClr val="dk1">
+          <a:lumMod val="65000"/>
+          <a:lumOff val="35000"/>
+        </a:schemeClr>
+      </a:solidFill>
+      <a:ln w="9525">
+        <a:solidFill>
+          <a:schemeClr val="tx1">
+            <a:lumMod val="65000"/>
+            <a:lumOff val="35000"/>
+          </a:schemeClr>
+        </a:solidFill>
+      </a:ln>
+    </cs:spPr>
+  </cs:downBar>
+  <cs:dropLine>
+    <cs:lnRef idx="0"/>
+    <cs:fillRef idx="0"/>
+    <cs:effectRef idx="0"/>
+    <cs:fontRef idx="minor">
+      <a:schemeClr val="tx1"/>
+    </cs:fontRef>
+    <cs:spPr>
+      <a:ln w="9525" cap="flat" cmpd="sng" algn="ctr">
+        <a:solidFill>
+          <a:schemeClr val="tx1">
+            <a:lumMod val="35000"/>
+            <a:lumOff val="65000"/>
+          </a:schemeClr>
+        </a:solidFill>
+        <a:round/>
+      </a:ln>
+    </cs:spPr>
+  </cs:dropLine>
+  <cs:errorBar>
+    <cs:lnRef idx="0"/>
+    <cs:fillRef idx="0"/>
+    <cs:effectRef idx="0"/>
+    <cs:fontRef idx="minor">
+      <a:schemeClr val="tx1"/>
+    </cs:fontRef>
+    <cs:spPr>
+      <a:ln w="9525" cap="flat" cmpd="sng" algn="ctr">
+        <a:solidFill>
+          <a:schemeClr val="tx1">
+            <a:lumMod val="65000"/>
+            <a:lumOff val="35000"/>
+          </a:schemeClr>
+        </a:solidFill>
+        <a:round/>
+      </a:ln>
+    </cs:spPr>
+  </cs:errorBar>
+  <cs:floor>
+    <cs:lnRef idx="0"/>
+    <cs:fillRef idx="0"/>
+    <cs:effectRef idx="0"/>
+    <cs:fontRef idx="minor">
+      <a:schemeClr val="tx1"/>
+    </cs:fontRef>
+    <cs:spPr>
+      <a:noFill/>
+      <a:ln>
+        <a:noFill/>
+      </a:ln>
+    </cs:spPr>
+  </cs:floor>
+  <cs:gridlineMajor>
+    <cs:lnRef idx="0"/>
+    <cs:fillRef idx="0"/>
+    <cs:effectRef idx="0"/>
+    <cs:fontRef idx="minor">
+      <a:schemeClr val="tx1"/>
+    </cs:fontRef>
+    <cs:spPr>
+      <a:ln w="9525" cap="flat" cmpd="sng" algn="ctr">
+        <a:solidFill>
+          <a:schemeClr val="tx1">
+            <a:lumMod val="15000"/>
+            <a:lumOff val="85000"/>
+          </a:schemeClr>
+        </a:solidFill>
+        <a:round/>
+      </a:ln>
+    </cs:spPr>
+  </cs:gridlineMajor>
+  <cs:gridlineMinor>
+    <cs:lnRef idx="0"/>
+    <cs:fillRef idx="0"/>
+    <cs:effectRef idx="0"/>
+    <cs:fontRef idx="minor">
+      <a:schemeClr val="tx1"/>
+    </cs:fontRef>
+    <cs:spPr>
+      <a:ln w="9525" cap="flat" cmpd="sng" algn="ctr">
+        <a:solidFill>
+          <a:schemeClr val="tx1">
+            <a:lumMod val="5000"/>
+            <a:lumOff val="95000"/>
+          </a:schemeClr>
+        </a:solidFill>
+        <a:round/>
+      </a:ln>
+    </cs:spPr>
+  </cs:gridlineMinor>
+  <cs:hiLoLine>
+    <cs:lnRef idx="0"/>
+    <cs:fillRef idx="0"/>
+    <cs:effectRef idx="0"/>
+    <cs:fontRef idx="minor">
+      <a:schemeClr val="tx1"/>
+    </cs:fontRef>
+    <cs:spPr>
+      <a:ln w="9525" cap="flat" cmpd="sng" algn="ctr">
+        <a:solidFill>
+          <a:schemeClr val="tx1">
+            <a:lumMod val="75000"/>
+            <a:lumOff val="25000"/>
+          </a:schemeClr>
+        </a:solidFill>
+        <a:round/>
+      </a:ln>
+    </cs:spPr>
+  </cs:hiLoLine>
+  <cs:leaderLine>
+    <cs:lnRef idx="0"/>
+    <cs:fillRef idx="0"/>
+    <cs:effectRef idx="0"/>
+    <cs:fontRef idx="minor">
+      <a:schemeClr val="tx1"/>
+    </cs:fontRef>
+    <cs:spPr>
+      <a:ln w="9525" cap="flat" cmpd="sng" algn="ctr">
+        <a:solidFill>
+          <a:schemeClr val="tx1">
+            <a:lumMod val="35000"/>
+            <a:lumOff val="65000"/>
+          </a:schemeClr>
+        </a:solidFill>
+        <a:round/>
+      </a:ln>
+    </cs:spPr>
+  </cs:leaderLine>
+  <cs:legend>
+    <cs:lnRef idx="0"/>
+    <cs:fillRef idx="0"/>
+    <cs:effectRef idx="0"/>
+    <cs:fontRef idx="minor">
+      <a:schemeClr val="tx1">
+        <a:lumMod val="65000"/>
+        <a:lumOff val="35000"/>
+      </a:schemeClr>
+    </cs:fontRef>
+    <cs:defRPr sz="1197" kern="1200"/>
+  </cs:legend>
+  <cs:plotArea mods="allowNoFillOverride allowNoLineOverride">
+    <cs:lnRef idx="0"/>
+    <cs:fillRef idx="0"/>
+    <cs:effectRef idx="0"/>
+    <cs:fontRef idx="minor">
+      <a:schemeClr val="tx1"/>
+    </cs:fontRef>
+  </cs:plotArea>
+  <cs:plotArea3D mods="allowNoFillOverride allowNoLineOverride">
+    <cs:lnRef idx="0"/>
+    <cs:fillRef idx="0"/>
+    <cs:effectRef idx="0"/>
+    <cs:fontRef idx="minor">
+      <a:schemeClr val="tx1"/>
+    </cs:fontRef>
+  </cs:plotArea3D>
+  <cs:seriesAxis>
+    <cs:lnRef idx="0"/>
+    <cs:fillRef idx="0"/>
+    <cs:effectRef idx="0"/>
+    <cs:fontRef idx="minor">
+      <a:schemeClr val="tx1">
+        <a:lumMod val="65000"/>
+        <a:lumOff val="35000"/>
+      </a:schemeClr>
+    </cs:fontRef>
+    <cs:defRPr sz="1197" kern="1200"/>
+  </cs:seriesAxis>
+  <cs:seriesLine>
+    <cs:lnRef idx="0"/>
+    <cs:fillRef idx="0"/>
+    <cs:effectRef idx="0"/>
+    <cs:fontRef idx="minor">
+      <a:schemeClr val="tx1"/>
+    </cs:fontRef>
+    <cs:spPr>
+      <a:ln w="9525" cap="flat" cmpd="sng" algn="ctr">
+        <a:solidFill>
+          <a:schemeClr val="tx1">
+            <a:lumMod val="35000"/>
+            <a:lumOff val="65000"/>
+          </a:schemeClr>
+        </a:solidFill>
+        <a:round/>
+      </a:ln>
+    </cs:spPr>
+  </cs:seriesLine>
+  <cs:title>
+    <cs:lnRef idx="0"/>
+    <cs:fillRef idx="0"/>
+    <cs:effectRef idx="0"/>
+    <cs:fontRef idx="minor">
+      <a:schemeClr val="tx1">
+        <a:lumMod val="65000"/>
+        <a:lumOff val="35000"/>
+      </a:schemeClr>
+    </cs:fontRef>
+    <cs:defRPr sz="1862" b="0" kern="1200" spc="0" baseline="0"/>
+  </cs:title>
+  <cs:trendline>
+    <cs:lnRef idx="0">
+      <cs:styleClr val="auto"/>
+    </cs:lnRef>
+    <cs:fillRef idx="0"/>
+    <cs:effectRef idx="0"/>
+    <cs:fontRef idx="minor">
+      <a:schemeClr val="tx1"/>
+    </cs:fontRef>
+    <cs:spPr>
+      <a:ln w="19050" cap="rnd">
+        <a:solidFill>
+          <a:schemeClr val="phClr"/>
+        </a:solidFill>
+        <a:prstDash val="sysDot"/>
+      </a:ln>
+    </cs:spPr>
+  </cs:trendline>
+  <cs:trendlineLabel>
+    <cs:lnRef idx="0"/>
+    <cs:fillRef idx="0"/>
+    <cs:effectRef idx="0"/>
+    <cs:fontRef idx="minor">
+      <a:schemeClr val="tx1">
+        <a:lumMod val="65000"/>
+        <a:lumOff val="35000"/>
+      </a:schemeClr>
+    </cs:fontRef>
+    <cs:defRPr sz="1197" kern="1200"/>
+  </cs:trendlineLabel>
+  <cs:upBar>
+    <cs:lnRef idx="0"/>
+    <cs:fillRef idx="0"/>
+    <cs:effectRef idx="0"/>
+    <cs:fontRef idx="minor">
+      <a:schemeClr val="dk1"/>
+    </cs:fontRef>
+    <cs:spPr>
+      <a:solidFill>
+        <a:schemeClr val="lt1"/>
+      </a:solidFill>
+      <a:ln w="9525">
+        <a:solidFill>
+          <a:schemeClr val="tx1">
+            <a:lumMod val="15000"/>
+            <a:lumOff val="85000"/>
+          </a:schemeClr>
+        </a:solidFill>
+      </a:ln>
+    </cs:spPr>
+  </cs:upBar>
+  <cs:valueAxis>
+    <cs:lnRef idx="0"/>
+    <cs:fillRef idx="0"/>
+    <cs:effectRef idx="0"/>
+    <cs:fontRef idx="minor">
+      <a:schemeClr val="tx1">
+        <a:lumMod val="65000"/>
+        <a:lumOff val="35000"/>
+      </a:schemeClr>
+    </cs:fontRef>
+    <cs:defRPr sz="1197" kern="1200"/>
+  </cs:valueAxis>
+  <cs:wall>
+    <cs:lnRef idx="0"/>
+    <cs:fillRef idx="0"/>
+    <cs:effectRef idx="0"/>
+    <cs:fontRef idx="minor">
+      <a:schemeClr val="tx1"/>
+    </cs:fontRef>
+    <cs:spPr>
+      <a:noFill/>
+      <a:ln>
+        <a:noFill/>
+      </a:ln>
+    </cs:spPr>
+  </cs:wall>
+</cs:chartStyle>
+</file>
+
+<file path=ppt/charts/style4.xml><?xml version="1.0" encoding="utf-8"?>
+<cs:chartStyle xmlns:cs="http://schemas.microsoft.com/office/drawing/2012/chartStyle" xmlns:a="http://schemas.openxmlformats.org/drawingml/2006/main" id="332">
+  <cs:axisTitle>
+    <cs:lnRef idx="0"/>
+    <cs:fillRef idx="0"/>
+    <cs:effectRef idx="0"/>
+    <cs:fontRef idx="minor">
+      <a:schemeClr val="tx1">
+        <a:lumMod val="65000"/>
+        <a:lumOff val="35000"/>
+      </a:schemeClr>
+    </cs:fontRef>
+    <cs:defRPr sz="1330" kern="1200"/>
+  </cs:axisTitle>
+  <cs:categoryAxis>
+    <cs:lnRef idx="0"/>
+    <cs:fillRef idx="0"/>
+    <cs:effectRef idx="0"/>
+    <cs:fontRef idx="minor">
+      <a:schemeClr val="tx1">
+        <a:lumMod val="65000"/>
+        <a:lumOff val="35000"/>
+      </a:schemeClr>
+    </cs:fontRef>
+    <cs:spPr>
+      <a:ln w="9525" cap="flat" cmpd="sng" algn="ctr">
+        <a:solidFill>
+          <a:schemeClr val="tx1">
+            <a:lumMod val="15000"/>
+            <a:lumOff val="85000"/>
+          </a:schemeClr>
+        </a:solidFill>
+        <a:round/>
+      </a:ln>
+    </cs:spPr>
+    <cs:defRPr sz="1197" kern="1200"/>
+  </cs:categoryAxis>
+  <cs:chartArea mods="allowNoFillOverride allowNoLineOverride">
+    <cs:lnRef idx="0"/>
+    <cs:fillRef idx="0"/>
+    <cs:effectRef idx="0"/>
+    <cs:fontRef idx="minor">
+      <a:schemeClr val="tx1"/>
+    </cs:fontRef>
+    <cs:spPr>
+      <a:solidFill>
+        <a:schemeClr val="bg1"/>
+      </a:solidFill>
+      <a:ln w="9525" cap="flat" cmpd="sng" algn="ctr">
+        <a:solidFill>
+          <a:schemeClr val="tx1">
+            <a:lumMod val="15000"/>
+            <a:lumOff val="85000"/>
+          </a:schemeClr>
+        </a:solidFill>
+        <a:round/>
+      </a:ln>
+    </cs:spPr>
+    <cs:defRPr sz="1330" kern="1200"/>
+  </cs:chartArea>
+  <cs:dataLabel>
+    <cs:lnRef idx="0"/>
+    <cs:fillRef idx="0"/>
+    <cs:effectRef idx="0"/>
+    <cs:fontRef idx="minor">
+      <a:schemeClr val="tx1">
+        <a:lumMod val="75000"/>
+        <a:lumOff val="25000"/>
+      </a:schemeClr>
+    </cs:fontRef>
+    <cs:defRPr sz="1197" kern="1200"/>
+  </cs:dataLabel>
+  <cs:dataLabelCallout>
+    <cs:lnRef idx="0"/>
+    <cs:fillRef idx="0"/>
+    <cs:effectRef idx="0"/>
+    <cs:fontRef idx="minor">
+      <a:schemeClr val="dk1">
+        <a:lumMod val="65000"/>
+        <a:lumOff val="35000"/>
+      </a:schemeClr>
+    </cs:fontRef>
+    <cs:spPr>
+      <a:solidFill>
+        <a:schemeClr val="lt1"/>
+      </a:solidFill>
+      <a:ln>
+        <a:solidFill>
+          <a:schemeClr val="dk1">
+            <a:lumMod val="25000"/>
+            <a:lumOff val="75000"/>
+          </a:schemeClr>
+        </a:solidFill>
+      </a:ln>
+    </cs:spPr>
+    <cs:defRPr sz="1197" kern="1200"/>
+    <cs:bodyPr rot="0" spcFirstLastPara="1" vertOverflow="clip" horzOverflow="clip" vert="horz" wrap="square" lIns="36576" tIns="18288" rIns="36576" bIns="18288" anchor="ctr" anchorCtr="1">
+      <a:spAutoFit/>
+    </cs:bodyPr>
+  </cs:dataLabelCallout>
+  <cs:dataPoint>
+    <cs:lnRef idx="0"/>
+    <cs:fillRef idx="1">
+      <cs:styleClr val="auto"/>
+    </cs:fillRef>
+    <cs:effectRef idx="0"/>
+    <cs:fontRef idx="minor">
+      <a:schemeClr val="tx1"/>
+    </cs:fontRef>
+  </cs:dataPoint>
+  <cs:dataPoint3D>
+    <cs:lnRef idx="0"/>
+    <cs:fillRef idx="1">
+      <cs:styleClr val="auto"/>
+    </cs:fillRef>
+    <cs:effectRef idx="0"/>
+    <cs:fontRef idx="minor">
+      <a:schemeClr val="tx1"/>
+    </cs:fontRef>
+  </cs:dataPoint3D>
+  <cs:dataPointLine>
+    <cs:lnRef idx="0">
+      <cs:styleClr val="auto"/>
+    </cs:lnRef>
+    <cs:fillRef idx="1"/>
+    <cs:effectRef idx="0"/>
+    <cs:fontRef idx="minor">
+      <a:schemeClr val="tx1"/>
+    </cs:fontRef>
+    <cs:spPr>
+      <a:ln w="28575" cap="rnd">
+        <a:solidFill>
+          <a:schemeClr val="phClr"/>
+        </a:solidFill>
+        <a:round/>
+      </a:ln>
+    </cs:spPr>
+  </cs:dataPointLine>
+  <cs:dataPointMarker>
+    <cs:lnRef idx="0">
+      <cs:styleClr val="auto"/>
+    </cs:lnRef>
+    <cs:fillRef idx="1">
+      <cs:styleClr val="auto"/>
+    </cs:fillRef>
+    <cs:effectRef idx="0"/>
+    <cs:fontRef idx="minor">
+      <a:schemeClr val="tx1"/>
+    </cs:fontRef>
+    <cs:spPr>
+      <a:ln w="9525">
+        <a:solidFill>
+          <a:schemeClr val="phClr"/>
+        </a:solidFill>
+      </a:ln>
+    </cs:spPr>
+  </cs:dataPointMarker>
+  <cs:dataPointMarkerLayout symbol="circle" size="5"/>
+  <cs:dataPointWireframe>
+    <cs:lnRef idx="0">
+      <cs:styleClr val="auto"/>
+    </cs:lnRef>
+    <cs:fillRef idx="1"/>
+    <cs:effectRef idx="0"/>
+    <cs:fontRef idx="minor">
+      <a:schemeClr val="tx1"/>
+    </cs:fontRef>
+    <cs:spPr>
+      <a:ln w="9525" cap="rnd">
+        <a:solidFill>
+          <a:schemeClr val="phClr"/>
+        </a:solidFill>
+        <a:round/>
+      </a:ln>
+    </cs:spPr>
+  </cs:dataPointWireframe>
+  <cs:dataTable>
+    <cs:lnRef idx="0"/>
+    <cs:fillRef idx="0"/>
+    <cs:effectRef idx="0"/>
+    <cs:fontRef idx="minor">
+      <a:schemeClr val="tx1">
+        <a:lumMod val="65000"/>
+        <a:lumOff val="35000"/>
+      </a:schemeClr>
+    </cs:fontRef>
+    <cs:spPr>
+      <a:noFill/>
+      <a:ln w="9525" cap="flat" cmpd="sng" algn="ctr">
+        <a:solidFill>
+          <a:schemeClr val="tx1">
+            <a:lumMod val="15000"/>
+            <a:lumOff val="85000"/>
+          </a:schemeClr>
+        </a:solidFill>
+        <a:round/>
+      </a:ln>
+    </cs:spPr>
+    <cs:defRPr sz="1197" kern="1200"/>
+  </cs:dataTable>
+  <cs:downBar>
+    <cs:lnRef idx="0"/>
+    <cs:fillRef idx="0"/>
+    <cs:effectRef idx="0"/>
+    <cs:fontRef idx="minor">
+      <a:schemeClr val="dk1"/>
+    </cs:fontRef>
+    <cs:spPr>
+      <a:solidFill>
+        <a:schemeClr val="dk1">
+          <a:lumMod val="65000"/>
+          <a:lumOff val="35000"/>
+        </a:schemeClr>
+      </a:solidFill>
+      <a:ln w="9525">
+        <a:solidFill>
+          <a:schemeClr val="tx1">
+            <a:lumMod val="65000"/>
+            <a:lumOff val="35000"/>
+          </a:schemeClr>
+        </a:solidFill>
+      </a:ln>
+    </cs:spPr>
+  </cs:downBar>
+  <cs:dropLine>
+    <cs:lnRef idx="0"/>
+    <cs:fillRef idx="0"/>
+    <cs:effectRef idx="0"/>
+    <cs:fontRef idx="minor">
+      <a:schemeClr val="tx1"/>
+    </cs:fontRef>
+    <cs:spPr>
+      <a:ln w="9525" cap="flat" cmpd="sng" algn="ctr">
+        <a:solidFill>
+          <a:schemeClr val="tx1">
+            <a:lumMod val="35000"/>
+            <a:lumOff val="65000"/>
+          </a:schemeClr>
+        </a:solidFill>
+        <a:round/>
+      </a:ln>
+    </cs:spPr>
+  </cs:dropLine>
+  <cs:errorBar>
+    <cs:lnRef idx="0"/>
+    <cs:fillRef idx="0"/>
+    <cs:effectRef idx="0"/>
+    <cs:fontRef idx="minor">
+      <a:schemeClr val="tx1"/>
+    </cs:fontRef>
+    <cs:spPr>
+      <a:ln w="9525" cap="flat" cmpd="sng" algn="ctr">
+        <a:solidFill>
+          <a:schemeClr val="tx1">
+            <a:lumMod val="65000"/>
+            <a:lumOff val="35000"/>
+          </a:schemeClr>
+        </a:solidFill>
+        <a:round/>
+      </a:ln>
+    </cs:spPr>
+  </cs:errorBar>
+  <cs:floor>
+    <cs:lnRef idx="0"/>
+    <cs:fillRef idx="0"/>
+    <cs:effectRef idx="0"/>
+    <cs:fontRef idx="minor">
+      <a:schemeClr val="tx1"/>
+    </cs:fontRef>
+    <cs:spPr>
+      <a:noFill/>
+      <a:ln>
+        <a:noFill/>
+      </a:ln>
+    </cs:spPr>
+  </cs:floor>
+  <cs:gridlineMajor>
+    <cs:lnRef idx="0"/>
+    <cs:fillRef idx="0"/>
+    <cs:effectRef idx="0"/>
+    <cs:fontRef idx="minor">
+      <a:schemeClr val="tx1"/>
+    </cs:fontRef>
+    <cs:spPr>
+      <a:ln w="9525" cap="flat" cmpd="sng" algn="ctr">
+        <a:solidFill>
+          <a:schemeClr val="tx1">
+            <a:lumMod val="15000"/>
+            <a:lumOff val="85000"/>
+          </a:schemeClr>
+        </a:solidFill>
+        <a:round/>
+      </a:ln>
+    </cs:spPr>
+  </cs:gridlineMajor>
+  <cs:gridlineMinor>
+    <cs:lnRef idx="0"/>
+    <cs:fillRef idx="0"/>
+    <cs:effectRef idx="0"/>
+    <cs:fontRef idx="minor">
+      <a:schemeClr val="tx1"/>
+    </cs:fontRef>
+    <cs:spPr>
+      <a:ln w="9525" cap="flat" cmpd="sng" algn="ctr">
+        <a:solidFill>
+          <a:schemeClr val="tx1">
+            <a:lumMod val="5000"/>
+            <a:lumOff val="95000"/>
+          </a:schemeClr>
+        </a:solidFill>
+        <a:round/>
+      </a:ln>
+    </cs:spPr>
+  </cs:gridlineMinor>
+  <cs:hiLoLine>
+    <cs:lnRef idx="0"/>
+    <cs:fillRef idx="0"/>
+    <cs:effectRef idx="0"/>
+    <cs:fontRef idx="minor">
+      <a:schemeClr val="tx1"/>
+    </cs:fontRef>
+    <cs:spPr>
+      <a:ln w="9525" cap="flat" cmpd="sng" algn="ctr">
+        <a:solidFill>
+          <a:schemeClr val="tx1">
+            <a:lumMod val="75000"/>
+            <a:lumOff val="25000"/>
+          </a:schemeClr>
+        </a:solidFill>
+        <a:round/>
+      </a:ln>
+    </cs:spPr>
+  </cs:hiLoLine>
+  <cs:leaderLine>
+    <cs:lnRef idx="0"/>
+    <cs:fillRef idx="0"/>
+    <cs:effectRef idx="0"/>
+    <cs:fontRef idx="minor">
+      <a:schemeClr val="tx1"/>
+    </cs:fontRef>
+    <cs:spPr>
+      <a:ln w="9525" cap="flat" cmpd="sng" algn="ctr">
+        <a:solidFill>
+          <a:schemeClr val="tx1">
+            <a:lumMod val="35000"/>
+            <a:lumOff val="65000"/>
+          </a:schemeClr>
+        </a:solidFill>
+        <a:round/>
+      </a:ln>
+    </cs:spPr>
+  </cs:leaderLine>
+  <cs:legend>
+    <cs:lnRef idx="0"/>
+    <cs:fillRef idx="0"/>
+    <cs:effectRef idx="0"/>
+    <cs:fontRef idx="minor">
+      <a:schemeClr val="tx1">
+        <a:lumMod val="65000"/>
+        <a:lumOff val="35000"/>
+      </a:schemeClr>
+    </cs:fontRef>
+    <cs:defRPr sz="1197" kern="1200"/>
+  </cs:legend>
+  <cs:plotArea mods="allowNoFillOverride allowNoLineOverride">
+    <cs:lnRef idx="0"/>
+    <cs:fillRef idx="0"/>
+    <cs:effectRef idx="0"/>
+    <cs:fontRef idx="minor">
+      <a:schemeClr val="tx1"/>
+    </cs:fontRef>
+  </cs:plotArea>
+  <cs:plotArea3D mods="allowNoFillOverride allowNoLineOverride">
+    <cs:lnRef idx="0"/>
+    <cs:fillRef idx="0"/>
+    <cs:effectRef idx="0"/>
+    <cs:fontRef idx="minor">
+      <a:schemeClr val="tx1"/>
+    </cs:fontRef>
+  </cs:plotArea3D>
+  <cs:seriesAxis>
+    <cs:lnRef idx="0"/>
+    <cs:fillRef idx="0"/>
+    <cs:effectRef idx="0"/>
+    <cs:fontRef idx="minor">
+      <a:schemeClr val="tx1">
+        <a:lumMod val="65000"/>
+        <a:lumOff val="35000"/>
+      </a:schemeClr>
+    </cs:fontRef>
+    <cs:defRPr sz="1197" kern="1200"/>
+  </cs:seriesAxis>
+  <cs:seriesLine>
+    <cs:lnRef idx="0"/>
+    <cs:fillRef idx="0"/>
+    <cs:effectRef idx="0"/>
+    <cs:fontRef idx="minor">
+      <a:schemeClr val="tx1"/>
+    </cs:fontRef>
+    <cs:spPr>
+      <a:ln w="9525" cap="flat" cmpd="sng" algn="ctr">
+        <a:solidFill>
+          <a:schemeClr val="tx1">
+            <a:lumMod val="35000"/>
+            <a:lumOff val="65000"/>
+          </a:schemeClr>
+        </a:solidFill>
+        <a:round/>
+      </a:ln>
+    </cs:spPr>
+  </cs:seriesLine>
+  <cs:title>
+    <cs:lnRef idx="0"/>
+    <cs:fillRef idx="0"/>
+    <cs:effectRef idx="0"/>
+    <cs:fontRef idx="minor">
+      <a:schemeClr val="tx1">
+        <a:lumMod val="65000"/>
+        <a:lumOff val="35000"/>
+      </a:schemeClr>
+    </cs:fontRef>
+    <cs:defRPr sz="1862" b="0" kern="1200" spc="0" baseline="0"/>
+  </cs:title>
+  <cs:trendline>
+    <cs:lnRef idx="0">
+      <cs:styleClr val="auto"/>
+    </cs:lnRef>
+    <cs:fillRef idx="0"/>
+    <cs:effectRef idx="0"/>
+    <cs:fontRef idx="minor">
+      <a:schemeClr val="tx1"/>
+    </cs:fontRef>
+    <cs:spPr>
+      <a:ln w="19050" cap="rnd">
+        <a:solidFill>
+          <a:schemeClr val="phClr"/>
+        </a:solidFill>
+        <a:prstDash val="sysDot"/>
+      </a:ln>
+    </cs:spPr>
+  </cs:trendline>
+  <cs:trendlineLabel>
+    <cs:lnRef idx="0"/>
+    <cs:fillRef idx="0"/>
+    <cs:effectRef idx="0"/>
+    <cs:fontRef idx="minor">
+      <a:schemeClr val="tx1">
+        <a:lumMod val="65000"/>
+        <a:lumOff val="35000"/>
+      </a:schemeClr>
+    </cs:fontRef>
+    <cs:defRPr sz="1197" kern="1200"/>
+  </cs:trendlineLabel>
+  <cs:upBar>
+    <cs:lnRef idx="0"/>
+    <cs:fillRef idx="0"/>
+    <cs:effectRef idx="0"/>
+    <cs:fontRef idx="minor">
+      <a:schemeClr val="dk1"/>
+    </cs:fontRef>
+    <cs:spPr>
+      <a:solidFill>
+        <a:schemeClr val="lt1"/>
+      </a:solidFill>
+      <a:ln w="9525">
+        <a:solidFill>
+          <a:schemeClr val="tx1">
+            <a:lumMod val="15000"/>
+            <a:lumOff val="85000"/>
+          </a:schemeClr>
+        </a:solidFill>
+      </a:ln>
+    </cs:spPr>
+  </cs:upBar>
+  <cs:valueAxis>
+    <cs:lnRef idx="0"/>
+    <cs:fillRef idx="0"/>
+    <cs:effectRef idx="0"/>
+    <cs:fontRef idx="minor">
+      <a:schemeClr val="tx1">
+        <a:lumMod val="65000"/>
+        <a:lumOff val="35000"/>
+      </a:schemeClr>
+    </cs:fontRef>
+    <cs:defRPr sz="1197" kern="1200"/>
+  </cs:valueAxis>
+  <cs:wall>
+    <cs:lnRef idx="0"/>
+    <cs:fillRef idx="0"/>
+    <cs:effectRef idx="0"/>
+    <cs:fontRef idx="minor">
+      <a:schemeClr val="tx1"/>
+    </cs:fontRef>
+    <cs:spPr>
+      <a:noFill/>
+      <a:ln>
+        <a:noFill/>
+      </a:ln>
+    </cs:spPr>
+  </cs:wall>
+</cs:chartStyle>
+</file>
+
 <file path=ppt/slideLayouts/slideLayout1.xml><?xml version="1.0" encoding="utf-8"?>
 <p:sldLayout xmlns:a="http://schemas.openxmlformats.org/drawingml/2006/main" xmlns:r="http://schemas.openxmlformats.org/officeDocument/2006/relationships" xmlns:p="http://schemas.openxmlformats.org/presentationml/2006/main" type="title" preserve="1">
   <p:cSld name="Титульный слайд">
@@ -276,7 +4948,7 @@
           <a:p>
             <a:fld id="{55EBD86D-A7BD-FC42-94E5-16946E78769B}" type="datetimeFigureOut">
               <a:rPr lang="ru-RU" smtClean="0"/>
-              <a:t>11.04.2022</a:t>
+              <a:t>13.04.2022</a:t>
             </a:fld>
             <a:endParaRPr lang="ru-RU"/>
           </a:p>
@@ -449,7 +5121,7 @@
           <a:p>
             <a:fld id="{55EBD86D-A7BD-FC42-94E5-16946E78769B}" type="datetimeFigureOut">
               <a:rPr lang="ru-RU" smtClean="0"/>
-              <a:t>11.04.2022</a:t>
+              <a:t>13.04.2022</a:t>
             </a:fld>
             <a:endParaRPr lang="ru-RU"/>
           </a:p>
@@ -632,7 +5304,7 @@
           <a:p>
             <a:fld id="{55EBD86D-A7BD-FC42-94E5-16946E78769B}" type="datetimeFigureOut">
               <a:rPr lang="ru-RU" smtClean="0"/>
-              <a:t>11.04.2022</a:t>
+              <a:t>13.04.2022</a:t>
             </a:fld>
             <a:endParaRPr lang="ru-RU"/>
           </a:p>
@@ -805,7 +5477,7 @@
           <a:p>
             <a:fld id="{55EBD86D-A7BD-FC42-94E5-16946E78769B}" type="datetimeFigureOut">
               <a:rPr lang="ru-RU" smtClean="0"/>
-              <a:t>11.04.2022</a:t>
+              <a:t>13.04.2022</a:t>
             </a:fld>
             <a:endParaRPr lang="ru-RU"/>
           </a:p>
@@ -1083,7 +5755,7 @@
           <a:p>
             <a:fld id="{55EBD86D-A7BD-FC42-94E5-16946E78769B}" type="datetimeFigureOut">
               <a:rPr lang="ru-RU" smtClean="0"/>
-              <a:t>11.04.2022</a:t>
+              <a:t>13.04.2022</a:t>
             </a:fld>
             <a:endParaRPr lang="ru-RU"/>
           </a:p>
@@ -1298,7 +5970,7 @@
           <a:p>
             <a:fld id="{55EBD86D-A7BD-FC42-94E5-16946E78769B}" type="datetimeFigureOut">
               <a:rPr lang="ru-RU" smtClean="0"/>
-              <a:t>11.04.2022</a:t>
+              <a:t>13.04.2022</a:t>
             </a:fld>
             <a:endParaRPr lang="ru-RU"/>
           </a:p>
@@ -1666,7 +6338,7 @@
           <a:p>
             <a:fld id="{55EBD86D-A7BD-FC42-94E5-16946E78769B}" type="datetimeFigureOut">
               <a:rPr lang="ru-RU" smtClean="0"/>
-              <a:t>11.04.2022</a:t>
+              <a:t>13.04.2022</a:t>
             </a:fld>
             <a:endParaRPr lang="ru-RU"/>
           </a:p>
@@ -1807,7 +6479,7 @@
           <a:p>
             <a:fld id="{55EBD86D-A7BD-FC42-94E5-16946E78769B}" type="datetimeFigureOut">
               <a:rPr lang="ru-RU" smtClean="0"/>
-              <a:t>11.04.2022</a:t>
+              <a:t>13.04.2022</a:t>
             </a:fld>
             <a:endParaRPr lang="ru-RU"/>
           </a:p>
@@ -1920,7 +6592,7 @@
           <a:p>
             <a:fld id="{55EBD86D-A7BD-FC42-94E5-16946E78769B}" type="datetimeFigureOut">
               <a:rPr lang="ru-RU" smtClean="0"/>
-              <a:t>11.04.2022</a:t>
+              <a:t>13.04.2022</a:t>
             </a:fld>
             <a:endParaRPr lang="ru-RU"/>
           </a:p>
@@ -2209,7 +6881,7 @@
           <a:p>
             <a:fld id="{55EBD86D-A7BD-FC42-94E5-16946E78769B}" type="datetimeFigureOut">
               <a:rPr lang="ru-RU" smtClean="0"/>
-              <a:t>11.04.2022</a:t>
+              <a:t>13.04.2022</a:t>
             </a:fld>
             <a:endParaRPr lang="ru-RU"/>
           </a:p>
@@ -2500,7 +7172,7 @@
           <a:p>
             <a:fld id="{55EBD86D-A7BD-FC42-94E5-16946E78769B}" type="datetimeFigureOut">
               <a:rPr lang="ru-RU" smtClean="0"/>
-              <a:t>11.04.2022</a:t>
+              <a:t>13.04.2022</a:t>
             </a:fld>
             <a:endParaRPr lang="ru-RU"/>
           </a:p>
@@ -2716,7 +7388,7 @@
           <a:p>
             <a:fld id="{55EBD86D-A7BD-FC42-94E5-16946E78769B}" type="datetimeFigureOut">
               <a:rPr lang="ru-RU" smtClean="0"/>
-              <a:t>11.04.2022</a:t>
+              <a:t>13.04.2022</a:t>
             </a:fld>
             <a:endParaRPr lang="ru-RU"/>
           </a:p>
@@ -3878,8 +8550,26 @@
                 <a:latin typeface="Times New Roman" panose="02020603050405020304" pitchFamily="18" charset="0"/>
                 <a:cs typeface="Times New Roman" panose="02020603050405020304" pitchFamily="18" charset="0"/>
               </a:rPr>
-              <a:t>Минусы основных экспоненциальных алгоритмов</a:t>
+              <a:t>Реализация алгоритма </a:t>
             </a:r>
+            <a:r>
+              <a:rPr lang="en-US" sz="2800" dirty="0">
+                <a:latin typeface="Times New Roman" panose="02020603050405020304" pitchFamily="18" charset="0"/>
+                <a:cs typeface="Times New Roman" panose="02020603050405020304" pitchFamily="18" charset="0"/>
+              </a:rPr>
+              <a:t>p </a:t>
+            </a:r>
+            <a:r>
+              <a:rPr lang="ru-RU" sz="2800" dirty="0" err="1">
+                <a:latin typeface="Times New Roman" panose="02020603050405020304" pitchFamily="18" charset="0"/>
+                <a:cs typeface="Times New Roman" panose="02020603050405020304" pitchFamily="18" charset="0"/>
+              </a:rPr>
+              <a:t>Полларда</a:t>
+            </a:r>
+            <a:endParaRPr lang="ru-RU" sz="2800" dirty="0">
+              <a:latin typeface="Times New Roman" panose="02020603050405020304" pitchFamily="18" charset="0"/>
+              <a:cs typeface="Times New Roman" panose="02020603050405020304" pitchFamily="18" charset="0"/>
+            </a:endParaRPr>
           </a:p>
         </p:txBody>
       </p:sp>
@@ -3975,6 +8665,66 @@
           </a:p>
         </p:txBody>
       </p:sp>
+      <p:pic>
+        <p:nvPicPr>
+          <p:cNvPr id="3" name="Рисунок 2">
+            <a:extLst>
+              <a:ext uri="{FF2B5EF4-FFF2-40B4-BE49-F238E27FC236}">
+                <a16:creationId xmlns:a16="http://schemas.microsoft.com/office/drawing/2014/main" id="{CE2073E9-0FA5-4042-BAA0-CB226A128EDA}"/>
+              </a:ext>
+            </a:extLst>
+          </p:cNvPr>
+          <p:cNvPicPr>
+            <a:picLocks noChangeAspect="1"/>
+          </p:cNvPicPr>
+          <p:nvPr/>
+        </p:nvPicPr>
+        <p:blipFill>
+          <a:blip r:embed="rId2"/>
+          <a:stretch>
+            <a:fillRect/>
+          </a:stretch>
+        </p:blipFill>
+        <p:spPr>
+          <a:xfrm>
+            <a:off x="8020643" y="2609745"/>
+            <a:ext cx="3616660" cy="3339383"/>
+          </a:xfrm>
+          <a:prstGeom prst="rect">
+            <a:avLst/>
+          </a:prstGeom>
+        </p:spPr>
+      </p:pic>
+      <p:pic>
+        <p:nvPicPr>
+          <p:cNvPr id="6" name="Рисунок 5">
+            <a:extLst>
+              <a:ext uri="{FF2B5EF4-FFF2-40B4-BE49-F238E27FC236}">
+                <a16:creationId xmlns:a16="http://schemas.microsoft.com/office/drawing/2014/main" id="{CCD79256-41B2-449B-AE41-B4CA794568C8}"/>
+              </a:ext>
+            </a:extLst>
+          </p:cNvPr>
+          <p:cNvPicPr>
+            <a:picLocks noChangeAspect="1"/>
+          </p:cNvPicPr>
+          <p:nvPr/>
+        </p:nvPicPr>
+        <p:blipFill>
+          <a:blip r:embed="rId3"/>
+          <a:stretch>
+            <a:fillRect/>
+          </a:stretch>
+        </p:blipFill>
+        <p:spPr>
+          <a:xfrm>
+            <a:off x="838200" y="2499410"/>
+            <a:ext cx="7003533" cy="3560055"/>
+          </a:xfrm>
+          <a:prstGeom prst="rect">
+            <a:avLst/>
+          </a:prstGeom>
+        </p:spPr>
+      </p:pic>
     </p:spTree>
     <p:extLst>
       <p:ext uri="{BB962C8B-B14F-4D97-AF65-F5344CB8AC3E}">
@@ -4007,10 +8757,10 @@
       </p:grpSpPr>
       <p:sp>
         <p:nvSpPr>
-          <p:cNvPr id="3" name="Объект 2">
+          <p:cNvPr id="2" name="Заголовок 1">
             <a:extLst>
               <a:ext uri="{FF2B5EF4-FFF2-40B4-BE49-F238E27FC236}">
-                <a16:creationId xmlns:a16="http://schemas.microsoft.com/office/drawing/2014/main" id="{8D352FAA-88A9-6C41-A41C-258B8E97E3D2}"/>
+                <a16:creationId xmlns:a16="http://schemas.microsoft.com/office/drawing/2014/main" id="{1234E301-6713-4DD5-927D-DADD2B424306}"/>
               </a:ext>
             </a:extLst>
           </p:cNvPr>
@@ -4018,10 +8768,15 @@
             <a:spLocks noGrp="1"/>
           </p:cNvSpPr>
           <p:nvPr>
-            <p:ph idx="1"/>
+            <p:ph type="title"/>
           </p:nvPr>
         </p:nvSpPr>
-        <p:spPr/>
+        <p:spPr>
+          <a:xfrm>
+            <a:off x="838200" y="365126"/>
+            <a:ext cx="10515600" cy="1341428"/>
+          </a:xfrm>
+        </p:spPr>
         <p:txBody>
           <a:bodyPr>
             <a:normAutofit/>
@@ -4029,90 +8784,120 @@
           <a:lstStyle/>
           <a:p>
             <a:r>
-              <a:rPr lang="ru-RU" dirty="0"/>
-              <a:t>Модульная арифметика</a:t>
+              <a:rPr lang="ru-RU" sz="2800" dirty="0">
+                <a:latin typeface="Times New Roman" panose="02020603050405020304" pitchFamily="18" charset="0"/>
+                <a:cs typeface="Times New Roman" panose="02020603050405020304" pitchFamily="18" charset="0"/>
+              </a:rPr>
+              <a:t>Реализация метода квадратичного решета</a:t>
             </a:r>
-          </a:p>
-          <a:p>
-            <a:pPr marL="971550" lvl="1" indent="-514350">
-              <a:buFont typeface="+mj-lt"/>
-              <a:buAutoNum type="arabicPeriod"/>
-            </a:pPr>
+            <a:br>
+              <a:rPr lang="ru-RU" sz="2800" dirty="0">
+                <a:latin typeface="Times New Roman" panose="02020603050405020304" pitchFamily="18" charset="0"/>
+                <a:cs typeface="Times New Roman" panose="02020603050405020304" pitchFamily="18" charset="0"/>
+              </a:rPr>
+            </a:br>
             <a:r>
-              <a:rPr lang="ru-RU" dirty="0"/>
-              <a:t>Простое описание методов и теорем которые необходимы будут дальше</a:t>
-            </a:r>
-          </a:p>
-          <a:p>
-            <a:r>
-              <a:rPr lang="ru-RU" dirty="0"/>
-              <a:t>Нахождение простых чисел</a:t>
-            </a:r>
-          </a:p>
-          <a:p>
-            <a:pPr marL="971550" lvl="1" indent="-514350">
-              <a:buFont typeface="+mj-lt"/>
-              <a:buAutoNum type="arabicPeriod"/>
-            </a:pPr>
-            <a:r>
-              <a:rPr lang="ru-RU" dirty="0"/>
-              <a:t>Решето Эратосфена</a:t>
-            </a:r>
-          </a:p>
-          <a:p>
-            <a:pPr marL="971550" lvl="1" indent="-514350">
-              <a:buFont typeface="+mj-lt"/>
-              <a:buAutoNum type="arabicPeriod"/>
-            </a:pPr>
-            <a:r>
-              <a:rPr lang="ru-RU" dirty="0"/>
-              <a:t>Решето </a:t>
-            </a:r>
-            <a:r>
-              <a:rPr lang="ru-RU" dirty="0" err="1"/>
-              <a:t>Аткина</a:t>
-            </a:r>
-            <a:r>
-              <a:rPr lang="ru-RU" dirty="0"/>
-              <a:t> (ускорение)</a:t>
-            </a:r>
-          </a:p>
-          <a:p>
-            <a:pPr marL="971550" lvl="1" indent="-514350">
-              <a:buFont typeface="+mj-lt"/>
-              <a:buAutoNum type="arabicPeriod"/>
-            </a:pPr>
-            <a:r>
-              <a:rPr lang="ru-RU" dirty="0"/>
-              <a:t>Символ Лежандра</a:t>
-            </a:r>
-          </a:p>
-          <a:p>
-            <a:pPr marL="971550" lvl="1" indent="-514350">
-              <a:buFont typeface="+mj-lt"/>
-              <a:buAutoNum type="arabicPeriod"/>
-            </a:pPr>
-            <a:r>
-              <a:rPr lang="ru-RU" dirty="0"/>
-              <a:t>Использование теоремы Тоннели-</a:t>
-            </a:r>
-            <a:r>
-              <a:rPr lang="ru-RU" dirty="0" err="1"/>
-              <a:t>Шенкса</a:t>
-            </a:r>
-            <a:r>
-              <a:rPr lang="ru-RU" dirty="0"/>
-              <a:t> для ускорения</a:t>
+              <a:rPr lang="ru-RU" sz="2800" dirty="0">
+                <a:latin typeface="Times New Roman" panose="02020603050405020304" pitchFamily="18" charset="0"/>
+                <a:cs typeface="Times New Roman" panose="02020603050405020304" pitchFamily="18" charset="0"/>
+              </a:rPr>
+              <a:t>Этап формирование факторной базы</a:t>
             </a:r>
           </a:p>
         </p:txBody>
       </p:sp>
       <p:sp>
         <p:nvSpPr>
-          <p:cNvPr id="5" name="TextBox 4">
+          <p:cNvPr id="4" name="Заголовок 1">
             <a:extLst>
               <a:ext uri="{FF2B5EF4-FFF2-40B4-BE49-F238E27FC236}">
-                <a16:creationId xmlns:a16="http://schemas.microsoft.com/office/drawing/2014/main" id="{B10CD0C5-7537-504A-A951-571119FE8CC1}"/>
+                <a16:creationId xmlns:a16="http://schemas.microsoft.com/office/drawing/2014/main" id="{40F50FF9-4F17-4D82-A5E2-4D7770E7BCFF}"/>
+              </a:ext>
+            </a:extLst>
+          </p:cNvPr>
+          <p:cNvSpPr txBox="1">
+            <a:spLocks/>
+          </p:cNvSpPr>
+          <p:nvPr/>
+        </p:nvSpPr>
+        <p:spPr>
+          <a:xfrm>
+            <a:off x="838200" y="1610830"/>
+            <a:ext cx="10515600" cy="888580"/>
+          </a:xfrm>
+          <a:prstGeom prst="rect">
+            <a:avLst/>
+          </a:prstGeom>
+        </p:spPr>
+        <p:txBody>
+          <a:bodyPr vert="horz" lIns="91440" tIns="45720" rIns="91440" bIns="45720" rtlCol="0" anchor="ctr">
+            <a:normAutofit/>
+          </a:bodyPr>
+          <a:lstStyle>
+            <a:lvl1pPr algn="l" defTabSz="914400" rtl="0" eaLnBrk="1" latinLnBrk="0" hangingPunct="1">
+              <a:lnSpc>
+                <a:spcPct val="90000"/>
+              </a:lnSpc>
+              <a:spcBef>
+                <a:spcPct val="0"/>
+              </a:spcBef>
+              <a:buNone/>
+              <a:defRPr sz="4400" kern="1200">
+                <a:solidFill>
+                  <a:schemeClr val="tx1"/>
+                </a:solidFill>
+                <a:latin typeface="+mj-lt"/>
+                <a:ea typeface="+mj-ea"/>
+                <a:cs typeface="+mj-cs"/>
+              </a:defRPr>
+            </a:lvl1pPr>
+          </a:lstStyle>
+          <a:p>
+            <a:pPr marL="342900" indent="-342900">
+              <a:buFont typeface="Arial" panose="020B0604020202020204" pitchFamily="34" charset="0"/>
+              <a:buChar char="•"/>
+            </a:pPr>
+            <a:endParaRPr lang="ru-RU" sz="2400" dirty="0">
+              <a:latin typeface="Times New Roman" panose="02020603050405020304" pitchFamily="18" charset="0"/>
+              <a:cs typeface="Times New Roman" panose="02020603050405020304" pitchFamily="18" charset="0"/>
+            </a:endParaRPr>
+          </a:p>
+        </p:txBody>
+      </p:sp>
+      <p:graphicFrame>
+        <p:nvGraphicFramePr>
+          <p:cNvPr id="8" name="Диаграмма 7">
+            <a:extLst>
+              <a:ext uri="{FF2B5EF4-FFF2-40B4-BE49-F238E27FC236}">
+                <a16:creationId xmlns:a16="http://schemas.microsoft.com/office/drawing/2014/main" id="{9F353B77-3950-42CC-94FE-27717CAF9185}"/>
+              </a:ext>
+            </a:extLst>
+          </p:cNvPr>
+          <p:cNvGraphicFramePr/>
+          <p:nvPr>
+            <p:extLst>
+              <p:ext uri="{D42A27DB-BD31-4B8C-83A1-F6EECF244321}">
+                <p14:modId xmlns:p14="http://schemas.microsoft.com/office/powerpoint/2010/main" val="734353221"/>
+              </p:ext>
+            </p:extLst>
+          </p:nvPr>
+        </p:nvGraphicFramePr>
+        <p:xfrm>
+          <a:off x="838200" y="2050230"/>
+          <a:ext cx="5175624" cy="4025922"/>
+        </p:xfrm>
+        <a:graphic>
+          <a:graphicData uri="http://schemas.openxmlformats.org/drawingml/2006/chart">
+            <c:chart xmlns:c="http://schemas.openxmlformats.org/drawingml/2006/chart" xmlns:r="http://schemas.openxmlformats.org/officeDocument/2006/relationships" r:id="rId2"/>
+          </a:graphicData>
+        </a:graphic>
+      </p:graphicFrame>
+      <p:sp>
+        <p:nvSpPr>
+          <p:cNvPr id="10" name="TextBox 9">
+            <a:extLst>
+              <a:ext uri="{FF2B5EF4-FFF2-40B4-BE49-F238E27FC236}">
+                <a16:creationId xmlns:a16="http://schemas.microsoft.com/office/drawing/2014/main" id="{8867B8BC-4DD7-4681-AA16-3DC4C688613B}"/>
               </a:ext>
             </a:extLst>
           </p:cNvPr>
@@ -4121,8 +8906,8 @@
         </p:nvSpPr>
         <p:spPr>
           <a:xfrm>
-            <a:off x="973776" y="994628"/>
-            <a:ext cx="9808006" cy="923330"/>
+            <a:off x="6503080" y="2278087"/>
+            <a:ext cx="4850720" cy="2123658"/>
           </a:xfrm>
           <a:prstGeom prst="rect">
             <a:avLst/>
@@ -4130,135 +8915,46 @@
           <a:noFill/>
         </p:spPr>
         <p:txBody>
-          <a:bodyPr wrap="none" rtlCol="0">
+          <a:bodyPr wrap="square" rtlCol="0">
             <a:spAutoFit/>
           </a:bodyPr>
           <a:lstStyle/>
           <a:p>
             <a:r>
-              <a:rPr lang="ru-RU" dirty="0"/>
-              <a:t>Задачи и проб-мы мелкого уровня. –</a:t>
+              <a:rPr lang="ru-RU" sz="2200" dirty="0">
+                <a:latin typeface="Times New Roman" panose="02020603050405020304" pitchFamily="18" charset="0"/>
+                <a:cs typeface="Times New Roman" panose="02020603050405020304" pitchFamily="18" charset="0"/>
+              </a:rPr>
+              <a:t>Реализация решета </a:t>
             </a:r>
             <a:r>
-              <a:rPr lang="en-US" dirty="0"/>
-              <a:t>&gt;</a:t>
+              <a:rPr lang="ru-RU" sz="2200" dirty="0" err="1">
+                <a:latin typeface="Times New Roman" panose="02020603050405020304" pitchFamily="18" charset="0"/>
+                <a:cs typeface="Times New Roman" panose="02020603050405020304" pitchFamily="18" charset="0"/>
+              </a:rPr>
+              <a:t>Аткина</a:t>
             </a:r>
             <a:r>
-              <a:rPr lang="ru-RU" dirty="0"/>
-              <a:t> анализ терминов и определение дан-ой области и выбора </a:t>
+              <a:rPr lang="ru-RU" sz="2200" dirty="0">
+                <a:latin typeface="Times New Roman" panose="02020603050405020304" pitchFamily="18" charset="0"/>
+                <a:cs typeface="Times New Roman" panose="02020603050405020304" pitchFamily="18" charset="0"/>
+              </a:rPr>
+              <a:t> дает несущественный прирост скорости. </a:t>
             </a:r>
           </a:p>
           <a:p>
+            <a:endParaRPr lang="ru-RU" sz="2200" dirty="0">
+              <a:latin typeface="Times New Roman" panose="02020603050405020304" pitchFamily="18" charset="0"/>
+              <a:cs typeface="Times New Roman" panose="02020603050405020304" pitchFamily="18" charset="0"/>
+            </a:endParaRPr>
+          </a:p>
+          <a:p>
             <a:r>
-              <a:rPr lang="ru-RU" dirty="0"/>
-              <a:t>Основ мат аппарат </a:t>
-            </a:r>
-          </a:p>
-          <a:p>
-            <a:r>
-              <a:rPr lang="ru-RU" dirty="0"/>
-              <a:t>В </a:t>
-            </a:r>
-            <a:r>
-              <a:rPr lang="ru-RU" dirty="0" err="1"/>
-              <a:t>презе</a:t>
-            </a:r>
-            <a:r>
-              <a:rPr lang="ru-RU" dirty="0"/>
-              <a:t> не заниматься лик-</a:t>
-            </a:r>
-            <a:r>
-              <a:rPr lang="ru-RU" dirty="0" err="1"/>
-              <a:t>безом</a:t>
-            </a:r>
-            <a:r>
-              <a:rPr lang="ru-RU" dirty="0"/>
-              <a:t> </a:t>
-            </a:r>
-          </a:p>
-        </p:txBody>
-      </p:sp>
-      <p:sp>
-        <p:nvSpPr>
-          <p:cNvPr id="6" name="TextBox 5">
-            <a:extLst>
-              <a:ext uri="{FF2B5EF4-FFF2-40B4-BE49-F238E27FC236}">
-                <a16:creationId xmlns:a16="http://schemas.microsoft.com/office/drawing/2014/main" id="{6D9361BD-25E2-3946-B482-A65411F2A8A5}"/>
-              </a:ext>
-            </a:extLst>
-          </p:cNvPr>
-          <p:cNvSpPr txBox="1"/>
-          <p:nvPr/>
-        </p:nvSpPr>
-        <p:spPr>
-          <a:xfrm>
-            <a:off x="7006441" y="3443844"/>
-            <a:ext cx="5451172" cy="1200329"/>
-          </a:xfrm>
-          <a:prstGeom prst="rect">
-            <a:avLst/>
-          </a:prstGeom>
-          <a:noFill/>
-        </p:spPr>
-        <p:txBody>
-          <a:bodyPr wrap="none" rtlCol="0">
-            <a:spAutoFit/>
-          </a:bodyPr>
-          <a:lstStyle/>
-          <a:p>
-            <a:r>
-              <a:rPr lang="ru-RU" dirty="0"/>
-              <a:t>Сравнить пар-мы </a:t>
-            </a:r>
-            <a:r>
-              <a:rPr lang="ru-RU" dirty="0" err="1"/>
-              <a:t>сущ</a:t>
-            </a:r>
-            <a:r>
-              <a:rPr lang="ru-RU" dirty="0"/>
-              <a:t> алгоритмов</a:t>
-            </a:r>
-          </a:p>
-          <a:p>
-            <a:r>
-              <a:rPr lang="ru-RU" dirty="0"/>
-              <a:t>Показатели </a:t>
-            </a:r>
-            <a:r>
-              <a:rPr lang="ru-RU" dirty="0" err="1"/>
-              <a:t>эфф-ти</a:t>
-            </a:r>
-            <a:r>
-              <a:rPr lang="ru-RU" dirty="0"/>
-              <a:t> </a:t>
-            </a:r>
-            <a:r>
-              <a:rPr lang="ru-RU" dirty="0" err="1"/>
-              <a:t>алгоритов</a:t>
-            </a:r>
-            <a:r>
-              <a:rPr lang="ru-RU" dirty="0"/>
-              <a:t> на основе реализации </a:t>
-            </a:r>
-          </a:p>
-          <a:p>
-            <a:r>
-              <a:rPr lang="ru-RU" dirty="0"/>
-              <a:t>Выбор наилучших параметров (</a:t>
-            </a:r>
-            <a:r>
-              <a:rPr lang="ru-RU" dirty="0" err="1"/>
-              <a:t>бенчмарк</a:t>
-            </a:r>
-            <a:r>
-              <a:rPr lang="ru-RU" dirty="0"/>
-              <a:t> и скорость)</a:t>
-            </a:r>
-          </a:p>
-          <a:p>
-            <a:r>
-              <a:rPr lang="ru-RU" dirty="0"/>
-              <a:t>Выбрать критерии для сравнения</a:t>
+              <a:rPr lang="ru-RU" sz="2200" dirty="0">
+                <a:latin typeface="Times New Roman" panose="02020603050405020304" pitchFamily="18" charset="0"/>
+                <a:cs typeface="Times New Roman" panose="02020603050405020304" pitchFamily="18" charset="0"/>
+              </a:rPr>
+              <a:t>Это даст возможность найти оптимальные начальные условия немного быстрее.</a:t>
             </a:r>
           </a:p>
         </p:txBody>
@@ -4266,7 +8962,7 @@
     </p:spTree>
     <p:extLst>
       <p:ext uri="{BB962C8B-B14F-4D97-AF65-F5344CB8AC3E}">
-        <p14:creationId xmlns:p14="http://schemas.microsoft.com/office/powerpoint/2010/main" val="2929959291"/>
+        <p14:creationId xmlns:p14="http://schemas.microsoft.com/office/powerpoint/2010/main" val="3917194807"/>
       </p:ext>
     </p:extLst>
   </p:cSld>
@@ -4298,7 +8994,7 @@
           <p:cNvPr id="2" name="Заголовок 1">
             <a:extLst>
               <a:ext uri="{FF2B5EF4-FFF2-40B4-BE49-F238E27FC236}">
-                <a16:creationId xmlns:a16="http://schemas.microsoft.com/office/drawing/2014/main" id="{D8A599BD-F623-5D43-8D79-DA17C739DCC5}"/>
+                <a16:creationId xmlns:a16="http://schemas.microsoft.com/office/drawing/2014/main" id="{1234E301-6713-4DD5-927D-DADD2B424306}"/>
               </a:ext>
             </a:extLst>
           </p:cNvPr>
@@ -4311,183 +9007,131 @@
         </p:nvSpPr>
         <p:spPr>
           <a:xfrm>
-            <a:off x="434439" y="5388388"/>
-            <a:ext cx="10515600" cy="1325563"/>
+            <a:off x="838200" y="365126"/>
+            <a:ext cx="10515600" cy="1341428"/>
           </a:xfrm>
         </p:spPr>
         <p:txBody>
-          <a:bodyPr/>
+          <a:bodyPr>
+            <a:normAutofit/>
+          </a:bodyPr>
           <a:lstStyle/>
           <a:p>
             <a:r>
-              <a:rPr lang="ru-RU" dirty="0"/>
-              <a:t>Основные пункты дипломной работы.</a:t>
+              <a:rPr lang="ru-RU" sz="2800" dirty="0">
+                <a:latin typeface="Times New Roman" panose="02020603050405020304" pitchFamily="18" charset="0"/>
+                <a:cs typeface="Times New Roman" panose="02020603050405020304" pitchFamily="18" charset="0"/>
+              </a:rPr>
+              <a:t>Реализация метода квадратичного решета</a:t>
+            </a:r>
+            <a:br>
+              <a:rPr lang="ru-RU" sz="2800" dirty="0">
+                <a:latin typeface="Times New Roman" panose="02020603050405020304" pitchFamily="18" charset="0"/>
+                <a:cs typeface="Times New Roman" panose="02020603050405020304" pitchFamily="18" charset="0"/>
+              </a:rPr>
+            </a:br>
+            <a:r>
+              <a:rPr lang="ru-RU" sz="2800" dirty="0">
+                <a:latin typeface="Times New Roman" panose="02020603050405020304" pitchFamily="18" charset="0"/>
+                <a:cs typeface="Times New Roman" panose="02020603050405020304" pitchFamily="18" charset="0"/>
+              </a:rPr>
+              <a:t>Этап просеивания</a:t>
             </a:r>
           </a:p>
         </p:txBody>
       </p:sp>
       <p:sp>
         <p:nvSpPr>
-          <p:cNvPr id="3" name="Объект 2">
+          <p:cNvPr id="4" name="Заголовок 1">
             <a:extLst>
               <a:ext uri="{FF2B5EF4-FFF2-40B4-BE49-F238E27FC236}">
-                <a16:creationId xmlns:a16="http://schemas.microsoft.com/office/drawing/2014/main" id="{8D352FAA-88A9-6C41-A41C-258B8E97E3D2}"/>
+                <a16:creationId xmlns:a16="http://schemas.microsoft.com/office/drawing/2014/main" id="{40F50FF9-4F17-4D82-A5E2-4D7770E7BCFF}"/>
               </a:ext>
             </a:extLst>
           </p:cNvPr>
-          <p:cNvSpPr>
-            <a:spLocks noGrp="1"/>
+          <p:cNvSpPr txBox="1">
+            <a:spLocks/>
           </p:cNvSpPr>
-          <p:nvPr>
-            <p:ph idx="1"/>
-          </p:nvPr>
+          <p:nvPr/>
         </p:nvSpPr>
         <p:spPr>
           <a:xfrm>
-            <a:off x="838200" y="2599425"/>
-            <a:ext cx="10515600" cy="3577537"/>
+            <a:off x="838200" y="1610830"/>
+            <a:ext cx="10515600" cy="888580"/>
           </a:xfrm>
+          <a:prstGeom prst="rect">
+            <a:avLst/>
+          </a:prstGeom>
         </p:spPr>
         <p:txBody>
-          <a:bodyPr>
-            <a:normAutofit lnSpcReduction="10000"/>
+          <a:bodyPr vert="horz" lIns="91440" tIns="45720" rIns="91440" bIns="45720" rtlCol="0" anchor="ctr">
+            <a:normAutofit/>
           </a:bodyPr>
-          <a:lstStyle/>
-          <a:p>
-            <a:r>
-              <a:rPr lang="ru-RU" dirty="0"/>
-              <a:t>Основные</a:t>
-            </a:r>
-            <a:r>
-              <a:rPr lang="ru-RU" dirty="0">
-                <a:latin typeface="Times New Roman" panose="02020603050405020304" pitchFamily="18" charset="0"/>
-                <a:cs typeface="Times New Roman" panose="02020603050405020304" pitchFamily="18" charset="0"/>
-              </a:rPr>
-              <a:t> э</a:t>
-            </a:r>
-            <a:r>
-              <a:rPr lang="ru-RU" dirty="0"/>
-              <a:t>кспоненциальные алгоритмы</a:t>
-            </a:r>
-          </a:p>
-          <a:p>
-            <a:pPr marL="971550" lvl="1" indent="-514350">
-              <a:buFont typeface="+mj-lt"/>
-              <a:buAutoNum type="arabicPeriod"/>
+          <a:lstStyle>
+            <a:lvl1pPr algn="l" defTabSz="914400" rtl="0" eaLnBrk="1" latinLnBrk="0" hangingPunct="1">
+              <a:lnSpc>
+                <a:spcPct val="90000"/>
+              </a:lnSpc>
+              <a:spcBef>
+                <a:spcPct val="0"/>
+              </a:spcBef>
+              <a:buNone/>
+              <a:defRPr sz="4400" kern="1200">
+                <a:solidFill>
+                  <a:schemeClr val="tx1"/>
+                </a:solidFill>
+                <a:latin typeface="+mj-lt"/>
+                <a:ea typeface="+mj-ea"/>
+                <a:cs typeface="+mj-cs"/>
+              </a:defRPr>
+            </a:lvl1pPr>
+          </a:lstStyle>
+          <a:p>
+            <a:pPr marL="342900" indent="-342900">
+              <a:buFont typeface="Arial" panose="020B0604020202020204" pitchFamily="34" charset="0"/>
+              <a:buChar char="•"/>
             </a:pPr>
-            <a:r>
-              <a:rPr lang="en-US" dirty="0"/>
-              <a:t>P – 1 </a:t>
-            </a:r>
-            <a:r>
-              <a:rPr lang="ru-RU" dirty="0"/>
-              <a:t>метод </a:t>
-            </a:r>
-            <a:r>
-              <a:rPr lang="ru-RU" dirty="0" err="1"/>
-              <a:t>Полларда</a:t>
-            </a:r>
-            <a:endParaRPr lang="ru-RU" dirty="0"/>
-          </a:p>
-          <a:p>
-            <a:pPr marL="971550" lvl="1" indent="-514350">
-              <a:buFont typeface="+mj-lt"/>
-              <a:buAutoNum type="arabicPeriod"/>
-            </a:pPr>
-            <a:r>
-              <a:rPr lang="en-US" dirty="0"/>
-              <a:t>P + 1 </a:t>
-            </a:r>
-            <a:r>
-              <a:rPr lang="ru-RU" dirty="0"/>
-              <a:t>метод Вильямса</a:t>
-            </a:r>
-          </a:p>
-          <a:p>
-            <a:r>
-              <a:rPr lang="ru-RU" dirty="0"/>
-              <a:t>Метод квадратичного решета</a:t>
-            </a:r>
-          </a:p>
-          <a:p>
-            <a:pPr marL="971550" lvl="1" indent="-514350">
-              <a:buFont typeface="+mj-lt"/>
-              <a:buAutoNum type="arabicPeriod"/>
-            </a:pPr>
-            <a:r>
-              <a:rPr lang="ru-RU" dirty="0"/>
-              <a:t>Отбор факторной базы (Быстрый поиск простых чисел) (+ код)</a:t>
-            </a:r>
-          </a:p>
-          <a:p>
-            <a:pPr marL="971550" lvl="1" indent="-514350">
-              <a:buFont typeface="+mj-lt"/>
-              <a:buAutoNum type="arabicPeriod"/>
-            </a:pPr>
-            <a:r>
-              <a:rPr lang="ru-RU" dirty="0"/>
-              <a:t>Применение Лежандра и Тоннели – </a:t>
-            </a:r>
-            <a:r>
-              <a:rPr lang="ru-RU" dirty="0" err="1"/>
-              <a:t>Шенкса</a:t>
-            </a:r>
-            <a:r>
-              <a:rPr lang="ru-RU" dirty="0"/>
-              <a:t> (+ код)</a:t>
-            </a:r>
-          </a:p>
-          <a:p>
-            <a:pPr marL="971550" lvl="1" indent="-514350">
-              <a:buFont typeface="+mj-lt"/>
-              <a:buAutoNum type="arabicPeriod"/>
-            </a:pPr>
-            <a:r>
-              <a:rPr lang="ru-RU" dirty="0"/>
-              <a:t>Генерирующий полином (+ код)</a:t>
-            </a:r>
-          </a:p>
-          <a:p>
-            <a:pPr marL="971550" lvl="1" indent="-514350">
-              <a:buFont typeface="+mj-lt"/>
-              <a:buAutoNum type="arabicPeriod"/>
-            </a:pPr>
-            <a:r>
-              <a:rPr lang="ru-RU" dirty="0"/>
-              <a:t>Этап просеивания</a:t>
-            </a:r>
-          </a:p>
-          <a:p>
-            <a:pPr marL="1428750" lvl="2" indent="-514350">
-              <a:buFont typeface="+mj-lt"/>
-              <a:buAutoNum type="arabicPeriod"/>
-            </a:pPr>
-            <a:r>
-              <a:rPr lang="ru-RU" dirty="0"/>
-              <a:t>Библиотека </a:t>
-            </a:r>
-            <a:r>
-              <a:rPr lang="en" dirty="0"/>
-              <a:t>multiprocessing</a:t>
-            </a:r>
-            <a:r>
-              <a:rPr lang="ru-RU" dirty="0"/>
-              <a:t> </a:t>
-            </a:r>
-            <a:r>
-              <a:rPr lang="en-US" dirty="0" err="1"/>
-              <a:t>py</a:t>
-            </a:r>
-            <a:endParaRPr lang="ru-RU" dirty="0"/>
+            <a:endParaRPr lang="ru-RU" sz="2400" dirty="0">
+              <a:latin typeface="Times New Roman" panose="02020603050405020304" pitchFamily="18" charset="0"/>
+              <a:cs typeface="Times New Roman" panose="02020603050405020304" pitchFamily="18" charset="0"/>
+            </a:endParaRPr>
           </a:p>
         </p:txBody>
       </p:sp>
+      <p:graphicFrame>
+        <p:nvGraphicFramePr>
+          <p:cNvPr id="8" name="Диаграмма 7">
+            <a:extLst>
+              <a:ext uri="{FF2B5EF4-FFF2-40B4-BE49-F238E27FC236}">
+                <a16:creationId xmlns:a16="http://schemas.microsoft.com/office/drawing/2014/main" id="{9F353B77-3950-42CC-94FE-27717CAF9185}"/>
+              </a:ext>
+            </a:extLst>
+          </p:cNvPr>
+          <p:cNvGraphicFramePr/>
+          <p:nvPr>
+            <p:extLst>
+              <p:ext uri="{D42A27DB-BD31-4B8C-83A1-F6EECF244321}">
+                <p14:modId xmlns:p14="http://schemas.microsoft.com/office/powerpoint/2010/main" val="4093409184"/>
+              </p:ext>
+            </p:extLst>
+          </p:nvPr>
+        </p:nvGraphicFramePr>
+        <p:xfrm>
+          <a:off x="838200" y="2050230"/>
+          <a:ext cx="5175624" cy="4025922"/>
+        </p:xfrm>
+        <a:graphic>
+          <a:graphicData uri="http://schemas.openxmlformats.org/drawingml/2006/chart">
+            <c:chart xmlns:c="http://schemas.openxmlformats.org/drawingml/2006/chart" xmlns:r="http://schemas.openxmlformats.org/officeDocument/2006/relationships" r:id="rId2"/>
+          </a:graphicData>
+        </a:graphic>
+      </p:graphicFrame>
       <p:sp>
         <p:nvSpPr>
-          <p:cNvPr id="4" name="TextBox 3">
+          <p:cNvPr id="10" name="TextBox 9">
             <a:extLst>
               <a:ext uri="{FF2B5EF4-FFF2-40B4-BE49-F238E27FC236}">
-                <a16:creationId xmlns:a16="http://schemas.microsoft.com/office/drawing/2014/main" id="{0E6A6442-884A-3349-9418-ECF1043F6095}"/>
+                <a16:creationId xmlns:a16="http://schemas.microsoft.com/office/drawing/2014/main" id="{8867B8BC-4DD7-4681-AA16-3DC4C688613B}"/>
               </a:ext>
             </a:extLst>
           </p:cNvPr>
@@ -4496,8 +9140,8 @@
         </p:nvSpPr>
         <p:spPr>
           <a:xfrm>
-            <a:off x="5062366" y="3070577"/>
-            <a:ext cx="8162812" cy="923330"/>
+            <a:off x="6503080" y="2278087"/>
+            <a:ext cx="4850720" cy="3477875"/>
           </a:xfrm>
           <a:prstGeom prst="rect">
             <a:avLst/>
@@ -4505,163 +9149,32 @@
           <a:noFill/>
         </p:spPr>
         <p:txBody>
-          <a:bodyPr wrap="none" rtlCol="0">
+          <a:bodyPr wrap="square" rtlCol="0">
             <a:spAutoFit/>
           </a:bodyPr>
           <a:lstStyle/>
           <a:p>
             <a:r>
-              <a:rPr lang="ru-RU" dirty="0"/>
-              <a:t>Класс </a:t>
+              <a:rPr lang="ru-RU" sz="2200" dirty="0">
+                <a:latin typeface="Times New Roman" panose="02020603050405020304" pitchFamily="18" charset="0"/>
+                <a:cs typeface="Times New Roman" panose="02020603050405020304" pitchFamily="18" charset="0"/>
+              </a:rPr>
+              <a:t>Реализация мультипроцессорного просеивания дает возможность быстрее оценить сложность и временной затрат. </a:t>
             </a:r>
+          </a:p>
+          <a:p>
+            <a:endParaRPr lang="ru-RU" sz="2200" dirty="0">
+              <a:latin typeface="Times New Roman" panose="02020603050405020304" pitchFamily="18" charset="0"/>
+              <a:cs typeface="Times New Roman" panose="02020603050405020304" pitchFamily="18" charset="0"/>
+            </a:endParaRPr>
+          </a:p>
+          <a:p>
             <a:r>
-              <a:rPr lang="ru-RU" dirty="0" err="1"/>
-              <a:t>алго</a:t>
-            </a:r>
-            <a:r>
-              <a:rPr lang="ru-RU" dirty="0"/>
-              <a:t>-м и усов-</a:t>
-            </a:r>
-            <a:r>
-              <a:rPr lang="ru-RU" dirty="0" err="1"/>
-              <a:t>ый</a:t>
-            </a:r>
-            <a:r>
-              <a:rPr lang="ru-RU" dirty="0"/>
-              <a:t> </a:t>
-            </a:r>
-          </a:p>
-          <a:p>
-            <a:r>
-              <a:rPr lang="ru-RU" dirty="0"/>
-              <a:t>Друг класс </a:t>
-            </a:r>
-            <a:r>
-              <a:rPr lang="ru-RU" dirty="0" err="1"/>
-              <a:t>алгом-ов</a:t>
-            </a:r>
-            <a:r>
-              <a:rPr lang="ru-RU" dirty="0"/>
-              <a:t> и показать пути ускорения (</a:t>
-            </a:r>
-            <a:r>
-              <a:rPr lang="ru-RU" dirty="0" err="1"/>
-              <a:t>пречислить</a:t>
-            </a:r>
-            <a:r>
-              <a:rPr lang="ru-RU" dirty="0"/>
-              <a:t> проблемы </a:t>
-            </a:r>
-            <a:r>
-              <a:rPr lang="ru-RU" dirty="0" err="1"/>
-              <a:t>алго-ов</a:t>
-            </a:r>
-            <a:r>
-              <a:rPr lang="ru-RU" dirty="0"/>
-              <a:t>)</a:t>
-            </a:r>
-          </a:p>
-          <a:p>
-            <a:endParaRPr lang="ru-RU" dirty="0"/>
-          </a:p>
-        </p:txBody>
-      </p:sp>
-      <p:sp>
-        <p:nvSpPr>
-          <p:cNvPr id="5" name="TextBox 4">
-            <a:extLst>
-              <a:ext uri="{FF2B5EF4-FFF2-40B4-BE49-F238E27FC236}">
-                <a16:creationId xmlns:a16="http://schemas.microsoft.com/office/drawing/2014/main" id="{04E7D1F3-11D0-9C47-9987-3FFCA94BC4D8}"/>
-              </a:ext>
-            </a:extLst>
-          </p:cNvPr>
-          <p:cNvSpPr txBox="1"/>
-          <p:nvPr/>
-        </p:nvSpPr>
-        <p:spPr>
-          <a:xfrm>
-            <a:off x="1425366" y="142570"/>
-            <a:ext cx="10283649" cy="2031325"/>
-          </a:xfrm>
-          <a:prstGeom prst="rect">
-            <a:avLst/>
-          </a:prstGeom>
-          <a:noFill/>
-        </p:spPr>
-        <p:txBody>
-          <a:bodyPr wrap="none" rtlCol="0">
-            <a:spAutoFit/>
-          </a:bodyPr>
-          <a:lstStyle/>
-          <a:p>
-            <a:r>
-              <a:rPr lang="ru-RU" dirty="0"/>
-              <a:t>Более кон-</a:t>
-            </a:r>
-            <a:r>
-              <a:rPr lang="ru-RU" dirty="0" err="1"/>
-              <a:t>тно</a:t>
-            </a:r>
-            <a:r>
-              <a:rPr lang="ru-RU" dirty="0"/>
-              <a:t> про мой алгоритм гипотеза – реализация – оценить метрики </a:t>
-            </a:r>
-            <a:r>
-              <a:rPr lang="ru-RU" dirty="0" err="1"/>
-              <a:t>алго-ма</a:t>
-            </a:r>
-            <a:endParaRPr lang="ru-RU" dirty="0"/>
-          </a:p>
-          <a:p>
-            <a:r>
-              <a:rPr lang="ru-RU" dirty="0"/>
-              <a:t>Пройтись по гипотезам и как их ускорить + реализация (алгоритм схемы и картинки)</a:t>
-            </a:r>
-          </a:p>
-          <a:p>
-            <a:r>
-              <a:rPr lang="ru-RU" dirty="0"/>
-              <a:t>Потом показать как ускорилось и за счет чего</a:t>
-            </a:r>
-          </a:p>
-          <a:p>
-            <a:r>
-              <a:rPr lang="ru-RU" dirty="0"/>
-              <a:t>Выбрать оптимальное число и разложить показать рез-ты (</a:t>
-            </a:r>
-            <a:r>
-              <a:rPr lang="ru-RU" dirty="0" err="1"/>
-              <a:t>статистич</a:t>
-            </a:r>
-            <a:r>
-              <a:rPr lang="ru-RU" dirty="0"/>
-              <a:t> критерии) при оценке</a:t>
-            </a:r>
-          </a:p>
-          <a:p>
-            <a:r>
-              <a:rPr lang="ru-RU" dirty="0"/>
-              <a:t>Посмотреть как оценивать правильно работу и скорость алгоритмы (графики) бенч марки (скорость и </a:t>
-            </a:r>
-          </a:p>
-          <a:p>
-            <a:r>
-              <a:rPr lang="ru-RU" dirty="0"/>
-              <a:t>прочие пар-ты </a:t>
-            </a:r>
-          </a:p>
-          <a:p>
-            <a:r>
-              <a:rPr lang="ru-RU" dirty="0"/>
-              <a:t>Указать еще возможность </a:t>
-            </a:r>
-            <a:r>
-              <a:rPr lang="ru-RU" dirty="0" err="1"/>
-              <a:t>расспаралельности</a:t>
-            </a:r>
-            <a:r>
-              <a:rPr lang="ru-RU" dirty="0"/>
-              <a:t> </a:t>
+              <a:rPr lang="ru-RU" sz="2200" dirty="0">
+                <a:latin typeface="Times New Roman" panose="02020603050405020304" pitchFamily="18" charset="0"/>
+                <a:cs typeface="Times New Roman" panose="02020603050405020304" pitchFamily="18" charset="0"/>
+              </a:rPr>
+              <a:t>При больших числах этап просеивания может занимать от нескольких часов, чем раньше мы скорректируем начальные условия, тем лучше.</a:t>
             </a:r>
           </a:p>
         </p:txBody>
@@ -4669,7 +9182,7 @@
     </p:spTree>
     <p:extLst>
       <p:ext uri="{BB962C8B-B14F-4D97-AF65-F5344CB8AC3E}">
-        <p14:creationId xmlns:p14="http://schemas.microsoft.com/office/powerpoint/2010/main" val="944876876"/>
+        <p14:creationId xmlns:p14="http://schemas.microsoft.com/office/powerpoint/2010/main" val="1755295134"/>
       </p:ext>
     </p:extLst>
   </p:cSld>
@@ -4698,10 +9211,10 @@
       </p:grpSpPr>
       <p:sp>
         <p:nvSpPr>
-          <p:cNvPr id="3" name="Объект 2">
+          <p:cNvPr id="2" name="Заголовок 1">
             <a:extLst>
               <a:ext uri="{FF2B5EF4-FFF2-40B4-BE49-F238E27FC236}">
-                <a16:creationId xmlns:a16="http://schemas.microsoft.com/office/drawing/2014/main" id="{8D352FAA-88A9-6C41-A41C-258B8E97E3D2}"/>
+                <a16:creationId xmlns:a16="http://schemas.microsoft.com/office/drawing/2014/main" id="{1234E301-6713-4DD5-927D-DADD2B424306}"/>
               </a:ext>
             </a:extLst>
           </p:cNvPr>
@@ -4709,10 +9222,15 @@
             <a:spLocks noGrp="1"/>
           </p:cNvSpPr>
           <p:nvPr>
-            <p:ph idx="1"/>
+            <p:ph type="title"/>
           </p:nvPr>
         </p:nvSpPr>
-        <p:spPr/>
+        <p:spPr>
+          <a:xfrm>
+            <a:off x="838200" y="365126"/>
+            <a:ext cx="10515600" cy="1341428"/>
+          </a:xfrm>
+        </p:spPr>
         <p:txBody>
           <a:bodyPr>
             <a:normAutofit/>
@@ -4720,111 +9238,120 @@
           <a:lstStyle/>
           <a:p>
             <a:r>
-              <a:rPr lang="ru-RU" dirty="0"/>
-              <a:t>Метод квадратичного решета</a:t>
+              <a:rPr lang="ru-RU" sz="2800" dirty="0">
+                <a:latin typeface="Times New Roman" panose="02020603050405020304" pitchFamily="18" charset="0"/>
+                <a:cs typeface="Times New Roman" panose="02020603050405020304" pitchFamily="18" charset="0"/>
+              </a:rPr>
+              <a:t>Реализация метода квадратичного решета</a:t>
             </a:r>
-          </a:p>
-          <a:p>
-            <a:pPr marL="971550" lvl="1" indent="-514350">
-              <a:buFont typeface="+mj-lt"/>
-              <a:buAutoNum type="arabicPeriod"/>
-            </a:pPr>
+            <a:br>
+              <a:rPr lang="ru-RU" sz="2800" dirty="0">
+                <a:latin typeface="Times New Roman" panose="02020603050405020304" pitchFamily="18" charset="0"/>
+                <a:cs typeface="Times New Roman" panose="02020603050405020304" pitchFamily="18" charset="0"/>
+              </a:rPr>
+            </a:br>
             <a:r>
-              <a:rPr lang="ru-RU" dirty="0"/>
-              <a:t>Составление матрицы (+ код)</a:t>
+              <a:rPr lang="ru-RU" sz="2800" dirty="0">
+                <a:latin typeface="Times New Roman" panose="02020603050405020304" pitchFamily="18" charset="0"/>
+                <a:cs typeface="Times New Roman" panose="02020603050405020304" pitchFamily="18" charset="0"/>
+              </a:rPr>
+              <a:t>Этап решения матрицы</a:t>
             </a:r>
-          </a:p>
-          <a:p>
-            <a:pPr marL="971550" lvl="1" indent="-514350">
-              <a:buFont typeface="+mj-lt"/>
-              <a:buAutoNum type="arabicPeriod"/>
-            </a:pPr>
-            <a:r>
-              <a:rPr lang="ru-RU" dirty="0"/>
-              <a:t>Решение матрицы в конечном поле (Гаусс + код)</a:t>
-            </a:r>
-          </a:p>
-          <a:p>
-            <a:pPr marL="971550" lvl="1" indent="-514350">
-              <a:buFont typeface="+mj-lt"/>
-              <a:buAutoNum type="arabicPeriod"/>
-            </a:pPr>
-            <a:r>
-              <a:rPr lang="ru-RU" dirty="0"/>
-              <a:t>Реализация </a:t>
-            </a:r>
-            <a:r>
-              <a:rPr lang="en-US" dirty="0"/>
-              <a:t>G</a:t>
-            </a:r>
-            <a:r>
-              <a:rPr lang="ru-RU" dirty="0"/>
-              <a:t>С</a:t>
-            </a:r>
-            <a:r>
-              <a:rPr lang="en-US" dirty="0"/>
-              <a:t>D</a:t>
-            </a:r>
-            <a:r>
-              <a:rPr lang="ru-RU" dirty="0"/>
-              <a:t> (формирование ответа)</a:t>
-            </a:r>
-          </a:p>
-          <a:p>
-            <a:r>
-              <a:rPr lang="ru-RU" dirty="0"/>
-              <a:t>Асимптотика алгоритма и сравнение его с другими</a:t>
-            </a:r>
-          </a:p>
-          <a:p>
-            <a:r>
-              <a:rPr lang="ru-RU" dirty="0"/>
-              <a:t>Возможные улучшения</a:t>
-            </a:r>
-          </a:p>
-          <a:p>
-            <a:pPr marL="971550" lvl="1" indent="-514350">
-              <a:buFont typeface="+mj-lt"/>
-              <a:buAutoNum type="arabicPeriod"/>
-            </a:pPr>
-            <a:r>
-              <a:rPr lang="ru-RU" dirty="0"/>
-              <a:t>Демонстрация возможности распараллеливания на этапе просеивания</a:t>
-            </a:r>
-          </a:p>
-          <a:p>
-            <a:pPr marL="971550" lvl="1" indent="-514350">
-              <a:buFont typeface="+mj-lt"/>
-              <a:buAutoNum type="arabicPeriod"/>
-            </a:pPr>
-            <a:r>
-              <a:rPr lang="ru-RU" dirty="0"/>
-              <a:t>Реализация решения матрицы через битовые срезы</a:t>
-            </a:r>
-          </a:p>
-          <a:p>
-            <a:pPr marL="971550" lvl="1" indent="-514350">
-              <a:buFont typeface="+mj-lt"/>
-              <a:buAutoNum type="arabicPeriod"/>
-            </a:pPr>
-            <a:r>
-              <a:rPr lang="ru-RU" dirty="0"/>
-              <a:t>Метод факторизации </a:t>
-            </a:r>
-            <a:r>
-              <a:rPr lang="en-US" dirty="0"/>
-              <a:t>GNFS</a:t>
-            </a:r>
-            <a:endParaRPr lang="ru-RU" dirty="0"/>
           </a:p>
         </p:txBody>
       </p:sp>
       <p:sp>
         <p:nvSpPr>
-          <p:cNvPr id="4" name="TextBox 3">
+          <p:cNvPr id="4" name="Заголовок 1">
             <a:extLst>
               <a:ext uri="{FF2B5EF4-FFF2-40B4-BE49-F238E27FC236}">
-                <a16:creationId xmlns:a16="http://schemas.microsoft.com/office/drawing/2014/main" id="{ADB29380-B48F-324D-BB85-9F6CB97089BC}"/>
+                <a16:creationId xmlns:a16="http://schemas.microsoft.com/office/drawing/2014/main" id="{40F50FF9-4F17-4D82-A5E2-4D7770E7BCFF}"/>
+              </a:ext>
+            </a:extLst>
+          </p:cNvPr>
+          <p:cNvSpPr txBox="1">
+            <a:spLocks/>
+          </p:cNvSpPr>
+          <p:nvPr/>
+        </p:nvSpPr>
+        <p:spPr>
+          <a:xfrm>
+            <a:off x="838200" y="1610830"/>
+            <a:ext cx="10515600" cy="888580"/>
+          </a:xfrm>
+          <a:prstGeom prst="rect">
+            <a:avLst/>
+          </a:prstGeom>
+        </p:spPr>
+        <p:txBody>
+          <a:bodyPr vert="horz" lIns="91440" tIns="45720" rIns="91440" bIns="45720" rtlCol="0" anchor="ctr">
+            <a:normAutofit/>
+          </a:bodyPr>
+          <a:lstStyle>
+            <a:lvl1pPr algn="l" defTabSz="914400" rtl="0" eaLnBrk="1" latinLnBrk="0" hangingPunct="1">
+              <a:lnSpc>
+                <a:spcPct val="90000"/>
+              </a:lnSpc>
+              <a:spcBef>
+                <a:spcPct val="0"/>
+              </a:spcBef>
+              <a:buNone/>
+              <a:defRPr sz="4400" kern="1200">
+                <a:solidFill>
+                  <a:schemeClr val="tx1"/>
+                </a:solidFill>
+                <a:latin typeface="+mj-lt"/>
+                <a:ea typeface="+mj-ea"/>
+                <a:cs typeface="+mj-cs"/>
+              </a:defRPr>
+            </a:lvl1pPr>
+          </a:lstStyle>
+          <a:p>
+            <a:pPr marL="342900" indent="-342900">
+              <a:buFont typeface="Arial" panose="020B0604020202020204" pitchFamily="34" charset="0"/>
+              <a:buChar char="•"/>
+            </a:pPr>
+            <a:endParaRPr lang="ru-RU" sz="2400" dirty="0">
+              <a:latin typeface="Times New Roman" panose="02020603050405020304" pitchFamily="18" charset="0"/>
+              <a:cs typeface="Times New Roman" panose="02020603050405020304" pitchFamily="18" charset="0"/>
+            </a:endParaRPr>
+          </a:p>
+        </p:txBody>
+      </p:sp>
+      <p:graphicFrame>
+        <p:nvGraphicFramePr>
+          <p:cNvPr id="8" name="Диаграмма 7">
+            <a:extLst>
+              <a:ext uri="{FF2B5EF4-FFF2-40B4-BE49-F238E27FC236}">
+                <a16:creationId xmlns:a16="http://schemas.microsoft.com/office/drawing/2014/main" id="{9F353B77-3950-42CC-94FE-27717CAF9185}"/>
+              </a:ext>
+            </a:extLst>
+          </p:cNvPr>
+          <p:cNvGraphicFramePr/>
+          <p:nvPr>
+            <p:extLst>
+              <p:ext uri="{D42A27DB-BD31-4B8C-83A1-F6EECF244321}">
+                <p14:modId xmlns:p14="http://schemas.microsoft.com/office/powerpoint/2010/main" val="80006039"/>
+              </p:ext>
+            </p:extLst>
+          </p:nvPr>
+        </p:nvGraphicFramePr>
+        <p:xfrm>
+          <a:off x="838200" y="2050230"/>
+          <a:ext cx="5175624" cy="4025922"/>
+        </p:xfrm>
+        <a:graphic>
+          <a:graphicData uri="http://schemas.openxmlformats.org/drawingml/2006/chart">
+            <c:chart xmlns:c="http://schemas.openxmlformats.org/drawingml/2006/chart" xmlns:r="http://schemas.openxmlformats.org/officeDocument/2006/relationships" r:id="rId2"/>
+          </a:graphicData>
+        </a:graphic>
+      </p:graphicFrame>
+      <p:sp>
+        <p:nvSpPr>
+          <p:cNvPr id="10" name="TextBox 9">
+            <a:extLst>
+              <a:ext uri="{FF2B5EF4-FFF2-40B4-BE49-F238E27FC236}">
+                <a16:creationId xmlns:a16="http://schemas.microsoft.com/office/drawing/2014/main" id="{8867B8BC-4DD7-4681-AA16-3DC4C688613B}"/>
               </a:ext>
             </a:extLst>
           </p:cNvPr>
@@ -4833,8 +9360,8 @@
         </p:nvSpPr>
         <p:spPr>
           <a:xfrm>
-            <a:off x="1425039" y="629392"/>
-            <a:ext cx="8670579" cy="1200329"/>
+            <a:off x="6503080" y="2278087"/>
+            <a:ext cx="4850720" cy="3139321"/>
           </a:xfrm>
           <a:prstGeom prst="rect">
             <a:avLst/>
@@ -4842,122 +9369,32 @@
           <a:noFill/>
         </p:spPr>
         <p:txBody>
-          <a:bodyPr wrap="none" rtlCol="0">
+          <a:bodyPr wrap="square" rtlCol="0">
             <a:spAutoFit/>
           </a:bodyPr>
           <a:lstStyle/>
           <a:p>
             <a:r>
-              <a:rPr lang="ru-RU" dirty="0"/>
-              <a:t>В конце выводы сделано то то и достигнуто или нет. Показана </a:t>
+              <a:rPr lang="ru-RU" sz="2200" dirty="0">
+                <a:latin typeface="Times New Roman" panose="02020603050405020304" pitchFamily="18" charset="0"/>
+                <a:cs typeface="Times New Roman" panose="02020603050405020304" pitchFamily="18" charset="0"/>
+              </a:rPr>
+              <a:t>Оптимальный выбор начальных условий позволяет снизить необходимое кол-во операций для решения матрицы, так как именно её невозможно адекватно решать быстрее.</a:t>
             </a:r>
+          </a:p>
+          <a:p>
+            <a:endParaRPr lang="ru-RU" sz="2200" dirty="0">
+              <a:latin typeface="Times New Roman" panose="02020603050405020304" pitchFamily="18" charset="0"/>
+              <a:cs typeface="Times New Roman" panose="02020603050405020304" pitchFamily="18" charset="0"/>
+            </a:endParaRPr>
+          </a:p>
+          <a:p>
             <a:r>
-              <a:rPr lang="ru-RU" dirty="0" err="1"/>
-              <a:t>вожмость</a:t>
-            </a:r>
-            <a:r>
-              <a:rPr lang="ru-RU" dirty="0"/>
-              <a:t> рас-</a:t>
-            </a:r>
-            <a:r>
-              <a:rPr lang="ru-RU" dirty="0" err="1"/>
-              <a:t>ния</a:t>
-            </a:r>
-            <a:endParaRPr lang="ru-RU" dirty="0"/>
-          </a:p>
-          <a:p>
-            <a:r>
-              <a:rPr lang="ru-RU" dirty="0"/>
-              <a:t>Не стоит разбирать код детально (14-15 слайдов) </a:t>
-            </a:r>
-            <a:r>
-              <a:rPr lang="ru-RU" dirty="0" err="1"/>
-              <a:t>акцет</a:t>
-            </a:r>
-            <a:r>
-              <a:rPr lang="ru-RU" dirty="0"/>
-              <a:t> на фишки и </a:t>
-            </a:r>
-            <a:r>
-              <a:rPr lang="ru-RU" dirty="0" err="1"/>
-              <a:t>фитчи</a:t>
-            </a:r>
-            <a:r>
-              <a:rPr lang="ru-RU" dirty="0"/>
-              <a:t> и </a:t>
-            </a:r>
-            <a:r>
-              <a:rPr lang="ru-RU" dirty="0" err="1"/>
-              <a:t>бенчмарк</a:t>
-            </a:r>
-            <a:endParaRPr lang="ru-RU" dirty="0"/>
-          </a:p>
-          <a:p>
-            <a:r>
-              <a:rPr lang="ru-RU" dirty="0"/>
-              <a:t>Типовые вещи показать что использую и подвожу к моей проблеме (рас-</a:t>
-            </a:r>
-            <a:r>
-              <a:rPr lang="ru-RU" dirty="0" err="1"/>
-              <a:t>ть</a:t>
-            </a:r>
-            <a:r>
-              <a:rPr lang="ru-RU" dirty="0"/>
-              <a:t> кратко)</a:t>
-            </a:r>
-          </a:p>
-          <a:p>
-            <a:r>
-              <a:rPr lang="ru-RU" dirty="0"/>
-              <a:t>Есть фишки и способы решения их и в конце </a:t>
-            </a:r>
-            <a:r>
-              <a:rPr lang="ru-RU" dirty="0" err="1"/>
-              <a:t>бенчмарк</a:t>
-            </a:r>
-            <a:r>
-              <a:rPr lang="ru-RU" dirty="0"/>
-              <a:t> по всем </a:t>
-            </a:r>
-            <a:r>
-              <a:rPr lang="ru-RU" dirty="0" err="1"/>
-              <a:t>фичам</a:t>
-            </a:r>
-            <a:endParaRPr lang="ru-RU" dirty="0"/>
-          </a:p>
-        </p:txBody>
-      </p:sp>
-      <p:sp>
-        <p:nvSpPr>
-          <p:cNvPr id="5" name="TextBox 4">
-            <a:extLst>
-              <a:ext uri="{FF2B5EF4-FFF2-40B4-BE49-F238E27FC236}">
-                <a16:creationId xmlns:a16="http://schemas.microsoft.com/office/drawing/2014/main" id="{426338C7-88D4-1A4D-A1D3-FADCBF3A2AF6}"/>
-              </a:ext>
-            </a:extLst>
-          </p:cNvPr>
-          <p:cNvSpPr txBox="1"/>
-          <p:nvPr/>
-        </p:nvSpPr>
-        <p:spPr>
-          <a:xfrm>
-            <a:off x="1425039" y="5807631"/>
-            <a:ext cx="2014334" cy="369332"/>
-          </a:xfrm>
-          <a:prstGeom prst="rect">
-            <a:avLst/>
-          </a:prstGeom>
-          <a:noFill/>
-        </p:spPr>
-        <p:txBody>
-          <a:bodyPr wrap="none" rtlCol="0">
-            <a:spAutoFit/>
-          </a:bodyPr>
-          <a:lstStyle/>
-          <a:p>
-            <a:r>
-              <a:rPr lang="ru-RU" dirty="0"/>
-              <a:t>Вывод: ускорение</a:t>
+              <a:rPr lang="ru-RU" sz="2200" dirty="0">
+                <a:latin typeface="Times New Roman" panose="02020603050405020304" pitchFamily="18" charset="0"/>
+                <a:cs typeface="Times New Roman" panose="02020603050405020304" pitchFamily="18" charset="0"/>
+              </a:rPr>
+              <a:t>Применение битовых срезов дает прирост скорости.</a:t>
             </a:r>
           </a:p>
         </p:txBody>
@@ -4965,7 +9402,7 @@
     </p:spTree>
     <p:extLst>
       <p:ext uri="{BB962C8B-B14F-4D97-AF65-F5344CB8AC3E}">
-        <p14:creationId xmlns:p14="http://schemas.microsoft.com/office/powerpoint/2010/main" val="1853615247"/>
+        <p14:creationId xmlns:p14="http://schemas.microsoft.com/office/powerpoint/2010/main" val="3603928362"/>
       </p:ext>
     </p:extLst>
   </p:cSld>
@@ -4997,7 +9434,7 @@
           <p:cNvPr id="2" name="Заголовок 1">
             <a:extLst>
               <a:ext uri="{FF2B5EF4-FFF2-40B4-BE49-F238E27FC236}">
-                <a16:creationId xmlns:a16="http://schemas.microsoft.com/office/drawing/2014/main" id="{D8A599BD-F623-5D43-8D79-DA17C739DCC5}"/>
+                <a16:creationId xmlns:a16="http://schemas.microsoft.com/office/drawing/2014/main" id="{1234E301-6713-4DD5-927D-DADD2B424306}"/>
               </a:ext>
             </a:extLst>
           </p:cNvPr>
@@ -5008,35 +9445,12 @@
             <p:ph type="title"/>
           </p:nvPr>
         </p:nvSpPr>
-        <p:spPr/>
-        <p:txBody>
-          <a:bodyPr/>
-          <a:lstStyle/>
-          <a:p>
-            <a:r>
-              <a:rPr lang="ru-RU" dirty="0"/>
-              <a:t>Отчет о проделанной работе</a:t>
-            </a:r>
-          </a:p>
-        </p:txBody>
-      </p:sp>
-      <p:sp>
-        <p:nvSpPr>
-          <p:cNvPr id="3" name="Объект 2">
-            <a:extLst>
-              <a:ext uri="{FF2B5EF4-FFF2-40B4-BE49-F238E27FC236}">
-                <a16:creationId xmlns:a16="http://schemas.microsoft.com/office/drawing/2014/main" id="{8D352FAA-88A9-6C41-A41C-258B8E97E3D2}"/>
-              </a:ext>
-            </a:extLst>
-          </p:cNvPr>
-          <p:cNvSpPr>
-            <a:spLocks noGrp="1"/>
-          </p:cNvSpPr>
-          <p:nvPr>
-            <p:ph idx="1"/>
-          </p:nvPr>
-        </p:nvSpPr>
-        <p:spPr/>
+        <p:spPr>
+          <a:xfrm>
+            <a:off x="838200" y="365126"/>
+            <a:ext cx="10515600" cy="1341428"/>
+          </a:xfrm>
+        </p:spPr>
         <p:txBody>
           <a:bodyPr>
             <a:normAutofit/>
@@ -5044,45 +9458,171 @@
           <a:lstStyle/>
           <a:p>
             <a:r>
-              <a:rPr lang="ru-RU" dirty="0"/>
-              <a:t>Реализация метода квадратичного решета на языке </a:t>
+              <a:rPr lang="ru-RU" sz="2800" dirty="0">
+                <a:latin typeface="Times New Roman" panose="02020603050405020304" pitchFamily="18" charset="0"/>
+                <a:cs typeface="Times New Roman" panose="02020603050405020304" pitchFamily="18" charset="0"/>
+              </a:rPr>
+              <a:t>Реализация метода квадратичного решета</a:t>
             </a:r>
+            <a:br>
+              <a:rPr lang="ru-RU" sz="2800" dirty="0">
+                <a:latin typeface="Times New Roman" panose="02020603050405020304" pitchFamily="18" charset="0"/>
+                <a:cs typeface="Times New Roman" panose="02020603050405020304" pitchFamily="18" charset="0"/>
+              </a:rPr>
+            </a:br>
             <a:r>
-              <a:rPr lang="en-US" dirty="0"/>
-              <a:t>Python</a:t>
+              <a:rPr lang="ru-RU" sz="2800" dirty="0">
+                <a:latin typeface="Times New Roman" panose="02020603050405020304" pitchFamily="18" charset="0"/>
+                <a:cs typeface="Times New Roman" panose="02020603050405020304" pitchFamily="18" charset="0"/>
+              </a:rPr>
+              <a:t>Основные плюсы дальнейшего усовершенствования</a:t>
             </a:r>
-            <a:endParaRPr lang="ru-RU" dirty="0"/>
-          </a:p>
-          <a:p>
-            <a:r>
-              <a:rPr lang="ru-RU" dirty="0"/>
-              <a:t>Прочитано много книжек по моей теме</a:t>
-            </a:r>
-          </a:p>
-          <a:p>
-            <a:r>
-              <a:rPr lang="ru-RU" dirty="0"/>
-              <a:t>Готовится набор тезисов и основной текст для публикации на Гагаринских чтениях 2022</a:t>
-            </a:r>
-            <a:endParaRPr lang="en-US" dirty="0"/>
-          </a:p>
-          <a:p>
-            <a:r>
-              <a:rPr lang="ru-RU" dirty="0"/>
-              <a:t>Начну писать основной текст </a:t>
-            </a:r>
-            <a:r>
-              <a:rPr lang="ru-RU"/>
-              <a:t>после закрытия долгов</a:t>
-            </a:r>
-            <a:endParaRPr lang="ru-RU" dirty="0"/>
           </a:p>
         </p:txBody>
       </p:sp>
+      <p:sp>
+        <p:nvSpPr>
+          <p:cNvPr id="4" name="Заголовок 1">
+            <a:extLst>
+              <a:ext uri="{FF2B5EF4-FFF2-40B4-BE49-F238E27FC236}">
+                <a16:creationId xmlns:a16="http://schemas.microsoft.com/office/drawing/2014/main" id="{40F50FF9-4F17-4D82-A5E2-4D7770E7BCFF}"/>
+              </a:ext>
+            </a:extLst>
+          </p:cNvPr>
+          <p:cNvSpPr txBox="1">
+            <a:spLocks/>
+          </p:cNvSpPr>
+          <p:nvPr/>
+        </p:nvSpPr>
+        <p:spPr>
+          <a:xfrm>
+            <a:off x="838200" y="1610830"/>
+            <a:ext cx="10515600" cy="888580"/>
+          </a:xfrm>
+          <a:prstGeom prst="rect">
+            <a:avLst/>
+          </a:prstGeom>
+        </p:spPr>
+        <p:txBody>
+          <a:bodyPr vert="horz" lIns="91440" tIns="45720" rIns="91440" bIns="45720" rtlCol="0" anchor="ctr">
+            <a:normAutofit/>
+          </a:bodyPr>
+          <a:lstStyle>
+            <a:lvl1pPr algn="l" defTabSz="914400" rtl="0" eaLnBrk="1" latinLnBrk="0" hangingPunct="1">
+              <a:lnSpc>
+                <a:spcPct val="90000"/>
+              </a:lnSpc>
+              <a:spcBef>
+                <a:spcPct val="0"/>
+              </a:spcBef>
+              <a:buNone/>
+              <a:defRPr sz="4400" kern="1200">
+                <a:solidFill>
+                  <a:schemeClr val="tx1"/>
+                </a:solidFill>
+                <a:latin typeface="+mj-lt"/>
+                <a:ea typeface="+mj-ea"/>
+                <a:cs typeface="+mj-cs"/>
+              </a:defRPr>
+            </a:lvl1pPr>
+          </a:lstStyle>
+          <a:p>
+            <a:pPr marL="342900" indent="-342900">
+              <a:buFont typeface="Arial" panose="020B0604020202020204" pitchFamily="34" charset="0"/>
+              <a:buChar char="•"/>
+            </a:pPr>
+            <a:endParaRPr lang="ru-RU" sz="2400" dirty="0">
+              <a:latin typeface="Times New Roman" panose="02020603050405020304" pitchFamily="18" charset="0"/>
+              <a:cs typeface="Times New Roman" panose="02020603050405020304" pitchFamily="18" charset="0"/>
+            </a:endParaRPr>
+          </a:p>
+        </p:txBody>
+      </p:sp>
+      <p:sp>
+        <p:nvSpPr>
+          <p:cNvPr id="10" name="TextBox 9">
+            <a:extLst>
+              <a:ext uri="{FF2B5EF4-FFF2-40B4-BE49-F238E27FC236}">
+                <a16:creationId xmlns:a16="http://schemas.microsoft.com/office/drawing/2014/main" id="{8867B8BC-4DD7-4681-AA16-3DC4C688613B}"/>
+              </a:ext>
+            </a:extLst>
+          </p:cNvPr>
+          <p:cNvSpPr txBox="1"/>
+          <p:nvPr/>
+        </p:nvSpPr>
+        <p:spPr>
+          <a:xfrm>
+            <a:off x="6586207" y="2664442"/>
+            <a:ext cx="4850720" cy="2123658"/>
+          </a:xfrm>
+          <a:prstGeom prst="rect">
+            <a:avLst/>
+          </a:prstGeom>
+          <a:noFill/>
+        </p:spPr>
+        <p:txBody>
+          <a:bodyPr wrap="square" rtlCol="0">
+            <a:spAutoFit/>
+          </a:bodyPr>
+          <a:lstStyle/>
+          <a:p>
+            <a:r>
+              <a:rPr lang="ru-RU" sz="2200" dirty="0">
+                <a:latin typeface="Times New Roman" panose="02020603050405020304" pitchFamily="18" charset="0"/>
+                <a:cs typeface="Times New Roman" panose="02020603050405020304" pitchFamily="18" charset="0"/>
+              </a:rPr>
+              <a:t>После использования всех улучшений можно заметить насколько быстрее работает алгоритм.</a:t>
+            </a:r>
+          </a:p>
+          <a:p>
+            <a:endParaRPr lang="ru-RU" sz="2200" dirty="0">
+              <a:latin typeface="Times New Roman" panose="02020603050405020304" pitchFamily="18" charset="0"/>
+              <a:cs typeface="Times New Roman" panose="02020603050405020304" pitchFamily="18" charset="0"/>
+            </a:endParaRPr>
+          </a:p>
+          <a:p>
+            <a:r>
+              <a:rPr lang="ru-RU" sz="2200" dirty="0">
+                <a:latin typeface="Times New Roman" panose="02020603050405020304" pitchFamily="18" charset="0"/>
+                <a:cs typeface="Times New Roman" panose="02020603050405020304" pitchFamily="18" charset="0"/>
+              </a:rPr>
+              <a:t>Но при больших числах счет идет на минуты и даже часы.</a:t>
+            </a:r>
+          </a:p>
+        </p:txBody>
+      </p:sp>
+      <p:graphicFrame>
+        <p:nvGraphicFramePr>
+          <p:cNvPr id="7" name="Диаграмма 6">
+            <a:extLst>
+              <a:ext uri="{FF2B5EF4-FFF2-40B4-BE49-F238E27FC236}">
+                <a16:creationId xmlns:a16="http://schemas.microsoft.com/office/drawing/2014/main" id="{E72B8D0D-B1D7-4420-9D32-3E7E5C6073DD}"/>
+              </a:ext>
+            </a:extLst>
+          </p:cNvPr>
+          <p:cNvGraphicFramePr/>
+          <p:nvPr>
+            <p:extLst>
+              <p:ext uri="{D42A27DB-BD31-4B8C-83A1-F6EECF244321}">
+                <p14:modId xmlns:p14="http://schemas.microsoft.com/office/powerpoint/2010/main" val="2973603001"/>
+              </p:ext>
+            </p:extLst>
+          </p:nvPr>
+        </p:nvGraphicFramePr>
+        <p:xfrm>
+          <a:off x="838200" y="2055120"/>
+          <a:ext cx="5048081" cy="4275304"/>
+        </p:xfrm>
+        <a:graphic>
+          <a:graphicData uri="http://schemas.openxmlformats.org/drawingml/2006/chart">
+            <c:chart xmlns:c="http://schemas.openxmlformats.org/drawingml/2006/chart" xmlns:r="http://schemas.openxmlformats.org/officeDocument/2006/relationships" r:id="rId2"/>
+          </a:graphicData>
+        </a:graphic>
+      </p:graphicFrame>
     </p:spTree>
     <p:extLst>
       <p:ext uri="{BB962C8B-B14F-4D97-AF65-F5344CB8AC3E}">
-        <p14:creationId xmlns:p14="http://schemas.microsoft.com/office/powerpoint/2010/main" val="970865134"/>
+        <p14:creationId xmlns:p14="http://schemas.microsoft.com/office/powerpoint/2010/main" val="3396261938"/>
       </p:ext>
     </p:extLst>
   </p:cSld>

--- a/Гамов Павел Чтения.pptx
+++ b/Гамов Павел Чтения.pptx
@@ -4948,7 +4948,7 @@
           <a:p>
             <a:fld id="{55EBD86D-A7BD-FC42-94E5-16946E78769B}" type="datetimeFigureOut">
               <a:rPr lang="ru-RU" smtClean="0"/>
-              <a:t>13.04.2022</a:t>
+              <a:t>15.04.2022</a:t>
             </a:fld>
             <a:endParaRPr lang="ru-RU"/>
           </a:p>
@@ -5121,7 +5121,7 @@
           <a:p>
             <a:fld id="{55EBD86D-A7BD-FC42-94E5-16946E78769B}" type="datetimeFigureOut">
               <a:rPr lang="ru-RU" smtClean="0"/>
-              <a:t>13.04.2022</a:t>
+              <a:t>15.04.2022</a:t>
             </a:fld>
             <a:endParaRPr lang="ru-RU"/>
           </a:p>
@@ -5304,7 +5304,7 @@
           <a:p>
             <a:fld id="{55EBD86D-A7BD-FC42-94E5-16946E78769B}" type="datetimeFigureOut">
               <a:rPr lang="ru-RU" smtClean="0"/>
-              <a:t>13.04.2022</a:t>
+              <a:t>15.04.2022</a:t>
             </a:fld>
             <a:endParaRPr lang="ru-RU"/>
           </a:p>
@@ -5477,7 +5477,7 @@
           <a:p>
             <a:fld id="{55EBD86D-A7BD-FC42-94E5-16946E78769B}" type="datetimeFigureOut">
               <a:rPr lang="ru-RU" smtClean="0"/>
-              <a:t>13.04.2022</a:t>
+              <a:t>15.04.2022</a:t>
             </a:fld>
             <a:endParaRPr lang="ru-RU"/>
           </a:p>
@@ -5755,7 +5755,7 @@
           <a:p>
             <a:fld id="{55EBD86D-A7BD-FC42-94E5-16946E78769B}" type="datetimeFigureOut">
               <a:rPr lang="ru-RU" smtClean="0"/>
-              <a:t>13.04.2022</a:t>
+              <a:t>15.04.2022</a:t>
             </a:fld>
             <a:endParaRPr lang="ru-RU"/>
           </a:p>
@@ -5970,7 +5970,7 @@
           <a:p>
             <a:fld id="{55EBD86D-A7BD-FC42-94E5-16946E78769B}" type="datetimeFigureOut">
               <a:rPr lang="ru-RU" smtClean="0"/>
-              <a:t>13.04.2022</a:t>
+              <a:t>15.04.2022</a:t>
             </a:fld>
             <a:endParaRPr lang="ru-RU"/>
           </a:p>
@@ -6338,7 +6338,7 @@
           <a:p>
             <a:fld id="{55EBD86D-A7BD-FC42-94E5-16946E78769B}" type="datetimeFigureOut">
               <a:rPr lang="ru-RU" smtClean="0"/>
-              <a:t>13.04.2022</a:t>
+              <a:t>15.04.2022</a:t>
             </a:fld>
             <a:endParaRPr lang="ru-RU"/>
           </a:p>
@@ -6479,7 +6479,7 @@
           <a:p>
             <a:fld id="{55EBD86D-A7BD-FC42-94E5-16946E78769B}" type="datetimeFigureOut">
               <a:rPr lang="ru-RU" smtClean="0"/>
-              <a:t>13.04.2022</a:t>
+              <a:t>15.04.2022</a:t>
             </a:fld>
             <a:endParaRPr lang="ru-RU"/>
           </a:p>
@@ -6592,7 +6592,7 @@
           <a:p>
             <a:fld id="{55EBD86D-A7BD-FC42-94E5-16946E78769B}" type="datetimeFigureOut">
               <a:rPr lang="ru-RU" smtClean="0"/>
-              <a:t>13.04.2022</a:t>
+              <a:t>15.04.2022</a:t>
             </a:fld>
             <a:endParaRPr lang="ru-RU"/>
           </a:p>
@@ -6881,7 +6881,7 @@
           <a:p>
             <a:fld id="{55EBD86D-A7BD-FC42-94E5-16946E78769B}" type="datetimeFigureOut">
               <a:rPr lang="ru-RU" smtClean="0"/>
-              <a:t>13.04.2022</a:t>
+              <a:t>15.04.2022</a:t>
             </a:fld>
             <a:endParaRPr lang="ru-RU"/>
           </a:p>
@@ -7172,7 +7172,7 @@
           <a:p>
             <a:fld id="{55EBD86D-A7BD-FC42-94E5-16946E78769B}" type="datetimeFigureOut">
               <a:rPr lang="ru-RU" smtClean="0"/>
-              <a:t>13.04.2022</a:t>
+              <a:t>15.04.2022</a:t>
             </a:fld>
             <a:endParaRPr lang="ru-RU"/>
           </a:p>
@@ -7388,7 +7388,7 @@
           <a:p>
             <a:fld id="{55EBD86D-A7BD-FC42-94E5-16946E78769B}" type="datetimeFigureOut">
               <a:rPr lang="ru-RU" smtClean="0"/>
-              <a:t>13.04.2022</a:t>
+              <a:t>15.04.2022</a:t>
             </a:fld>
             <a:endParaRPr lang="ru-RU"/>
           </a:p>
@@ -8482,7 +8482,213 @@
                 <a:latin typeface="Times New Roman" panose="02020603050405020304" pitchFamily="18" charset="0"/>
                 <a:cs typeface="Times New Roman" panose="02020603050405020304" pitchFamily="18" charset="0"/>
               </a:rPr>
-              <a:t>Целью моей работы является реализация и сравнение метода квадратичного решета с более простыми алгоритмами, а так же модификация кода, в надежде ускорить работу алгоритма.</a:t>
+              <a:t>реализация и сравнение метода квадратичного решета с более простыми алгоритмами, а так же модификация кода, в надежде ускорить работу алгоритма.</a:t>
+            </a:r>
+          </a:p>
+        </p:txBody>
+      </p:sp>
+      <p:sp>
+        <p:nvSpPr>
+          <p:cNvPr id="3" name="TextBox 2">
+            <a:extLst>
+              <a:ext uri="{FF2B5EF4-FFF2-40B4-BE49-F238E27FC236}">
+                <a16:creationId xmlns:a16="http://schemas.microsoft.com/office/drawing/2014/main" id="{C461769F-797C-2E45-889A-C7BDF6427B87}"/>
+              </a:ext>
+            </a:extLst>
+          </p:cNvPr>
+          <p:cNvSpPr txBox="1"/>
+          <p:nvPr/>
+        </p:nvSpPr>
+        <p:spPr>
+          <a:xfrm>
+            <a:off x="1021278" y="2446317"/>
+            <a:ext cx="9439122" cy="369332"/>
+          </a:xfrm>
+          <a:prstGeom prst="rect">
+            <a:avLst/>
+          </a:prstGeom>
+          <a:noFill/>
+        </p:spPr>
+        <p:txBody>
+          <a:bodyPr wrap="none" rtlCol="0">
+            <a:spAutoFit/>
+          </a:bodyPr>
+          <a:lstStyle/>
+          <a:p>
+            <a:r>
+              <a:rPr lang="ru-RU" dirty="0"/>
+              <a:t>Сделать более надежными системы шифрования и разработка/ </a:t>
+            </a:r>
+            <a:r>
+              <a:rPr lang="ru-RU" dirty="0" err="1"/>
+              <a:t>позв-ть</a:t>
+            </a:r>
+            <a:r>
+              <a:rPr lang="ru-RU" dirty="0"/>
+              <a:t> повысить надеж-</a:t>
+            </a:r>
+            <a:r>
+              <a:rPr lang="ru-RU" dirty="0" err="1"/>
+              <a:t>ность</a:t>
+            </a:r>
+            <a:endParaRPr lang="ru-RU" dirty="0"/>
+          </a:p>
+        </p:txBody>
+      </p:sp>
+      <p:sp>
+        <p:nvSpPr>
+          <p:cNvPr id="4" name="TextBox 3">
+            <a:extLst>
+              <a:ext uri="{FF2B5EF4-FFF2-40B4-BE49-F238E27FC236}">
+                <a16:creationId xmlns:a16="http://schemas.microsoft.com/office/drawing/2014/main" id="{0F1C15D6-2522-5A43-A382-6E000FA24D15}"/>
+              </a:ext>
+            </a:extLst>
+          </p:cNvPr>
+          <p:cNvSpPr txBox="1"/>
+          <p:nvPr/>
+        </p:nvSpPr>
+        <p:spPr>
+          <a:xfrm>
+            <a:off x="1187532" y="5355771"/>
+            <a:ext cx="5808898" cy="369332"/>
+          </a:xfrm>
+          <a:prstGeom prst="rect">
+            <a:avLst/>
+          </a:prstGeom>
+          <a:noFill/>
+        </p:spPr>
+        <p:txBody>
+          <a:bodyPr wrap="none" rtlCol="0">
+            <a:spAutoFit/>
+          </a:bodyPr>
+          <a:lstStyle/>
+          <a:p>
+            <a:r>
+              <a:rPr lang="ru-RU" dirty="0" err="1"/>
+              <a:t>Уск-ие</a:t>
+            </a:r>
+            <a:r>
+              <a:rPr lang="ru-RU" dirty="0"/>
+              <a:t> работы алгоритмов факт-</a:t>
+            </a:r>
+            <a:r>
+              <a:rPr lang="ru-RU" dirty="0" err="1"/>
+              <a:t>ции</a:t>
+            </a:r>
+            <a:r>
+              <a:rPr lang="ru-RU" dirty="0"/>
+              <a:t> чисел за счет чего то</a:t>
+            </a:r>
+          </a:p>
+        </p:txBody>
+      </p:sp>
+      <p:sp>
+        <p:nvSpPr>
+          <p:cNvPr id="7" name="TextBox 6">
+            <a:extLst>
+              <a:ext uri="{FF2B5EF4-FFF2-40B4-BE49-F238E27FC236}">
+                <a16:creationId xmlns:a16="http://schemas.microsoft.com/office/drawing/2014/main" id="{73DA8F0C-819B-F144-8F4D-71164EB86907}"/>
+              </a:ext>
+            </a:extLst>
+          </p:cNvPr>
+          <p:cNvSpPr txBox="1"/>
+          <p:nvPr/>
+        </p:nvSpPr>
+        <p:spPr>
+          <a:xfrm>
+            <a:off x="2315688" y="6127668"/>
+            <a:ext cx="3782446" cy="369332"/>
+          </a:xfrm>
+          <a:prstGeom prst="rect">
+            <a:avLst/>
+          </a:prstGeom>
+          <a:noFill/>
+        </p:spPr>
+        <p:txBody>
+          <a:bodyPr wrap="none" rtlCol="0">
+            <a:spAutoFit/>
+          </a:bodyPr>
+          <a:lstStyle/>
+          <a:p>
+            <a:r>
+              <a:rPr lang="ru-RU" dirty="0"/>
+              <a:t>Задачи вынести на отдельный слайд</a:t>
+            </a:r>
+          </a:p>
+        </p:txBody>
+      </p:sp>
+      <p:sp>
+        <p:nvSpPr>
+          <p:cNvPr id="9" name="TextBox 8">
+            <a:extLst>
+              <a:ext uri="{FF2B5EF4-FFF2-40B4-BE49-F238E27FC236}">
+                <a16:creationId xmlns:a16="http://schemas.microsoft.com/office/drawing/2014/main" id="{081988C2-E38A-9048-B50E-AB52AFBBF1FE}"/>
+              </a:ext>
+            </a:extLst>
+          </p:cNvPr>
+          <p:cNvSpPr txBox="1"/>
+          <p:nvPr/>
+        </p:nvSpPr>
+        <p:spPr>
+          <a:xfrm>
+            <a:off x="3503221" y="3526971"/>
+            <a:ext cx="5393912" cy="369332"/>
+          </a:xfrm>
+          <a:prstGeom prst="rect">
+            <a:avLst/>
+          </a:prstGeom>
+          <a:noFill/>
+        </p:spPr>
+        <p:txBody>
+          <a:bodyPr wrap="none" rtlCol="0">
+            <a:spAutoFit/>
+          </a:bodyPr>
+          <a:lstStyle/>
+          <a:p>
+            <a:r>
+              <a:rPr lang="ru-RU" dirty="0"/>
+              <a:t>Внизу задачи. И их вынести (ускорение и сравнение)</a:t>
+            </a:r>
+          </a:p>
+        </p:txBody>
+      </p:sp>
+      <p:sp>
+        <p:nvSpPr>
+          <p:cNvPr id="10" name="TextBox 9">
+            <a:extLst>
+              <a:ext uri="{FF2B5EF4-FFF2-40B4-BE49-F238E27FC236}">
+                <a16:creationId xmlns:a16="http://schemas.microsoft.com/office/drawing/2014/main" id="{27229FE6-39DD-2040-88B8-36B2659F5F37}"/>
+              </a:ext>
+            </a:extLst>
+          </p:cNvPr>
+          <p:cNvSpPr txBox="1"/>
+          <p:nvPr/>
+        </p:nvSpPr>
+        <p:spPr>
+          <a:xfrm>
+            <a:off x="7362701" y="568926"/>
+            <a:ext cx="4304768" cy="646331"/>
+          </a:xfrm>
+          <a:prstGeom prst="rect">
+            <a:avLst/>
+          </a:prstGeom>
+          <a:noFill/>
+        </p:spPr>
+        <p:txBody>
+          <a:bodyPr wrap="none" rtlCol="0">
+            <a:spAutoFit/>
+          </a:bodyPr>
+          <a:lstStyle/>
+          <a:p>
+            <a:r>
+              <a:rPr lang="ru-RU" dirty="0"/>
+              <a:t>Вставить какую нить картинку например </a:t>
+            </a:r>
+          </a:p>
+          <a:p>
+            <a:r>
+              <a:rPr lang="ru-RU" dirty="0"/>
+              <a:t>Мд5 шифрование и какие то другие вещи</a:t>
             </a:r>
           </a:p>
         </p:txBody>
@@ -8725,6 +8931,41 @@
           </a:prstGeom>
         </p:spPr>
       </p:pic>
+      <p:sp>
+        <p:nvSpPr>
+          <p:cNvPr id="5" name="TextBox 4">
+            <a:extLst>
+              <a:ext uri="{FF2B5EF4-FFF2-40B4-BE49-F238E27FC236}">
+                <a16:creationId xmlns:a16="http://schemas.microsoft.com/office/drawing/2014/main" id="{E9D98DF5-A0AF-9941-9522-CFCBE907EC73}"/>
+              </a:ext>
+            </a:extLst>
+          </p:cNvPr>
+          <p:cNvSpPr txBox="1"/>
+          <p:nvPr/>
+        </p:nvSpPr>
+        <p:spPr>
+          <a:xfrm>
+            <a:off x="2185060" y="6341423"/>
+            <a:ext cx="2209707" cy="369332"/>
+          </a:xfrm>
+          <a:prstGeom prst="rect">
+            <a:avLst/>
+          </a:prstGeom>
+          <a:noFill/>
+        </p:spPr>
+        <p:txBody>
+          <a:bodyPr wrap="none" rtlCol="0">
+            <a:spAutoFit/>
+          </a:bodyPr>
+          <a:lstStyle/>
+          <a:p>
+            <a:r>
+              <a:rPr lang="ru-RU" dirty="0"/>
+              <a:t>Граф шире и больше</a:t>
+            </a:r>
+          </a:p>
+        </p:txBody>
+      </p:sp>
     </p:spTree>
     <p:extLst>
       <p:ext uri="{BB962C8B-B14F-4D97-AF65-F5344CB8AC3E}">
@@ -8959,6 +9200,60 @@
           </a:p>
         </p:txBody>
       </p:sp>
+      <p:sp>
+        <p:nvSpPr>
+          <p:cNvPr id="3" name="TextBox 2">
+            <a:extLst>
+              <a:ext uri="{FF2B5EF4-FFF2-40B4-BE49-F238E27FC236}">
+                <a16:creationId xmlns:a16="http://schemas.microsoft.com/office/drawing/2014/main" id="{2B5E2C45-113B-4842-988E-2449D45CE761}"/>
+              </a:ext>
+            </a:extLst>
+          </p:cNvPr>
+          <p:cNvSpPr txBox="1"/>
+          <p:nvPr/>
+        </p:nvSpPr>
+        <p:spPr>
+          <a:xfrm>
+            <a:off x="7113319" y="4821382"/>
+            <a:ext cx="3440878" cy="646331"/>
+          </a:xfrm>
+          <a:prstGeom prst="rect">
+            <a:avLst/>
+          </a:prstGeom>
+          <a:noFill/>
+        </p:spPr>
+        <p:txBody>
+          <a:bodyPr wrap="none" rtlCol="0">
+            <a:spAutoFit/>
+          </a:bodyPr>
+          <a:lstStyle/>
+          <a:p>
+            <a:r>
+              <a:rPr lang="ru-RU" dirty="0"/>
+              <a:t>Указать </a:t>
+            </a:r>
+            <a:r>
+              <a:rPr lang="ru-RU" dirty="0" err="1"/>
+              <a:t>хар-ки</a:t>
+            </a:r>
+            <a:r>
+              <a:rPr lang="ru-RU" dirty="0"/>
+              <a:t> машины и пар-</a:t>
+            </a:r>
+            <a:r>
+              <a:rPr lang="ru-RU" dirty="0" err="1"/>
+              <a:t>тся</a:t>
+            </a:r>
+            <a:endParaRPr lang="ru-RU" dirty="0"/>
+          </a:p>
+          <a:p>
+            <a:r>
+              <a:rPr lang="ru-RU" dirty="0"/>
+              <a:t>Больше графиков и </a:t>
+            </a:r>
+          </a:p>
+        </p:txBody>
+      </p:sp>
     </p:spTree>
     <p:extLst>
       <p:ext uri="{BB962C8B-B14F-4D97-AF65-F5344CB8AC3E}">
@@ -9141,7 +9436,7 @@
         <p:spPr>
           <a:xfrm>
             <a:off x="6503080" y="2278087"/>
-            <a:ext cx="4850720" cy="3477875"/>
+            <a:ext cx="4850720" cy="4154984"/>
           </a:xfrm>
           <a:prstGeom prst="rect">
             <a:avLst/>
@@ -9159,7 +9454,35 @@
                 <a:latin typeface="Times New Roman" panose="02020603050405020304" pitchFamily="18" charset="0"/>
                 <a:cs typeface="Times New Roman" panose="02020603050405020304" pitchFamily="18" charset="0"/>
               </a:rPr>
-              <a:t>Реализация мультипроцессорного просеивания дает возможность быстрее оценить сложность и временной затрат. </a:t>
+              <a:t>Реализация мультипроцессорного просеивания дает возможность быстрее оценить сложность и временной затрат. (переделать и ввести </a:t>
+            </a:r>
+            <a:r>
+              <a:rPr lang="ru-RU" sz="2200" dirty="0" err="1">
+                <a:latin typeface="Times New Roman" panose="02020603050405020304" pitchFamily="18" charset="0"/>
+                <a:cs typeface="Times New Roman" panose="02020603050405020304" pitchFamily="18" charset="0"/>
+              </a:rPr>
+              <a:t>гиперпарамтеры</a:t>
+            </a:r>
+            <a:r>
+              <a:rPr lang="ru-RU" sz="2200" dirty="0">
+                <a:latin typeface="Times New Roman" panose="02020603050405020304" pitchFamily="18" charset="0"/>
+                <a:cs typeface="Times New Roman" panose="02020603050405020304" pitchFamily="18" charset="0"/>
+              </a:rPr>
+              <a:t> плюсы минусы </a:t>
+            </a:r>
+            <a:r>
+              <a:rPr lang="ru-RU" sz="2200" dirty="0" err="1">
+                <a:latin typeface="Times New Roman" panose="02020603050405020304" pitchFamily="18" charset="0"/>
+                <a:cs typeface="Times New Roman" panose="02020603050405020304" pitchFamily="18" charset="0"/>
+              </a:rPr>
+              <a:t>алго-ма</a:t>
+            </a:r>
+            <a:r>
+              <a:rPr lang="ru-RU" sz="2200" dirty="0">
+                <a:latin typeface="Times New Roman" panose="02020603050405020304" pitchFamily="18" charset="0"/>
+                <a:cs typeface="Times New Roman" panose="02020603050405020304" pitchFamily="18" charset="0"/>
+              </a:rPr>
+              <a:t> коррекция)</a:t>
             </a:r>
           </a:p>
           <a:p>
@@ -9175,6 +9498,49 @@
                 <a:cs typeface="Times New Roman" panose="02020603050405020304" pitchFamily="18" charset="0"/>
               </a:rPr>
               <a:t>При больших числах этап просеивания может занимать от нескольких часов, чем раньше мы скорректируем начальные условия, тем лучше.</a:t>
+            </a:r>
+          </a:p>
+        </p:txBody>
+      </p:sp>
+      <p:sp>
+        <p:nvSpPr>
+          <p:cNvPr id="3" name="TextBox 2">
+            <a:extLst>
+              <a:ext uri="{FF2B5EF4-FFF2-40B4-BE49-F238E27FC236}">
+                <a16:creationId xmlns:a16="http://schemas.microsoft.com/office/drawing/2014/main" id="{5CD556BE-26AC-D34F-99F3-DC48E4CCB7BE}"/>
+              </a:ext>
+            </a:extLst>
+          </p:cNvPr>
+          <p:cNvSpPr txBox="1"/>
+          <p:nvPr/>
+        </p:nvSpPr>
+        <p:spPr>
+          <a:xfrm>
+            <a:off x="4809506" y="6448301"/>
+            <a:ext cx="2815771" cy="369332"/>
+          </a:xfrm>
+          <a:prstGeom prst="rect">
+            <a:avLst/>
+          </a:prstGeom>
+          <a:noFill/>
+        </p:spPr>
+        <p:txBody>
+          <a:bodyPr wrap="none" rtlCol="0">
+            <a:spAutoFit/>
+          </a:bodyPr>
+          <a:lstStyle/>
+          <a:p>
+            <a:r>
+              <a:rPr lang="ru-RU" dirty="0"/>
+              <a:t>Сколько </a:t>
+            </a:r>
+            <a:r>
+              <a:rPr lang="ru-RU" dirty="0" err="1"/>
+              <a:t>процес-ов</a:t>
+            </a:r>
+            <a:r>
+              <a:rPr lang="ru-RU" dirty="0"/>
+              <a:t> указать</a:t>
             </a:r>
           </a:p>
         </p:txBody>
@@ -9399,6 +9765,63 @@
           </a:p>
         </p:txBody>
       </p:sp>
+      <p:sp>
+        <p:nvSpPr>
+          <p:cNvPr id="3" name="TextBox 2">
+            <a:extLst>
+              <a:ext uri="{FF2B5EF4-FFF2-40B4-BE49-F238E27FC236}">
+                <a16:creationId xmlns:a16="http://schemas.microsoft.com/office/drawing/2014/main" id="{AC3994AE-87F5-CB46-B5AA-F4903F77D9F2}"/>
+              </a:ext>
+            </a:extLst>
+          </p:cNvPr>
+          <p:cNvSpPr txBox="1"/>
+          <p:nvPr/>
+        </p:nvSpPr>
+        <p:spPr>
+          <a:xfrm>
+            <a:off x="4156364" y="6293922"/>
+            <a:ext cx="8475269" cy="646331"/>
+          </a:xfrm>
+          <a:prstGeom prst="rect">
+            <a:avLst/>
+          </a:prstGeom>
+          <a:noFill/>
+        </p:spPr>
+        <p:txBody>
+          <a:bodyPr wrap="none" rtlCol="0">
+            <a:spAutoFit/>
+          </a:bodyPr>
+          <a:lstStyle/>
+          <a:p>
+            <a:r>
+              <a:rPr lang="ru-RU" dirty="0"/>
+              <a:t>Пояснить улучшение и слайды </a:t>
+            </a:r>
+            <a:r>
+              <a:rPr lang="ru-RU" dirty="0" err="1"/>
+              <a:t>доабвить</a:t>
+            </a:r>
+            <a:r>
+              <a:rPr lang="ru-RU" dirty="0"/>
+              <a:t> математику </a:t>
+            </a:r>
+            <a:r>
+              <a:rPr lang="ru-RU" dirty="0" err="1"/>
+              <a:t>обьяснением</a:t>
+            </a:r>
+            <a:r>
+              <a:rPr lang="ru-RU" dirty="0"/>
+              <a:t> и потом метрики</a:t>
+            </a:r>
+          </a:p>
+          <a:p>
+            <a:r>
+              <a:rPr lang="ru-RU" dirty="0"/>
+              <a:t>  </a:t>
+            </a:r>
+          </a:p>
+        </p:txBody>
+      </p:sp>
     </p:spTree>
     <p:extLst>
       <p:ext uri="{BB962C8B-B14F-4D97-AF65-F5344CB8AC3E}">
@@ -9619,6 +10042,144 @@
           </a:graphicData>
         </a:graphic>
       </p:graphicFrame>
+      <p:sp>
+        <p:nvSpPr>
+          <p:cNvPr id="3" name="TextBox 2">
+            <a:extLst>
+              <a:ext uri="{FF2B5EF4-FFF2-40B4-BE49-F238E27FC236}">
+                <a16:creationId xmlns:a16="http://schemas.microsoft.com/office/drawing/2014/main" id="{BBD1DA76-E125-D44E-894B-47E560D6E217}"/>
+              </a:ext>
+            </a:extLst>
+          </p:cNvPr>
+          <p:cNvSpPr txBox="1"/>
+          <p:nvPr/>
+        </p:nvSpPr>
+        <p:spPr>
+          <a:xfrm>
+            <a:off x="3503221" y="6567055"/>
+            <a:ext cx="5748305" cy="369332"/>
+          </a:xfrm>
+          <a:prstGeom prst="rect">
+            <a:avLst/>
+          </a:prstGeom>
+          <a:noFill/>
+        </p:spPr>
+        <p:txBody>
+          <a:bodyPr wrap="none" rtlCol="0">
+            <a:spAutoFit/>
+          </a:bodyPr>
+          <a:lstStyle/>
+          <a:p>
+            <a:r>
+              <a:rPr lang="ru-RU" dirty="0"/>
+              <a:t>Показать в лог-ой шкале и показать метрики финальные </a:t>
+            </a:r>
+          </a:p>
+        </p:txBody>
+      </p:sp>
+      <p:sp>
+        <p:nvSpPr>
+          <p:cNvPr id="5" name="TextBox 4">
+            <a:extLst>
+              <a:ext uri="{FF2B5EF4-FFF2-40B4-BE49-F238E27FC236}">
+                <a16:creationId xmlns:a16="http://schemas.microsoft.com/office/drawing/2014/main" id="{6DABEFFE-228E-3947-A482-3AE52BEE0DE1}"/>
+              </a:ext>
+            </a:extLst>
+          </p:cNvPr>
+          <p:cNvSpPr txBox="1"/>
+          <p:nvPr/>
+        </p:nvSpPr>
+        <p:spPr>
+          <a:xfrm>
+            <a:off x="8609610" y="5985164"/>
+            <a:ext cx="7686400" cy="923330"/>
+          </a:xfrm>
+          <a:prstGeom prst="rect">
+            <a:avLst/>
+          </a:prstGeom>
+          <a:noFill/>
+        </p:spPr>
+        <p:txBody>
+          <a:bodyPr wrap="none" rtlCol="0">
+            <a:spAutoFit/>
+          </a:bodyPr>
+          <a:lstStyle/>
+          <a:p>
+            <a:r>
+              <a:rPr lang="ru-RU" dirty="0"/>
+              <a:t>Добавить </a:t>
+            </a:r>
+            <a:r>
+              <a:rPr lang="ru-RU" dirty="0" err="1"/>
+              <a:t>фин</a:t>
+            </a:r>
+            <a:r>
+              <a:rPr lang="ru-RU" dirty="0"/>
+              <a:t> слайд с выводами </a:t>
+            </a:r>
+          </a:p>
+          <a:p>
+            <a:r>
+              <a:rPr lang="ru-RU" dirty="0"/>
+              <a:t>По типу </a:t>
+            </a:r>
+            <a:r>
+              <a:rPr lang="ru-RU" dirty="0" err="1"/>
+              <a:t>добав</a:t>
+            </a:r>
+            <a:r>
+              <a:rPr lang="ru-RU" dirty="0"/>
+              <a:t> того или </a:t>
+            </a:r>
+            <a:r>
+              <a:rPr lang="ru-RU" dirty="0" err="1"/>
+              <a:t>чпшго</a:t>
+            </a:r>
+            <a:r>
+              <a:rPr lang="ru-RU" dirty="0"/>
+              <a:t> то </a:t>
+            </a:r>
+            <a:r>
+              <a:rPr lang="ru-RU" dirty="0" err="1"/>
+              <a:t>усеорило</a:t>
+            </a:r>
+            <a:r>
+              <a:rPr lang="ru-RU" dirty="0"/>
+              <a:t> на </a:t>
+            </a:r>
+            <a:r>
+              <a:rPr lang="ru-RU" dirty="0" err="1"/>
+              <a:t>стольо</a:t>
+            </a:r>
+            <a:r>
+              <a:rPr lang="ru-RU" dirty="0"/>
+              <a:t> то </a:t>
+            </a:r>
+            <a:r>
+              <a:rPr lang="ru-RU" dirty="0" err="1"/>
+              <a:t>процпнтов</a:t>
+            </a:r>
+            <a:r>
+              <a:rPr lang="ru-RU" dirty="0"/>
+              <a:t> алгоритм</a:t>
+            </a:r>
+          </a:p>
+          <a:p>
+            <a:r>
+              <a:rPr lang="ru-RU" dirty="0"/>
+              <a:t>И а конце </a:t>
+            </a:r>
+            <a:r>
+              <a:rPr lang="ru-RU" dirty="0" err="1"/>
+              <a:t>фин</a:t>
+            </a:r>
+            <a:r>
+              <a:rPr lang="ru-RU" dirty="0"/>
+              <a:t> вывод позволило ускорило </a:t>
+            </a:r>
+          </a:p>
+        </p:txBody>
+      </p:sp>
     </p:spTree>
     <p:extLst>
       <p:ext uri="{BB962C8B-B14F-4D97-AF65-F5344CB8AC3E}">

--- a/Гамов Павел Чтения.pptx
+++ b/Гамов Павел Чтения.pptx
@@ -6,12 +6,18 @@
   </p:sldMasterIdLst>
   <p:sldIdLst>
     <p:sldId id="265" r:id="rId2"/>
-    <p:sldId id="270" r:id="rId3"/>
-    <p:sldId id="272" r:id="rId4"/>
-    <p:sldId id="273" r:id="rId5"/>
-    <p:sldId id="274" r:id="rId6"/>
-    <p:sldId id="275" r:id="rId7"/>
-    <p:sldId id="276" r:id="rId8"/>
+    <p:sldId id="277" r:id="rId3"/>
+    <p:sldId id="278" r:id="rId4"/>
+    <p:sldId id="279" r:id="rId5"/>
+    <p:sldId id="272" r:id="rId6"/>
+    <p:sldId id="280" r:id="rId7"/>
+    <p:sldId id="273" r:id="rId8"/>
+    <p:sldId id="281" r:id="rId9"/>
+    <p:sldId id="274" r:id="rId10"/>
+    <p:sldId id="282" r:id="rId11"/>
+    <p:sldId id="275" r:id="rId12"/>
+    <p:sldId id="283" r:id="rId13"/>
+    <p:sldId id="276" r:id="rId14"/>
   </p:sldIdLst>
   <p:sldSz cx="12192000" cy="6858000"/>
   <p:notesSz cx="6858000" cy="9144000"/>
@@ -4948,7 +4954,7 @@
           <a:p>
             <a:fld id="{55EBD86D-A7BD-FC42-94E5-16946E78769B}" type="datetimeFigureOut">
               <a:rPr lang="ru-RU" smtClean="0"/>
-              <a:t>15.04.2022</a:t>
+              <a:t>12.05.2022</a:t>
             </a:fld>
             <a:endParaRPr lang="ru-RU"/>
           </a:p>
@@ -5121,7 +5127,7 @@
           <a:p>
             <a:fld id="{55EBD86D-A7BD-FC42-94E5-16946E78769B}" type="datetimeFigureOut">
               <a:rPr lang="ru-RU" smtClean="0"/>
-              <a:t>15.04.2022</a:t>
+              <a:t>12.05.2022</a:t>
             </a:fld>
             <a:endParaRPr lang="ru-RU"/>
           </a:p>
@@ -5304,7 +5310,7 @@
           <a:p>
             <a:fld id="{55EBD86D-A7BD-FC42-94E5-16946E78769B}" type="datetimeFigureOut">
               <a:rPr lang="ru-RU" smtClean="0"/>
-              <a:t>15.04.2022</a:t>
+              <a:t>12.05.2022</a:t>
             </a:fld>
             <a:endParaRPr lang="ru-RU"/>
           </a:p>
@@ -5477,7 +5483,7 @@
           <a:p>
             <a:fld id="{55EBD86D-A7BD-FC42-94E5-16946E78769B}" type="datetimeFigureOut">
               <a:rPr lang="ru-RU" smtClean="0"/>
-              <a:t>15.04.2022</a:t>
+              <a:t>12.05.2022</a:t>
             </a:fld>
             <a:endParaRPr lang="ru-RU"/>
           </a:p>
@@ -5755,7 +5761,7 @@
           <a:p>
             <a:fld id="{55EBD86D-A7BD-FC42-94E5-16946E78769B}" type="datetimeFigureOut">
               <a:rPr lang="ru-RU" smtClean="0"/>
-              <a:t>15.04.2022</a:t>
+              <a:t>12.05.2022</a:t>
             </a:fld>
             <a:endParaRPr lang="ru-RU"/>
           </a:p>
@@ -5970,7 +5976,7 @@
           <a:p>
             <a:fld id="{55EBD86D-A7BD-FC42-94E5-16946E78769B}" type="datetimeFigureOut">
               <a:rPr lang="ru-RU" smtClean="0"/>
-              <a:t>15.04.2022</a:t>
+              <a:t>12.05.2022</a:t>
             </a:fld>
             <a:endParaRPr lang="ru-RU"/>
           </a:p>
@@ -6338,7 +6344,7 @@
           <a:p>
             <a:fld id="{55EBD86D-A7BD-FC42-94E5-16946E78769B}" type="datetimeFigureOut">
               <a:rPr lang="ru-RU" smtClean="0"/>
-              <a:t>15.04.2022</a:t>
+              <a:t>12.05.2022</a:t>
             </a:fld>
             <a:endParaRPr lang="ru-RU"/>
           </a:p>
@@ -6479,7 +6485,7 @@
           <a:p>
             <a:fld id="{55EBD86D-A7BD-FC42-94E5-16946E78769B}" type="datetimeFigureOut">
               <a:rPr lang="ru-RU" smtClean="0"/>
-              <a:t>15.04.2022</a:t>
+              <a:t>12.05.2022</a:t>
             </a:fld>
             <a:endParaRPr lang="ru-RU"/>
           </a:p>
@@ -6592,7 +6598,7 @@
           <a:p>
             <a:fld id="{55EBD86D-A7BD-FC42-94E5-16946E78769B}" type="datetimeFigureOut">
               <a:rPr lang="ru-RU" smtClean="0"/>
-              <a:t>15.04.2022</a:t>
+              <a:t>12.05.2022</a:t>
             </a:fld>
             <a:endParaRPr lang="ru-RU"/>
           </a:p>
@@ -6881,7 +6887,7 @@
           <a:p>
             <a:fld id="{55EBD86D-A7BD-FC42-94E5-16946E78769B}" type="datetimeFigureOut">
               <a:rPr lang="ru-RU" smtClean="0"/>
-              <a:t>15.04.2022</a:t>
+              <a:t>12.05.2022</a:t>
             </a:fld>
             <a:endParaRPr lang="ru-RU"/>
           </a:p>
@@ -7172,7 +7178,7 @@
           <a:p>
             <a:fld id="{55EBD86D-A7BD-FC42-94E5-16946E78769B}" type="datetimeFigureOut">
               <a:rPr lang="ru-RU" smtClean="0"/>
-              <a:t>15.04.2022</a:t>
+              <a:t>12.05.2022</a:t>
             </a:fld>
             <a:endParaRPr lang="ru-RU"/>
           </a:p>
@@ -7388,7 +7394,7 @@
           <a:p>
             <a:fld id="{55EBD86D-A7BD-FC42-94E5-16946E78769B}" type="datetimeFigureOut">
               <a:rPr lang="ru-RU" smtClean="0"/>
-              <a:t>15.04.2022</a:t>
+              <a:t>12.05.2022</a:t>
             </a:fld>
             <a:endParaRPr lang="ru-RU"/>
           </a:p>
@@ -7918,49 +7924,7 @@
                 <a:latin typeface="Times New Roman" panose="02020603050405020304" pitchFamily="18" charset="0"/>
                 <a:cs typeface="Times New Roman" panose="02020603050405020304" pitchFamily="18" charset="0"/>
               </a:rPr>
-              <a:t>Для</a:t>
-            </a:r>
-            <a:r>
-              <a:rPr lang="en-US" sz="2000" dirty="0">
-                <a:latin typeface="Times New Roman" panose="02020603050405020304" pitchFamily="18" charset="0"/>
-                <a:cs typeface="Times New Roman" panose="02020603050405020304" pitchFamily="18" charset="0"/>
-              </a:rPr>
-              <a:t> XLVIII </a:t>
-            </a:r>
-            <a:r>
-              <a:rPr lang="ru-RU" sz="2000" dirty="0">
-                <a:latin typeface="Times New Roman" panose="02020603050405020304" pitchFamily="18" charset="0"/>
-                <a:cs typeface="Times New Roman" panose="02020603050405020304" pitchFamily="18" charset="0"/>
-              </a:rPr>
-              <a:t>Международной молодежной научной конференции </a:t>
-            </a:r>
-            <a:r>
-              <a:rPr lang="en-US" sz="2000" dirty="0">
-                <a:latin typeface="Times New Roman" panose="02020603050405020304" pitchFamily="18" charset="0"/>
-                <a:cs typeface="Times New Roman" panose="02020603050405020304" pitchFamily="18" charset="0"/>
-              </a:rPr>
-              <a:t>“</a:t>
-            </a:r>
-            <a:r>
-              <a:rPr lang="ru-RU" sz="2000" dirty="0">
-                <a:latin typeface="Times New Roman" panose="02020603050405020304" pitchFamily="18" charset="0"/>
-                <a:cs typeface="Times New Roman" panose="02020603050405020304" pitchFamily="18" charset="0"/>
-              </a:rPr>
-              <a:t>Гагаринские чтения</a:t>
-            </a:r>
-            <a:r>
-              <a:rPr lang="en-US" sz="2000" dirty="0">
-                <a:latin typeface="Times New Roman" panose="02020603050405020304" pitchFamily="18" charset="0"/>
-                <a:cs typeface="Times New Roman" panose="02020603050405020304" pitchFamily="18" charset="0"/>
-              </a:rPr>
-              <a:t>”</a:t>
-            </a:r>
-            <a:r>
-              <a:rPr lang="ru-RU" sz="2000" dirty="0">
-                <a:latin typeface="Times New Roman" panose="02020603050405020304" pitchFamily="18" charset="0"/>
-                <a:cs typeface="Times New Roman" panose="02020603050405020304" pitchFamily="18" charset="0"/>
-              </a:rPr>
-              <a:t> </a:t>
+              <a:t>Выпускная квалификационная работа бакалавра</a:t>
             </a:r>
           </a:p>
         </p:txBody>
@@ -7980,7 +7944,7 @@
         <p:spPr>
           <a:xfrm>
             <a:off x="1973107" y="3167390"/>
-            <a:ext cx="8245785" cy="954107"/>
+            <a:ext cx="8245785" cy="523220"/>
           </a:xfrm>
           <a:prstGeom prst="rect">
             <a:avLst/>
@@ -7999,17 +7963,7 @@
                 <a:latin typeface="Times New Roman" panose="02020603050405020304" pitchFamily="18" charset="0"/>
                 <a:cs typeface="Times New Roman" panose="02020603050405020304" pitchFamily="18" charset="0"/>
               </a:rPr>
-              <a:t>Алгоритмы факторизации больших чисел.</a:t>
-            </a:r>
-          </a:p>
-          <a:p>
-            <a:pPr algn="ctr"/>
-            <a:r>
-              <a:rPr lang="ru-RU" sz="2800" dirty="0">
-                <a:latin typeface="Times New Roman" panose="02020603050405020304" pitchFamily="18" charset="0"/>
-                <a:cs typeface="Times New Roman" panose="02020603050405020304" pitchFamily="18" charset="0"/>
-              </a:rPr>
-              <a:t>Алгоритм квадратичного решета.</a:t>
+              <a:t>Алгоритмы факторизации больших чисел</a:t>
             </a:r>
           </a:p>
         </p:txBody>
@@ -8266,7 +8220,7 @@
 </p:sld>
 </file>
 
-<file path=ppt/slides/slide2.xml><?xml version="1.0" encoding="utf-8"?>
+<file path=ppt/slides/slide10.xml><?xml version="1.0" encoding="utf-8"?>
 <p:sld xmlns:a="http://schemas.openxmlformats.org/drawingml/2006/main" xmlns:r="http://schemas.openxmlformats.org/officeDocument/2006/relationships" xmlns:p="http://schemas.openxmlformats.org/presentationml/2006/main">
   <p:cSld>
     <p:spTree>
@@ -8285,10 +8239,10 @@
       </p:grpSpPr>
       <p:sp>
         <p:nvSpPr>
-          <p:cNvPr id="2" name="Заголовок 1">
+          <p:cNvPr id="3" name="Заголовок 2">
             <a:extLst>
               <a:ext uri="{FF2B5EF4-FFF2-40B4-BE49-F238E27FC236}">
-                <a16:creationId xmlns:a16="http://schemas.microsoft.com/office/drawing/2014/main" id="{1234E301-6713-4DD5-927D-DADD2B424306}"/>
+                <a16:creationId xmlns:a16="http://schemas.microsoft.com/office/drawing/2014/main" id="{0C2ECB21-A26C-FA84-FE18-946F5515F38F}"/>
               </a:ext>
             </a:extLst>
           </p:cNvPr>
@@ -8301,8 +8255,8 @@
         </p:nvSpPr>
         <p:spPr>
           <a:xfrm>
-            <a:off x="716908" y="365126"/>
-            <a:ext cx="10758183" cy="888580"/>
+            <a:off x="839788" y="457200"/>
+            <a:ext cx="9460077" cy="955964"/>
           </a:xfrm>
         </p:spPr>
         <p:txBody>
@@ -8316,387 +8270,138 @@
                 <a:latin typeface="Times New Roman" panose="02020603050405020304" pitchFamily="18" charset="0"/>
                 <a:cs typeface="Times New Roman" panose="02020603050405020304" pitchFamily="18" charset="0"/>
               </a:rPr>
-              <a:t>Актуальность алгоритмов факторизации</a:t>
+              <a:t>Реализация метода квадратичного решета</a:t>
+            </a:r>
+            <a:br>
+              <a:rPr lang="ru-RU" sz="2800" dirty="0">
+                <a:latin typeface="Times New Roman" panose="02020603050405020304" pitchFamily="18" charset="0"/>
+                <a:cs typeface="Times New Roman" panose="02020603050405020304" pitchFamily="18" charset="0"/>
+              </a:rPr>
+            </a:br>
+            <a:r>
+              <a:rPr lang="ru-RU" sz="2800" dirty="0">
+                <a:latin typeface="Times New Roman" panose="02020603050405020304" pitchFamily="18" charset="0"/>
+                <a:cs typeface="Times New Roman" panose="02020603050405020304" pitchFamily="18" charset="0"/>
+              </a:rPr>
+              <a:t>Этап решения матрицы</a:t>
             </a:r>
           </a:p>
         </p:txBody>
       </p:sp>
       <p:sp>
         <p:nvSpPr>
-          <p:cNvPr id="6" name="TextBox 5">
+          <p:cNvPr id="5" name="Текст 4">
             <a:extLst>
               <a:ext uri="{FF2B5EF4-FFF2-40B4-BE49-F238E27FC236}">
-                <a16:creationId xmlns:a16="http://schemas.microsoft.com/office/drawing/2014/main" id="{00B7CF55-8830-4AC3-999C-D81BC8313431}"/>
+                <a16:creationId xmlns:a16="http://schemas.microsoft.com/office/drawing/2014/main" id="{16878DF1-4D9B-35A8-526C-96168621FD89}"/>
               </a:ext>
             </a:extLst>
           </p:cNvPr>
-          <p:cNvSpPr txBox="1"/>
-          <p:nvPr/>
+          <p:cNvSpPr>
+            <a:spLocks noGrp="1"/>
+          </p:cNvSpPr>
+          <p:nvPr>
+            <p:ph type="body" sz="half" idx="2"/>
+          </p:nvPr>
         </p:nvSpPr>
         <p:spPr>
           <a:xfrm>
-            <a:off x="716908" y="1253706"/>
-            <a:ext cx="10758183" cy="830997"/>
+            <a:off x="839788" y="2057400"/>
+            <a:ext cx="5719350" cy="3811588"/>
           </a:xfrm>
-          <a:prstGeom prst="rect">
-            <a:avLst/>
-          </a:prstGeom>
-          <a:noFill/>
         </p:spPr>
         <p:txBody>
-          <a:bodyPr wrap="square" rtlCol="0">
-            <a:spAutoFit/>
+          <a:bodyPr>
+            <a:normAutofit/>
           </a:bodyPr>
           <a:lstStyle/>
           <a:p>
-            <a:r>
-              <a:rPr lang="ru-RU" sz="2400" dirty="0">
+            <a:pPr marL="342900" indent="-342900">
+              <a:buFont typeface="Arial" panose="020B0604020202020204" pitchFamily="34" charset="0"/>
+              <a:buChar char="•"/>
+            </a:pPr>
+            <a:r>
+              <a:rPr lang="ru-RU" sz="2000" dirty="0">
                 <a:latin typeface="Times New Roman" panose="02020603050405020304" pitchFamily="18" charset="0"/>
                 <a:cs typeface="Times New Roman" panose="02020603050405020304" pitchFamily="18" charset="0"/>
               </a:rPr>
-              <a:t>Исследования в данной области ставит под сомнение современные методы криптографии, такие как </a:t>
-            </a:r>
-            <a:r>
-              <a:rPr lang="en-US" sz="2400" dirty="0">
+              <a:t>Оптимальный выбор начальных условий позволяет снизить необходимое кол-во операций для решения матрицы, так как именно её невозможно адекватно решать быстрее.</a:t>
+            </a:r>
+          </a:p>
+          <a:p>
+            <a:endParaRPr lang="ru-RU" sz="2000" dirty="0">
+              <a:latin typeface="Times New Roman" panose="02020603050405020304" pitchFamily="18" charset="0"/>
+              <a:cs typeface="Times New Roman" panose="02020603050405020304" pitchFamily="18" charset="0"/>
+            </a:endParaRPr>
+          </a:p>
+          <a:p>
+            <a:pPr marL="342900" indent="-342900">
+              <a:buFont typeface="Arial" panose="020B0604020202020204" pitchFamily="34" charset="0"/>
+              <a:buChar char="•"/>
+            </a:pPr>
+            <a:r>
+              <a:rPr lang="ru-RU" sz="2000" dirty="0">
                 <a:latin typeface="Times New Roman" panose="02020603050405020304" pitchFamily="18" charset="0"/>
                 <a:cs typeface="Times New Roman" panose="02020603050405020304" pitchFamily="18" charset="0"/>
               </a:rPr>
-              <a:t>RSA</a:t>
-            </a:r>
-            <a:r>
-              <a:rPr lang="ru-RU" sz="2400" dirty="0">
+              <a:t>Применение битовых срезов дает прирост скорости.</a:t>
+            </a:r>
+          </a:p>
+          <a:p>
+            <a:endParaRPr lang="ru-RU" sz="2000" dirty="0">
+              <a:latin typeface="Times New Roman" panose="02020603050405020304" pitchFamily="18" charset="0"/>
+              <a:cs typeface="Times New Roman" panose="02020603050405020304" pitchFamily="18" charset="0"/>
+            </a:endParaRPr>
+          </a:p>
+          <a:p>
+            <a:r>
+              <a:rPr lang="ru-RU" sz="2000" dirty="0">
                 <a:latin typeface="Times New Roman" panose="02020603050405020304" pitchFamily="18" charset="0"/>
                 <a:cs typeface="Times New Roman" panose="02020603050405020304" pitchFamily="18" charset="0"/>
               </a:rPr>
-              <a:t>, а также алгоритмы цифровой подписи.</a:t>
-            </a:r>
-          </a:p>
-        </p:txBody>
-      </p:sp>
-      <p:sp>
-        <p:nvSpPr>
-          <p:cNvPr id="5" name="Заголовок 1">
-            <a:extLst>
-              <a:ext uri="{FF2B5EF4-FFF2-40B4-BE49-F238E27FC236}">
-                <a16:creationId xmlns:a16="http://schemas.microsoft.com/office/drawing/2014/main" id="{05A34E27-4480-4472-A95E-BF92CD751BD1}"/>
-              </a:ext>
-            </a:extLst>
-          </p:cNvPr>
-          <p:cNvSpPr txBox="1">
-            <a:spLocks/>
-          </p:cNvSpPr>
-          <p:nvPr/>
-        </p:nvSpPr>
-        <p:spPr>
-          <a:xfrm>
-            <a:off x="716908" y="3106849"/>
-            <a:ext cx="10515600" cy="644301"/>
-          </a:xfrm>
-          <a:prstGeom prst="rect">
-            <a:avLst/>
-          </a:prstGeom>
-        </p:spPr>
-        <p:txBody>
-          <a:bodyPr vert="horz" lIns="91440" tIns="45720" rIns="91440" bIns="45720" rtlCol="0" anchor="ctr">
-            <a:normAutofit/>
-          </a:bodyPr>
-          <a:lstStyle>
-            <a:lvl1pPr algn="l" defTabSz="914400" rtl="0" eaLnBrk="1" latinLnBrk="0" hangingPunct="1">
-              <a:lnSpc>
-                <a:spcPct val="90000"/>
-              </a:lnSpc>
-              <a:spcBef>
-                <a:spcPct val="0"/>
-              </a:spcBef>
-              <a:buNone/>
-              <a:defRPr sz="4400" kern="1200">
-                <a:solidFill>
-                  <a:schemeClr val="tx1"/>
-                </a:solidFill>
-                <a:latin typeface="+mj-lt"/>
-                <a:ea typeface="+mj-ea"/>
-                <a:cs typeface="+mj-cs"/>
-              </a:defRPr>
-            </a:lvl1pPr>
-          </a:lstStyle>
-          <a:p>
-            <a:r>
-              <a:rPr lang="ru-RU" sz="2800" dirty="0">
+              <a:t>Пояснить улучшение и слайды </a:t>
+            </a:r>
+            <a:r>
+              <a:rPr lang="ru-RU" sz="2000" dirty="0" err="1">
                 <a:latin typeface="Times New Roman" panose="02020603050405020304" pitchFamily="18" charset="0"/>
                 <a:cs typeface="Times New Roman" panose="02020603050405020304" pitchFamily="18" charset="0"/>
               </a:rPr>
-              <a:t>Цель работы</a:t>
-            </a:r>
-          </a:p>
-        </p:txBody>
-      </p:sp>
-      <p:sp>
-        <p:nvSpPr>
-          <p:cNvPr id="8" name="Заголовок 1">
-            <a:extLst>
-              <a:ext uri="{FF2B5EF4-FFF2-40B4-BE49-F238E27FC236}">
-                <a16:creationId xmlns:a16="http://schemas.microsoft.com/office/drawing/2014/main" id="{DDA9921E-D2C7-4647-A605-10AE62658273}"/>
-              </a:ext>
-            </a:extLst>
-          </p:cNvPr>
-          <p:cNvSpPr txBox="1">
-            <a:spLocks/>
-          </p:cNvSpPr>
-          <p:nvPr/>
-        </p:nvSpPr>
-        <p:spPr>
-          <a:xfrm>
-            <a:off x="716908" y="3751150"/>
-            <a:ext cx="10515600" cy="1172465"/>
-          </a:xfrm>
-          <a:prstGeom prst="rect">
-            <a:avLst/>
-          </a:prstGeom>
-        </p:spPr>
-        <p:txBody>
-          <a:bodyPr vert="horz" lIns="91440" tIns="45720" rIns="91440" bIns="45720" rtlCol="0" anchor="ctr">
-            <a:normAutofit/>
-          </a:bodyPr>
-          <a:lstStyle>
-            <a:lvl1pPr algn="l" defTabSz="914400" rtl="0" eaLnBrk="1" latinLnBrk="0" hangingPunct="1">
-              <a:lnSpc>
-                <a:spcPct val="90000"/>
-              </a:lnSpc>
-              <a:spcBef>
-                <a:spcPct val="0"/>
-              </a:spcBef>
-              <a:buNone/>
-              <a:defRPr sz="4400" kern="1200">
-                <a:solidFill>
-                  <a:schemeClr val="tx1"/>
-                </a:solidFill>
-                <a:latin typeface="+mj-lt"/>
-                <a:ea typeface="+mj-ea"/>
-                <a:cs typeface="+mj-cs"/>
-              </a:defRPr>
-            </a:lvl1pPr>
-          </a:lstStyle>
-          <a:p>
-            <a:r>
-              <a:rPr lang="ru-RU" sz="2400" dirty="0">
+              <a:t>доабвить</a:t>
+            </a:r>
+            <a:r>
+              <a:rPr lang="ru-RU" sz="2000" dirty="0">
                 <a:latin typeface="Times New Roman" panose="02020603050405020304" pitchFamily="18" charset="0"/>
                 <a:cs typeface="Times New Roman" panose="02020603050405020304" pitchFamily="18" charset="0"/>
               </a:rPr>
-              <a:t>реализация и сравнение метода квадратичного решета с более простыми алгоритмами, а так же модификация кода, в надежде ускорить работу алгоритма.</a:t>
-            </a:r>
-          </a:p>
-        </p:txBody>
-      </p:sp>
-      <p:sp>
-        <p:nvSpPr>
-          <p:cNvPr id="3" name="TextBox 2">
-            <a:extLst>
-              <a:ext uri="{FF2B5EF4-FFF2-40B4-BE49-F238E27FC236}">
-                <a16:creationId xmlns:a16="http://schemas.microsoft.com/office/drawing/2014/main" id="{C461769F-797C-2E45-889A-C7BDF6427B87}"/>
-              </a:ext>
-            </a:extLst>
-          </p:cNvPr>
-          <p:cNvSpPr txBox="1"/>
-          <p:nvPr/>
-        </p:nvSpPr>
-        <p:spPr>
-          <a:xfrm>
-            <a:off x="1021278" y="2446317"/>
-            <a:ext cx="9439122" cy="369332"/>
-          </a:xfrm>
-          <a:prstGeom prst="rect">
-            <a:avLst/>
-          </a:prstGeom>
-          <a:noFill/>
-        </p:spPr>
-        <p:txBody>
-          <a:bodyPr wrap="none" rtlCol="0">
-            <a:spAutoFit/>
-          </a:bodyPr>
-          <a:lstStyle/>
-          <a:p>
-            <a:r>
-              <a:rPr lang="ru-RU" dirty="0"/>
-              <a:t>Сделать более надежными системы шифрования и разработка/ </a:t>
-            </a:r>
-            <a:r>
-              <a:rPr lang="ru-RU" dirty="0" err="1"/>
-              <a:t>позв-ть</a:t>
-            </a:r>
-            <a:r>
-              <a:rPr lang="ru-RU" dirty="0"/>
-              <a:t> повысить надеж-</a:t>
-            </a:r>
-            <a:r>
-              <a:rPr lang="ru-RU" dirty="0" err="1"/>
-              <a:t>ность</a:t>
-            </a:r>
-            <a:endParaRPr lang="ru-RU" dirty="0"/>
-          </a:p>
-        </p:txBody>
-      </p:sp>
-      <p:sp>
-        <p:nvSpPr>
-          <p:cNvPr id="4" name="TextBox 3">
-            <a:extLst>
-              <a:ext uri="{FF2B5EF4-FFF2-40B4-BE49-F238E27FC236}">
-                <a16:creationId xmlns:a16="http://schemas.microsoft.com/office/drawing/2014/main" id="{0F1C15D6-2522-5A43-A382-6E000FA24D15}"/>
-              </a:ext>
-            </a:extLst>
-          </p:cNvPr>
-          <p:cNvSpPr txBox="1"/>
-          <p:nvPr/>
-        </p:nvSpPr>
-        <p:spPr>
-          <a:xfrm>
-            <a:off x="1187532" y="5355771"/>
-            <a:ext cx="5808898" cy="369332"/>
-          </a:xfrm>
-          <a:prstGeom prst="rect">
-            <a:avLst/>
-          </a:prstGeom>
-          <a:noFill/>
-        </p:spPr>
-        <p:txBody>
-          <a:bodyPr wrap="none" rtlCol="0">
-            <a:spAutoFit/>
-          </a:bodyPr>
-          <a:lstStyle/>
-          <a:p>
-            <a:r>
-              <a:rPr lang="ru-RU" dirty="0" err="1"/>
-              <a:t>Уск-ие</a:t>
-            </a:r>
-            <a:r>
-              <a:rPr lang="ru-RU" dirty="0"/>
-              <a:t> работы алгоритмов факт-</a:t>
-            </a:r>
-            <a:r>
-              <a:rPr lang="ru-RU" dirty="0" err="1"/>
-              <a:t>ции</a:t>
-            </a:r>
-            <a:r>
-              <a:rPr lang="ru-RU" dirty="0"/>
-              <a:t> чисел за счет чего то</a:t>
-            </a:r>
-          </a:p>
-        </p:txBody>
-      </p:sp>
-      <p:sp>
-        <p:nvSpPr>
-          <p:cNvPr id="7" name="TextBox 6">
-            <a:extLst>
-              <a:ext uri="{FF2B5EF4-FFF2-40B4-BE49-F238E27FC236}">
-                <a16:creationId xmlns:a16="http://schemas.microsoft.com/office/drawing/2014/main" id="{73DA8F0C-819B-F144-8F4D-71164EB86907}"/>
-              </a:ext>
-            </a:extLst>
-          </p:cNvPr>
-          <p:cNvSpPr txBox="1"/>
-          <p:nvPr/>
-        </p:nvSpPr>
-        <p:spPr>
-          <a:xfrm>
-            <a:off x="2315688" y="6127668"/>
-            <a:ext cx="3782446" cy="369332"/>
-          </a:xfrm>
-          <a:prstGeom prst="rect">
-            <a:avLst/>
-          </a:prstGeom>
-          <a:noFill/>
-        </p:spPr>
-        <p:txBody>
-          <a:bodyPr wrap="none" rtlCol="0">
-            <a:spAutoFit/>
-          </a:bodyPr>
-          <a:lstStyle/>
-          <a:p>
-            <a:r>
-              <a:rPr lang="ru-RU" dirty="0"/>
-              <a:t>Задачи вынести на отдельный слайд</a:t>
-            </a:r>
-          </a:p>
-        </p:txBody>
-      </p:sp>
-      <p:sp>
-        <p:nvSpPr>
-          <p:cNvPr id="9" name="TextBox 8">
-            <a:extLst>
-              <a:ext uri="{FF2B5EF4-FFF2-40B4-BE49-F238E27FC236}">
-                <a16:creationId xmlns:a16="http://schemas.microsoft.com/office/drawing/2014/main" id="{081988C2-E38A-9048-B50E-AB52AFBBF1FE}"/>
-              </a:ext>
-            </a:extLst>
-          </p:cNvPr>
-          <p:cNvSpPr txBox="1"/>
-          <p:nvPr/>
-        </p:nvSpPr>
-        <p:spPr>
-          <a:xfrm>
-            <a:off x="3503221" y="3526971"/>
-            <a:ext cx="5393912" cy="369332"/>
-          </a:xfrm>
-          <a:prstGeom prst="rect">
-            <a:avLst/>
-          </a:prstGeom>
-          <a:noFill/>
-        </p:spPr>
-        <p:txBody>
-          <a:bodyPr wrap="none" rtlCol="0">
-            <a:spAutoFit/>
-          </a:bodyPr>
-          <a:lstStyle/>
-          <a:p>
-            <a:r>
-              <a:rPr lang="ru-RU" dirty="0"/>
-              <a:t>Внизу задачи. И их вынести (ускорение и сравнение)</a:t>
-            </a:r>
-          </a:p>
-        </p:txBody>
-      </p:sp>
-      <p:sp>
-        <p:nvSpPr>
-          <p:cNvPr id="10" name="TextBox 9">
-            <a:extLst>
-              <a:ext uri="{FF2B5EF4-FFF2-40B4-BE49-F238E27FC236}">
-                <a16:creationId xmlns:a16="http://schemas.microsoft.com/office/drawing/2014/main" id="{27229FE6-39DD-2040-88B8-36B2659F5F37}"/>
-              </a:ext>
-            </a:extLst>
-          </p:cNvPr>
-          <p:cNvSpPr txBox="1"/>
-          <p:nvPr/>
-        </p:nvSpPr>
-        <p:spPr>
-          <a:xfrm>
-            <a:off x="7362701" y="568926"/>
-            <a:ext cx="4304768" cy="646331"/>
-          </a:xfrm>
-          <a:prstGeom prst="rect">
-            <a:avLst/>
-          </a:prstGeom>
-          <a:noFill/>
-        </p:spPr>
-        <p:txBody>
-          <a:bodyPr wrap="none" rtlCol="0">
-            <a:spAutoFit/>
-          </a:bodyPr>
-          <a:lstStyle/>
-          <a:p>
-            <a:r>
-              <a:rPr lang="ru-RU" dirty="0"/>
-              <a:t>Вставить какую нить картинку например </a:t>
-            </a:r>
-          </a:p>
-          <a:p>
-            <a:r>
-              <a:rPr lang="ru-RU" dirty="0"/>
-              <a:t>Мд5 шифрование и какие то другие вещи</a:t>
-            </a:r>
+              <a:t> математику </a:t>
+            </a:r>
+            <a:r>
+              <a:rPr lang="ru-RU" sz="2000" dirty="0" err="1">
+                <a:latin typeface="Times New Roman" panose="02020603050405020304" pitchFamily="18" charset="0"/>
+                <a:cs typeface="Times New Roman" panose="02020603050405020304" pitchFamily="18" charset="0"/>
+              </a:rPr>
+              <a:t>обьяснением</a:t>
+            </a:r>
+            <a:r>
+              <a:rPr lang="ru-RU" sz="2000" dirty="0">
+                <a:latin typeface="Times New Roman" panose="02020603050405020304" pitchFamily="18" charset="0"/>
+                <a:cs typeface="Times New Roman" panose="02020603050405020304" pitchFamily="18" charset="0"/>
+              </a:rPr>
+              <a:t> и потом метрики</a:t>
+            </a:r>
+          </a:p>
+          <a:p>
+            <a:endParaRPr lang="ru-RU" sz="2000" dirty="0">
+              <a:latin typeface="Times New Roman" panose="02020603050405020304" pitchFamily="18" charset="0"/>
+              <a:cs typeface="Times New Roman" panose="02020603050405020304" pitchFamily="18" charset="0"/>
+            </a:endParaRPr>
           </a:p>
         </p:txBody>
       </p:sp>
     </p:spTree>
     <p:extLst>
       <p:ext uri="{BB962C8B-B14F-4D97-AF65-F5344CB8AC3E}">
-        <p14:creationId xmlns:p14="http://schemas.microsoft.com/office/powerpoint/2010/main" val="3468211991"/>
+        <p14:creationId xmlns:p14="http://schemas.microsoft.com/office/powerpoint/2010/main" val="637208910"/>
       </p:ext>
     </p:extLst>
   </p:cSld>
@@ -8706,280 +8411,7 @@
 </p:sld>
 </file>
 
-<file path=ppt/slides/slide3.xml><?xml version="1.0" encoding="utf-8"?>
-<p:sld xmlns:a="http://schemas.openxmlformats.org/drawingml/2006/main" xmlns:r="http://schemas.openxmlformats.org/officeDocument/2006/relationships" xmlns:p="http://schemas.openxmlformats.org/presentationml/2006/main">
-  <p:cSld>
-    <p:spTree>
-      <p:nvGrpSpPr>
-        <p:cNvPr id="1" name=""/>
-        <p:cNvGrpSpPr/>
-        <p:nvPr/>
-      </p:nvGrpSpPr>
-      <p:grpSpPr>
-        <a:xfrm>
-          <a:off x="0" y="0"/>
-          <a:ext cx="0" cy="0"/>
-          <a:chOff x="0" y="0"/>
-          <a:chExt cx="0" cy="0"/>
-        </a:xfrm>
-      </p:grpSpPr>
-      <p:sp>
-        <p:nvSpPr>
-          <p:cNvPr id="2" name="Заголовок 1">
-            <a:extLst>
-              <a:ext uri="{FF2B5EF4-FFF2-40B4-BE49-F238E27FC236}">
-                <a16:creationId xmlns:a16="http://schemas.microsoft.com/office/drawing/2014/main" id="{1234E301-6713-4DD5-927D-DADD2B424306}"/>
-              </a:ext>
-            </a:extLst>
-          </p:cNvPr>
-          <p:cNvSpPr>
-            <a:spLocks noGrp="1"/>
-          </p:cNvSpPr>
-          <p:nvPr>
-            <p:ph type="title"/>
-          </p:nvPr>
-        </p:nvSpPr>
-        <p:spPr>
-          <a:xfrm>
-            <a:off x="838200" y="365126"/>
-            <a:ext cx="10515600" cy="888580"/>
-          </a:xfrm>
-        </p:spPr>
-        <p:txBody>
-          <a:bodyPr>
-            <a:normAutofit/>
-          </a:bodyPr>
-          <a:lstStyle/>
-          <a:p>
-            <a:r>
-              <a:rPr lang="ru-RU" sz="2800" dirty="0">
-                <a:latin typeface="Times New Roman" panose="02020603050405020304" pitchFamily="18" charset="0"/>
-                <a:cs typeface="Times New Roman" panose="02020603050405020304" pitchFamily="18" charset="0"/>
-              </a:rPr>
-              <a:t>Реализация алгоритма </a:t>
-            </a:r>
-            <a:r>
-              <a:rPr lang="en-US" sz="2800" dirty="0">
-                <a:latin typeface="Times New Roman" panose="02020603050405020304" pitchFamily="18" charset="0"/>
-                <a:cs typeface="Times New Roman" panose="02020603050405020304" pitchFamily="18" charset="0"/>
-              </a:rPr>
-              <a:t>p </a:t>
-            </a:r>
-            <a:r>
-              <a:rPr lang="ru-RU" sz="2800" dirty="0" err="1">
-                <a:latin typeface="Times New Roman" panose="02020603050405020304" pitchFamily="18" charset="0"/>
-                <a:cs typeface="Times New Roman" panose="02020603050405020304" pitchFamily="18" charset="0"/>
-              </a:rPr>
-              <a:t>Полларда</a:t>
-            </a:r>
-            <a:endParaRPr lang="ru-RU" sz="2800" dirty="0">
-              <a:latin typeface="Times New Roman" panose="02020603050405020304" pitchFamily="18" charset="0"/>
-              <a:cs typeface="Times New Roman" panose="02020603050405020304" pitchFamily="18" charset="0"/>
-            </a:endParaRPr>
-          </a:p>
-        </p:txBody>
-      </p:sp>
-      <p:sp>
-        <p:nvSpPr>
-          <p:cNvPr id="4" name="Заголовок 1">
-            <a:extLst>
-              <a:ext uri="{FF2B5EF4-FFF2-40B4-BE49-F238E27FC236}">
-                <a16:creationId xmlns:a16="http://schemas.microsoft.com/office/drawing/2014/main" id="{40F50FF9-4F17-4D82-A5E2-4D7770E7BCFF}"/>
-              </a:ext>
-            </a:extLst>
-          </p:cNvPr>
-          <p:cNvSpPr txBox="1">
-            <a:spLocks/>
-          </p:cNvSpPr>
-          <p:nvPr/>
-        </p:nvSpPr>
-        <p:spPr>
-          <a:xfrm>
-            <a:off x="838200" y="1610830"/>
-            <a:ext cx="10515600" cy="888580"/>
-          </a:xfrm>
-          <a:prstGeom prst="rect">
-            <a:avLst/>
-          </a:prstGeom>
-        </p:spPr>
-        <p:txBody>
-          <a:bodyPr vert="horz" lIns="91440" tIns="45720" rIns="91440" bIns="45720" rtlCol="0" anchor="ctr">
-            <a:normAutofit fontScale="92500"/>
-          </a:bodyPr>
-          <a:lstStyle>
-            <a:lvl1pPr algn="l" defTabSz="914400" rtl="0" eaLnBrk="1" latinLnBrk="0" hangingPunct="1">
-              <a:lnSpc>
-                <a:spcPct val="90000"/>
-              </a:lnSpc>
-              <a:spcBef>
-                <a:spcPct val="0"/>
-              </a:spcBef>
-              <a:buNone/>
-              <a:defRPr sz="4400" kern="1200">
-                <a:solidFill>
-                  <a:schemeClr val="tx1"/>
-                </a:solidFill>
-                <a:latin typeface="+mj-lt"/>
-                <a:ea typeface="+mj-ea"/>
-                <a:cs typeface="+mj-cs"/>
-              </a:defRPr>
-            </a:lvl1pPr>
-          </a:lstStyle>
-          <a:p>
-            <a:r>
-              <a:rPr lang="en-US" sz="2400" dirty="0">
-                <a:latin typeface="Times New Roman" panose="02020603050405020304" pitchFamily="18" charset="0"/>
-                <a:cs typeface="Times New Roman" panose="02020603050405020304" pitchFamily="18" charset="0"/>
-              </a:rPr>
-              <a:t>P </a:t>
-            </a:r>
-            <a:r>
-              <a:rPr lang="ru-RU" sz="2400" dirty="0">
-                <a:latin typeface="Times New Roman" panose="02020603050405020304" pitchFamily="18" charset="0"/>
-                <a:cs typeface="Times New Roman" panose="02020603050405020304" pitchFamily="18" charset="0"/>
-              </a:rPr>
-              <a:t>метод </a:t>
-            </a:r>
-            <a:r>
-              <a:rPr lang="ru-RU" sz="2400" dirty="0" err="1">
-                <a:latin typeface="Times New Roman" panose="02020603050405020304" pitchFamily="18" charset="0"/>
-                <a:cs typeface="Times New Roman" panose="02020603050405020304" pitchFamily="18" charset="0"/>
-              </a:rPr>
-              <a:t>Полларда</a:t>
-            </a:r>
-            <a:r>
-              <a:rPr lang="ru-RU" sz="2400" dirty="0">
-                <a:latin typeface="Times New Roman" panose="02020603050405020304" pitchFamily="18" charset="0"/>
-                <a:cs typeface="Times New Roman" panose="02020603050405020304" pitchFamily="18" charset="0"/>
-              </a:rPr>
-              <a:t> – основанный на парадоксе дня рождений. Является основным экспоненциальным алгоритмом факторизации. Имеет сложность О(</a:t>
-            </a:r>
-            <a:r>
-              <a:rPr lang="en-US" sz="2400" dirty="0">
-                <a:latin typeface="Times New Roman" panose="02020603050405020304" pitchFamily="18" charset="0"/>
-                <a:cs typeface="Times New Roman" panose="02020603050405020304" pitchFamily="18" charset="0"/>
-              </a:rPr>
-              <a:t>n^1/4</a:t>
-            </a:r>
-            <a:r>
-              <a:rPr lang="ru-RU" sz="2400" dirty="0">
-                <a:latin typeface="Times New Roman" panose="02020603050405020304" pitchFamily="18" charset="0"/>
-                <a:cs typeface="Times New Roman" panose="02020603050405020304" pitchFamily="18" charset="0"/>
-              </a:rPr>
-              <a:t>).</a:t>
-            </a:r>
-          </a:p>
-        </p:txBody>
-      </p:sp>
-      <p:pic>
-        <p:nvPicPr>
-          <p:cNvPr id="3" name="Рисунок 2">
-            <a:extLst>
-              <a:ext uri="{FF2B5EF4-FFF2-40B4-BE49-F238E27FC236}">
-                <a16:creationId xmlns:a16="http://schemas.microsoft.com/office/drawing/2014/main" id="{CE2073E9-0FA5-4042-BAA0-CB226A128EDA}"/>
-              </a:ext>
-            </a:extLst>
-          </p:cNvPr>
-          <p:cNvPicPr>
-            <a:picLocks noChangeAspect="1"/>
-          </p:cNvPicPr>
-          <p:nvPr/>
-        </p:nvPicPr>
-        <p:blipFill>
-          <a:blip r:embed="rId2"/>
-          <a:stretch>
-            <a:fillRect/>
-          </a:stretch>
-        </p:blipFill>
-        <p:spPr>
-          <a:xfrm>
-            <a:off x="8020643" y="2609745"/>
-            <a:ext cx="3616660" cy="3339383"/>
-          </a:xfrm>
-          <a:prstGeom prst="rect">
-            <a:avLst/>
-          </a:prstGeom>
-        </p:spPr>
-      </p:pic>
-      <p:pic>
-        <p:nvPicPr>
-          <p:cNvPr id="6" name="Рисунок 5">
-            <a:extLst>
-              <a:ext uri="{FF2B5EF4-FFF2-40B4-BE49-F238E27FC236}">
-                <a16:creationId xmlns:a16="http://schemas.microsoft.com/office/drawing/2014/main" id="{CCD79256-41B2-449B-AE41-B4CA794568C8}"/>
-              </a:ext>
-            </a:extLst>
-          </p:cNvPr>
-          <p:cNvPicPr>
-            <a:picLocks noChangeAspect="1"/>
-          </p:cNvPicPr>
-          <p:nvPr/>
-        </p:nvPicPr>
-        <p:blipFill>
-          <a:blip r:embed="rId3"/>
-          <a:stretch>
-            <a:fillRect/>
-          </a:stretch>
-        </p:blipFill>
-        <p:spPr>
-          <a:xfrm>
-            <a:off x="838200" y="2499410"/>
-            <a:ext cx="7003533" cy="3560055"/>
-          </a:xfrm>
-          <a:prstGeom prst="rect">
-            <a:avLst/>
-          </a:prstGeom>
-        </p:spPr>
-      </p:pic>
-      <p:sp>
-        <p:nvSpPr>
-          <p:cNvPr id="5" name="TextBox 4">
-            <a:extLst>
-              <a:ext uri="{FF2B5EF4-FFF2-40B4-BE49-F238E27FC236}">
-                <a16:creationId xmlns:a16="http://schemas.microsoft.com/office/drawing/2014/main" id="{E9D98DF5-A0AF-9941-9522-CFCBE907EC73}"/>
-              </a:ext>
-            </a:extLst>
-          </p:cNvPr>
-          <p:cNvSpPr txBox="1"/>
-          <p:nvPr/>
-        </p:nvSpPr>
-        <p:spPr>
-          <a:xfrm>
-            <a:off x="2185060" y="6341423"/>
-            <a:ext cx="2209707" cy="369332"/>
-          </a:xfrm>
-          <a:prstGeom prst="rect">
-            <a:avLst/>
-          </a:prstGeom>
-          <a:noFill/>
-        </p:spPr>
-        <p:txBody>
-          <a:bodyPr wrap="none" rtlCol="0">
-            <a:spAutoFit/>
-          </a:bodyPr>
-          <a:lstStyle/>
-          <a:p>
-            <a:r>
-              <a:rPr lang="ru-RU" dirty="0"/>
-              <a:t>Граф шире и больше</a:t>
-            </a:r>
-          </a:p>
-        </p:txBody>
-      </p:sp>
-    </p:spTree>
-    <p:extLst>
-      <p:ext uri="{BB962C8B-B14F-4D97-AF65-F5344CB8AC3E}">
-        <p14:creationId xmlns:p14="http://schemas.microsoft.com/office/powerpoint/2010/main" val="3484133014"/>
-      </p:ext>
-    </p:extLst>
-  </p:cSld>
-  <p:clrMapOvr>
-    <a:masterClrMapping/>
-  </p:clrMapOvr>
-</p:sld>
-</file>
-
-<file path=ppt/slides/slide4.xml><?xml version="1.0" encoding="utf-8"?>
+<file path=ppt/slides/slide11.xml><?xml version="1.0" encoding="utf-8"?>
 <p:sld xmlns:a="http://schemas.openxmlformats.org/drawingml/2006/main" xmlns:r="http://schemas.openxmlformats.org/officeDocument/2006/relationships" xmlns:p="http://schemas.openxmlformats.org/presentationml/2006/main">
   <p:cSld>
     <p:spTree>
@@ -9042,7 +8474,7 @@
                 <a:latin typeface="Times New Roman" panose="02020603050405020304" pitchFamily="18" charset="0"/>
                 <a:cs typeface="Times New Roman" panose="02020603050405020304" pitchFamily="18" charset="0"/>
               </a:rPr>
-              <a:t>Этап формирование факторной базы</a:t>
+              <a:t>Этап решения матрицы</a:t>
             </a:r>
           </a:p>
         </p:txBody>
@@ -9118,14 +8550,14 @@
           <p:nvPr>
             <p:extLst>
               <p:ext uri="{D42A27DB-BD31-4B8C-83A1-F6EECF244321}">
-                <p14:modId xmlns:p14="http://schemas.microsoft.com/office/powerpoint/2010/main" val="734353221"/>
+                <p14:modId xmlns:p14="http://schemas.microsoft.com/office/powerpoint/2010/main" val="911029283"/>
               </p:ext>
             </p:extLst>
           </p:nvPr>
         </p:nvGraphicFramePr>
         <p:xfrm>
-          <a:off x="838200" y="2050230"/>
-          <a:ext cx="5175624" cy="4025922"/>
+          <a:off x="838200" y="1610830"/>
+          <a:ext cx="9972304" cy="4465322"/>
         </p:xfrm>
         <a:graphic>
           <a:graphicData uri="http://schemas.openxmlformats.org/drawingml/2006/chart">
@@ -9133,131 +8565,10 @@
           </a:graphicData>
         </a:graphic>
       </p:graphicFrame>
-      <p:sp>
-        <p:nvSpPr>
-          <p:cNvPr id="10" name="TextBox 9">
-            <a:extLst>
-              <a:ext uri="{FF2B5EF4-FFF2-40B4-BE49-F238E27FC236}">
-                <a16:creationId xmlns:a16="http://schemas.microsoft.com/office/drawing/2014/main" id="{8867B8BC-4DD7-4681-AA16-3DC4C688613B}"/>
-              </a:ext>
-            </a:extLst>
-          </p:cNvPr>
-          <p:cNvSpPr txBox="1"/>
-          <p:nvPr/>
-        </p:nvSpPr>
-        <p:spPr>
-          <a:xfrm>
-            <a:off x="6503080" y="2278087"/>
-            <a:ext cx="4850720" cy="2123658"/>
-          </a:xfrm>
-          <a:prstGeom prst="rect">
-            <a:avLst/>
-          </a:prstGeom>
-          <a:noFill/>
-        </p:spPr>
-        <p:txBody>
-          <a:bodyPr wrap="square" rtlCol="0">
-            <a:spAutoFit/>
-          </a:bodyPr>
-          <a:lstStyle/>
-          <a:p>
-            <a:r>
-              <a:rPr lang="ru-RU" sz="2200" dirty="0">
-                <a:latin typeface="Times New Roman" panose="02020603050405020304" pitchFamily="18" charset="0"/>
-                <a:cs typeface="Times New Roman" panose="02020603050405020304" pitchFamily="18" charset="0"/>
-              </a:rPr>
-              <a:t>Реализация решета </a:t>
-            </a:r>
-            <a:r>
-              <a:rPr lang="ru-RU" sz="2200" dirty="0" err="1">
-                <a:latin typeface="Times New Roman" panose="02020603050405020304" pitchFamily="18" charset="0"/>
-                <a:cs typeface="Times New Roman" panose="02020603050405020304" pitchFamily="18" charset="0"/>
-              </a:rPr>
-              <a:t>Аткина</a:t>
-            </a:r>
-            <a:r>
-              <a:rPr lang="ru-RU" sz="2200" dirty="0">
-                <a:latin typeface="Times New Roman" panose="02020603050405020304" pitchFamily="18" charset="0"/>
-                <a:cs typeface="Times New Roman" panose="02020603050405020304" pitchFamily="18" charset="0"/>
-              </a:rPr>
-              <a:t> дает несущественный прирост скорости. </a:t>
-            </a:r>
-          </a:p>
-          <a:p>
-            <a:endParaRPr lang="ru-RU" sz="2200" dirty="0">
-              <a:latin typeface="Times New Roman" panose="02020603050405020304" pitchFamily="18" charset="0"/>
-              <a:cs typeface="Times New Roman" panose="02020603050405020304" pitchFamily="18" charset="0"/>
-            </a:endParaRPr>
-          </a:p>
-          <a:p>
-            <a:r>
-              <a:rPr lang="ru-RU" sz="2200" dirty="0">
-                <a:latin typeface="Times New Roman" panose="02020603050405020304" pitchFamily="18" charset="0"/>
-                <a:cs typeface="Times New Roman" panose="02020603050405020304" pitchFamily="18" charset="0"/>
-              </a:rPr>
-              <a:t>Это даст возможность найти оптимальные начальные условия немного быстрее.</a:t>
-            </a:r>
-          </a:p>
-        </p:txBody>
-      </p:sp>
-      <p:sp>
-        <p:nvSpPr>
-          <p:cNvPr id="3" name="TextBox 2">
-            <a:extLst>
-              <a:ext uri="{FF2B5EF4-FFF2-40B4-BE49-F238E27FC236}">
-                <a16:creationId xmlns:a16="http://schemas.microsoft.com/office/drawing/2014/main" id="{2B5E2C45-113B-4842-988E-2449D45CE761}"/>
-              </a:ext>
-            </a:extLst>
-          </p:cNvPr>
-          <p:cNvSpPr txBox="1"/>
-          <p:nvPr/>
-        </p:nvSpPr>
-        <p:spPr>
-          <a:xfrm>
-            <a:off x="7113319" y="4821382"/>
-            <a:ext cx="3440878" cy="646331"/>
-          </a:xfrm>
-          <a:prstGeom prst="rect">
-            <a:avLst/>
-          </a:prstGeom>
-          <a:noFill/>
-        </p:spPr>
-        <p:txBody>
-          <a:bodyPr wrap="none" rtlCol="0">
-            <a:spAutoFit/>
-          </a:bodyPr>
-          <a:lstStyle/>
-          <a:p>
-            <a:r>
-              <a:rPr lang="ru-RU" dirty="0"/>
-              <a:t>Указать </a:t>
-            </a:r>
-            <a:r>
-              <a:rPr lang="ru-RU" dirty="0" err="1"/>
-              <a:t>хар-ки</a:t>
-            </a:r>
-            <a:r>
-              <a:rPr lang="ru-RU" dirty="0"/>
-              <a:t> машины и пар-</a:t>
-            </a:r>
-            <a:r>
-              <a:rPr lang="ru-RU" dirty="0" err="1"/>
-              <a:t>тся</a:t>
-            </a:r>
-            <a:endParaRPr lang="ru-RU" dirty="0"/>
-          </a:p>
-          <a:p>
-            <a:r>
-              <a:rPr lang="ru-RU" dirty="0"/>
-              <a:t>Больше графиков и </a:t>
-            </a:r>
-          </a:p>
-        </p:txBody>
-      </p:sp>
     </p:spTree>
     <p:extLst>
       <p:ext uri="{BB962C8B-B14F-4D97-AF65-F5344CB8AC3E}">
-        <p14:creationId xmlns:p14="http://schemas.microsoft.com/office/powerpoint/2010/main" val="3917194807"/>
+        <p14:creationId xmlns:p14="http://schemas.microsoft.com/office/powerpoint/2010/main" val="3603928362"/>
       </p:ext>
     </p:extLst>
   </p:cSld>
@@ -9267,7 +8578,286 @@
 </p:sld>
 </file>
 
-<file path=ppt/slides/slide5.xml><?xml version="1.0" encoding="utf-8"?>
+<file path=ppt/slides/slide12.xml><?xml version="1.0" encoding="utf-8"?>
+<p:sld xmlns:a="http://schemas.openxmlformats.org/drawingml/2006/main" xmlns:r="http://schemas.openxmlformats.org/officeDocument/2006/relationships" xmlns:p="http://schemas.openxmlformats.org/presentationml/2006/main">
+  <p:cSld>
+    <p:spTree>
+      <p:nvGrpSpPr>
+        <p:cNvPr id="1" name=""/>
+        <p:cNvGrpSpPr/>
+        <p:nvPr/>
+      </p:nvGrpSpPr>
+      <p:grpSpPr>
+        <a:xfrm>
+          <a:off x="0" y="0"/>
+          <a:ext cx="0" cy="0"/>
+          <a:chOff x="0" y="0"/>
+          <a:chExt cx="0" cy="0"/>
+        </a:xfrm>
+      </p:grpSpPr>
+      <p:sp>
+        <p:nvSpPr>
+          <p:cNvPr id="3" name="Заголовок 2">
+            <a:extLst>
+              <a:ext uri="{FF2B5EF4-FFF2-40B4-BE49-F238E27FC236}">
+                <a16:creationId xmlns:a16="http://schemas.microsoft.com/office/drawing/2014/main" id="{0C2ECB21-A26C-FA84-FE18-946F5515F38F}"/>
+              </a:ext>
+            </a:extLst>
+          </p:cNvPr>
+          <p:cNvSpPr>
+            <a:spLocks noGrp="1"/>
+          </p:cNvSpPr>
+          <p:nvPr>
+            <p:ph type="title"/>
+          </p:nvPr>
+        </p:nvSpPr>
+        <p:spPr>
+          <a:xfrm>
+            <a:off x="839788" y="457200"/>
+            <a:ext cx="10833656" cy="920338"/>
+          </a:xfrm>
+        </p:spPr>
+        <p:txBody>
+          <a:bodyPr>
+            <a:normAutofit/>
+          </a:bodyPr>
+          <a:lstStyle/>
+          <a:p>
+            <a:r>
+              <a:rPr lang="ru-RU" sz="2800" dirty="0">
+                <a:latin typeface="Times New Roman" panose="02020603050405020304" pitchFamily="18" charset="0"/>
+                <a:cs typeface="Times New Roman" panose="02020603050405020304" pitchFamily="18" charset="0"/>
+              </a:rPr>
+              <a:t>Реализация метода квадратичного решета</a:t>
+            </a:r>
+            <a:br>
+              <a:rPr lang="ru-RU" sz="2800" dirty="0">
+                <a:latin typeface="Times New Roman" panose="02020603050405020304" pitchFamily="18" charset="0"/>
+                <a:cs typeface="Times New Roman" panose="02020603050405020304" pitchFamily="18" charset="0"/>
+              </a:rPr>
+            </a:br>
+            <a:r>
+              <a:rPr lang="ru-RU" sz="2800" dirty="0">
+                <a:latin typeface="Times New Roman" panose="02020603050405020304" pitchFamily="18" charset="0"/>
+                <a:cs typeface="Times New Roman" panose="02020603050405020304" pitchFamily="18" charset="0"/>
+              </a:rPr>
+              <a:t>Основные плюсы дальнейшего усовершенствования</a:t>
+            </a:r>
+          </a:p>
+        </p:txBody>
+      </p:sp>
+      <p:sp>
+        <p:nvSpPr>
+          <p:cNvPr id="5" name="Текст 4">
+            <a:extLst>
+              <a:ext uri="{FF2B5EF4-FFF2-40B4-BE49-F238E27FC236}">
+                <a16:creationId xmlns:a16="http://schemas.microsoft.com/office/drawing/2014/main" id="{16878DF1-4D9B-35A8-526C-96168621FD89}"/>
+              </a:ext>
+            </a:extLst>
+          </p:cNvPr>
+          <p:cNvSpPr>
+            <a:spLocks noGrp="1"/>
+          </p:cNvSpPr>
+          <p:nvPr>
+            <p:ph type="body" sz="half" idx="2"/>
+          </p:nvPr>
+        </p:nvSpPr>
+        <p:spPr>
+          <a:xfrm>
+            <a:off x="839788" y="2057400"/>
+            <a:ext cx="9313615" cy="3811588"/>
+          </a:xfrm>
+        </p:spPr>
+        <p:txBody>
+          <a:bodyPr>
+            <a:normAutofit/>
+          </a:bodyPr>
+          <a:lstStyle/>
+          <a:p>
+            <a:pPr marL="342900" indent="-342900">
+              <a:buFont typeface="Arial" panose="020B0604020202020204" pitchFamily="34" charset="0"/>
+              <a:buChar char="•"/>
+            </a:pPr>
+            <a:r>
+              <a:rPr lang="ru-RU" sz="2000" dirty="0">
+                <a:latin typeface="Times New Roman" panose="02020603050405020304" pitchFamily="18" charset="0"/>
+                <a:cs typeface="Times New Roman" panose="02020603050405020304" pitchFamily="18" charset="0"/>
+              </a:rPr>
+              <a:t>После использования всех улучшений можно заметить насколько быстрее работает алгоритм.</a:t>
+            </a:r>
+          </a:p>
+          <a:p>
+            <a:endParaRPr lang="ru-RU" sz="2000" dirty="0">
+              <a:latin typeface="Times New Roman" panose="02020603050405020304" pitchFamily="18" charset="0"/>
+              <a:cs typeface="Times New Roman" panose="02020603050405020304" pitchFamily="18" charset="0"/>
+            </a:endParaRPr>
+          </a:p>
+          <a:p>
+            <a:pPr marL="342900" indent="-342900">
+              <a:buFont typeface="Arial" panose="020B0604020202020204" pitchFamily="34" charset="0"/>
+              <a:buChar char="•"/>
+            </a:pPr>
+            <a:r>
+              <a:rPr lang="ru-RU" sz="2000" dirty="0">
+                <a:latin typeface="Times New Roman" panose="02020603050405020304" pitchFamily="18" charset="0"/>
+                <a:cs typeface="Times New Roman" panose="02020603050405020304" pitchFamily="18" charset="0"/>
+              </a:rPr>
+              <a:t>Но при больших числах счет идет на минуты и даже часы.</a:t>
+            </a:r>
+          </a:p>
+          <a:p>
+            <a:endParaRPr lang="ru-RU" sz="2000" dirty="0">
+              <a:latin typeface="Times New Roman" panose="02020603050405020304" pitchFamily="18" charset="0"/>
+              <a:cs typeface="Times New Roman" panose="02020603050405020304" pitchFamily="18" charset="0"/>
+            </a:endParaRPr>
+          </a:p>
+          <a:p>
+            <a:r>
+              <a:rPr lang="ru-RU" sz="2000" dirty="0">
+                <a:latin typeface="Times New Roman" panose="02020603050405020304" pitchFamily="18" charset="0"/>
+                <a:cs typeface="Times New Roman" panose="02020603050405020304" pitchFamily="18" charset="0"/>
+              </a:rPr>
+              <a:t>Добавить </a:t>
+            </a:r>
+            <a:r>
+              <a:rPr lang="ru-RU" sz="2000" dirty="0" err="1">
+                <a:latin typeface="Times New Roman" panose="02020603050405020304" pitchFamily="18" charset="0"/>
+                <a:cs typeface="Times New Roman" panose="02020603050405020304" pitchFamily="18" charset="0"/>
+              </a:rPr>
+              <a:t>фин</a:t>
+            </a:r>
+            <a:r>
+              <a:rPr lang="ru-RU" sz="2000" dirty="0">
+                <a:latin typeface="Times New Roman" panose="02020603050405020304" pitchFamily="18" charset="0"/>
+                <a:cs typeface="Times New Roman" panose="02020603050405020304" pitchFamily="18" charset="0"/>
+              </a:rPr>
+              <a:t> слайд с выводами </a:t>
+            </a:r>
+          </a:p>
+          <a:p>
+            <a:r>
+              <a:rPr lang="ru-RU" sz="2000" dirty="0">
+                <a:latin typeface="Times New Roman" panose="02020603050405020304" pitchFamily="18" charset="0"/>
+                <a:cs typeface="Times New Roman" panose="02020603050405020304" pitchFamily="18" charset="0"/>
+              </a:rPr>
+              <a:t>По типу </a:t>
+            </a:r>
+            <a:r>
+              <a:rPr lang="ru-RU" sz="2000" dirty="0" err="1">
+                <a:latin typeface="Times New Roman" panose="02020603050405020304" pitchFamily="18" charset="0"/>
+                <a:cs typeface="Times New Roman" panose="02020603050405020304" pitchFamily="18" charset="0"/>
+              </a:rPr>
+              <a:t>добав</a:t>
+            </a:r>
+            <a:r>
+              <a:rPr lang="ru-RU" sz="2000" dirty="0">
+                <a:latin typeface="Times New Roman" panose="02020603050405020304" pitchFamily="18" charset="0"/>
+                <a:cs typeface="Times New Roman" panose="02020603050405020304" pitchFamily="18" charset="0"/>
+              </a:rPr>
+              <a:t> того или </a:t>
+            </a:r>
+            <a:r>
+              <a:rPr lang="ru-RU" sz="2000" dirty="0" err="1">
+                <a:latin typeface="Times New Roman" panose="02020603050405020304" pitchFamily="18" charset="0"/>
+                <a:cs typeface="Times New Roman" panose="02020603050405020304" pitchFamily="18" charset="0"/>
+              </a:rPr>
+              <a:t>чпшго</a:t>
+            </a:r>
+            <a:r>
+              <a:rPr lang="ru-RU" sz="2000" dirty="0">
+                <a:latin typeface="Times New Roman" panose="02020603050405020304" pitchFamily="18" charset="0"/>
+                <a:cs typeface="Times New Roman" panose="02020603050405020304" pitchFamily="18" charset="0"/>
+              </a:rPr>
+              <a:t> то </a:t>
+            </a:r>
+            <a:r>
+              <a:rPr lang="ru-RU" sz="2000" dirty="0" err="1">
+                <a:latin typeface="Times New Roman" panose="02020603050405020304" pitchFamily="18" charset="0"/>
+                <a:cs typeface="Times New Roman" panose="02020603050405020304" pitchFamily="18" charset="0"/>
+              </a:rPr>
+              <a:t>усеорило</a:t>
+            </a:r>
+            <a:r>
+              <a:rPr lang="ru-RU" sz="2000" dirty="0">
+                <a:latin typeface="Times New Roman" panose="02020603050405020304" pitchFamily="18" charset="0"/>
+                <a:cs typeface="Times New Roman" panose="02020603050405020304" pitchFamily="18" charset="0"/>
+              </a:rPr>
+              <a:t> на </a:t>
+            </a:r>
+            <a:r>
+              <a:rPr lang="ru-RU" sz="2000" dirty="0" err="1">
+                <a:latin typeface="Times New Roman" panose="02020603050405020304" pitchFamily="18" charset="0"/>
+                <a:cs typeface="Times New Roman" panose="02020603050405020304" pitchFamily="18" charset="0"/>
+              </a:rPr>
+              <a:t>стольо</a:t>
+            </a:r>
+            <a:r>
+              <a:rPr lang="ru-RU" sz="2000" dirty="0">
+                <a:latin typeface="Times New Roman" panose="02020603050405020304" pitchFamily="18" charset="0"/>
+                <a:cs typeface="Times New Roman" panose="02020603050405020304" pitchFamily="18" charset="0"/>
+              </a:rPr>
+              <a:t> то </a:t>
+            </a:r>
+            <a:r>
+              <a:rPr lang="ru-RU" sz="2000" dirty="0" err="1">
+                <a:latin typeface="Times New Roman" panose="02020603050405020304" pitchFamily="18" charset="0"/>
+                <a:cs typeface="Times New Roman" panose="02020603050405020304" pitchFamily="18" charset="0"/>
+              </a:rPr>
+              <a:t>процпнтов</a:t>
+            </a:r>
+            <a:r>
+              <a:rPr lang="ru-RU" sz="2000" dirty="0">
+                <a:latin typeface="Times New Roman" panose="02020603050405020304" pitchFamily="18" charset="0"/>
+                <a:cs typeface="Times New Roman" panose="02020603050405020304" pitchFamily="18" charset="0"/>
+              </a:rPr>
+              <a:t> алгоритм</a:t>
+            </a:r>
+          </a:p>
+          <a:p>
+            <a:r>
+              <a:rPr lang="ru-RU" sz="2000" dirty="0">
+                <a:latin typeface="Times New Roman" panose="02020603050405020304" pitchFamily="18" charset="0"/>
+                <a:cs typeface="Times New Roman" panose="02020603050405020304" pitchFamily="18" charset="0"/>
+              </a:rPr>
+              <a:t>И а конце </a:t>
+            </a:r>
+            <a:r>
+              <a:rPr lang="ru-RU" sz="2000" dirty="0" err="1">
+                <a:latin typeface="Times New Roman" panose="02020603050405020304" pitchFamily="18" charset="0"/>
+                <a:cs typeface="Times New Roman" panose="02020603050405020304" pitchFamily="18" charset="0"/>
+              </a:rPr>
+              <a:t>фин</a:t>
+            </a:r>
+            <a:r>
+              <a:rPr lang="ru-RU" sz="2000" dirty="0">
+                <a:latin typeface="Times New Roman" panose="02020603050405020304" pitchFamily="18" charset="0"/>
+                <a:cs typeface="Times New Roman" panose="02020603050405020304" pitchFamily="18" charset="0"/>
+              </a:rPr>
+              <a:t> вывод позволило ускорило </a:t>
+            </a:r>
+          </a:p>
+          <a:p>
+            <a:endParaRPr lang="ru-RU" sz="2000" dirty="0">
+              <a:latin typeface="Times New Roman" panose="02020603050405020304" pitchFamily="18" charset="0"/>
+              <a:cs typeface="Times New Roman" panose="02020603050405020304" pitchFamily="18" charset="0"/>
+            </a:endParaRPr>
+          </a:p>
+        </p:txBody>
+      </p:sp>
+    </p:spTree>
+    <p:extLst>
+      <p:ext uri="{BB962C8B-B14F-4D97-AF65-F5344CB8AC3E}">
+        <p14:creationId xmlns:p14="http://schemas.microsoft.com/office/powerpoint/2010/main" val="1668757018"/>
+      </p:ext>
+    </p:extLst>
+  </p:cSld>
+  <p:clrMapOvr>
+    <a:masterClrMapping/>
+  </p:clrMapOvr>
+</p:sld>
+</file>
+
+<file path=ppt/slides/slide13.xml><?xml version="1.0" encoding="utf-8"?>
 <p:sld xmlns:a="http://schemas.openxmlformats.org/drawingml/2006/main" xmlns:r="http://schemas.openxmlformats.org/officeDocument/2006/relationships" xmlns:p="http://schemas.openxmlformats.org/presentationml/2006/main">
   <p:cSld>
     <p:spTree>
@@ -9330,7 +8920,7 @@
                 <a:latin typeface="Times New Roman" panose="02020603050405020304" pitchFamily="18" charset="0"/>
                 <a:cs typeface="Times New Roman" panose="02020603050405020304" pitchFamily="18" charset="0"/>
               </a:rPr>
-              <a:t>Этап просеивания</a:t>
+              <a:t>Основные плюсы дальнейшего усовершенствования</a:t>
             </a:r>
           </a:p>
         </p:txBody>
@@ -9395,10 +8985,10 @@
       </p:sp>
       <p:graphicFrame>
         <p:nvGraphicFramePr>
-          <p:cNvPr id="8" name="Диаграмма 7">
+          <p:cNvPr id="7" name="Диаграмма 6">
             <a:extLst>
               <a:ext uri="{FF2B5EF4-FFF2-40B4-BE49-F238E27FC236}">
-                <a16:creationId xmlns:a16="http://schemas.microsoft.com/office/drawing/2014/main" id="{9F353B77-3950-42CC-94FE-27717CAF9185}"/>
+                <a16:creationId xmlns:a16="http://schemas.microsoft.com/office/drawing/2014/main" id="{E72B8D0D-B1D7-4420-9D32-3E7E5C6073DD}"/>
               </a:ext>
             </a:extLst>
           </p:cNvPr>
@@ -9406,14 +8996,14 @@
           <p:nvPr>
             <p:extLst>
               <p:ext uri="{D42A27DB-BD31-4B8C-83A1-F6EECF244321}">
-                <p14:modId xmlns:p14="http://schemas.microsoft.com/office/powerpoint/2010/main" val="4093409184"/>
+                <p14:modId xmlns:p14="http://schemas.microsoft.com/office/powerpoint/2010/main" val="2284378789"/>
               </p:ext>
             </p:extLst>
           </p:nvPr>
         </p:nvGraphicFramePr>
         <p:xfrm>
-          <a:off x="838200" y="2050230"/>
-          <a:ext cx="5175624" cy="4025922"/>
+          <a:off x="838201" y="1610830"/>
+          <a:ext cx="10455234" cy="4719594"/>
         </p:xfrm>
         <a:graphic>
           <a:graphicData uri="http://schemas.openxmlformats.org/drawingml/2006/chart">
@@ -9421,134 +9011,10 @@
           </a:graphicData>
         </a:graphic>
       </p:graphicFrame>
-      <p:sp>
-        <p:nvSpPr>
-          <p:cNvPr id="10" name="TextBox 9">
-            <a:extLst>
-              <a:ext uri="{FF2B5EF4-FFF2-40B4-BE49-F238E27FC236}">
-                <a16:creationId xmlns:a16="http://schemas.microsoft.com/office/drawing/2014/main" id="{8867B8BC-4DD7-4681-AA16-3DC4C688613B}"/>
-              </a:ext>
-            </a:extLst>
-          </p:cNvPr>
-          <p:cNvSpPr txBox="1"/>
-          <p:nvPr/>
-        </p:nvSpPr>
-        <p:spPr>
-          <a:xfrm>
-            <a:off x="6503080" y="2278087"/>
-            <a:ext cx="4850720" cy="4154984"/>
-          </a:xfrm>
-          <a:prstGeom prst="rect">
-            <a:avLst/>
-          </a:prstGeom>
-          <a:noFill/>
-        </p:spPr>
-        <p:txBody>
-          <a:bodyPr wrap="square" rtlCol="0">
-            <a:spAutoFit/>
-          </a:bodyPr>
-          <a:lstStyle/>
-          <a:p>
-            <a:r>
-              <a:rPr lang="ru-RU" sz="2200" dirty="0">
-                <a:latin typeface="Times New Roman" panose="02020603050405020304" pitchFamily="18" charset="0"/>
-                <a:cs typeface="Times New Roman" panose="02020603050405020304" pitchFamily="18" charset="0"/>
-              </a:rPr>
-              <a:t>Реализация мультипроцессорного просеивания дает возможность быстрее оценить сложность и временной затрат. (переделать и ввести </a:t>
-            </a:r>
-            <a:r>
-              <a:rPr lang="ru-RU" sz="2200" dirty="0" err="1">
-                <a:latin typeface="Times New Roman" panose="02020603050405020304" pitchFamily="18" charset="0"/>
-                <a:cs typeface="Times New Roman" panose="02020603050405020304" pitchFamily="18" charset="0"/>
-              </a:rPr>
-              <a:t>гиперпарамтеры</a:t>
-            </a:r>
-            <a:r>
-              <a:rPr lang="ru-RU" sz="2200" dirty="0">
-                <a:latin typeface="Times New Roman" panose="02020603050405020304" pitchFamily="18" charset="0"/>
-                <a:cs typeface="Times New Roman" panose="02020603050405020304" pitchFamily="18" charset="0"/>
-              </a:rPr>
-              <a:t> плюсы минусы </a:t>
-            </a:r>
-            <a:r>
-              <a:rPr lang="ru-RU" sz="2200" dirty="0" err="1">
-                <a:latin typeface="Times New Roman" panose="02020603050405020304" pitchFamily="18" charset="0"/>
-                <a:cs typeface="Times New Roman" panose="02020603050405020304" pitchFamily="18" charset="0"/>
-              </a:rPr>
-              <a:t>алго-ма</a:t>
-            </a:r>
-            <a:r>
-              <a:rPr lang="ru-RU" sz="2200" dirty="0">
-                <a:latin typeface="Times New Roman" panose="02020603050405020304" pitchFamily="18" charset="0"/>
-                <a:cs typeface="Times New Roman" panose="02020603050405020304" pitchFamily="18" charset="0"/>
-              </a:rPr>
-              <a:t> коррекция)</a:t>
-            </a:r>
-          </a:p>
-          <a:p>
-            <a:endParaRPr lang="ru-RU" sz="2200" dirty="0">
-              <a:latin typeface="Times New Roman" panose="02020603050405020304" pitchFamily="18" charset="0"/>
-              <a:cs typeface="Times New Roman" panose="02020603050405020304" pitchFamily="18" charset="0"/>
-            </a:endParaRPr>
-          </a:p>
-          <a:p>
-            <a:r>
-              <a:rPr lang="ru-RU" sz="2200" dirty="0">
-                <a:latin typeface="Times New Roman" panose="02020603050405020304" pitchFamily="18" charset="0"/>
-                <a:cs typeface="Times New Roman" panose="02020603050405020304" pitchFamily="18" charset="0"/>
-              </a:rPr>
-              <a:t>При больших числах этап просеивания может занимать от нескольких часов, чем раньше мы скорректируем начальные условия, тем лучше.</a:t>
-            </a:r>
-          </a:p>
-        </p:txBody>
-      </p:sp>
-      <p:sp>
-        <p:nvSpPr>
-          <p:cNvPr id="3" name="TextBox 2">
-            <a:extLst>
-              <a:ext uri="{FF2B5EF4-FFF2-40B4-BE49-F238E27FC236}">
-                <a16:creationId xmlns:a16="http://schemas.microsoft.com/office/drawing/2014/main" id="{5CD556BE-26AC-D34F-99F3-DC48E4CCB7BE}"/>
-              </a:ext>
-            </a:extLst>
-          </p:cNvPr>
-          <p:cNvSpPr txBox="1"/>
-          <p:nvPr/>
-        </p:nvSpPr>
-        <p:spPr>
-          <a:xfrm>
-            <a:off x="4809506" y="6448301"/>
-            <a:ext cx="2815771" cy="369332"/>
-          </a:xfrm>
-          <a:prstGeom prst="rect">
-            <a:avLst/>
-          </a:prstGeom>
-          <a:noFill/>
-        </p:spPr>
-        <p:txBody>
-          <a:bodyPr wrap="none" rtlCol="0">
-            <a:spAutoFit/>
-          </a:bodyPr>
-          <a:lstStyle/>
-          <a:p>
-            <a:r>
-              <a:rPr lang="ru-RU" dirty="0"/>
-              <a:t>Сколько </a:t>
-            </a:r>
-            <a:r>
-              <a:rPr lang="ru-RU" dirty="0" err="1"/>
-              <a:t>процес-ов</a:t>
-            </a:r>
-            <a:r>
-              <a:rPr lang="ru-RU" dirty="0"/>
-              <a:t> указать</a:t>
-            </a:r>
-          </a:p>
-        </p:txBody>
-      </p:sp>
     </p:spTree>
     <p:extLst>
       <p:ext uri="{BB962C8B-B14F-4D97-AF65-F5344CB8AC3E}">
-        <p14:creationId xmlns:p14="http://schemas.microsoft.com/office/powerpoint/2010/main" val="1755295134"/>
+        <p14:creationId xmlns:p14="http://schemas.microsoft.com/office/powerpoint/2010/main" val="3396261938"/>
       </p:ext>
     </p:extLst>
   </p:cSld>
@@ -9558,7 +9024,1045 @@
 </p:sld>
 </file>
 
-<file path=ppt/slides/slide6.xml><?xml version="1.0" encoding="utf-8"?>
+<file path=ppt/slides/slide2.xml><?xml version="1.0" encoding="utf-8"?>
+<p:sld xmlns:a="http://schemas.openxmlformats.org/drawingml/2006/main" xmlns:r="http://schemas.openxmlformats.org/officeDocument/2006/relationships" xmlns:p="http://schemas.openxmlformats.org/presentationml/2006/main">
+  <p:cSld>
+    <p:spTree>
+      <p:nvGrpSpPr>
+        <p:cNvPr id="1" name=""/>
+        <p:cNvGrpSpPr/>
+        <p:nvPr/>
+      </p:nvGrpSpPr>
+      <p:grpSpPr>
+        <a:xfrm>
+          <a:off x="0" y="0"/>
+          <a:ext cx="0" cy="0"/>
+          <a:chOff x="0" y="0"/>
+          <a:chExt cx="0" cy="0"/>
+        </a:xfrm>
+      </p:grpSpPr>
+      <p:sp>
+        <p:nvSpPr>
+          <p:cNvPr id="3" name="Заголовок 2">
+            <a:extLst>
+              <a:ext uri="{FF2B5EF4-FFF2-40B4-BE49-F238E27FC236}">
+                <a16:creationId xmlns:a16="http://schemas.microsoft.com/office/drawing/2014/main" id="{0C2ECB21-A26C-FA84-FE18-946F5515F38F}"/>
+              </a:ext>
+            </a:extLst>
+          </p:cNvPr>
+          <p:cNvSpPr>
+            <a:spLocks noGrp="1"/>
+          </p:cNvSpPr>
+          <p:nvPr>
+            <p:ph type="title"/>
+          </p:nvPr>
+        </p:nvSpPr>
+        <p:spPr>
+          <a:xfrm>
+            <a:off x="839788" y="457200"/>
+            <a:ext cx="8593178" cy="531812"/>
+          </a:xfrm>
+        </p:spPr>
+        <p:txBody>
+          <a:bodyPr/>
+          <a:lstStyle/>
+          <a:p>
+            <a:r>
+              <a:rPr lang="ru-RU" sz="3200" dirty="0">
+                <a:latin typeface="Times New Roman" panose="02020603050405020304" pitchFamily="18" charset="0"/>
+                <a:cs typeface="Times New Roman" panose="02020603050405020304" pitchFamily="18" charset="0"/>
+              </a:rPr>
+              <a:t>Актуальность алгоритмов факторизации</a:t>
+            </a:r>
+            <a:endParaRPr lang="ru-RU" dirty="0"/>
+          </a:p>
+        </p:txBody>
+      </p:sp>
+      <p:sp>
+        <p:nvSpPr>
+          <p:cNvPr id="5" name="Текст 4">
+            <a:extLst>
+              <a:ext uri="{FF2B5EF4-FFF2-40B4-BE49-F238E27FC236}">
+                <a16:creationId xmlns:a16="http://schemas.microsoft.com/office/drawing/2014/main" id="{16878DF1-4D9B-35A8-526C-96168621FD89}"/>
+              </a:ext>
+            </a:extLst>
+          </p:cNvPr>
+          <p:cNvSpPr>
+            <a:spLocks noGrp="1"/>
+          </p:cNvSpPr>
+          <p:nvPr>
+            <p:ph type="body" sz="half" idx="2"/>
+          </p:nvPr>
+        </p:nvSpPr>
+        <p:spPr>
+          <a:xfrm>
+            <a:off x="839788" y="1292736"/>
+            <a:ext cx="4417022" cy="4576252"/>
+          </a:xfrm>
+        </p:spPr>
+        <p:txBody>
+          <a:bodyPr/>
+          <a:lstStyle/>
+          <a:p>
+            <a:pPr marL="285750" indent="-285750">
+              <a:buFont typeface="Arial" panose="020B0604020202020204" pitchFamily="34" charset="0"/>
+              <a:buChar char="•"/>
+            </a:pPr>
+            <a:endParaRPr lang="ru-RU" sz="1600" dirty="0">
+              <a:latin typeface="Times New Roman" panose="02020603050405020304" pitchFamily="18" charset="0"/>
+              <a:cs typeface="Times New Roman" panose="02020603050405020304" pitchFamily="18" charset="0"/>
+            </a:endParaRPr>
+          </a:p>
+          <a:p>
+            <a:endParaRPr lang="ru-RU" sz="1600" dirty="0">
+              <a:latin typeface="Times New Roman" panose="02020603050405020304" pitchFamily="18" charset="0"/>
+              <a:cs typeface="Times New Roman" panose="02020603050405020304" pitchFamily="18" charset="0"/>
+            </a:endParaRPr>
+          </a:p>
+          <a:p>
+            <a:pPr marL="285750" indent="-285750">
+              <a:buFont typeface="Arial" panose="020B0604020202020204" pitchFamily="34" charset="0"/>
+              <a:buChar char="•"/>
+            </a:pPr>
+            <a:r>
+              <a:rPr lang="ru-RU" sz="2000" dirty="0">
+                <a:latin typeface="Times New Roman" panose="02020603050405020304" pitchFamily="18" charset="0"/>
+                <a:cs typeface="Times New Roman" panose="02020603050405020304" pitchFamily="18" charset="0"/>
+              </a:rPr>
+              <a:t>Исследования в данной области ставит под сомнение современные методы криптографии, такие как </a:t>
+            </a:r>
+            <a:r>
+              <a:rPr lang="en-US" sz="2000" dirty="0">
+                <a:latin typeface="Times New Roman" panose="02020603050405020304" pitchFamily="18" charset="0"/>
+                <a:cs typeface="Times New Roman" panose="02020603050405020304" pitchFamily="18" charset="0"/>
+              </a:rPr>
+              <a:t>RSA</a:t>
+            </a:r>
+            <a:r>
+              <a:rPr lang="ru-RU" sz="2000" dirty="0">
+                <a:latin typeface="Times New Roman" panose="02020603050405020304" pitchFamily="18" charset="0"/>
+                <a:cs typeface="Times New Roman" panose="02020603050405020304" pitchFamily="18" charset="0"/>
+              </a:rPr>
+              <a:t>, а также алгоритмы цифровой подписи.</a:t>
+            </a:r>
+          </a:p>
+          <a:p>
+            <a:endParaRPr lang="ru-RU" dirty="0">
+              <a:latin typeface="Times New Roman" panose="02020603050405020304" pitchFamily="18" charset="0"/>
+              <a:cs typeface="Times New Roman" panose="02020603050405020304" pitchFamily="18" charset="0"/>
+            </a:endParaRPr>
+          </a:p>
+          <a:p>
+            <a:pPr marL="285750" indent="-285750">
+              <a:buFont typeface="Arial" panose="020B0604020202020204" pitchFamily="34" charset="0"/>
+              <a:buChar char="•"/>
+            </a:pPr>
+            <a:r>
+              <a:rPr lang="ru-RU" sz="2000" dirty="0">
+                <a:latin typeface="Times New Roman" panose="02020603050405020304" pitchFamily="18" charset="0"/>
+                <a:cs typeface="Times New Roman" panose="02020603050405020304" pitchFamily="18" charset="0"/>
+              </a:rPr>
+              <a:t>Попытки взлома таких систем позволяют сделать более надежными системы шифрования.</a:t>
+            </a:r>
+          </a:p>
+          <a:p>
+            <a:endParaRPr lang="ru-RU" dirty="0">
+              <a:latin typeface="Times New Roman" panose="02020603050405020304" pitchFamily="18" charset="0"/>
+              <a:cs typeface="Times New Roman" panose="02020603050405020304" pitchFamily="18" charset="0"/>
+            </a:endParaRPr>
+          </a:p>
+          <a:p>
+            <a:endParaRPr lang="ru-RU" dirty="0">
+              <a:latin typeface="Times New Roman" panose="02020603050405020304" pitchFamily="18" charset="0"/>
+              <a:cs typeface="Times New Roman" panose="02020603050405020304" pitchFamily="18" charset="0"/>
+            </a:endParaRPr>
+          </a:p>
+          <a:p>
+            <a:endParaRPr lang="ru-RU" sz="1600" dirty="0">
+              <a:latin typeface="Times New Roman" panose="02020603050405020304" pitchFamily="18" charset="0"/>
+              <a:cs typeface="Times New Roman" panose="02020603050405020304" pitchFamily="18" charset="0"/>
+            </a:endParaRPr>
+          </a:p>
+          <a:p>
+            <a:endParaRPr lang="ru-RU" dirty="0"/>
+          </a:p>
+        </p:txBody>
+      </p:sp>
+      <p:pic>
+        <p:nvPicPr>
+          <p:cNvPr id="1026" name="Picture 2" descr="RSA - шифрование. Как это работает? | 2017-11-02 | Ликбез | Robin Bobin">
+            <a:extLst>
+              <a:ext uri="{FF2B5EF4-FFF2-40B4-BE49-F238E27FC236}">
+                <a16:creationId xmlns:a16="http://schemas.microsoft.com/office/drawing/2014/main" id="{2939CA9B-4189-C2F4-2996-1983A8D2592A}"/>
+              </a:ext>
+            </a:extLst>
+          </p:cNvPr>
+          <p:cNvPicPr>
+            <a:picLocks noChangeAspect="1" noChangeArrowheads="1"/>
+          </p:cNvPicPr>
+          <p:nvPr/>
+        </p:nvPicPr>
+        <p:blipFill>
+          <a:blip r:embed="rId2">
+            <a:extLst>
+              <a:ext uri="{28A0092B-C50C-407E-A947-70E740481C1C}">
+                <a14:useLocalDpi xmlns:a14="http://schemas.microsoft.com/office/drawing/2010/main" val="0"/>
+              </a:ext>
+            </a:extLst>
+          </a:blip>
+          <a:srcRect/>
+          <a:stretch>
+            <a:fillRect/>
+          </a:stretch>
+        </p:blipFill>
+        <p:spPr bwMode="auto">
+          <a:xfrm>
+            <a:off x="5360893" y="1292736"/>
+            <a:ext cx="6051159" cy="4272528"/>
+          </a:xfrm>
+          <a:prstGeom prst="rect">
+            <a:avLst/>
+          </a:prstGeom>
+          <a:noFill/>
+          <a:extLst>
+            <a:ext uri="{909E8E84-426E-40DD-AFC4-6F175D3DCCD1}">
+              <a14:hiddenFill xmlns:a14="http://schemas.microsoft.com/office/drawing/2010/main">
+                <a:solidFill>
+                  <a:srgbClr val="FFFFFF"/>
+                </a:solidFill>
+              </a14:hiddenFill>
+            </a:ext>
+          </a:extLst>
+        </p:spPr>
+      </p:pic>
+    </p:spTree>
+    <p:extLst>
+      <p:ext uri="{BB962C8B-B14F-4D97-AF65-F5344CB8AC3E}">
+        <p14:creationId xmlns:p14="http://schemas.microsoft.com/office/powerpoint/2010/main" val="9219107"/>
+      </p:ext>
+    </p:extLst>
+  </p:cSld>
+  <p:clrMapOvr>
+    <a:masterClrMapping/>
+  </p:clrMapOvr>
+</p:sld>
+</file>
+
+<file path=ppt/slides/slide3.xml><?xml version="1.0" encoding="utf-8"?>
+<p:sld xmlns:a="http://schemas.openxmlformats.org/drawingml/2006/main" xmlns:r="http://schemas.openxmlformats.org/officeDocument/2006/relationships" xmlns:p="http://schemas.openxmlformats.org/presentationml/2006/main">
+  <p:cSld>
+    <p:spTree>
+      <p:nvGrpSpPr>
+        <p:cNvPr id="1" name=""/>
+        <p:cNvGrpSpPr/>
+        <p:nvPr/>
+      </p:nvGrpSpPr>
+      <p:grpSpPr>
+        <a:xfrm>
+          <a:off x="0" y="0"/>
+          <a:ext cx="0" cy="0"/>
+          <a:chOff x="0" y="0"/>
+          <a:chExt cx="0" cy="0"/>
+        </a:xfrm>
+      </p:grpSpPr>
+      <p:sp>
+        <p:nvSpPr>
+          <p:cNvPr id="3" name="Заголовок 2">
+            <a:extLst>
+              <a:ext uri="{FF2B5EF4-FFF2-40B4-BE49-F238E27FC236}">
+                <a16:creationId xmlns:a16="http://schemas.microsoft.com/office/drawing/2014/main" id="{0C2ECB21-A26C-FA84-FE18-946F5515F38F}"/>
+              </a:ext>
+            </a:extLst>
+          </p:cNvPr>
+          <p:cNvSpPr>
+            <a:spLocks noGrp="1"/>
+          </p:cNvSpPr>
+          <p:nvPr>
+            <p:ph type="title"/>
+          </p:nvPr>
+        </p:nvSpPr>
+        <p:spPr>
+          <a:xfrm>
+            <a:off x="839788" y="457200"/>
+            <a:ext cx="3932237" cy="530225"/>
+          </a:xfrm>
+        </p:spPr>
+        <p:txBody>
+          <a:bodyPr>
+            <a:normAutofit fontScale="90000"/>
+          </a:bodyPr>
+          <a:lstStyle/>
+          <a:p>
+            <a:r>
+              <a:rPr lang="ru-RU" sz="3200" dirty="0">
+                <a:latin typeface="Times New Roman" panose="02020603050405020304" pitchFamily="18" charset="0"/>
+                <a:cs typeface="Times New Roman" panose="02020603050405020304" pitchFamily="18" charset="0"/>
+              </a:rPr>
+              <a:t>Цель работы</a:t>
+            </a:r>
+          </a:p>
+        </p:txBody>
+      </p:sp>
+      <p:sp>
+        <p:nvSpPr>
+          <p:cNvPr id="5" name="Текст 4">
+            <a:extLst>
+              <a:ext uri="{FF2B5EF4-FFF2-40B4-BE49-F238E27FC236}">
+                <a16:creationId xmlns:a16="http://schemas.microsoft.com/office/drawing/2014/main" id="{16878DF1-4D9B-35A8-526C-96168621FD89}"/>
+              </a:ext>
+            </a:extLst>
+          </p:cNvPr>
+          <p:cNvSpPr>
+            <a:spLocks noGrp="1"/>
+          </p:cNvSpPr>
+          <p:nvPr>
+            <p:ph type="body" sz="half" idx="2"/>
+          </p:nvPr>
+        </p:nvSpPr>
+        <p:spPr>
+          <a:xfrm>
+            <a:off x="839788" y="987425"/>
+            <a:ext cx="3932237" cy="4881563"/>
+          </a:xfrm>
+        </p:spPr>
+        <p:txBody>
+          <a:bodyPr>
+            <a:normAutofit/>
+          </a:bodyPr>
+          <a:lstStyle/>
+          <a:p>
+            <a:endParaRPr lang="ru-RU" dirty="0"/>
+          </a:p>
+          <a:p>
+            <a:pPr marL="342900" indent="-342900">
+              <a:buFont typeface="Arial" panose="020B0604020202020204" pitchFamily="34" charset="0"/>
+              <a:buChar char="•"/>
+            </a:pPr>
+            <a:r>
+              <a:rPr lang="ru-RU" sz="2000" dirty="0">
+                <a:latin typeface="Times New Roman" panose="02020603050405020304" pitchFamily="18" charset="0"/>
+                <a:cs typeface="Times New Roman" panose="02020603050405020304" pitchFamily="18" charset="0"/>
+              </a:rPr>
+              <a:t>Разработать алгоритм факторизации.</a:t>
+            </a:r>
+          </a:p>
+          <a:p>
+            <a:pPr marL="342900" indent="-342900">
+              <a:buFont typeface="Arial" panose="020B0604020202020204" pitchFamily="34" charset="0"/>
+              <a:buChar char="•"/>
+            </a:pPr>
+            <a:endParaRPr lang="ru-RU" sz="2000" dirty="0">
+              <a:latin typeface="Times New Roman" panose="02020603050405020304" pitchFamily="18" charset="0"/>
+              <a:cs typeface="Times New Roman" panose="02020603050405020304" pitchFamily="18" charset="0"/>
+            </a:endParaRPr>
+          </a:p>
+          <a:p>
+            <a:pPr marL="342900" indent="-342900">
+              <a:buFont typeface="Arial" panose="020B0604020202020204" pitchFamily="34" charset="0"/>
+              <a:buChar char="•"/>
+            </a:pPr>
+            <a:r>
+              <a:rPr lang="ru-RU" sz="2000" dirty="0">
+                <a:latin typeface="Times New Roman" panose="02020603050405020304" pitchFamily="18" charset="0"/>
+                <a:cs typeface="Times New Roman" panose="02020603050405020304" pitchFamily="18" charset="0"/>
+              </a:rPr>
+              <a:t>Описать этапы алгоритма, найти способы ускорения.</a:t>
+            </a:r>
+          </a:p>
+          <a:p>
+            <a:pPr marL="342900" indent="-342900">
+              <a:buFont typeface="Arial" panose="020B0604020202020204" pitchFamily="34" charset="0"/>
+              <a:buChar char="•"/>
+            </a:pPr>
+            <a:endParaRPr lang="ru-RU" sz="2000" dirty="0">
+              <a:latin typeface="Times New Roman" panose="02020603050405020304" pitchFamily="18" charset="0"/>
+              <a:cs typeface="Times New Roman" panose="02020603050405020304" pitchFamily="18" charset="0"/>
+            </a:endParaRPr>
+          </a:p>
+          <a:p>
+            <a:pPr marL="342900" indent="-342900">
+              <a:buFont typeface="Arial" panose="020B0604020202020204" pitchFamily="34" charset="0"/>
+              <a:buChar char="•"/>
+            </a:pPr>
+            <a:r>
+              <a:rPr lang="ru-RU" sz="2000" dirty="0">
+                <a:latin typeface="Times New Roman" panose="02020603050405020304" pitchFamily="18" charset="0"/>
+                <a:cs typeface="Times New Roman" panose="02020603050405020304" pitchFamily="18" charset="0"/>
+              </a:rPr>
+              <a:t>Ввести математическое обоснование работы тех или иных улучшений.</a:t>
+            </a:r>
+            <a:endParaRPr lang="ru-RU" dirty="0">
+              <a:latin typeface="Times New Roman" panose="02020603050405020304" pitchFamily="18" charset="0"/>
+              <a:cs typeface="Times New Roman" panose="02020603050405020304" pitchFamily="18" charset="0"/>
+            </a:endParaRPr>
+          </a:p>
+          <a:p>
+            <a:endParaRPr lang="ru-RU" dirty="0"/>
+          </a:p>
+          <a:p>
+            <a:endParaRPr lang="ru-RU" sz="1600" dirty="0">
+              <a:latin typeface="Times New Roman" panose="02020603050405020304" pitchFamily="18" charset="0"/>
+              <a:cs typeface="Times New Roman" panose="02020603050405020304" pitchFamily="18" charset="0"/>
+            </a:endParaRPr>
+          </a:p>
+          <a:p>
+            <a:endParaRPr lang="ru-RU" dirty="0"/>
+          </a:p>
+          <a:p>
+            <a:endParaRPr lang="ru-RU" sz="1600" dirty="0">
+              <a:latin typeface="Times New Roman" panose="02020603050405020304" pitchFamily="18" charset="0"/>
+              <a:cs typeface="Times New Roman" panose="02020603050405020304" pitchFamily="18" charset="0"/>
+            </a:endParaRPr>
+          </a:p>
+          <a:p>
+            <a:endParaRPr lang="ru-RU" dirty="0"/>
+          </a:p>
+        </p:txBody>
+      </p:sp>
+      <p:sp>
+        <p:nvSpPr>
+          <p:cNvPr id="6" name="Заголовок 2">
+            <a:extLst>
+              <a:ext uri="{FF2B5EF4-FFF2-40B4-BE49-F238E27FC236}">
+                <a16:creationId xmlns:a16="http://schemas.microsoft.com/office/drawing/2014/main" id="{C8A1C0AC-88D7-BE32-D4E9-9B056268B427}"/>
+              </a:ext>
+            </a:extLst>
+          </p:cNvPr>
+          <p:cNvSpPr txBox="1">
+            <a:spLocks/>
+          </p:cNvSpPr>
+          <p:nvPr/>
+        </p:nvSpPr>
+        <p:spPr>
+          <a:xfrm>
+            <a:off x="6142120" y="457200"/>
+            <a:ext cx="3932237" cy="530225"/>
+          </a:xfrm>
+          <a:prstGeom prst="rect">
+            <a:avLst/>
+          </a:prstGeom>
+        </p:spPr>
+        <p:txBody>
+          <a:bodyPr vert="horz" lIns="91440" tIns="45720" rIns="91440" bIns="45720" rtlCol="0" anchor="b">
+            <a:normAutofit fontScale="97500"/>
+          </a:bodyPr>
+          <a:lstStyle>
+            <a:lvl1pPr algn="l" defTabSz="914400" rtl="0" eaLnBrk="1" latinLnBrk="0" hangingPunct="1">
+              <a:lnSpc>
+                <a:spcPct val="90000"/>
+              </a:lnSpc>
+              <a:spcBef>
+                <a:spcPct val="0"/>
+              </a:spcBef>
+              <a:buNone/>
+              <a:defRPr sz="3200" kern="1200">
+                <a:solidFill>
+                  <a:schemeClr val="tx1"/>
+                </a:solidFill>
+                <a:latin typeface="+mj-lt"/>
+                <a:ea typeface="+mj-ea"/>
+                <a:cs typeface="+mj-cs"/>
+              </a:defRPr>
+            </a:lvl1pPr>
+          </a:lstStyle>
+          <a:p>
+            <a:r>
+              <a:rPr lang="ru-RU" dirty="0">
+                <a:latin typeface="Times New Roman" panose="02020603050405020304" pitchFamily="18" charset="0"/>
+                <a:cs typeface="Times New Roman" panose="02020603050405020304" pitchFamily="18" charset="0"/>
+              </a:rPr>
+              <a:t>Задачи</a:t>
+            </a:r>
+          </a:p>
+        </p:txBody>
+      </p:sp>
+      <p:sp>
+        <p:nvSpPr>
+          <p:cNvPr id="7" name="Текст 4">
+            <a:extLst>
+              <a:ext uri="{FF2B5EF4-FFF2-40B4-BE49-F238E27FC236}">
+                <a16:creationId xmlns:a16="http://schemas.microsoft.com/office/drawing/2014/main" id="{1679578C-C96D-BC5B-7C11-EDD700454662}"/>
+              </a:ext>
+            </a:extLst>
+          </p:cNvPr>
+          <p:cNvSpPr txBox="1">
+            <a:spLocks/>
+          </p:cNvSpPr>
+          <p:nvPr/>
+        </p:nvSpPr>
+        <p:spPr>
+          <a:xfrm>
+            <a:off x="6096000" y="987424"/>
+            <a:ext cx="3932237" cy="4881563"/>
+          </a:xfrm>
+          <a:prstGeom prst="rect">
+            <a:avLst/>
+          </a:prstGeom>
+        </p:spPr>
+        <p:txBody>
+          <a:bodyPr vert="horz" lIns="91440" tIns="45720" rIns="91440" bIns="45720" rtlCol="0">
+            <a:normAutofit/>
+          </a:bodyPr>
+          <a:lstStyle>
+            <a:lvl1pPr marL="0" indent="0" algn="l" defTabSz="914400" rtl="0" eaLnBrk="1" latinLnBrk="0" hangingPunct="1">
+              <a:lnSpc>
+                <a:spcPct val="90000"/>
+              </a:lnSpc>
+              <a:spcBef>
+                <a:spcPts val="1000"/>
+              </a:spcBef>
+              <a:buFont typeface="Arial" panose="020B0604020202020204" pitchFamily="34" charset="0"/>
+              <a:buNone/>
+              <a:defRPr sz="1600" kern="1200">
+                <a:solidFill>
+                  <a:schemeClr val="tx1"/>
+                </a:solidFill>
+                <a:latin typeface="+mn-lt"/>
+                <a:ea typeface="+mn-ea"/>
+                <a:cs typeface="+mn-cs"/>
+              </a:defRPr>
+            </a:lvl1pPr>
+            <a:lvl2pPr marL="457200" indent="0" algn="l" defTabSz="914400" rtl="0" eaLnBrk="1" latinLnBrk="0" hangingPunct="1">
+              <a:lnSpc>
+                <a:spcPct val="90000"/>
+              </a:lnSpc>
+              <a:spcBef>
+                <a:spcPts val="500"/>
+              </a:spcBef>
+              <a:buFont typeface="Arial" panose="020B0604020202020204" pitchFamily="34" charset="0"/>
+              <a:buNone/>
+              <a:defRPr sz="1400" kern="1200">
+                <a:solidFill>
+                  <a:schemeClr val="tx1"/>
+                </a:solidFill>
+                <a:latin typeface="+mn-lt"/>
+                <a:ea typeface="+mn-ea"/>
+                <a:cs typeface="+mn-cs"/>
+              </a:defRPr>
+            </a:lvl2pPr>
+            <a:lvl3pPr marL="914400" indent="0" algn="l" defTabSz="914400" rtl="0" eaLnBrk="1" latinLnBrk="0" hangingPunct="1">
+              <a:lnSpc>
+                <a:spcPct val="90000"/>
+              </a:lnSpc>
+              <a:spcBef>
+                <a:spcPts val="500"/>
+              </a:spcBef>
+              <a:buFont typeface="Arial" panose="020B0604020202020204" pitchFamily="34" charset="0"/>
+              <a:buNone/>
+              <a:defRPr sz="1200" kern="1200">
+                <a:solidFill>
+                  <a:schemeClr val="tx1"/>
+                </a:solidFill>
+                <a:latin typeface="+mn-lt"/>
+                <a:ea typeface="+mn-ea"/>
+                <a:cs typeface="+mn-cs"/>
+              </a:defRPr>
+            </a:lvl3pPr>
+            <a:lvl4pPr marL="1371600" indent="0" algn="l" defTabSz="914400" rtl="0" eaLnBrk="1" latinLnBrk="0" hangingPunct="1">
+              <a:lnSpc>
+                <a:spcPct val="90000"/>
+              </a:lnSpc>
+              <a:spcBef>
+                <a:spcPts val="500"/>
+              </a:spcBef>
+              <a:buFont typeface="Arial" panose="020B0604020202020204" pitchFamily="34" charset="0"/>
+              <a:buNone/>
+              <a:defRPr sz="1000" kern="1200">
+                <a:solidFill>
+                  <a:schemeClr val="tx1"/>
+                </a:solidFill>
+                <a:latin typeface="+mn-lt"/>
+                <a:ea typeface="+mn-ea"/>
+                <a:cs typeface="+mn-cs"/>
+              </a:defRPr>
+            </a:lvl4pPr>
+            <a:lvl5pPr marL="1828800" indent="0" algn="l" defTabSz="914400" rtl="0" eaLnBrk="1" latinLnBrk="0" hangingPunct="1">
+              <a:lnSpc>
+                <a:spcPct val="90000"/>
+              </a:lnSpc>
+              <a:spcBef>
+                <a:spcPts val="500"/>
+              </a:spcBef>
+              <a:buFont typeface="Arial" panose="020B0604020202020204" pitchFamily="34" charset="0"/>
+              <a:buNone/>
+              <a:defRPr sz="1000" kern="1200">
+                <a:solidFill>
+                  <a:schemeClr val="tx1"/>
+                </a:solidFill>
+                <a:latin typeface="+mn-lt"/>
+                <a:ea typeface="+mn-ea"/>
+                <a:cs typeface="+mn-cs"/>
+              </a:defRPr>
+            </a:lvl5pPr>
+            <a:lvl6pPr marL="2286000" indent="0" algn="l" defTabSz="914400" rtl="0" eaLnBrk="1" latinLnBrk="0" hangingPunct="1">
+              <a:lnSpc>
+                <a:spcPct val="90000"/>
+              </a:lnSpc>
+              <a:spcBef>
+                <a:spcPts val="500"/>
+              </a:spcBef>
+              <a:buFont typeface="Arial" panose="020B0604020202020204" pitchFamily="34" charset="0"/>
+              <a:buNone/>
+              <a:defRPr sz="1000" kern="1200">
+                <a:solidFill>
+                  <a:schemeClr val="tx1"/>
+                </a:solidFill>
+                <a:latin typeface="+mn-lt"/>
+                <a:ea typeface="+mn-ea"/>
+                <a:cs typeface="+mn-cs"/>
+              </a:defRPr>
+            </a:lvl6pPr>
+            <a:lvl7pPr marL="2743200" indent="0" algn="l" defTabSz="914400" rtl="0" eaLnBrk="1" latinLnBrk="0" hangingPunct="1">
+              <a:lnSpc>
+                <a:spcPct val="90000"/>
+              </a:lnSpc>
+              <a:spcBef>
+                <a:spcPts val="500"/>
+              </a:spcBef>
+              <a:buFont typeface="Arial" panose="020B0604020202020204" pitchFamily="34" charset="0"/>
+              <a:buNone/>
+              <a:defRPr sz="1000" kern="1200">
+                <a:solidFill>
+                  <a:schemeClr val="tx1"/>
+                </a:solidFill>
+                <a:latin typeface="+mn-lt"/>
+                <a:ea typeface="+mn-ea"/>
+                <a:cs typeface="+mn-cs"/>
+              </a:defRPr>
+            </a:lvl7pPr>
+            <a:lvl8pPr marL="3200400" indent="0" algn="l" defTabSz="914400" rtl="0" eaLnBrk="1" latinLnBrk="0" hangingPunct="1">
+              <a:lnSpc>
+                <a:spcPct val="90000"/>
+              </a:lnSpc>
+              <a:spcBef>
+                <a:spcPts val="500"/>
+              </a:spcBef>
+              <a:buFont typeface="Arial" panose="020B0604020202020204" pitchFamily="34" charset="0"/>
+              <a:buNone/>
+              <a:defRPr sz="1000" kern="1200">
+                <a:solidFill>
+                  <a:schemeClr val="tx1"/>
+                </a:solidFill>
+                <a:latin typeface="+mn-lt"/>
+                <a:ea typeface="+mn-ea"/>
+                <a:cs typeface="+mn-cs"/>
+              </a:defRPr>
+            </a:lvl8pPr>
+            <a:lvl9pPr marL="3657600" indent="0" algn="l" defTabSz="914400" rtl="0" eaLnBrk="1" latinLnBrk="0" hangingPunct="1">
+              <a:lnSpc>
+                <a:spcPct val="90000"/>
+              </a:lnSpc>
+              <a:spcBef>
+                <a:spcPts val="500"/>
+              </a:spcBef>
+              <a:buFont typeface="Arial" panose="020B0604020202020204" pitchFamily="34" charset="0"/>
+              <a:buNone/>
+              <a:defRPr sz="1000" kern="1200">
+                <a:solidFill>
+                  <a:schemeClr val="tx1"/>
+                </a:solidFill>
+                <a:latin typeface="+mn-lt"/>
+                <a:ea typeface="+mn-ea"/>
+                <a:cs typeface="+mn-cs"/>
+              </a:defRPr>
+            </a:lvl9pPr>
+          </a:lstStyle>
+          <a:p>
+            <a:endParaRPr lang="ru-RU" dirty="0"/>
+          </a:p>
+          <a:p>
+            <a:pPr marL="342900" indent="-342900">
+              <a:buFont typeface="Arial" panose="020B0604020202020204" pitchFamily="34" charset="0"/>
+              <a:buChar char="•"/>
+            </a:pPr>
+            <a:r>
+              <a:rPr lang="ru-RU" sz="2000" dirty="0">
+                <a:latin typeface="Times New Roman" panose="02020603050405020304" pitchFamily="18" charset="0"/>
+                <a:cs typeface="Times New Roman" panose="02020603050405020304" pitchFamily="18" charset="0"/>
+              </a:rPr>
+              <a:t>Реализация метода </a:t>
+            </a:r>
+            <a:r>
+              <a:rPr lang="en-US" sz="2000" dirty="0">
+                <a:latin typeface="Times New Roman" panose="02020603050405020304" pitchFamily="18" charset="0"/>
+                <a:cs typeface="Times New Roman" panose="02020603050405020304" pitchFamily="18" charset="0"/>
+              </a:rPr>
+              <a:t>p – </a:t>
+            </a:r>
+            <a:r>
+              <a:rPr lang="ru-RU" sz="2000" dirty="0" err="1">
+                <a:latin typeface="Times New Roman" panose="02020603050405020304" pitchFamily="18" charset="0"/>
+                <a:cs typeface="Times New Roman" panose="02020603050405020304" pitchFamily="18" charset="0"/>
+              </a:rPr>
+              <a:t>Полларда</a:t>
+            </a:r>
+            <a:r>
+              <a:rPr lang="ru-RU" sz="2000" dirty="0">
+                <a:latin typeface="Times New Roman" panose="02020603050405020304" pitchFamily="18" charset="0"/>
+                <a:cs typeface="Times New Roman" panose="02020603050405020304" pitchFamily="18" charset="0"/>
+              </a:rPr>
+              <a:t>. Его ускорение.</a:t>
+            </a:r>
+          </a:p>
+          <a:p>
+            <a:endParaRPr lang="ru-RU" sz="2000" dirty="0">
+              <a:latin typeface="Times New Roman" panose="02020603050405020304" pitchFamily="18" charset="0"/>
+              <a:cs typeface="Times New Roman" panose="02020603050405020304" pitchFamily="18" charset="0"/>
+            </a:endParaRPr>
+          </a:p>
+          <a:p>
+            <a:pPr marL="342900" indent="-342900">
+              <a:buFont typeface="Arial" panose="020B0604020202020204" pitchFamily="34" charset="0"/>
+              <a:buChar char="•"/>
+            </a:pPr>
+            <a:r>
+              <a:rPr lang="ru-RU" sz="2000" dirty="0">
+                <a:latin typeface="Times New Roman" panose="02020603050405020304" pitchFamily="18" charset="0"/>
+                <a:cs typeface="Times New Roman" panose="02020603050405020304" pitchFamily="18" charset="0"/>
+              </a:rPr>
+              <a:t>Реализация алгоритма квадратичного решета. Ускорение. </a:t>
+            </a:r>
+          </a:p>
+          <a:p>
+            <a:pPr marL="342900" indent="-342900">
+              <a:buFont typeface="Arial" panose="020B0604020202020204" pitchFamily="34" charset="0"/>
+              <a:buChar char="•"/>
+            </a:pPr>
+            <a:endParaRPr lang="ru-RU" sz="2000" dirty="0">
+              <a:latin typeface="Times New Roman" panose="02020603050405020304" pitchFamily="18" charset="0"/>
+              <a:cs typeface="Times New Roman" panose="02020603050405020304" pitchFamily="18" charset="0"/>
+            </a:endParaRPr>
+          </a:p>
+          <a:p>
+            <a:pPr marL="342900" indent="-342900">
+              <a:buFont typeface="Arial" panose="020B0604020202020204" pitchFamily="34" charset="0"/>
+              <a:buChar char="•"/>
+            </a:pPr>
+            <a:r>
+              <a:rPr lang="ru-RU" sz="2000" dirty="0">
+                <a:latin typeface="Times New Roman" panose="02020603050405020304" pitchFamily="18" charset="0"/>
+                <a:cs typeface="Times New Roman" panose="02020603050405020304" pitchFamily="18" charset="0"/>
+              </a:rPr>
+              <a:t>Сравнение скорости работы с другим алгоритмом.</a:t>
+            </a:r>
+          </a:p>
+          <a:p>
+            <a:endParaRPr lang="ru-RU" dirty="0">
+              <a:latin typeface="Times New Roman" panose="02020603050405020304" pitchFamily="18" charset="0"/>
+              <a:cs typeface="Times New Roman" panose="02020603050405020304" pitchFamily="18" charset="0"/>
+            </a:endParaRPr>
+          </a:p>
+          <a:p>
+            <a:endParaRPr lang="ru-RU" dirty="0"/>
+          </a:p>
+          <a:p>
+            <a:endParaRPr lang="ru-RU" dirty="0">
+              <a:latin typeface="Times New Roman" panose="02020603050405020304" pitchFamily="18" charset="0"/>
+              <a:cs typeface="Times New Roman" panose="02020603050405020304" pitchFamily="18" charset="0"/>
+            </a:endParaRPr>
+          </a:p>
+          <a:p>
+            <a:endParaRPr lang="ru-RU" dirty="0"/>
+          </a:p>
+          <a:p>
+            <a:endParaRPr lang="ru-RU" dirty="0">
+              <a:latin typeface="Times New Roman" panose="02020603050405020304" pitchFamily="18" charset="0"/>
+              <a:cs typeface="Times New Roman" panose="02020603050405020304" pitchFamily="18" charset="0"/>
+            </a:endParaRPr>
+          </a:p>
+          <a:p>
+            <a:endParaRPr lang="ru-RU" dirty="0"/>
+          </a:p>
+        </p:txBody>
+      </p:sp>
+    </p:spTree>
+    <p:extLst>
+      <p:ext uri="{BB962C8B-B14F-4D97-AF65-F5344CB8AC3E}">
+        <p14:creationId xmlns:p14="http://schemas.microsoft.com/office/powerpoint/2010/main" val="2070671371"/>
+      </p:ext>
+    </p:extLst>
+  </p:cSld>
+  <p:clrMapOvr>
+    <a:masterClrMapping/>
+  </p:clrMapOvr>
+</p:sld>
+</file>
+
+<file path=ppt/slides/slide4.xml><?xml version="1.0" encoding="utf-8"?>
+<p:sld xmlns:a="http://schemas.openxmlformats.org/drawingml/2006/main" xmlns:r="http://schemas.openxmlformats.org/officeDocument/2006/relationships" xmlns:p="http://schemas.openxmlformats.org/presentationml/2006/main">
+  <p:cSld>
+    <p:spTree>
+      <p:nvGrpSpPr>
+        <p:cNvPr id="1" name=""/>
+        <p:cNvGrpSpPr/>
+        <p:nvPr/>
+      </p:nvGrpSpPr>
+      <p:grpSpPr>
+        <a:xfrm>
+          <a:off x="0" y="0"/>
+          <a:ext cx="0" cy="0"/>
+          <a:chOff x="0" y="0"/>
+          <a:chExt cx="0" cy="0"/>
+        </a:xfrm>
+      </p:grpSpPr>
+      <p:sp>
+        <p:nvSpPr>
+          <p:cNvPr id="3" name="Заголовок 2">
+            <a:extLst>
+              <a:ext uri="{FF2B5EF4-FFF2-40B4-BE49-F238E27FC236}">
+                <a16:creationId xmlns:a16="http://schemas.microsoft.com/office/drawing/2014/main" id="{0C2ECB21-A26C-FA84-FE18-946F5515F38F}"/>
+              </a:ext>
+            </a:extLst>
+          </p:cNvPr>
+          <p:cNvSpPr>
+            <a:spLocks noGrp="1"/>
+          </p:cNvSpPr>
+          <p:nvPr>
+            <p:ph type="title"/>
+          </p:nvPr>
+        </p:nvSpPr>
+        <p:spPr>
+          <a:xfrm>
+            <a:off x="839788" y="457200"/>
+            <a:ext cx="8644638" cy="531812"/>
+          </a:xfrm>
+        </p:spPr>
+        <p:txBody>
+          <a:bodyPr/>
+          <a:lstStyle/>
+          <a:p>
+            <a:r>
+              <a:rPr lang="ru-RU" sz="3200" dirty="0">
+                <a:latin typeface="Times New Roman" panose="02020603050405020304" pitchFamily="18" charset="0"/>
+                <a:cs typeface="Times New Roman" panose="02020603050405020304" pitchFamily="18" charset="0"/>
+              </a:rPr>
+              <a:t>Реализация алгоритма </a:t>
+            </a:r>
+            <a:r>
+              <a:rPr lang="en-US" sz="3200" dirty="0">
+                <a:latin typeface="Times New Roman" panose="02020603050405020304" pitchFamily="18" charset="0"/>
+                <a:cs typeface="Times New Roman" panose="02020603050405020304" pitchFamily="18" charset="0"/>
+              </a:rPr>
+              <a:t>p </a:t>
+            </a:r>
+            <a:r>
+              <a:rPr lang="ru-RU" sz="3200" dirty="0" err="1">
+                <a:latin typeface="Times New Roman" panose="02020603050405020304" pitchFamily="18" charset="0"/>
+                <a:cs typeface="Times New Roman" panose="02020603050405020304" pitchFamily="18" charset="0"/>
+              </a:rPr>
+              <a:t>Полларда</a:t>
+            </a:r>
+            <a:endParaRPr lang="ru-RU" sz="3200" dirty="0">
+              <a:latin typeface="Times New Roman" panose="02020603050405020304" pitchFamily="18" charset="0"/>
+              <a:cs typeface="Times New Roman" panose="02020603050405020304" pitchFamily="18" charset="0"/>
+            </a:endParaRPr>
+          </a:p>
+        </p:txBody>
+      </p:sp>
+      <p:sp>
+        <p:nvSpPr>
+          <p:cNvPr id="5" name="Текст 4">
+            <a:extLst>
+              <a:ext uri="{FF2B5EF4-FFF2-40B4-BE49-F238E27FC236}">
+                <a16:creationId xmlns:a16="http://schemas.microsoft.com/office/drawing/2014/main" id="{16878DF1-4D9B-35A8-526C-96168621FD89}"/>
+              </a:ext>
+            </a:extLst>
+          </p:cNvPr>
+          <p:cNvSpPr>
+            <a:spLocks noGrp="1"/>
+          </p:cNvSpPr>
+          <p:nvPr>
+            <p:ph type="body" sz="half" idx="2"/>
+          </p:nvPr>
+        </p:nvSpPr>
+        <p:spPr>
+          <a:xfrm>
+            <a:off x="839788" y="1112322"/>
+            <a:ext cx="3932237" cy="4756666"/>
+          </a:xfrm>
+        </p:spPr>
+        <p:txBody>
+          <a:bodyPr/>
+          <a:lstStyle/>
+          <a:p>
+            <a:pPr marL="285750" indent="-285750">
+              <a:buFont typeface="Arial" panose="020B0604020202020204" pitchFamily="34" charset="0"/>
+              <a:buChar char="•"/>
+            </a:pPr>
+            <a:endParaRPr lang="en-US" sz="2000" dirty="0">
+              <a:latin typeface="Times New Roman" panose="02020603050405020304" pitchFamily="18" charset="0"/>
+              <a:cs typeface="Times New Roman" panose="02020603050405020304" pitchFamily="18" charset="0"/>
+            </a:endParaRPr>
+          </a:p>
+          <a:p>
+            <a:pPr marL="285750" indent="-285750">
+              <a:buFont typeface="Arial" panose="020B0604020202020204" pitchFamily="34" charset="0"/>
+              <a:buChar char="•"/>
+            </a:pPr>
+            <a:r>
+              <a:rPr lang="en-US" sz="2000" dirty="0">
+                <a:latin typeface="Times New Roman" panose="02020603050405020304" pitchFamily="18" charset="0"/>
+                <a:cs typeface="Times New Roman" panose="02020603050405020304" pitchFamily="18" charset="0"/>
+              </a:rPr>
+              <a:t>p </a:t>
+            </a:r>
+            <a:r>
+              <a:rPr lang="ru-RU" sz="2000" dirty="0">
+                <a:latin typeface="Times New Roman" panose="02020603050405020304" pitchFamily="18" charset="0"/>
+                <a:cs typeface="Times New Roman" panose="02020603050405020304" pitchFamily="18" charset="0"/>
+              </a:rPr>
+              <a:t>метод </a:t>
+            </a:r>
+            <a:r>
+              <a:rPr lang="ru-RU" sz="2000" dirty="0" err="1">
+                <a:latin typeface="Times New Roman" panose="02020603050405020304" pitchFamily="18" charset="0"/>
+                <a:cs typeface="Times New Roman" panose="02020603050405020304" pitchFamily="18" charset="0"/>
+              </a:rPr>
+              <a:t>Полларда</a:t>
+            </a:r>
+            <a:r>
+              <a:rPr lang="ru-RU" sz="2000" dirty="0">
+                <a:latin typeface="Times New Roman" panose="02020603050405020304" pitchFamily="18" charset="0"/>
+                <a:cs typeface="Times New Roman" panose="02020603050405020304" pitchFamily="18" charset="0"/>
+              </a:rPr>
+              <a:t> – основанный на парадоксе дня рождений. </a:t>
+            </a:r>
+            <a:endParaRPr lang="en-US" sz="2000" dirty="0">
+              <a:latin typeface="Times New Roman" panose="02020603050405020304" pitchFamily="18" charset="0"/>
+              <a:cs typeface="Times New Roman" panose="02020603050405020304" pitchFamily="18" charset="0"/>
+            </a:endParaRPr>
+          </a:p>
+          <a:p>
+            <a:pPr marL="285750" indent="-285750">
+              <a:buFont typeface="Arial" panose="020B0604020202020204" pitchFamily="34" charset="0"/>
+              <a:buChar char="•"/>
+            </a:pPr>
+            <a:endParaRPr lang="en-US" sz="2000" dirty="0">
+              <a:latin typeface="Times New Roman" panose="02020603050405020304" pitchFamily="18" charset="0"/>
+              <a:cs typeface="Times New Roman" panose="02020603050405020304" pitchFamily="18" charset="0"/>
+            </a:endParaRPr>
+          </a:p>
+          <a:p>
+            <a:pPr marL="285750" indent="-285750">
+              <a:buFont typeface="Arial" panose="020B0604020202020204" pitchFamily="34" charset="0"/>
+              <a:buChar char="•"/>
+            </a:pPr>
+            <a:r>
+              <a:rPr lang="ru-RU" sz="2000" dirty="0">
+                <a:latin typeface="Times New Roman" panose="02020603050405020304" pitchFamily="18" charset="0"/>
+                <a:cs typeface="Times New Roman" panose="02020603050405020304" pitchFamily="18" charset="0"/>
+              </a:rPr>
+              <a:t>Является основным экспоненциальным алгоритмом факторизации. </a:t>
+            </a:r>
+            <a:endParaRPr lang="en-US" sz="2000" dirty="0">
+              <a:latin typeface="Times New Roman" panose="02020603050405020304" pitchFamily="18" charset="0"/>
+              <a:cs typeface="Times New Roman" panose="02020603050405020304" pitchFamily="18" charset="0"/>
+            </a:endParaRPr>
+          </a:p>
+          <a:p>
+            <a:pPr marL="285750" indent="-285750">
+              <a:buFont typeface="Arial" panose="020B0604020202020204" pitchFamily="34" charset="0"/>
+              <a:buChar char="•"/>
+            </a:pPr>
+            <a:endParaRPr lang="en-US" sz="2000" dirty="0">
+              <a:latin typeface="Times New Roman" panose="02020603050405020304" pitchFamily="18" charset="0"/>
+              <a:cs typeface="Times New Roman" panose="02020603050405020304" pitchFamily="18" charset="0"/>
+            </a:endParaRPr>
+          </a:p>
+          <a:p>
+            <a:pPr marL="285750" indent="-285750">
+              <a:buFont typeface="Arial" panose="020B0604020202020204" pitchFamily="34" charset="0"/>
+              <a:buChar char="•"/>
+            </a:pPr>
+            <a:r>
+              <a:rPr lang="ru-RU" sz="2000" dirty="0">
+                <a:latin typeface="Times New Roman" panose="02020603050405020304" pitchFamily="18" charset="0"/>
+                <a:cs typeface="Times New Roman" panose="02020603050405020304" pitchFamily="18" charset="0"/>
+              </a:rPr>
+              <a:t>Имеет сложность О(</a:t>
+            </a:r>
+            <a:r>
+              <a:rPr lang="en-US" sz="2000" dirty="0">
+                <a:latin typeface="Times New Roman" panose="02020603050405020304" pitchFamily="18" charset="0"/>
+                <a:cs typeface="Times New Roman" panose="02020603050405020304" pitchFamily="18" charset="0"/>
+              </a:rPr>
+              <a:t>n^1/4</a:t>
+            </a:r>
+            <a:r>
+              <a:rPr lang="ru-RU" sz="2000" dirty="0">
+                <a:latin typeface="Times New Roman" panose="02020603050405020304" pitchFamily="18" charset="0"/>
+                <a:cs typeface="Times New Roman" panose="02020603050405020304" pitchFamily="18" charset="0"/>
+              </a:rPr>
+              <a:t>).</a:t>
+            </a:r>
+          </a:p>
+          <a:p>
+            <a:endParaRPr lang="ru-RU" dirty="0"/>
+          </a:p>
+          <a:p>
+            <a:endParaRPr lang="ru-RU" sz="1600" dirty="0">
+              <a:latin typeface="Times New Roman" panose="02020603050405020304" pitchFamily="18" charset="0"/>
+              <a:cs typeface="Times New Roman" panose="02020603050405020304" pitchFamily="18" charset="0"/>
+            </a:endParaRPr>
+          </a:p>
+          <a:p>
+            <a:endParaRPr lang="ru-RU" dirty="0"/>
+          </a:p>
+          <a:p>
+            <a:endParaRPr lang="ru-RU" sz="1600" dirty="0">
+              <a:latin typeface="Times New Roman" panose="02020603050405020304" pitchFamily="18" charset="0"/>
+              <a:cs typeface="Times New Roman" panose="02020603050405020304" pitchFamily="18" charset="0"/>
+            </a:endParaRPr>
+          </a:p>
+          <a:p>
+            <a:endParaRPr lang="ru-RU" dirty="0"/>
+          </a:p>
+        </p:txBody>
+      </p:sp>
+      <p:pic>
+        <p:nvPicPr>
+          <p:cNvPr id="9" name="Рисунок 8">
+            <a:extLst>
+              <a:ext uri="{FF2B5EF4-FFF2-40B4-BE49-F238E27FC236}">
+                <a16:creationId xmlns:a16="http://schemas.microsoft.com/office/drawing/2014/main" id="{05063DBC-61A5-9E7E-D2A4-ACC9DFE5AD12}"/>
+              </a:ext>
+            </a:extLst>
+          </p:cNvPr>
+          <p:cNvPicPr>
+            <a:picLocks noChangeAspect="1"/>
+          </p:cNvPicPr>
+          <p:nvPr/>
+        </p:nvPicPr>
+        <p:blipFill>
+          <a:blip r:embed="rId2"/>
+          <a:stretch>
+            <a:fillRect/>
+          </a:stretch>
+        </p:blipFill>
+        <p:spPr>
+          <a:xfrm>
+            <a:off x="6451820" y="1556393"/>
+            <a:ext cx="3616660" cy="3339383"/>
+          </a:xfrm>
+          <a:prstGeom prst="rect">
+            <a:avLst/>
+          </a:prstGeom>
+        </p:spPr>
+      </p:pic>
+    </p:spTree>
+    <p:extLst>
+      <p:ext uri="{BB962C8B-B14F-4D97-AF65-F5344CB8AC3E}">
+        <p14:creationId xmlns:p14="http://schemas.microsoft.com/office/powerpoint/2010/main" val="139545386"/>
+      </p:ext>
+    </p:extLst>
+  </p:cSld>
+  <p:clrMapOvr>
+    <a:masterClrMapping/>
+  </p:clrMapOvr>
+</p:sld>
+</file>
+
+<file path=ppt/slides/slide5.xml><?xml version="1.0" encoding="utf-8"?>
 <p:sld xmlns:a="http://schemas.openxmlformats.org/drawingml/2006/main" xmlns:r="http://schemas.openxmlformats.org/officeDocument/2006/relationships" xmlns:p="http://schemas.openxmlformats.org/presentationml/2006/main">
   <p:cSld>
     <p:spTree>
@@ -9594,7 +10098,7 @@
         <p:spPr>
           <a:xfrm>
             <a:off x="838200" y="365126"/>
-            <a:ext cx="10515600" cy="1341428"/>
+            <a:ext cx="10515600" cy="888580"/>
           </a:xfrm>
         </p:spPr>
         <p:txBody>
@@ -9608,21 +10112,26 @@
                 <a:latin typeface="Times New Roman" panose="02020603050405020304" pitchFamily="18" charset="0"/>
                 <a:cs typeface="Times New Roman" panose="02020603050405020304" pitchFamily="18" charset="0"/>
               </a:rPr>
-              <a:t>Реализация метода квадратичного решета</a:t>
-            </a:r>
-            <a:br>
-              <a:rPr lang="ru-RU" sz="2800" dirty="0">
+              <a:t>Реализация алгоритма </a:t>
+            </a:r>
+            <a:r>
+              <a:rPr lang="en-US" sz="2800" dirty="0">
                 <a:latin typeface="Times New Roman" panose="02020603050405020304" pitchFamily="18" charset="0"/>
                 <a:cs typeface="Times New Roman" panose="02020603050405020304" pitchFamily="18" charset="0"/>
               </a:rPr>
-            </a:br>
-            <a:r>
-              <a:rPr lang="ru-RU" sz="2800" dirty="0">
+              <a:t>p </a:t>
+            </a:r>
+            <a:r>
+              <a:rPr lang="ru-RU" sz="2800" dirty="0" err="1">
                 <a:latin typeface="Times New Roman" panose="02020603050405020304" pitchFamily="18" charset="0"/>
                 <a:cs typeface="Times New Roman" panose="02020603050405020304" pitchFamily="18" charset="0"/>
               </a:rPr>
-              <a:t>Этап решения матрицы</a:t>
-            </a:r>
+              <a:t>Полларда</a:t>
+            </a:r>
+            <a:endParaRPr lang="ru-RU" sz="2800" dirty="0">
+              <a:latin typeface="Times New Roman" panose="02020603050405020304" pitchFamily="18" charset="0"/>
+              <a:cs typeface="Times New Roman" panose="02020603050405020304" pitchFamily="18" charset="0"/>
+            </a:endParaRPr>
           </a:p>
         </p:txBody>
       </p:sp>
@@ -9673,159 +10182,314 @@
             </a:lvl1pPr>
           </a:lstStyle>
           <a:p>
+            <a:endParaRPr lang="ru-RU" sz="2400" dirty="0">
+              <a:latin typeface="Times New Roman" panose="02020603050405020304" pitchFamily="18" charset="0"/>
+              <a:cs typeface="Times New Roman" panose="02020603050405020304" pitchFamily="18" charset="0"/>
+            </a:endParaRPr>
+          </a:p>
+        </p:txBody>
+      </p:sp>
+      <p:pic>
+        <p:nvPicPr>
+          <p:cNvPr id="6" name="Рисунок 5">
+            <a:extLst>
+              <a:ext uri="{FF2B5EF4-FFF2-40B4-BE49-F238E27FC236}">
+                <a16:creationId xmlns:a16="http://schemas.microsoft.com/office/drawing/2014/main" id="{CCD79256-41B2-449B-AE41-B4CA794568C8}"/>
+              </a:ext>
+            </a:extLst>
+          </p:cNvPr>
+          <p:cNvPicPr>
+            <a:picLocks noChangeAspect="1"/>
+          </p:cNvPicPr>
+          <p:nvPr/>
+        </p:nvPicPr>
+        <p:blipFill>
+          <a:blip r:embed="rId2"/>
+          <a:stretch>
+            <a:fillRect/>
+          </a:stretch>
+        </p:blipFill>
+        <p:spPr>
+          <a:xfrm>
+            <a:off x="838200" y="1114148"/>
+            <a:ext cx="10515599" cy="5000735"/>
+          </a:xfrm>
+          <a:prstGeom prst="rect">
+            <a:avLst/>
+          </a:prstGeom>
+        </p:spPr>
+      </p:pic>
+    </p:spTree>
+    <p:extLst>
+      <p:ext uri="{BB962C8B-B14F-4D97-AF65-F5344CB8AC3E}">
+        <p14:creationId xmlns:p14="http://schemas.microsoft.com/office/powerpoint/2010/main" val="3484133014"/>
+      </p:ext>
+    </p:extLst>
+  </p:cSld>
+  <p:clrMapOvr>
+    <a:masterClrMapping/>
+  </p:clrMapOvr>
+</p:sld>
+</file>
+
+<file path=ppt/slides/slide6.xml><?xml version="1.0" encoding="utf-8"?>
+<p:sld xmlns:a="http://schemas.openxmlformats.org/drawingml/2006/main" xmlns:r="http://schemas.openxmlformats.org/officeDocument/2006/relationships" xmlns:p="http://schemas.openxmlformats.org/presentationml/2006/main">
+  <p:cSld>
+    <p:spTree>
+      <p:nvGrpSpPr>
+        <p:cNvPr id="1" name=""/>
+        <p:cNvGrpSpPr/>
+        <p:nvPr/>
+      </p:nvGrpSpPr>
+      <p:grpSpPr>
+        <a:xfrm>
+          <a:off x="0" y="0"/>
+          <a:ext cx="0" cy="0"/>
+          <a:chOff x="0" y="0"/>
+          <a:chExt cx="0" cy="0"/>
+        </a:xfrm>
+      </p:grpSpPr>
+      <p:sp>
+        <p:nvSpPr>
+          <p:cNvPr id="3" name="Заголовок 2">
+            <a:extLst>
+              <a:ext uri="{FF2B5EF4-FFF2-40B4-BE49-F238E27FC236}">
+                <a16:creationId xmlns:a16="http://schemas.microsoft.com/office/drawing/2014/main" id="{0C2ECB21-A26C-FA84-FE18-946F5515F38F}"/>
+              </a:ext>
+            </a:extLst>
+          </p:cNvPr>
+          <p:cNvSpPr>
+            <a:spLocks noGrp="1"/>
+          </p:cNvSpPr>
+          <p:nvPr>
+            <p:ph type="title"/>
+          </p:nvPr>
+        </p:nvSpPr>
+        <p:spPr>
+          <a:xfrm>
+            <a:off x="839788" y="457200"/>
+            <a:ext cx="9812378" cy="955964"/>
+          </a:xfrm>
+        </p:spPr>
+        <p:txBody>
+          <a:bodyPr>
+            <a:normAutofit fontScale="90000"/>
+          </a:bodyPr>
+          <a:lstStyle/>
+          <a:p>
+            <a:r>
+              <a:rPr lang="ru-RU" sz="3200" dirty="0">
+                <a:latin typeface="Times New Roman" panose="02020603050405020304" pitchFamily="18" charset="0"/>
+                <a:cs typeface="Times New Roman" panose="02020603050405020304" pitchFamily="18" charset="0"/>
+              </a:rPr>
+              <a:t>Реализация метода квадратичного решета</a:t>
+            </a:r>
+            <a:br>
+              <a:rPr lang="ru-RU" sz="3200" dirty="0">
+                <a:latin typeface="Times New Roman" panose="02020603050405020304" pitchFamily="18" charset="0"/>
+                <a:cs typeface="Times New Roman" panose="02020603050405020304" pitchFamily="18" charset="0"/>
+              </a:rPr>
+            </a:br>
+            <a:r>
+              <a:rPr lang="ru-RU" sz="3200" dirty="0">
+                <a:latin typeface="Times New Roman" panose="02020603050405020304" pitchFamily="18" charset="0"/>
+                <a:cs typeface="Times New Roman" panose="02020603050405020304" pitchFamily="18" charset="0"/>
+              </a:rPr>
+              <a:t>Этап формирование факторной базы</a:t>
+            </a:r>
+          </a:p>
+        </p:txBody>
+      </p:sp>
+      <p:sp>
+        <p:nvSpPr>
+          <p:cNvPr id="5" name="Текст 4">
+            <a:extLst>
+              <a:ext uri="{FF2B5EF4-FFF2-40B4-BE49-F238E27FC236}">
+                <a16:creationId xmlns:a16="http://schemas.microsoft.com/office/drawing/2014/main" id="{16878DF1-4D9B-35A8-526C-96168621FD89}"/>
+              </a:ext>
+            </a:extLst>
+          </p:cNvPr>
+          <p:cNvSpPr>
+            <a:spLocks noGrp="1"/>
+          </p:cNvSpPr>
+          <p:nvPr>
+            <p:ph type="body" sz="half" idx="2"/>
+          </p:nvPr>
+        </p:nvSpPr>
+        <p:spPr>
+          <a:xfrm>
+            <a:off x="839788" y="1413164"/>
+            <a:ext cx="3932237" cy="4455824"/>
+          </a:xfrm>
+        </p:spPr>
+        <p:txBody>
+          <a:bodyPr/>
+          <a:lstStyle/>
+          <a:p>
             <a:pPr marL="342900" indent="-342900">
               <a:buFont typeface="Arial" panose="020B0604020202020204" pitchFamily="34" charset="0"/>
               <a:buChar char="•"/>
             </a:pPr>
-            <a:endParaRPr lang="ru-RU" sz="2400" dirty="0">
+            <a:endParaRPr lang="ru-RU" sz="2000" dirty="0">
               <a:latin typeface="Times New Roman" panose="02020603050405020304" pitchFamily="18" charset="0"/>
               <a:cs typeface="Times New Roman" panose="02020603050405020304" pitchFamily="18" charset="0"/>
             </a:endParaRPr>
           </a:p>
+          <a:p>
+            <a:pPr marL="342900" indent="-342900">
+              <a:buFont typeface="Arial" panose="020B0604020202020204" pitchFamily="34" charset="0"/>
+              <a:buChar char="•"/>
+            </a:pPr>
+            <a:r>
+              <a:rPr lang="ru-RU" sz="2000" dirty="0">
+                <a:latin typeface="Times New Roman" panose="02020603050405020304" pitchFamily="18" charset="0"/>
+                <a:cs typeface="Times New Roman" panose="02020603050405020304" pitchFamily="18" charset="0"/>
+              </a:rPr>
+              <a:t>Реализация решета Эратосфена.</a:t>
+            </a:r>
+          </a:p>
+          <a:p>
+            <a:pPr marL="342900" indent="-342900">
+              <a:buFont typeface="Arial" panose="020B0604020202020204" pitchFamily="34" charset="0"/>
+              <a:buChar char="•"/>
+            </a:pPr>
+            <a:endParaRPr lang="ru-RU" sz="2000" dirty="0">
+              <a:latin typeface="Times New Roman" panose="02020603050405020304" pitchFamily="18" charset="0"/>
+              <a:cs typeface="Times New Roman" panose="02020603050405020304" pitchFamily="18" charset="0"/>
+            </a:endParaRPr>
+          </a:p>
+          <a:p>
+            <a:pPr marL="342900" indent="-342900">
+              <a:buFont typeface="Arial" panose="020B0604020202020204" pitchFamily="34" charset="0"/>
+              <a:buChar char="•"/>
+            </a:pPr>
+            <a:r>
+              <a:rPr lang="ru-RU" sz="2000" dirty="0">
+                <a:latin typeface="Times New Roman" panose="02020603050405020304" pitchFamily="18" charset="0"/>
+                <a:cs typeface="Times New Roman" panose="02020603050405020304" pitchFamily="18" charset="0"/>
+              </a:rPr>
+              <a:t>Реализация решета </a:t>
+            </a:r>
+            <a:r>
+              <a:rPr lang="ru-RU" sz="2000" dirty="0" err="1">
+                <a:latin typeface="Times New Roman" panose="02020603050405020304" pitchFamily="18" charset="0"/>
+                <a:cs typeface="Times New Roman" panose="02020603050405020304" pitchFamily="18" charset="0"/>
+              </a:rPr>
+              <a:t>Аткина</a:t>
+            </a:r>
+            <a:r>
+              <a:rPr lang="ru-RU" sz="2000" dirty="0">
+                <a:latin typeface="Times New Roman" panose="02020603050405020304" pitchFamily="18" charset="0"/>
+                <a:cs typeface="Times New Roman" panose="02020603050405020304" pitchFamily="18" charset="0"/>
+              </a:rPr>
+              <a:t> дает несущественный прирост скорости. </a:t>
+            </a:r>
+          </a:p>
+          <a:p>
+            <a:endParaRPr lang="ru-RU" sz="2000" dirty="0">
+              <a:latin typeface="Times New Roman" panose="02020603050405020304" pitchFamily="18" charset="0"/>
+              <a:cs typeface="Times New Roman" panose="02020603050405020304" pitchFamily="18" charset="0"/>
+            </a:endParaRPr>
+          </a:p>
+          <a:p>
+            <a:pPr marL="342900" indent="-342900">
+              <a:buFont typeface="Arial" panose="020B0604020202020204" pitchFamily="34" charset="0"/>
+              <a:buChar char="•"/>
+            </a:pPr>
+            <a:r>
+              <a:rPr lang="ru-RU" sz="2000" dirty="0">
+                <a:latin typeface="Times New Roman" panose="02020603050405020304" pitchFamily="18" charset="0"/>
+                <a:cs typeface="Times New Roman" panose="02020603050405020304" pitchFamily="18" charset="0"/>
+              </a:rPr>
+              <a:t>Это даст возможность найти оптимальные начальные условия немного быстрее.</a:t>
+            </a:r>
+          </a:p>
+          <a:p>
+            <a:endParaRPr lang="ru-RU" dirty="0">
+              <a:latin typeface="Times New Roman" panose="02020603050405020304" pitchFamily="18" charset="0"/>
+              <a:cs typeface="Times New Roman" panose="02020603050405020304" pitchFamily="18" charset="0"/>
+            </a:endParaRPr>
+          </a:p>
+          <a:p>
+            <a:endParaRPr lang="ru-RU" sz="1600" dirty="0">
+              <a:latin typeface="Times New Roman" panose="02020603050405020304" pitchFamily="18" charset="0"/>
+              <a:cs typeface="Times New Roman" panose="02020603050405020304" pitchFamily="18" charset="0"/>
+            </a:endParaRPr>
+          </a:p>
+          <a:p>
+            <a:endParaRPr lang="ru-RU" dirty="0"/>
+          </a:p>
+          <a:p>
+            <a:endParaRPr lang="ru-RU" sz="1600" dirty="0">
+              <a:latin typeface="Times New Roman" panose="02020603050405020304" pitchFamily="18" charset="0"/>
+              <a:cs typeface="Times New Roman" panose="02020603050405020304" pitchFamily="18" charset="0"/>
+            </a:endParaRPr>
+          </a:p>
+          <a:p>
+            <a:endParaRPr lang="ru-RU" dirty="0"/>
+          </a:p>
+          <a:p>
+            <a:endParaRPr lang="ru-RU" sz="1600" dirty="0">
+              <a:latin typeface="Times New Roman" panose="02020603050405020304" pitchFamily="18" charset="0"/>
+              <a:cs typeface="Times New Roman" panose="02020603050405020304" pitchFamily="18" charset="0"/>
+            </a:endParaRPr>
+          </a:p>
+          <a:p>
+            <a:endParaRPr lang="ru-RU" dirty="0"/>
+          </a:p>
         </p:txBody>
       </p:sp>
-      <p:graphicFrame>
-        <p:nvGraphicFramePr>
-          <p:cNvPr id="8" name="Диаграмма 7">
+      <p:pic>
+        <p:nvPicPr>
+          <p:cNvPr id="2054" name="Picture 6" descr="Проверка простое ли число. Как найти простые числа">
             <a:extLst>
               <a:ext uri="{FF2B5EF4-FFF2-40B4-BE49-F238E27FC236}">
-                <a16:creationId xmlns:a16="http://schemas.microsoft.com/office/drawing/2014/main" id="{9F353B77-3950-42CC-94FE-27717CAF9185}"/>
+                <a16:creationId xmlns:a16="http://schemas.microsoft.com/office/drawing/2014/main" id="{8CF7B13F-FD64-9CF8-9B98-57363170F2A9}"/>
               </a:ext>
             </a:extLst>
           </p:cNvPr>
-          <p:cNvGraphicFramePr/>
-          <p:nvPr>
-            <p:extLst>
-              <p:ext uri="{D42A27DB-BD31-4B8C-83A1-F6EECF244321}">
-                <p14:modId xmlns:p14="http://schemas.microsoft.com/office/powerpoint/2010/main" val="80006039"/>
-              </p:ext>
-            </p:extLst>
-          </p:nvPr>
-        </p:nvGraphicFramePr>
-        <p:xfrm>
-          <a:off x="838200" y="2050230"/>
-          <a:ext cx="5175624" cy="4025922"/>
-        </p:xfrm>
-        <a:graphic>
-          <a:graphicData uri="http://schemas.openxmlformats.org/drawingml/2006/chart">
-            <c:chart xmlns:c="http://schemas.openxmlformats.org/drawingml/2006/chart" xmlns:r="http://schemas.openxmlformats.org/officeDocument/2006/relationships" r:id="rId2"/>
-          </a:graphicData>
-        </a:graphic>
-      </p:graphicFrame>
-      <p:sp>
-        <p:nvSpPr>
-          <p:cNvPr id="10" name="TextBox 9">
+          <p:cNvPicPr>
+            <a:picLocks noChangeAspect="1" noChangeArrowheads="1"/>
+          </p:cNvPicPr>
+          <p:nvPr/>
+        </p:nvPicPr>
+        <p:blipFill>
+          <a:blip r:embed="rId2">
             <a:extLst>
-              <a:ext uri="{FF2B5EF4-FFF2-40B4-BE49-F238E27FC236}">
-                <a16:creationId xmlns:a16="http://schemas.microsoft.com/office/drawing/2014/main" id="{8867B8BC-4DD7-4681-AA16-3DC4C688613B}"/>
+              <a:ext uri="{28A0092B-C50C-407E-A947-70E740481C1C}">
+                <a14:useLocalDpi xmlns:a14="http://schemas.microsoft.com/office/drawing/2010/main" val="0"/>
               </a:ext>
             </a:extLst>
-          </p:cNvPr>
-          <p:cNvSpPr txBox="1"/>
-          <p:nvPr/>
-        </p:nvSpPr>
-        <p:spPr>
+          </a:blip>
+          <a:srcRect/>
+          <a:stretch>
+            <a:fillRect/>
+          </a:stretch>
+        </p:blipFill>
+        <p:spPr bwMode="auto">
           <a:xfrm>
-            <a:off x="6503080" y="2278087"/>
-            <a:ext cx="4850720" cy="3139321"/>
+            <a:off x="5455024" y="1413164"/>
+            <a:ext cx="6096000" cy="4572000"/>
           </a:xfrm>
           <a:prstGeom prst="rect">
             <a:avLst/>
           </a:prstGeom>
           <a:noFill/>
+          <a:extLst>
+            <a:ext uri="{909E8E84-426E-40DD-AFC4-6F175D3DCCD1}">
+              <a14:hiddenFill xmlns:a14="http://schemas.microsoft.com/office/drawing/2010/main">
+                <a:solidFill>
+                  <a:srgbClr val="FFFFFF"/>
+                </a:solidFill>
+              </a14:hiddenFill>
+            </a:ext>
+          </a:extLst>
         </p:spPr>
-        <p:txBody>
-          <a:bodyPr wrap="square" rtlCol="0">
-            <a:spAutoFit/>
-          </a:bodyPr>
-          <a:lstStyle/>
-          <a:p>
-            <a:r>
-              <a:rPr lang="ru-RU" sz="2200" dirty="0">
-                <a:latin typeface="Times New Roman" panose="02020603050405020304" pitchFamily="18" charset="0"/>
-                <a:cs typeface="Times New Roman" panose="02020603050405020304" pitchFamily="18" charset="0"/>
-              </a:rPr>
-              <a:t>Оптимальный выбор начальных условий позволяет снизить необходимое кол-во операций для решения матрицы, так как именно её невозможно адекватно решать быстрее.</a:t>
-            </a:r>
-          </a:p>
-          <a:p>
-            <a:endParaRPr lang="ru-RU" sz="2200" dirty="0">
-              <a:latin typeface="Times New Roman" panose="02020603050405020304" pitchFamily="18" charset="0"/>
-              <a:cs typeface="Times New Roman" panose="02020603050405020304" pitchFamily="18" charset="0"/>
-            </a:endParaRPr>
-          </a:p>
-          <a:p>
-            <a:r>
-              <a:rPr lang="ru-RU" sz="2200" dirty="0">
-                <a:latin typeface="Times New Roman" panose="02020603050405020304" pitchFamily="18" charset="0"/>
-                <a:cs typeface="Times New Roman" panose="02020603050405020304" pitchFamily="18" charset="0"/>
-              </a:rPr>
-              <a:t>Применение битовых срезов дает прирост скорости.</a:t>
-            </a:r>
-          </a:p>
-        </p:txBody>
-      </p:sp>
-      <p:sp>
-        <p:nvSpPr>
-          <p:cNvPr id="3" name="TextBox 2">
-            <a:extLst>
-              <a:ext uri="{FF2B5EF4-FFF2-40B4-BE49-F238E27FC236}">
-                <a16:creationId xmlns:a16="http://schemas.microsoft.com/office/drawing/2014/main" id="{AC3994AE-87F5-CB46-B5AA-F4903F77D9F2}"/>
-              </a:ext>
-            </a:extLst>
-          </p:cNvPr>
-          <p:cNvSpPr txBox="1"/>
-          <p:nvPr/>
-        </p:nvSpPr>
-        <p:spPr>
-          <a:xfrm>
-            <a:off x="4156364" y="6293922"/>
-            <a:ext cx="8475269" cy="646331"/>
-          </a:xfrm>
-          <a:prstGeom prst="rect">
-            <a:avLst/>
-          </a:prstGeom>
-          <a:noFill/>
-        </p:spPr>
-        <p:txBody>
-          <a:bodyPr wrap="none" rtlCol="0">
-            <a:spAutoFit/>
-          </a:bodyPr>
-          <a:lstStyle/>
-          <a:p>
-            <a:r>
-              <a:rPr lang="ru-RU" dirty="0"/>
-              <a:t>Пояснить улучшение и слайды </a:t>
-            </a:r>
-            <a:r>
-              <a:rPr lang="ru-RU" dirty="0" err="1"/>
-              <a:t>доабвить</a:t>
-            </a:r>
-            <a:r>
-              <a:rPr lang="ru-RU" dirty="0"/>
-              <a:t> математику </a:t>
-            </a:r>
-            <a:r>
-              <a:rPr lang="ru-RU" dirty="0" err="1"/>
-              <a:t>обьяснением</a:t>
-            </a:r>
-            <a:r>
-              <a:rPr lang="ru-RU" dirty="0"/>
-              <a:t> и потом метрики</a:t>
-            </a:r>
-          </a:p>
-          <a:p>
-            <a:r>
-              <a:rPr lang="ru-RU" dirty="0"/>
-              <a:t>  </a:t>
-            </a:r>
-          </a:p>
-        </p:txBody>
-      </p:sp>
+      </p:pic>
     </p:spTree>
     <p:extLst>
       <p:ext uri="{BB962C8B-B14F-4D97-AF65-F5344CB8AC3E}">
-        <p14:creationId xmlns:p14="http://schemas.microsoft.com/office/powerpoint/2010/main" val="3603928362"/>
+        <p14:creationId xmlns:p14="http://schemas.microsoft.com/office/powerpoint/2010/main" val="3426819134"/>
       </p:ext>
     </p:extLst>
   </p:cSld>
@@ -9898,7 +10562,7 @@
                 <a:latin typeface="Times New Roman" panose="02020603050405020304" pitchFamily="18" charset="0"/>
                 <a:cs typeface="Times New Roman" panose="02020603050405020304" pitchFamily="18" charset="0"/>
               </a:rPr>
-              <a:t>Основные плюсы дальнейшего усовершенствования</a:t>
+              <a:t>Этап формирование факторной базы</a:t>
             </a:r>
           </a:p>
         </p:txBody>
@@ -9961,65 +10625,12 @@
           </a:p>
         </p:txBody>
       </p:sp>
-      <p:sp>
-        <p:nvSpPr>
-          <p:cNvPr id="10" name="TextBox 9">
+      <p:graphicFrame>
+        <p:nvGraphicFramePr>
+          <p:cNvPr id="8" name="Диаграмма 7">
             <a:extLst>
               <a:ext uri="{FF2B5EF4-FFF2-40B4-BE49-F238E27FC236}">
-                <a16:creationId xmlns:a16="http://schemas.microsoft.com/office/drawing/2014/main" id="{8867B8BC-4DD7-4681-AA16-3DC4C688613B}"/>
-              </a:ext>
-            </a:extLst>
-          </p:cNvPr>
-          <p:cNvSpPr txBox="1"/>
-          <p:nvPr/>
-        </p:nvSpPr>
-        <p:spPr>
-          <a:xfrm>
-            <a:off x="6586207" y="2664442"/>
-            <a:ext cx="4850720" cy="2123658"/>
-          </a:xfrm>
-          <a:prstGeom prst="rect">
-            <a:avLst/>
-          </a:prstGeom>
-          <a:noFill/>
-        </p:spPr>
-        <p:txBody>
-          <a:bodyPr wrap="square" rtlCol="0">
-            <a:spAutoFit/>
-          </a:bodyPr>
-          <a:lstStyle/>
-          <a:p>
-            <a:r>
-              <a:rPr lang="ru-RU" sz="2200" dirty="0">
-                <a:latin typeface="Times New Roman" panose="02020603050405020304" pitchFamily="18" charset="0"/>
-                <a:cs typeface="Times New Roman" panose="02020603050405020304" pitchFamily="18" charset="0"/>
-              </a:rPr>
-              <a:t>После использования всех улучшений можно заметить насколько быстрее работает алгоритм.</a:t>
-            </a:r>
-          </a:p>
-          <a:p>
-            <a:endParaRPr lang="ru-RU" sz="2200" dirty="0">
-              <a:latin typeface="Times New Roman" panose="02020603050405020304" pitchFamily="18" charset="0"/>
-              <a:cs typeface="Times New Roman" panose="02020603050405020304" pitchFamily="18" charset="0"/>
-            </a:endParaRPr>
-          </a:p>
-          <a:p>
-            <a:r>
-              <a:rPr lang="ru-RU" sz="2200" dirty="0">
-                <a:latin typeface="Times New Roman" panose="02020603050405020304" pitchFamily="18" charset="0"/>
-                <a:cs typeface="Times New Roman" panose="02020603050405020304" pitchFamily="18" charset="0"/>
-              </a:rPr>
-              <a:t>Но при больших числах счет идет на минуты и даже часы.</a:t>
-            </a:r>
-          </a:p>
-        </p:txBody>
-      </p:sp>
-      <p:graphicFrame>
-        <p:nvGraphicFramePr>
-          <p:cNvPr id="7" name="Диаграмма 6">
-            <a:extLst>
-              <a:ext uri="{FF2B5EF4-FFF2-40B4-BE49-F238E27FC236}">
-                <a16:creationId xmlns:a16="http://schemas.microsoft.com/office/drawing/2014/main" id="{E72B8D0D-B1D7-4420-9D32-3E7E5C6073DD}"/>
+                <a16:creationId xmlns:a16="http://schemas.microsoft.com/office/drawing/2014/main" id="{9F353B77-3950-42CC-94FE-27717CAF9185}"/>
               </a:ext>
             </a:extLst>
           </p:cNvPr>
@@ -10027,14 +10638,14 @@
           <p:nvPr>
             <p:extLst>
               <p:ext uri="{D42A27DB-BD31-4B8C-83A1-F6EECF244321}">
-                <p14:modId xmlns:p14="http://schemas.microsoft.com/office/powerpoint/2010/main" val="2973603001"/>
+                <p14:modId xmlns:p14="http://schemas.microsoft.com/office/powerpoint/2010/main" val="253639587"/>
               </p:ext>
             </p:extLst>
           </p:nvPr>
         </p:nvGraphicFramePr>
         <p:xfrm>
-          <a:off x="838200" y="2055120"/>
-          <a:ext cx="5048081" cy="4275304"/>
+          <a:off x="838200" y="1516083"/>
+          <a:ext cx="10515600" cy="4560069"/>
         </p:xfrm>
         <a:graphic>
           <a:graphicData uri="http://schemas.openxmlformats.org/drawingml/2006/chart">
@@ -10042,140 +10653,158 @@
           </a:graphicData>
         </a:graphic>
       </p:graphicFrame>
+    </p:spTree>
+    <p:extLst>
+      <p:ext uri="{BB962C8B-B14F-4D97-AF65-F5344CB8AC3E}">
+        <p14:creationId xmlns:p14="http://schemas.microsoft.com/office/powerpoint/2010/main" val="3917194807"/>
+      </p:ext>
+    </p:extLst>
+  </p:cSld>
+  <p:clrMapOvr>
+    <a:masterClrMapping/>
+  </p:clrMapOvr>
+</p:sld>
+</file>
+
+<file path=ppt/slides/slide8.xml><?xml version="1.0" encoding="utf-8"?>
+<p:sld xmlns:a="http://schemas.openxmlformats.org/drawingml/2006/main" xmlns:r="http://schemas.openxmlformats.org/officeDocument/2006/relationships" xmlns:p="http://schemas.openxmlformats.org/presentationml/2006/main">
+  <p:cSld>
+    <p:spTree>
+      <p:nvGrpSpPr>
+        <p:cNvPr id="1" name=""/>
+        <p:cNvGrpSpPr/>
+        <p:nvPr/>
+      </p:nvGrpSpPr>
+      <p:grpSpPr>
+        <a:xfrm>
+          <a:off x="0" y="0"/>
+          <a:ext cx="0" cy="0"/>
+          <a:chOff x="0" y="0"/>
+          <a:chExt cx="0" cy="0"/>
+        </a:xfrm>
+      </p:grpSpPr>
       <p:sp>
         <p:nvSpPr>
-          <p:cNvPr id="3" name="TextBox 2">
+          <p:cNvPr id="3" name="Заголовок 2">
             <a:extLst>
               <a:ext uri="{FF2B5EF4-FFF2-40B4-BE49-F238E27FC236}">
-                <a16:creationId xmlns:a16="http://schemas.microsoft.com/office/drawing/2014/main" id="{BBD1DA76-E125-D44E-894B-47E560D6E217}"/>
+                <a16:creationId xmlns:a16="http://schemas.microsoft.com/office/drawing/2014/main" id="{0C2ECB21-A26C-FA84-FE18-946F5515F38F}"/>
               </a:ext>
             </a:extLst>
           </p:cNvPr>
-          <p:cNvSpPr txBox="1"/>
-          <p:nvPr/>
+          <p:cNvSpPr>
+            <a:spLocks noGrp="1"/>
+          </p:cNvSpPr>
+          <p:nvPr>
+            <p:ph type="title"/>
+          </p:nvPr>
         </p:nvSpPr>
         <p:spPr>
           <a:xfrm>
-            <a:off x="3503221" y="6567055"/>
-            <a:ext cx="5748305" cy="369332"/>
+            <a:off x="839788" y="457200"/>
+            <a:ext cx="9448202" cy="928255"/>
           </a:xfrm>
-          <a:prstGeom prst="rect">
-            <a:avLst/>
-          </a:prstGeom>
-          <a:noFill/>
         </p:spPr>
         <p:txBody>
-          <a:bodyPr wrap="none" rtlCol="0">
-            <a:spAutoFit/>
+          <a:bodyPr>
+            <a:normAutofit fontScale="90000"/>
           </a:bodyPr>
           <a:lstStyle/>
           <a:p>
             <a:r>
-              <a:rPr lang="ru-RU" dirty="0"/>
-              <a:t>Показать в лог-ой шкале и показать метрики финальные </a:t>
+              <a:rPr lang="ru-RU" sz="3200" dirty="0">
+                <a:latin typeface="Times New Roman" panose="02020603050405020304" pitchFamily="18" charset="0"/>
+                <a:cs typeface="Times New Roman" panose="02020603050405020304" pitchFamily="18" charset="0"/>
+              </a:rPr>
+              <a:t>Реализация метода квадратичного решета</a:t>
+            </a:r>
+            <a:br>
+              <a:rPr lang="ru-RU" sz="3200" dirty="0">
+                <a:latin typeface="Times New Roman" panose="02020603050405020304" pitchFamily="18" charset="0"/>
+                <a:cs typeface="Times New Roman" panose="02020603050405020304" pitchFamily="18" charset="0"/>
+              </a:rPr>
+            </a:br>
+            <a:r>
+              <a:rPr lang="ru-RU" sz="3200" dirty="0">
+                <a:latin typeface="Times New Roman" panose="02020603050405020304" pitchFamily="18" charset="0"/>
+                <a:cs typeface="Times New Roman" panose="02020603050405020304" pitchFamily="18" charset="0"/>
+              </a:rPr>
+              <a:t>Этап просеивания</a:t>
             </a:r>
           </a:p>
         </p:txBody>
       </p:sp>
       <p:sp>
         <p:nvSpPr>
-          <p:cNvPr id="5" name="TextBox 4">
+          <p:cNvPr id="5" name="Текст 4">
             <a:extLst>
               <a:ext uri="{FF2B5EF4-FFF2-40B4-BE49-F238E27FC236}">
-                <a16:creationId xmlns:a16="http://schemas.microsoft.com/office/drawing/2014/main" id="{6DABEFFE-228E-3947-A482-3AE52BEE0DE1}"/>
+                <a16:creationId xmlns:a16="http://schemas.microsoft.com/office/drawing/2014/main" id="{16878DF1-4D9B-35A8-526C-96168621FD89}"/>
               </a:ext>
             </a:extLst>
           </p:cNvPr>
-          <p:cNvSpPr txBox="1"/>
-          <p:nvPr/>
+          <p:cNvSpPr>
+            <a:spLocks noGrp="1"/>
+          </p:cNvSpPr>
+          <p:nvPr>
+            <p:ph type="body" sz="half" idx="2"/>
+          </p:nvPr>
         </p:nvSpPr>
         <p:spPr>
           <a:xfrm>
-            <a:off x="8609610" y="5985164"/>
-            <a:ext cx="7686400" cy="923330"/>
+            <a:off x="839788" y="1385455"/>
+            <a:ext cx="4599111" cy="4833257"/>
           </a:xfrm>
-          <a:prstGeom prst="rect">
-            <a:avLst/>
-          </a:prstGeom>
-          <a:noFill/>
         </p:spPr>
         <p:txBody>
-          <a:bodyPr wrap="none" rtlCol="0">
-            <a:spAutoFit/>
+          <a:bodyPr>
+            <a:normAutofit/>
           </a:bodyPr>
           <a:lstStyle/>
           <a:p>
-            <a:r>
-              <a:rPr lang="ru-RU" dirty="0"/>
-              <a:t>Добавить </a:t>
-            </a:r>
-            <a:r>
-              <a:rPr lang="ru-RU" dirty="0" err="1"/>
-              <a:t>фин</a:t>
-            </a:r>
-            <a:r>
-              <a:rPr lang="ru-RU" dirty="0"/>
-              <a:t> слайд с выводами </a:t>
-            </a:r>
-          </a:p>
-          <a:p>
-            <a:r>
-              <a:rPr lang="ru-RU" dirty="0"/>
-              <a:t>По типу </a:t>
-            </a:r>
-            <a:r>
-              <a:rPr lang="ru-RU" dirty="0" err="1"/>
-              <a:t>добав</a:t>
-            </a:r>
-            <a:r>
-              <a:rPr lang="ru-RU" dirty="0"/>
-              <a:t> того или </a:t>
-            </a:r>
-            <a:r>
-              <a:rPr lang="ru-RU" dirty="0" err="1"/>
-              <a:t>чпшго</a:t>
-            </a:r>
-            <a:r>
-              <a:rPr lang="ru-RU" dirty="0"/>
-              <a:t> то </a:t>
-            </a:r>
-            <a:r>
-              <a:rPr lang="ru-RU" dirty="0" err="1"/>
-              <a:t>усеорило</a:t>
-            </a:r>
-            <a:r>
-              <a:rPr lang="ru-RU" dirty="0"/>
-              <a:t> на </a:t>
-            </a:r>
-            <a:r>
-              <a:rPr lang="ru-RU" dirty="0" err="1"/>
-              <a:t>стольо</a:t>
-            </a:r>
-            <a:r>
-              <a:rPr lang="ru-RU" dirty="0"/>
-              <a:t> то </a:t>
-            </a:r>
-            <a:r>
-              <a:rPr lang="ru-RU" dirty="0" err="1"/>
-              <a:t>процпнтов</a:t>
-            </a:r>
-            <a:r>
-              <a:rPr lang="ru-RU" dirty="0"/>
-              <a:t> алгоритм</a:t>
-            </a:r>
-          </a:p>
-          <a:p>
-            <a:r>
-              <a:rPr lang="ru-RU" dirty="0"/>
-              <a:t>И а конце </a:t>
-            </a:r>
-            <a:r>
-              <a:rPr lang="ru-RU" dirty="0" err="1"/>
-              <a:t>фин</a:t>
-            </a:r>
-            <a:r>
-              <a:rPr lang="ru-RU" dirty="0"/>
-              <a:t> вывод позволило ускорило </a:t>
+            <a:pPr marL="342900" indent="-342900">
+              <a:buFont typeface="Arial" panose="020B0604020202020204" pitchFamily="34" charset="0"/>
+              <a:buChar char="•"/>
+            </a:pPr>
+            <a:endParaRPr lang="ru-RU" sz="2000" dirty="0">
+              <a:latin typeface="Times New Roman" panose="02020603050405020304" pitchFamily="18" charset="0"/>
+              <a:cs typeface="Times New Roman" panose="02020603050405020304" pitchFamily="18" charset="0"/>
+            </a:endParaRPr>
+          </a:p>
+          <a:p>
+            <a:pPr marL="342900" indent="-342900">
+              <a:buFont typeface="Arial" panose="020B0604020202020204" pitchFamily="34" charset="0"/>
+              <a:buChar char="•"/>
+            </a:pPr>
+            <a:r>
+              <a:rPr lang="ru-RU" sz="2000" dirty="0">
+                <a:latin typeface="Times New Roman" panose="02020603050405020304" pitchFamily="18" charset="0"/>
+                <a:cs typeface="Times New Roman" panose="02020603050405020304" pitchFamily="18" charset="0"/>
+              </a:rPr>
+              <a:t>Реализация мультипроцессорного просеивания дает возможность быстрее оценить сложность и временной затрат. </a:t>
+            </a:r>
+          </a:p>
+          <a:p>
+            <a:pPr marL="342900" indent="-342900">
+              <a:buFont typeface="Arial" panose="020B0604020202020204" pitchFamily="34" charset="0"/>
+              <a:buChar char="•"/>
+            </a:pPr>
+            <a:endParaRPr lang="ru-RU" sz="2000" dirty="0">
+              <a:latin typeface="Times New Roman" panose="02020603050405020304" pitchFamily="18" charset="0"/>
+              <a:cs typeface="Times New Roman" panose="02020603050405020304" pitchFamily="18" charset="0"/>
+            </a:endParaRPr>
+          </a:p>
+          <a:p>
+            <a:pPr marL="342900" indent="-342900">
+              <a:buFont typeface="Arial" panose="020B0604020202020204" pitchFamily="34" charset="0"/>
+              <a:buChar char="•"/>
+            </a:pPr>
+            <a:r>
+              <a:rPr lang="ru-RU" sz="2000" dirty="0">
+                <a:latin typeface="Times New Roman" panose="02020603050405020304" pitchFamily="18" charset="0"/>
+                <a:cs typeface="Times New Roman" panose="02020603050405020304" pitchFamily="18" charset="0"/>
+              </a:rPr>
+              <a:t>При больших числах этап просеивания может занимать от нескольких часов, чем раньше мы скорректируем начальные условия, тем лучше.</a:t>
             </a:r>
           </a:p>
         </p:txBody>
@@ -10183,7 +10812,174 @@
     </p:spTree>
     <p:extLst>
       <p:ext uri="{BB962C8B-B14F-4D97-AF65-F5344CB8AC3E}">
-        <p14:creationId xmlns:p14="http://schemas.microsoft.com/office/powerpoint/2010/main" val="3396261938"/>
+        <p14:creationId xmlns:p14="http://schemas.microsoft.com/office/powerpoint/2010/main" val="4092404348"/>
+      </p:ext>
+    </p:extLst>
+  </p:cSld>
+  <p:clrMapOvr>
+    <a:masterClrMapping/>
+  </p:clrMapOvr>
+</p:sld>
+</file>
+
+<file path=ppt/slides/slide9.xml><?xml version="1.0" encoding="utf-8"?>
+<p:sld xmlns:a="http://schemas.openxmlformats.org/drawingml/2006/main" xmlns:r="http://schemas.openxmlformats.org/officeDocument/2006/relationships" xmlns:p="http://schemas.openxmlformats.org/presentationml/2006/main">
+  <p:cSld>
+    <p:spTree>
+      <p:nvGrpSpPr>
+        <p:cNvPr id="1" name=""/>
+        <p:cNvGrpSpPr/>
+        <p:nvPr/>
+      </p:nvGrpSpPr>
+      <p:grpSpPr>
+        <a:xfrm>
+          <a:off x="0" y="0"/>
+          <a:ext cx="0" cy="0"/>
+          <a:chOff x="0" y="0"/>
+          <a:chExt cx="0" cy="0"/>
+        </a:xfrm>
+      </p:grpSpPr>
+      <p:sp>
+        <p:nvSpPr>
+          <p:cNvPr id="2" name="Заголовок 1">
+            <a:extLst>
+              <a:ext uri="{FF2B5EF4-FFF2-40B4-BE49-F238E27FC236}">
+                <a16:creationId xmlns:a16="http://schemas.microsoft.com/office/drawing/2014/main" id="{1234E301-6713-4DD5-927D-DADD2B424306}"/>
+              </a:ext>
+            </a:extLst>
+          </p:cNvPr>
+          <p:cNvSpPr>
+            <a:spLocks noGrp="1"/>
+          </p:cNvSpPr>
+          <p:nvPr>
+            <p:ph type="title"/>
+          </p:nvPr>
+        </p:nvSpPr>
+        <p:spPr>
+          <a:xfrm>
+            <a:off x="838200" y="365126"/>
+            <a:ext cx="10515600" cy="1341428"/>
+          </a:xfrm>
+        </p:spPr>
+        <p:txBody>
+          <a:bodyPr>
+            <a:normAutofit/>
+          </a:bodyPr>
+          <a:lstStyle/>
+          <a:p>
+            <a:r>
+              <a:rPr lang="ru-RU" sz="2800" dirty="0">
+                <a:latin typeface="Times New Roman" panose="02020603050405020304" pitchFamily="18" charset="0"/>
+                <a:cs typeface="Times New Roman" panose="02020603050405020304" pitchFamily="18" charset="0"/>
+              </a:rPr>
+              <a:t>Реализация метода квадратичного решета</a:t>
+            </a:r>
+            <a:br>
+              <a:rPr lang="ru-RU" sz="2800" dirty="0">
+                <a:latin typeface="Times New Roman" panose="02020603050405020304" pitchFamily="18" charset="0"/>
+                <a:cs typeface="Times New Roman" panose="02020603050405020304" pitchFamily="18" charset="0"/>
+              </a:rPr>
+            </a:br>
+            <a:r>
+              <a:rPr lang="ru-RU" sz="2800" dirty="0">
+                <a:latin typeface="Times New Roman" panose="02020603050405020304" pitchFamily="18" charset="0"/>
+                <a:cs typeface="Times New Roman" panose="02020603050405020304" pitchFamily="18" charset="0"/>
+              </a:rPr>
+              <a:t>Этап просеивания</a:t>
+            </a:r>
+          </a:p>
+        </p:txBody>
+      </p:sp>
+      <p:sp>
+        <p:nvSpPr>
+          <p:cNvPr id="4" name="Заголовок 1">
+            <a:extLst>
+              <a:ext uri="{FF2B5EF4-FFF2-40B4-BE49-F238E27FC236}">
+                <a16:creationId xmlns:a16="http://schemas.microsoft.com/office/drawing/2014/main" id="{40F50FF9-4F17-4D82-A5E2-4D7770E7BCFF}"/>
+              </a:ext>
+            </a:extLst>
+          </p:cNvPr>
+          <p:cNvSpPr txBox="1">
+            <a:spLocks/>
+          </p:cNvSpPr>
+          <p:nvPr/>
+        </p:nvSpPr>
+        <p:spPr>
+          <a:xfrm>
+            <a:off x="838200" y="1610830"/>
+            <a:ext cx="10515600" cy="888580"/>
+          </a:xfrm>
+          <a:prstGeom prst="rect">
+            <a:avLst/>
+          </a:prstGeom>
+        </p:spPr>
+        <p:txBody>
+          <a:bodyPr vert="horz" lIns="91440" tIns="45720" rIns="91440" bIns="45720" rtlCol="0" anchor="ctr">
+            <a:normAutofit/>
+          </a:bodyPr>
+          <a:lstStyle>
+            <a:lvl1pPr algn="l" defTabSz="914400" rtl="0" eaLnBrk="1" latinLnBrk="0" hangingPunct="1">
+              <a:lnSpc>
+                <a:spcPct val="90000"/>
+              </a:lnSpc>
+              <a:spcBef>
+                <a:spcPct val="0"/>
+              </a:spcBef>
+              <a:buNone/>
+              <a:defRPr sz="4400" kern="1200">
+                <a:solidFill>
+                  <a:schemeClr val="tx1"/>
+                </a:solidFill>
+                <a:latin typeface="+mj-lt"/>
+                <a:ea typeface="+mj-ea"/>
+                <a:cs typeface="+mj-cs"/>
+              </a:defRPr>
+            </a:lvl1pPr>
+          </a:lstStyle>
+          <a:p>
+            <a:pPr marL="342900" indent="-342900">
+              <a:buFont typeface="Arial" panose="020B0604020202020204" pitchFamily="34" charset="0"/>
+              <a:buChar char="•"/>
+            </a:pPr>
+            <a:endParaRPr lang="ru-RU" sz="2400" dirty="0">
+              <a:latin typeface="Times New Roman" panose="02020603050405020304" pitchFamily="18" charset="0"/>
+              <a:cs typeface="Times New Roman" panose="02020603050405020304" pitchFamily="18" charset="0"/>
+            </a:endParaRPr>
+          </a:p>
+        </p:txBody>
+      </p:sp>
+      <p:graphicFrame>
+        <p:nvGraphicFramePr>
+          <p:cNvPr id="8" name="Диаграмма 7">
+            <a:extLst>
+              <a:ext uri="{FF2B5EF4-FFF2-40B4-BE49-F238E27FC236}">
+                <a16:creationId xmlns:a16="http://schemas.microsoft.com/office/drawing/2014/main" id="{9F353B77-3950-42CC-94FE-27717CAF9185}"/>
+              </a:ext>
+            </a:extLst>
+          </p:cNvPr>
+          <p:cNvGraphicFramePr/>
+          <p:nvPr>
+            <p:extLst>
+              <p:ext uri="{D42A27DB-BD31-4B8C-83A1-F6EECF244321}">
+                <p14:modId xmlns:p14="http://schemas.microsoft.com/office/powerpoint/2010/main" val="2671269999"/>
+              </p:ext>
+            </p:extLst>
+          </p:nvPr>
+        </p:nvGraphicFramePr>
+        <p:xfrm>
+          <a:off x="838199" y="1646712"/>
+          <a:ext cx="10515600" cy="4429440"/>
+        </p:xfrm>
+        <a:graphic>
+          <a:graphicData uri="http://schemas.openxmlformats.org/drawingml/2006/chart">
+            <c:chart xmlns:c="http://schemas.openxmlformats.org/drawingml/2006/chart" xmlns:r="http://schemas.openxmlformats.org/officeDocument/2006/relationships" r:id="rId2"/>
+          </a:graphicData>
+        </a:graphic>
+      </p:graphicFrame>
+    </p:spTree>
+    <p:extLst>
+      <p:ext uri="{BB962C8B-B14F-4D97-AF65-F5344CB8AC3E}">
+        <p14:creationId xmlns:p14="http://schemas.microsoft.com/office/powerpoint/2010/main" val="1755295134"/>
       </p:ext>
     </p:extLst>
   </p:cSld>
